--- a/任务管理.pptx
+++ b/任务管理.pptx
@@ -9,6 +9,7 @@
     <p:sldId id="258" r:id="rId3"/>
     <p:sldId id="259" r:id="rId4"/>
     <p:sldId id="260" r:id="rId5"/>
+    <p:sldId id="261" r:id="rId6"/>
   </p:sldIdLst>
   <p:sldSz cx="12192000" cy="6858000"/>
   <p:notesSz cx="6858000" cy="9144000"/>
@@ -24684,6 +24685,36 @@
 </p:sld>
 </file>
 
+<file path=ppt/slides/slide5.xml><?xml version="1.0" encoding="utf-8"?>
+<p:sld xmlns:a="http://schemas.openxmlformats.org/drawingml/2006/main" xmlns:r="http://schemas.openxmlformats.org/officeDocument/2006/relationships" xmlns:p="http://schemas.openxmlformats.org/presentationml/2006/main">
+  <p:cSld>
+    <p:spTree>
+      <p:nvGrpSpPr>
+        <p:cNvPr id="1" name=""/>
+        <p:cNvGrpSpPr/>
+        <p:nvPr/>
+      </p:nvGrpSpPr>
+      <p:grpSpPr>
+        <a:xfrm>
+          <a:off x="0" y="0"/>
+          <a:ext cx="0" cy="0"/>
+          <a:chOff x="0" y="0"/>
+          <a:chExt cx="0" cy="0"/>
+        </a:xfrm>
+      </p:grpSpPr>
+    </p:spTree>
+    <p:extLst>
+      <p:ext uri="{BB962C8B-B14F-4D97-AF65-F5344CB8AC3E}">
+        <p14:creationId xmlns:p14="http://schemas.microsoft.com/office/powerpoint/2010/main" val="3542499689"/>
+      </p:ext>
+    </p:extLst>
+  </p:cSld>
+  <p:clrMapOvr>
+    <a:masterClrMapping/>
+  </p:clrMapOvr>
+</p:sld>
+</file>
+
 <file path=ppt/theme/theme1.xml><?xml version="1.0" encoding="utf-8"?>
 <a:theme xmlns:a="http://schemas.openxmlformats.org/drawingml/2006/main" name="Office 主题​​">
   <a:themeElements>

--- a/任务管理.pptx
+++ b/任务管理.pptx
@@ -3405,230 +3405,251 @@
           </a:p>
         </p:txBody>
       </p:sp>
-      <p:sp>
-        <p:nvSpPr>
-          <p:cNvPr id="19" name="矩形 18">
+      <p:grpSp>
+        <p:nvGrpSpPr>
+          <p:cNvPr id="5" name="组合 4">
             <a:extLst>
               <a:ext uri="{FF2B5EF4-FFF2-40B4-BE49-F238E27FC236}">
-                <a16:creationId xmlns:a16="http://schemas.microsoft.com/office/drawing/2014/main" id="{4F6BF93E-C1FF-734B-805C-F3F02E5C888B}"/>
+                <a16:creationId xmlns:a16="http://schemas.microsoft.com/office/drawing/2014/main" id="{287DA44B-D8A9-8243-9B0D-2348B65624D8}"/>
               </a:ext>
             </a:extLst>
           </p:cNvPr>
-          <p:cNvSpPr/>
+          <p:cNvGrpSpPr/>
           <p:nvPr/>
-        </p:nvSpPr>
-        <p:spPr>
+        </p:nvGrpSpPr>
+        <p:grpSpPr>
           <a:xfrm>
             <a:off x="1347950" y="3034550"/>
-            <a:ext cx="2517226" cy="371749"/>
+            <a:ext cx="2517226" cy="1486270"/>
+            <a:chOff x="1347950" y="3034550"/>
+            <a:chExt cx="2517226" cy="1486270"/>
           </a:xfrm>
-          <a:prstGeom prst="rect">
-            <a:avLst/>
-          </a:prstGeom>
-          <a:noFill/>
-          <a:ln>
-            <a:solidFill>
-              <a:schemeClr val="tx1"/>
-            </a:solidFill>
-          </a:ln>
-        </p:spPr>
-        <p:style>
-          <a:lnRef idx="2">
-            <a:schemeClr val="accent1">
-              <a:shade val="50000"/>
-            </a:schemeClr>
-          </a:lnRef>
-          <a:fillRef idx="1">
-            <a:schemeClr val="accent1"/>
-          </a:fillRef>
-          <a:effectRef idx="0">
-            <a:schemeClr val="accent1"/>
-          </a:effectRef>
-          <a:fontRef idx="minor">
-            <a:schemeClr val="lt1"/>
-          </a:fontRef>
-        </p:style>
-        <p:txBody>
-          <a:bodyPr rtlCol="0" anchor="ctr"/>
-          <a:lstStyle/>
-          <a:p>
-            <a:pPr algn="ctr"/>
-            <a:endParaRPr lang="en-US" altLang="zh-CN">
-              <a:solidFill>
-                <a:schemeClr val="tx1"/>
-              </a:solidFill>
-            </a:endParaRPr>
-          </a:p>
-        </p:txBody>
-      </p:sp>
-      <p:sp>
-        <p:nvSpPr>
-          <p:cNvPr id="20" name="矩形 19">
-            <a:extLst>
-              <a:ext uri="{FF2B5EF4-FFF2-40B4-BE49-F238E27FC236}">
-                <a16:creationId xmlns:a16="http://schemas.microsoft.com/office/drawing/2014/main" id="{74AB2059-D036-A449-B09A-1788A8C9002D}"/>
-              </a:ext>
-            </a:extLst>
-          </p:cNvPr>
-          <p:cNvSpPr/>
-          <p:nvPr/>
-        </p:nvSpPr>
-        <p:spPr>
-          <a:xfrm>
-            <a:off x="1347950" y="3406299"/>
-            <a:ext cx="2517226" cy="371749"/>
-          </a:xfrm>
-          <a:prstGeom prst="rect">
-            <a:avLst/>
-          </a:prstGeom>
-          <a:noFill/>
-          <a:ln>
-            <a:solidFill>
-              <a:schemeClr val="tx1"/>
-            </a:solidFill>
-          </a:ln>
-        </p:spPr>
-        <p:style>
-          <a:lnRef idx="2">
-            <a:schemeClr val="accent1">
-              <a:shade val="50000"/>
-            </a:schemeClr>
-          </a:lnRef>
-          <a:fillRef idx="1">
-            <a:schemeClr val="accent1"/>
-          </a:fillRef>
-          <a:effectRef idx="0">
-            <a:schemeClr val="accent1"/>
-          </a:effectRef>
-          <a:fontRef idx="minor">
-            <a:schemeClr val="lt1"/>
-          </a:fontRef>
-        </p:style>
-        <p:txBody>
-          <a:bodyPr rtlCol="0" anchor="ctr"/>
-          <a:lstStyle/>
-          <a:p>
-            <a:pPr algn="ctr"/>
-            <a:endParaRPr lang="en-US" altLang="zh-CN">
-              <a:solidFill>
-                <a:schemeClr val="tx1"/>
-              </a:solidFill>
-            </a:endParaRPr>
-          </a:p>
-        </p:txBody>
-      </p:sp>
-      <p:sp>
-        <p:nvSpPr>
-          <p:cNvPr id="21" name="矩形 20">
-            <a:extLst>
-              <a:ext uri="{FF2B5EF4-FFF2-40B4-BE49-F238E27FC236}">
-                <a16:creationId xmlns:a16="http://schemas.microsoft.com/office/drawing/2014/main" id="{1C071C54-BC7E-2C4E-BEFF-57D0D7FA0768}"/>
-              </a:ext>
-            </a:extLst>
-          </p:cNvPr>
-          <p:cNvSpPr/>
-          <p:nvPr/>
-        </p:nvSpPr>
-        <p:spPr>
-          <a:xfrm>
-            <a:off x="1347950" y="3777322"/>
-            <a:ext cx="2517226" cy="371749"/>
-          </a:xfrm>
-          <a:prstGeom prst="rect">
-            <a:avLst/>
-          </a:prstGeom>
-          <a:noFill/>
-          <a:ln>
-            <a:solidFill>
-              <a:schemeClr val="tx1"/>
-            </a:solidFill>
-          </a:ln>
-        </p:spPr>
-        <p:style>
-          <a:lnRef idx="2">
-            <a:schemeClr val="accent1">
-              <a:shade val="50000"/>
-            </a:schemeClr>
-          </a:lnRef>
-          <a:fillRef idx="1">
-            <a:schemeClr val="accent1"/>
-          </a:fillRef>
-          <a:effectRef idx="0">
-            <a:schemeClr val="accent1"/>
-          </a:effectRef>
-          <a:fontRef idx="minor">
-            <a:schemeClr val="lt1"/>
-          </a:fontRef>
-        </p:style>
-        <p:txBody>
-          <a:bodyPr rtlCol="0" anchor="ctr"/>
-          <a:lstStyle/>
-          <a:p>
-            <a:pPr algn="ctr"/>
-            <a:endParaRPr lang="en-US" altLang="zh-CN">
-              <a:solidFill>
-                <a:schemeClr val="tx1"/>
-              </a:solidFill>
-            </a:endParaRPr>
-          </a:p>
-        </p:txBody>
-      </p:sp>
-      <p:sp>
-        <p:nvSpPr>
-          <p:cNvPr id="22" name="矩形 21">
-            <a:extLst>
-              <a:ext uri="{FF2B5EF4-FFF2-40B4-BE49-F238E27FC236}">
-                <a16:creationId xmlns:a16="http://schemas.microsoft.com/office/drawing/2014/main" id="{2C48C5D2-E4E6-5848-A037-8BA0153DFFBF}"/>
-              </a:ext>
-            </a:extLst>
-          </p:cNvPr>
-          <p:cNvSpPr/>
-          <p:nvPr/>
-        </p:nvSpPr>
-        <p:spPr>
-          <a:xfrm>
-            <a:off x="1347950" y="4149071"/>
-            <a:ext cx="2517226" cy="371749"/>
-          </a:xfrm>
-          <a:prstGeom prst="rect">
-            <a:avLst/>
-          </a:prstGeom>
-          <a:noFill/>
-          <a:ln>
-            <a:solidFill>
-              <a:schemeClr val="tx1"/>
-            </a:solidFill>
-          </a:ln>
-        </p:spPr>
-        <p:style>
-          <a:lnRef idx="2">
-            <a:schemeClr val="accent1">
-              <a:shade val="50000"/>
-            </a:schemeClr>
-          </a:lnRef>
-          <a:fillRef idx="1">
-            <a:schemeClr val="accent1"/>
-          </a:fillRef>
-          <a:effectRef idx="0">
-            <a:schemeClr val="accent1"/>
-          </a:effectRef>
-          <a:fontRef idx="minor">
-            <a:schemeClr val="lt1"/>
-          </a:fontRef>
-        </p:style>
-        <p:txBody>
-          <a:bodyPr rtlCol="0" anchor="ctr"/>
-          <a:lstStyle/>
-          <a:p>
-            <a:pPr algn="ctr"/>
-            <a:endParaRPr lang="en-US" altLang="zh-CN">
-              <a:solidFill>
-                <a:schemeClr val="tx1"/>
-              </a:solidFill>
-            </a:endParaRPr>
-          </a:p>
-        </p:txBody>
-      </p:sp>
+        </p:grpSpPr>
+        <p:sp>
+          <p:nvSpPr>
+            <p:cNvPr id="19" name="矩形 18">
+              <a:extLst>
+                <a:ext uri="{FF2B5EF4-FFF2-40B4-BE49-F238E27FC236}">
+                  <a16:creationId xmlns:a16="http://schemas.microsoft.com/office/drawing/2014/main" id="{4F6BF93E-C1FF-734B-805C-F3F02E5C888B}"/>
+                </a:ext>
+              </a:extLst>
+            </p:cNvPr>
+            <p:cNvSpPr/>
+            <p:nvPr/>
+          </p:nvSpPr>
+          <p:spPr>
+            <a:xfrm>
+              <a:off x="1347950" y="3034550"/>
+              <a:ext cx="2517226" cy="371749"/>
+            </a:xfrm>
+            <a:prstGeom prst="rect">
+              <a:avLst/>
+            </a:prstGeom>
+            <a:noFill/>
+            <a:ln>
+              <a:solidFill>
+                <a:schemeClr val="tx1"/>
+              </a:solidFill>
+            </a:ln>
+          </p:spPr>
+          <p:style>
+            <a:lnRef idx="2">
+              <a:schemeClr val="accent1">
+                <a:shade val="50000"/>
+              </a:schemeClr>
+            </a:lnRef>
+            <a:fillRef idx="1">
+              <a:schemeClr val="accent1"/>
+            </a:fillRef>
+            <a:effectRef idx="0">
+              <a:schemeClr val="accent1"/>
+            </a:effectRef>
+            <a:fontRef idx="minor">
+              <a:schemeClr val="lt1"/>
+            </a:fontRef>
+          </p:style>
+          <p:txBody>
+            <a:bodyPr rtlCol="0" anchor="ctr"/>
+            <a:lstStyle/>
+            <a:p>
+              <a:pPr algn="ctr"/>
+              <a:endParaRPr lang="en-US" altLang="zh-CN">
+                <a:solidFill>
+                  <a:schemeClr val="tx1"/>
+                </a:solidFill>
+              </a:endParaRPr>
+            </a:p>
+          </p:txBody>
+        </p:sp>
+        <p:sp>
+          <p:nvSpPr>
+            <p:cNvPr id="20" name="矩形 19">
+              <a:extLst>
+                <a:ext uri="{FF2B5EF4-FFF2-40B4-BE49-F238E27FC236}">
+                  <a16:creationId xmlns:a16="http://schemas.microsoft.com/office/drawing/2014/main" id="{74AB2059-D036-A449-B09A-1788A8C9002D}"/>
+                </a:ext>
+              </a:extLst>
+            </p:cNvPr>
+            <p:cNvSpPr/>
+            <p:nvPr/>
+          </p:nvSpPr>
+          <p:spPr>
+            <a:xfrm>
+              <a:off x="1347950" y="3406299"/>
+              <a:ext cx="2517226" cy="371749"/>
+            </a:xfrm>
+            <a:prstGeom prst="rect">
+              <a:avLst/>
+            </a:prstGeom>
+            <a:noFill/>
+            <a:ln>
+              <a:solidFill>
+                <a:schemeClr val="tx1"/>
+              </a:solidFill>
+            </a:ln>
+          </p:spPr>
+          <p:style>
+            <a:lnRef idx="2">
+              <a:schemeClr val="accent1">
+                <a:shade val="50000"/>
+              </a:schemeClr>
+            </a:lnRef>
+            <a:fillRef idx="1">
+              <a:schemeClr val="accent1"/>
+            </a:fillRef>
+            <a:effectRef idx="0">
+              <a:schemeClr val="accent1"/>
+            </a:effectRef>
+            <a:fontRef idx="minor">
+              <a:schemeClr val="lt1"/>
+            </a:fontRef>
+          </p:style>
+          <p:txBody>
+            <a:bodyPr rtlCol="0" anchor="ctr"/>
+            <a:lstStyle/>
+            <a:p>
+              <a:pPr algn="ctr"/>
+              <a:endParaRPr lang="en-US" altLang="zh-CN">
+                <a:solidFill>
+                  <a:schemeClr val="tx1"/>
+                </a:solidFill>
+              </a:endParaRPr>
+            </a:p>
+          </p:txBody>
+        </p:sp>
+        <p:sp>
+          <p:nvSpPr>
+            <p:cNvPr id="21" name="矩形 20">
+              <a:extLst>
+                <a:ext uri="{FF2B5EF4-FFF2-40B4-BE49-F238E27FC236}">
+                  <a16:creationId xmlns:a16="http://schemas.microsoft.com/office/drawing/2014/main" id="{1C071C54-BC7E-2C4E-BEFF-57D0D7FA0768}"/>
+                </a:ext>
+              </a:extLst>
+            </p:cNvPr>
+            <p:cNvSpPr/>
+            <p:nvPr/>
+          </p:nvSpPr>
+          <p:spPr>
+            <a:xfrm>
+              <a:off x="1347950" y="3777322"/>
+              <a:ext cx="2517226" cy="371749"/>
+            </a:xfrm>
+            <a:prstGeom prst="rect">
+              <a:avLst/>
+            </a:prstGeom>
+            <a:noFill/>
+            <a:ln>
+              <a:solidFill>
+                <a:schemeClr val="tx1"/>
+              </a:solidFill>
+            </a:ln>
+          </p:spPr>
+          <p:style>
+            <a:lnRef idx="2">
+              <a:schemeClr val="accent1">
+                <a:shade val="50000"/>
+              </a:schemeClr>
+            </a:lnRef>
+            <a:fillRef idx="1">
+              <a:schemeClr val="accent1"/>
+            </a:fillRef>
+            <a:effectRef idx="0">
+              <a:schemeClr val="accent1"/>
+            </a:effectRef>
+            <a:fontRef idx="minor">
+              <a:schemeClr val="lt1"/>
+            </a:fontRef>
+          </p:style>
+          <p:txBody>
+            <a:bodyPr rtlCol="0" anchor="ctr"/>
+            <a:lstStyle/>
+            <a:p>
+              <a:pPr algn="ctr"/>
+              <a:endParaRPr lang="en-US" altLang="zh-CN">
+                <a:solidFill>
+                  <a:schemeClr val="tx1"/>
+                </a:solidFill>
+              </a:endParaRPr>
+            </a:p>
+          </p:txBody>
+        </p:sp>
+        <p:sp>
+          <p:nvSpPr>
+            <p:cNvPr id="22" name="矩形 21">
+              <a:extLst>
+                <a:ext uri="{FF2B5EF4-FFF2-40B4-BE49-F238E27FC236}">
+                  <a16:creationId xmlns:a16="http://schemas.microsoft.com/office/drawing/2014/main" id="{2C48C5D2-E4E6-5848-A037-8BA0153DFFBF}"/>
+                </a:ext>
+              </a:extLst>
+            </p:cNvPr>
+            <p:cNvSpPr/>
+            <p:nvPr/>
+          </p:nvSpPr>
+          <p:spPr>
+            <a:xfrm>
+              <a:off x="1347950" y="4149071"/>
+              <a:ext cx="2517226" cy="371749"/>
+            </a:xfrm>
+            <a:prstGeom prst="rect">
+              <a:avLst/>
+            </a:prstGeom>
+            <a:noFill/>
+            <a:ln>
+              <a:solidFill>
+                <a:schemeClr val="tx1"/>
+              </a:solidFill>
+            </a:ln>
+          </p:spPr>
+          <p:style>
+            <a:lnRef idx="2">
+              <a:schemeClr val="accent1">
+                <a:shade val="50000"/>
+              </a:schemeClr>
+            </a:lnRef>
+            <a:fillRef idx="1">
+              <a:schemeClr val="accent1"/>
+            </a:fillRef>
+            <a:effectRef idx="0">
+              <a:schemeClr val="accent1"/>
+            </a:effectRef>
+            <a:fontRef idx="minor">
+              <a:schemeClr val="lt1"/>
+            </a:fontRef>
+          </p:style>
+          <p:txBody>
+            <a:bodyPr rtlCol="0" anchor="ctr"/>
+            <a:lstStyle/>
+            <a:p>
+              <a:pPr algn="ctr"/>
+              <a:endParaRPr lang="en-US" altLang="zh-CN">
+                <a:solidFill>
+                  <a:schemeClr val="tx1"/>
+                </a:solidFill>
+              </a:endParaRPr>
+            </a:p>
+          </p:txBody>
+        </p:sp>
+      </p:grpSp>
       <p:sp>
         <p:nvSpPr>
           <p:cNvPr id="34" name="矩形 33">
@@ -24702,6 +24723,2244 @@
           <a:chExt cx="0" cy="0"/>
         </a:xfrm>
       </p:grpSpPr>
+      <p:grpSp>
+        <p:nvGrpSpPr>
+          <p:cNvPr id="24" name="组合 23">
+            <a:extLst>
+              <a:ext uri="{FF2B5EF4-FFF2-40B4-BE49-F238E27FC236}">
+                <a16:creationId xmlns:a16="http://schemas.microsoft.com/office/drawing/2014/main" id="{FFAB0CAC-D510-8A41-BD51-12FD2FFC5304}"/>
+              </a:ext>
+            </a:extLst>
+          </p:cNvPr>
+          <p:cNvGrpSpPr/>
+          <p:nvPr/>
+        </p:nvGrpSpPr>
+        <p:grpSpPr>
+          <a:xfrm>
+            <a:off x="3627400" y="2216781"/>
+            <a:ext cx="1641717" cy="1143235"/>
+            <a:chOff x="4559907" y="1943997"/>
+            <a:chExt cx="2389291" cy="1596673"/>
+          </a:xfrm>
+        </p:grpSpPr>
+        <p:sp>
+          <p:nvSpPr>
+            <p:cNvPr id="3" name="矩形 2">
+              <a:extLst>
+                <a:ext uri="{FF2B5EF4-FFF2-40B4-BE49-F238E27FC236}">
+                  <a16:creationId xmlns:a16="http://schemas.microsoft.com/office/drawing/2014/main" id="{4D300530-5D56-9544-8BDC-7F1EEC80CC04}"/>
+                </a:ext>
+              </a:extLst>
+            </p:cNvPr>
+            <p:cNvSpPr/>
+            <p:nvPr/>
+          </p:nvSpPr>
+          <p:spPr>
+            <a:xfrm>
+              <a:off x="4559907" y="1943997"/>
+              <a:ext cx="2389291" cy="397631"/>
+            </a:xfrm>
+            <a:prstGeom prst="rect">
+              <a:avLst/>
+            </a:prstGeom>
+            <a:noFill/>
+            <a:ln>
+              <a:solidFill>
+                <a:schemeClr val="tx1"/>
+              </a:solidFill>
+            </a:ln>
+          </p:spPr>
+          <p:style>
+            <a:lnRef idx="2">
+              <a:schemeClr val="accent1">
+                <a:shade val="50000"/>
+              </a:schemeClr>
+            </a:lnRef>
+            <a:fillRef idx="1">
+              <a:schemeClr val="accent1"/>
+            </a:fillRef>
+            <a:effectRef idx="0">
+              <a:schemeClr val="accent1"/>
+            </a:effectRef>
+            <a:fontRef idx="minor">
+              <a:schemeClr val="lt1"/>
+            </a:fontRef>
+          </p:style>
+          <p:txBody>
+            <a:bodyPr rtlCol="0" anchor="ctr"/>
+            <a:lstStyle/>
+            <a:p>
+              <a:pPr algn="ctr"/>
+              <a:r>
+                <a:rPr lang="en-US" altLang="zh-CN" sz="900">
+                  <a:solidFill>
+                    <a:schemeClr val="tx1"/>
+                  </a:solidFill>
+                  <a:latin typeface="+mn-ea"/>
+                </a:rPr>
+                <a:t>&amp;(next-&gt;context)</a:t>
+              </a:r>
+              <a:r>
+                <a:rPr lang="zh-CN" altLang="en-US" sz="900">
+                  <a:solidFill>
+                    <a:schemeClr val="tx1"/>
+                  </a:solidFill>
+                  <a:latin typeface="+mn-ea"/>
+                </a:rPr>
+                <a:t>    </a:t>
+              </a:r>
+              <a:r>
+                <a:rPr lang="en-US" altLang="zh-CN" sz="900">
+                  <a:solidFill>
+                    <a:schemeClr val="tx1"/>
+                  </a:solidFill>
+                  <a:latin typeface="+mn-ea"/>
+                </a:rPr>
+                <a:t>//to</a:t>
+              </a:r>
+            </a:p>
+          </p:txBody>
+        </p:sp>
+        <p:sp>
+          <p:nvSpPr>
+            <p:cNvPr id="4" name="矩形 3">
+              <a:extLst>
+                <a:ext uri="{FF2B5EF4-FFF2-40B4-BE49-F238E27FC236}">
+                  <a16:creationId xmlns:a16="http://schemas.microsoft.com/office/drawing/2014/main" id="{09853614-28C6-C84A-AD06-46BA128088D8}"/>
+                </a:ext>
+              </a:extLst>
+            </p:cNvPr>
+            <p:cNvSpPr/>
+            <p:nvPr/>
+          </p:nvSpPr>
+          <p:spPr>
+            <a:xfrm>
+              <a:off x="4559907" y="2341628"/>
+              <a:ext cx="2389291" cy="397631"/>
+            </a:xfrm>
+            <a:prstGeom prst="rect">
+              <a:avLst/>
+            </a:prstGeom>
+            <a:noFill/>
+            <a:ln>
+              <a:solidFill>
+                <a:schemeClr val="tx1"/>
+              </a:solidFill>
+            </a:ln>
+          </p:spPr>
+          <p:style>
+            <a:lnRef idx="2">
+              <a:schemeClr val="accent1">
+                <a:shade val="50000"/>
+              </a:schemeClr>
+            </a:lnRef>
+            <a:fillRef idx="1">
+              <a:schemeClr val="accent1"/>
+            </a:fillRef>
+            <a:effectRef idx="0">
+              <a:schemeClr val="accent1"/>
+            </a:effectRef>
+            <a:fontRef idx="minor">
+              <a:schemeClr val="lt1"/>
+            </a:fontRef>
+          </p:style>
+          <p:txBody>
+            <a:bodyPr rtlCol="0" anchor="ctr"/>
+            <a:lstStyle/>
+            <a:p>
+              <a:pPr algn="ctr"/>
+              <a:r>
+                <a:rPr lang="en-US" altLang="zh-CN" sz="900">
+                  <a:solidFill>
+                    <a:schemeClr val="tx1"/>
+                  </a:solidFill>
+                  <a:latin typeface="+mn-ea"/>
+                </a:rPr>
+                <a:t>&amp;(prev-&gt;context)</a:t>
+              </a:r>
+              <a:r>
+                <a:rPr lang="zh-CN" altLang="en-US" sz="900">
+                  <a:solidFill>
+                    <a:schemeClr val="tx1"/>
+                  </a:solidFill>
+                  <a:latin typeface="+mn-ea"/>
+                </a:rPr>
+                <a:t>    </a:t>
+              </a:r>
+              <a:r>
+                <a:rPr lang="en-US" altLang="zh-CN" sz="900">
+                  <a:solidFill>
+                    <a:schemeClr val="tx1"/>
+                  </a:solidFill>
+                  <a:latin typeface="+mn-ea"/>
+                </a:rPr>
+                <a:t>//from</a:t>
+              </a:r>
+            </a:p>
+          </p:txBody>
+        </p:sp>
+        <p:sp>
+          <p:nvSpPr>
+            <p:cNvPr id="5" name="矩形 4">
+              <a:extLst>
+                <a:ext uri="{FF2B5EF4-FFF2-40B4-BE49-F238E27FC236}">
+                  <a16:creationId xmlns:a16="http://schemas.microsoft.com/office/drawing/2014/main" id="{D0581661-DAC4-C24A-93BC-27C498F05407}"/>
+                </a:ext>
+              </a:extLst>
+            </p:cNvPr>
+            <p:cNvSpPr/>
+            <p:nvPr/>
+          </p:nvSpPr>
+          <p:spPr>
+            <a:xfrm>
+              <a:off x="4559907" y="2745409"/>
+              <a:ext cx="2389291" cy="397631"/>
+            </a:xfrm>
+            <a:prstGeom prst="rect">
+              <a:avLst/>
+            </a:prstGeom>
+            <a:noFill/>
+            <a:ln>
+              <a:solidFill>
+                <a:schemeClr val="tx1"/>
+              </a:solidFill>
+            </a:ln>
+          </p:spPr>
+          <p:style>
+            <a:lnRef idx="2">
+              <a:schemeClr val="accent1">
+                <a:shade val="50000"/>
+              </a:schemeClr>
+            </a:lnRef>
+            <a:fillRef idx="1">
+              <a:schemeClr val="accent1"/>
+            </a:fillRef>
+            <a:effectRef idx="0">
+              <a:schemeClr val="accent1"/>
+            </a:effectRef>
+            <a:fontRef idx="minor">
+              <a:schemeClr val="lt1"/>
+            </a:fontRef>
+          </p:style>
+          <p:txBody>
+            <a:bodyPr rtlCol="0" anchor="ctr"/>
+            <a:lstStyle/>
+            <a:p>
+              <a:pPr algn="ctr"/>
+              <a:r>
+                <a:rPr lang="en-US" altLang="zh-CN" sz="900">
+                  <a:solidFill>
+                    <a:schemeClr val="tx1"/>
+                  </a:solidFill>
+                  <a:latin typeface="+mn-ea"/>
+                </a:rPr>
+                <a:t>ret</a:t>
+              </a:r>
+              <a:r>
+                <a:rPr lang="zh-CN" altLang="en-US" sz="900">
+                  <a:solidFill>
+                    <a:schemeClr val="tx1"/>
+                  </a:solidFill>
+                  <a:latin typeface="+mn-ea"/>
+                </a:rPr>
+                <a:t> </a:t>
+              </a:r>
+              <a:r>
+                <a:rPr lang="en-US" altLang="zh-CN" sz="900">
+                  <a:solidFill>
+                    <a:schemeClr val="tx1"/>
+                  </a:solidFill>
+                  <a:latin typeface="+mn-ea"/>
+                </a:rPr>
+                <a:t>addr</a:t>
+              </a:r>
+            </a:p>
+          </p:txBody>
+        </p:sp>
+        <p:sp>
+          <p:nvSpPr>
+            <p:cNvPr id="6" name="矩形 5">
+              <a:extLst>
+                <a:ext uri="{FF2B5EF4-FFF2-40B4-BE49-F238E27FC236}">
+                  <a16:creationId xmlns:a16="http://schemas.microsoft.com/office/drawing/2014/main" id="{C61D2AFD-D04E-304D-A84E-05933DF861AD}"/>
+                </a:ext>
+              </a:extLst>
+            </p:cNvPr>
+            <p:cNvSpPr/>
+            <p:nvPr/>
+          </p:nvSpPr>
+          <p:spPr>
+            <a:xfrm>
+              <a:off x="4559907" y="3143039"/>
+              <a:ext cx="2389291" cy="397631"/>
+            </a:xfrm>
+            <a:prstGeom prst="rect">
+              <a:avLst/>
+            </a:prstGeom>
+            <a:noFill/>
+            <a:ln>
+              <a:solidFill>
+                <a:schemeClr val="tx1"/>
+              </a:solidFill>
+            </a:ln>
+          </p:spPr>
+          <p:style>
+            <a:lnRef idx="2">
+              <a:schemeClr val="accent1">
+                <a:shade val="50000"/>
+              </a:schemeClr>
+            </a:lnRef>
+            <a:fillRef idx="1">
+              <a:schemeClr val="accent1"/>
+            </a:fillRef>
+            <a:effectRef idx="0">
+              <a:schemeClr val="accent1"/>
+            </a:effectRef>
+            <a:fontRef idx="minor">
+              <a:schemeClr val="lt1"/>
+            </a:fontRef>
+          </p:style>
+          <p:txBody>
+            <a:bodyPr rtlCol="0" anchor="ctr"/>
+            <a:lstStyle/>
+            <a:p>
+              <a:pPr algn="ctr"/>
+              <a:endParaRPr lang="en-US" altLang="zh-CN" sz="900">
+                <a:solidFill>
+                  <a:schemeClr val="tx1"/>
+                </a:solidFill>
+                <a:latin typeface="+mn-ea"/>
+              </a:endParaRPr>
+            </a:p>
+          </p:txBody>
+        </p:sp>
+      </p:grpSp>
+      <p:grpSp>
+        <p:nvGrpSpPr>
+          <p:cNvPr id="20" name="组合 19">
+            <a:extLst>
+              <a:ext uri="{FF2B5EF4-FFF2-40B4-BE49-F238E27FC236}">
+                <a16:creationId xmlns:a16="http://schemas.microsoft.com/office/drawing/2014/main" id="{550381D4-DB01-6645-B91E-17D34FA94F87}"/>
+              </a:ext>
+            </a:extLst>
+          </p:cNvPr>
+          <p:cNvGrpSpPr/>
+          <p:nvPr/>
+        </p:nvGrpSpPr>
+        <p:grpSpPr>
+          <a:xfrm>
+            <a:off x="1144120" y="514021"/>
+            <a:ext cx="1578230" cy="1622679"/>
+            <a:chOff x="1026425" y="684103"/>
+            <a:chExt cx="2389292" cy="3584587"/>
+          </a:xfrm>
+        </p:grpSpPr>
+        <p:sp>
+          <p:nvSpPr>
+            <p:cNvPr id="10" name="矩形 9">
+              <a:extLst>
+                <a:ext uri="{FF2B5EF4-FFF2-40B4-BE49-F238E27FC236}">
+                  <a16:creationId xmlns:a16="http://schemas.microsoft.com/office/drawing/2014/main" id="{17627C49-EEFA-4043-B5BA-E3BAD8A6D8E8}"/>
+                </a:ext>
+              </a:extLst>
+            </p:cNvPr>
+            <p:cNvSpPr/>
+            <p:nvPr/>
+          </p:nvSpPr>
+          <p:spPr>
+            <a:xfrm>
+              <a:off x="1026426" y="1083822"/>
+              <a:ext cx="2389291" cy="397631"/>
+            </a:xfrm>
+            <a:prstGeom prst="rect">
+              <a:avLst/>
+            </a:prstGeom>
+            <a:noFill/>
+            <a:ln>
+              <a:solidFill>
+                <a:schemeClr val="tx1"/>
+              </a:solidFill>
+            </a:ln>
+          </p:spPr>
+          <p:style>
+            <a:lnRef idx="2">
+              <a:schemeClr val="accent1">
+                <a:shade val="50000"/>
+              </a:schemeClr>
+            </a:lnRef>
+            <a:fillRef idx="1">
+              <a:schemeClr val="accent1"/>
+            </a:fillRef>
+            <a:effectRef idx="0">
+              <a:schemeClr val="accent1"/>
+            </a:effectRef>
+            <a:fontRef idx="minor">
+              <a:schemeClr val="lt1"/>
+            </a:fontRef>
+          </p:style>
+          <p:txBody>
+            <a:bodyPr rtlCol="0" anchor="ctr"/>
+            <a:lstStyle/>
+            <a:p>
+              <a:pPr algn="ctr"/>
+              <a:r>
+                <a:rPr lang="en-US" altLang="zh-CN" sz="900">
+                  <a:solidFill>
+                    <a:srgbClr val="000000"/>
+                  </a:solidFill>
+                  <a:latin typeface="Menlo" panose="020B0609030804020204" pitchFamily="49" charset="0"/>
+                </a:rPr>
+                <a:t>uint32_t ebp</a:t>
+              </a:r>
+              <a:endParaRPr lang="en-US" altLang="zh-CN" sz="900">
+                <a:solidFill>
+                  <a:schemeClr val="tx1"/>
+                </a:solidFill>
+                <a:latin typeface="+mn-ea"/>
+              </a:endParaRPr>
+            </a:p>
+          </p:txBody>
+        </p:sp>
+        <p:sp>
+          <p:nvSpPr>
+            <p:cNvPr id="11" name="矩形 10">
+              <a:extLst>
+                <a:ext uri="{FF2B5EF4-FFF2-40B4-BE49-F238E27FC236}">
+                  <a16:creationId xmlns:a16="http://schemas.microsoft.com/office/drawing/2014/main" id="{4E5A9690-FB5E-4548-AEDB-92037764144C}"/>
+                </a:ext>
+              </a:extLst>
+            </p:cNvPr>
+            <p:cNvSpPr/>
+            <p:nvPr/>
+          </p:nvSpPr>
+          <p:spPr>
+            <a:xfrm>
+              <a:off x="1026426" y="1481453"/>
+              <a:ext cx="2389291" cy="397631"/>
+            </a:xfrm>
+            <a:prstGeom prst="rect">
+              <a:avLst/>
+            </a:prstGeom>
+            <a:noFill/>
+            <a:ln>
+              <a:solidFill>
+                <a:schemeClr val="tx1"/>
+              </a:solidFill>
+            </a:ln>
+          </p:spPr>
+          <p:style>
+            <a:lnRef idx="2">
+              <a:schemeClr val="accent1">
+                <a:shade val="50000"/>
+              </a:schemeClr>
+            </a:lnRef>
+            <a:fillRef idx="1">
+              <a:schemeClr val="accent1"/>
+            </a:fillRef>
+            <a:effectRef idx="0">
+              <a:schemeClr val="accent1"/>
+            </a:effectRef>
+            <a:fontRef idx="minor">
+              <a:schemeClr val="lt1"/>
+            </a:fontRef>
+          </p:style>
+          <p:txBody>
+            <a:bodyPr rtlCol="0" anchor="ctr"/>
+            <a:lstStyle/>
+            <a:p>
+              <a:pPr algn="ctr"/>
+              <a:r>
+                <a:rPr lang="en-US" altLang="zh-CN" sz="900">
+                  <a:solidFill>
+                    <a:srgbClr val="000000"/>
+                  </a:solidFill>
+                  <a:latin typeface="Menlo" panose="020B0609030804020204" pitchFamily="49" charset="0"/>
+                </a:rPr>
+                <a:t>uint32_t </a:t>
+              </a:r>
+              <a:r>
+                <a:rPr lang="en-US" altLang="zh-CN" sz="900">
+                  <a:solidFill>
+                    <a:srgbClr val="0000FF"/>
+                  </a:solidFill>
+                  <a:latin typeface="Menlo" panose="020B0609030804020204" pitchFamily="49" charset="0"/>
+                </a:rPr>
+                <a:t>edi</a:t>
+              </a:r>
+              <a:endParaRPr lang="en-US" altLang="zh-CN" sz="900">
+                <a:solidFill>
+                  <a:srgbClr val="000000"/>
+                </a:solidFill>
+                <a:latin typeface="Menlo" panose="020B0609030804020204" pitchFamily="49" charset="0"/>
+              </a:endParaRPr>
+            </a:p>
+          </p:txBody>
+        </p:sp>
+        <p:sp>
+          <p:nvSpPr>
+            <p:cNvPr id="12" name="矩形 11">
+              <a:extLst>
+                <a:ext uri="{FF2B5EF4-FFF2-40B4-BE49-F238E27FC236}">
+                  <a16:creationId xmlns:a16="http://schemas.microsoft.com/office/drawing/2014/main" id="{0AAE0D15-B888-9145-A048-4F2E68D72F5B}"/>
+                </a:ext>
+              </a:extLst>
+            </p:cNvPr>
+            <p:cNvSpPr/>
+            <p:nvPr/>
+          </p:nvSpPr>
+          <p:spPr>
+            <a:xfrm>
+              <a:off x="1026426" y="1878307"/>
+              <a:ext cx="2389291" cy="397631"/>
+            </a:xfrm>
+            <a:prstGeom prst="rect">
+              <a:avLst/>
+            </a:prstGeom>
+            <a:noFill/>
+            <a:ln>
+              <a:solidFill>
+                <a:schemeClr val="tx1"/>
+              </a:solidFill>
+            </a:ln>
+          </p:spPr>
+          <p:style>
+            <a:lnRef idx="2">
+              <a:schemeClr val="accent1">
+                <a:shade val="50000"/>
+              </a:schemeClr>
+            </a:lnRef>
+            <a:fillRef idx="1">
+              <a:schemeClr val="accent1"/>
+            </a:fillRef>
+            <a:effectRef idx="0">
+              <a:schemeClr val="accent1"/>
+            </a:effectRef>
+            <a:fontRef idx="minor">
+              <a:schemeClr val="lt1"/>
+            </a:fontRef>
+          </p:style>
+          <p:txBody>
+            <a:bodyPr rtlCol="0" anchor="ctr"/>
+            <a:lstStyle/>
+            <a:p>
+              <a:pPr algn="ctr"/>
+              <a:r>
+                <a:rPr lang="en-US" altLang="zh-CN" sz="900">
+                  <a:solidFill>
+                    <a:srgbClr val="000000"/>
+                  </a:solidFill>
+                  <a:latin typeface="Menlo" panose="020B0609030804020204" pitchFamily="49" charset="0"/>
+                </a:rPr>
+                <a:t>uint32_t </a:t>
+              </a:r>
+              <a:r>
+                <a:rPr lang="en-US" altLang="zh-CN" sz="900">
+                  <a:solidFill>
+                    <a:srgbClr val="0000FF"/>
+                  </a:solidFill>
+                  <a:latin typeface="Menlo" panose="020B0609030804020204" pitchFamily="49" charset="0"/>
+                </a:rPr>
+                <a:t>esi</a:t>
+              </a:r>
+              <a:endParaRPr lang="en-US" altLang="zh-CN" sz="900">
+                <a:solidFill>
+                  <a:srgbClr val="000000"/>
+                </a:solidFill>
+                <a:latin typeface="Menlo" panose="020B0609030804020204" pitchFamily="49" charset="0"/>
+              </a:endParaRPr>
+            </a:p>
+          </p:txBody>
+        </p:sp>
+        <p:sp>
+          <p:nvSpPr>
+            <p:cNvPr id="13" name="矩形 12">
+              <a:extLst>
+                <a:ext uri="{FF2B5EF4-FFF2-40B4-BE49-F238E27FC236}">
+                  <a16:creationId xmlns:a16="http://schemas.microsoft.com/office/drawing/2014/main" id="{048EB151-22BA-B84E-929F-8C7C87EC7B03}"/>
+                </a:ext>
+              </a:extLst>
+            </p:cNvPr>
+            <p:cNvSpPr/>
+            <p:nvPr/>
+          </p:nvSpPr>
+          <p:spPr>
+            <a:xfrm>
+              <a:off x="1026426" y="2275937"/>
+              <a:ext cx="2389291" cy="397631"/>
+            </a:xfrm>
+            <a:prstGeom prst="rect">
+              <a:avLst/>
+            </a:prstGeom>
+            <a:noFill/>
+            <a:ln>
+              <a:solidFill>
+                <a:schemeClr val="tx1"/>
+              </a:solidFill>
+            </a:ln>
+          </p:spPr>
+          <p:style>
+            <a:lnRef idx="2">
+              <a:schemeClr val="accent1">
+                <a:shade val="50000"/>
+              </a:schemeClr>
+            </a:lnRef>
+            <a:fillRef idx="1">
+              <a:schemeClr val="accent1"/>
+            </a:fillRef>
+            <a:effectRef idx="0">
+              <a:schemeClr val="accent1"/>
+            </a:effectRef>
+            <a:fontRef idx="minor">
+              <a:schemeClr val="lt1"/>
+            </a:fontRef>
+          </p:style>
+          <p:txBody>
+            <a:bodyPr rtlCol="0" anchor="ctr"/>
+            <a:lstStyle/>
+            <a:p>
+              <a:pPr algn="ctr"/>
+              <a:r>
+                <a:rPr lang="en-US" altLang="zh-CN" sz="900">
+                  <a:solidFill>
+                    <a:srgbClr val="000000"/>
+                  </a:solidFill>
+                  <a:latin typeface="Menlo" panose="020B0609030804020204" pitchFamily="49" charset="0"/>
+                </a:rPr>
+                <a:t>uint32_t </a:t>
+              </a:r>
+              <a:r>
+                <a:rPr lang="en-US" altLang="zh-CN" sz="900">
+                  <a:solidFill>
+                    <a:srgbClr val="0000FF"/>
+                  </a:solidFill>
+                  <a:latin typeface="Menlo" panose="020B0609030804020204" pitchFamily="49" charset="0"/>
+                </a:rPr>
+                <a:t>edx</a:t>
+              </a:r>
+              <a:endParaRPr lang="en-US" altLang="zh-CN" sz="900">
+                <a:solidFill>
+                  <a:srgbClr val="000000"/>
+                </a:solidFill>
+                <a:latin typeface="Menlo" panose="020B0609030804020204" pitchFamily="49" charset="0"/>
+              </a:endParaRPr>
+            </a:p>
+          </p:txBody>
+        </p:sp>
+        <p:sp>
+          <p:nvSpPr>
+            <p:cNvPr id="14" name="同侧圆角矩形 13">
+              <a:extLst>
+                <a:ext uri="{FF2B5EF4-FFF2-40B4-BE49-F238E27FC236}">
+                  <a16:creationId xmlns:a16="http://schemas.microsoft.com/office/drawing/2014/main" id="{BEDEF5AA-7DD6-A54C-9884-E433C5E2222E}"/>
+                </a:ext>
+              </a:extLst>
+            </p:cNvPr>
+            <p:cNvSpPr/>
+            <p:nvPr/>
+          </p:nvSpPr>
+          <p:spPr>
+            <a:xfrm>
+              <a:off x="1026426" y="684103"/>
+              <a:ext cx="2389291" cy="399023"/>
+            </a:xfrm>
+            <a:prstGeom prst="round2SameRect">
+              <a:avLst/>
+            </a:prstGeom>
+            <a:noFill/>
+            <a:ln>
+              <a:solidFill>
+                <a:schemeClr val="tx1"/>
+              </a:solidFill>
+            </a:ln>
+          </p:spPr>
+          <p:style>
+            <a:lnRef idx="2">
+              <a:schemeClr val="accent1">
+                <a:shade val="50000"/>
+              </a:schemeClr>
+            </a:lnRef>
+            <a:fillRef idx="1">
+              <a:schemeClr val="accent1"/>
+            </a:fillRef>
+            <a:effectRef idx="0">
+              <a:schemeClr val="accent1"/>
+            </a:effectRef>
+            <a:fontRef idx="minor">
+              <a:schemeClr val="lt1"/>
+            </a:fontRef>
+          </p:style>
+          <p:txBody>
+            <a:bodyPr rot="0" spcFirstLastPara="0" vertOverflow="overflow" horzOverflow="overflow" vert="horz" wrap="square" lIns="91440" tIns="45720" rIns="91440" bIns="45720" numCol="1" spcCol="0" rtlCol="0" fromWordArt="0" anchor="ctr" anchorCtr="0" forceAA="0" compatLnSpc="1">
+              <a:prstTxWarp prst="textNoShape">
+                <a:avLst/>
+              </a:prstTxWarp>
+              <a:noAutofit/>
+            </a:bodyPr>
+            <a:lstStyle/>
+            <a:p>
+              <a:pPr algn="ctr"/>
+              <a:r>
+                <a:rPr kumimoji="1" lang="en-US" altLang="zh-CN" sz="900">
+                  <a:solidFill>
+                    <a:schemeClr val="tx1"/>
+                  </a:solidFill>
+                </a:rPr>
+                <a:t>context</a:t>
+              </a:r>
+              <a:r>
+                <a:rPr kumimoji="1" lang="zh-CN" altLang="en-US" sz="900">
+                  <a:solidFill>
+                    <a:schemeClr val="tx1"/>
+                  </a:solidFill>
+                </a:rPr>
+                <a:t> </a:t>
+              </a:r>
+              <a:r>
+                <a:rPr kumimoji="1" lang="en-US" altLang="zh-CN" sz="900">
+                  <a:solidFill>
+                    <a:schemeClr val="tx1"/>
+                  </a:solidFill>
+                </a:rPr>
+                <a:t>from</a:t>
+              </a:r>
+              <a:r>
+                <a:rPr kumimoji="1" lang="zh-CN" altLang="en-US" sz="900">
+                  <a:solidFill>
+                    <a:schemeClr val="tx1"/>
+                  </a:solidFill>
+                </a:rPr>
+                <a:t>被赋值</a:t>
+              </a:r>
+            </a:p>
+          </p:txBody>
+        </p:sp>
+        <p:sp>
+          <p:nvSpPr>
+            <p:cNvPr id="16" name="矩形 15">
+              <a:extLst>
+                <a:ext uri="{FF2B5EF4-FFF2-40B4-BE49-F238E27FC236}">
+                  <a16:creationId xmlns:a16="http://schemas.microsoft.com/office/drawing/2014/main" id="{16918AAD-EEA8-2A48-B2C7-F9CC897BF12E}"/>
+                </a:ext>
+              </a:extLst>
+            </p:cNvPr>
+            <p:cNvSpPr/>
+            <p:nvPr/>
+          </p:nvSpPr>
+          <p:spPr>
+            <a:xfrm>
+              <a:off x="1026425" y="2672792"/>
+              <a:ext cx="2389291" cy="397631"/>
+            </a:xfrm>
+            <a:prstGeom prst="rect">
+              <a:avLst/>
+            </a:prstGeom>
+            <a:noFill/>
+            <a:ln>
+              <a:solidFill>
+                <a:schemeClr val="tx1"/>
+              </a:solidFill>
+            </a:ln>
+          </p:spPr>
+          <p:style>
+            <a:lnRef idx="2">
+              <a:schemeClr val="accent1">
+                <a:shade val="50000"/>
+              </a:schemeClr>
+            </a:lnRef>
+            <a:fillRef idx="1">
+              <a:schemeClr val="accent1"/>
+            </a:fillRef>
+            <a:effectRef idx="0">
+              <a:schemeClr val="accent1"/>
+            </a:effectRef>
+            <a:fontRef idx="minor">
+              <a:schemeClr val="lt1"/>
+            </a:fontRef>
+          </p:style>
+          <p:txBody>
+            <a:bodyPr rtlCol="0" anchor="ctr"/>
+            <a:lstStyle/>
+            <a:p>
+              <a:pPr algn="ctr"/>
+              <a:r>
+                <a:rPr lang="en-US" altLang="zh-CN" sz="900">
+                  <a:solidFill>
+                    <a:srgbClr val="000000"/>
+                  </a:solidFill>
+                  <a:latin typeface="Menlo" panose="020B0609030804020204" pitchFamily="49" charset="0"/>
+                </a:rPr>
+                <a:t>uint32_t </a:t>
+              </a:r>
+              <a:r>
+                <a:rPr lang="en-US" altLang="zh-CN" sz="900">
+                  <a:solidFill>
+                    <a:srgbClr val="0000FF"/>
+                  </a:solidFill>
+                  <a:latin typeface="Menlo" panose="020B0609030804020204" pitchFamily="49" charset="0"/>
+                </a:rPr>
+                <a:t>ecx</a:t>
+              </a:r>
+              <a:endParaRPr lang="en-US" altLang="zh-CN" sz="900">
+                <a:solidFill>
+                  <a:srgbClr val="000000"/>
+                </a:solidFill>
+                <a:latin typeface="Menlo" panose="020B0609030804020204" pitchFamily="49" charset="0"/>
+              </a:endParaRPr>
+            </a:p>
+          </p:txBody>
+        </p:sp>
+        <p:sp>
+          <p:nvSpPr>
+            <p:cNvPr id="17" name="矩形 16">
+              <a:extLst>
+                <a:ext uri="{FF2B5EF4-FFF2-40B4-BE49-F238E27FC236}">
+                  <a16:creationId xmlns:a16="http://schemas.microsoft.com/office/drawing/2014/main" id="{7EE45E26-826C-CF46-9930-165B8231AA98}"/>
+                </a:ext>
+              </a:extLst>
+            </p:cNvPr>
+            <p:cNvSpPr/>
+            <p:nvPr/>
+          </p:nvSpPr>
+          <p:spPr>
+            <a:xfrm>
+              <a:off x="1026425" y="3069646"/>
+              <a:ext cx="2389291" cy="397631"/>
+            </a:xfrm>
+            <a:prstGeom prst="rect">
+              <a:avLst/>
+            </a:prstGeom>
+            <a:noFill/>
+            <a:ln>
+              <a:solidFill>
+                <a:schemeClr val="tx1"/>
+              </a:solidFill>
+            </a:ln>
+          </p:spPr>
+          <p:style>
+            <a:lnRef idx="2">
+              <a:schemeClr val="accent1">
+                <a:shade val="50000"/>
+              </a:schemeClr>
+            </a:lnRef>
+            <a:fillRef idx="1">
+              <a:schemeClr val="accent1"/>
+            </a:fillRef>
+            <a:effectRef idx="0">
+              <a:schemeClr val="accent1"/>
+            </a:effectRef>
+            <a:fontRef idx="minor">
+              <a:schemeClr val="lt1"/>
+            </a:fontRef>
+          </p:style>
+          <p:txBody>
+            <a:bodyPr rtlCol="0" anchor="ctr"/>
+            <a:lstStyle/>
+            <a:p>
+              <a:pPr algn="ctr"/>
+              <a:r>
+                <a:rPr lang="en-US" altLang="zh-CN" sz="900">
+                  <a:solidFill>
+                    <a:srgbClr val="000000"/>
+                  </a:solidFill>
+                  <a:latin typeface="Menlo" panose="020B0609030804020204" pitchFamily="49" charset="0"/>
+                </a:rPr>
+                <a:t>uint32_t </a:t>
+              </a:r>
+              <a:r>
+                <a:rPr lang="en-US" altLang="zh-CN" sz="900">
+                  <a:solidFill>
+                    <a:srgbClr val="0000FF"/>
+                  </a:solidFill>
+                  <a:latin typeface="Menlo" panose="020B0609030804020204" pitchFamily="49" charset="0"/>
+                </a:rPr>
+                <a:t>ebx</a:t>
+              </a:r>
+              <a:endParaRPr lang="en-US" altLang="zh-CN" sz="900">
+                <a:solidFill>
+                  <a:srgbClr val="000000"/>
+                </a:solidFill>
+                <a:latin typeface="Menlo" panose="020B0609030804020204" pitchFamily="49" charset="0"/>
+              </a:endParaRPr>
+            </a:p>
+          </p:txBody>
+        </p:sp>
+        <p:sp>
+          <p:nvSpPr>
+            <p:cNvPr id="18" name="矩形 17">
+              <a:extLst>
+                <a:ext uri="{FF2B5EF4-FFF2-40B4-BE49-F238E27FC236}">
+                  <a16:creationId xmlns:a16="http://schemas.microsoft.com/office/drawing/2014/main" id="{805BEB5B-3FA6-1A41-9440-C3C40285CA8C}"/>
+                </a:ext>
+              </a:extLst>
+            </p:cNvPr>
+            <p:cNvSpPr/>
+            <p:nvPr/>
+          </p:nvSpPr>
+          <p:spPr>
+            <a:xfrm>
+              <a:off x="1026425" y="3473428"/>
+              <a:ext cx="2389291" cy="397631"/>
+            </a:xfrm>
+            <a:prstGeom prst="rect">
+              <a:avLst/>
+            </a:prstGeom>
+            <a:noFill/>
+            <a:ln>
+              <a:solidFill>
+                <a:schemeClr val="tx1"/>
+              </a:solidFill>
+            </a:ln>
+          </p:spPr>
+          <p:style>
+            <a:lnRef idx="2">
+              <a:schemeClr val="accent1">
+                <a:shade val="50000"/>
+              </a:schemeClr>
+            </a:lnRef>
+            <a:fillRef idx="1">
+              <a:schemeClr val="accent1"/>
+            </a:fillRef>
+            <a:effectRef idx="0">
+              <a:schemeClr val="accent1"/>
+            </a:effectRef>
+            <a:fontRef idx="minor">
+              <a:schemeClr val="lt1"/>
+            </a:fontRef>
+          </p:style>
+          <p:txBody>
+            <a:bodyPr rtlCol="0" anchor="ctr"/>
+            <a:lstStyle/>
+            <a:p>
+              <a:pPr algn="ctr"/>
+              <a:r>
+                <a:rPr lang="en-US" altLang="zh-CN" sz="900">
+                  <a:solidFill>
+                    <a:srgbClr val="000000"/>
+                  </a:solidFill>
+                  <a:latin typeface="Menlo" panose="020B0609030804020204" pitchFamily="49" charset="0"/>
+                </a:rPr>
+                <a:t>uint32_t </a:t>
+              </a:r>
+              <a:r>
+                <a:rPr lang="en-US" altLang="zh-CN" sz="900">
+                  <a:solidFill>
+                    <a:srgbClr val="0000FF"/>
+                  </a:solidFill>
+                  <a:latin typeface="Menlo" panose="020B0609030804020204" pitchFamily="49" charset="0"/>
+                </a:rPr>
+                <a:t>esp</a:t>
+              </a:r>
+              <a:endParaRPr lang="en-US" altLang="zh-CN" sz="900">
+                <a:solidFill>
+                  <a:srgbClr val="000000"/>
+                </a:solidFill>
+                <a:latin typeface="Menlo" panose="020B0609030804020204" pitchFamily="49" charset="0"/>
+              </a:endParaRPr>
+            </a:p>
+          </p:txBody>
+        </p:sp>
+        <p:sp>
+          <p:nvSpPr>
+            <p:cNvPr id="19" name="矩形 18">
+              <a:extLst>
+                <a:ext uri="{FF2B5EF4-FFF2-40B4-BE49-F238E27FC236}">
+                  <a16:creationId xmlns:a16="http://schemas.microsoft.com/office/drawing/2014/main" id="{6EDBDFBE-0447-174F-BF48-3A253EEC5640}"/>
+                </a:ext>
+              </a:extLst>
+            </p:cNvPr>
+            <p:cNvSpPr/>
+            <p:nvPr/>
+          </p:nvSpPr>
+          <p:spPr>
+            <a:xfrm>
+              <a:off x="1026425" y="3871059"/>
+              <a:ext cx="2389291" cy="397631"/>
+            </a:xfrm>
+            <a:prstGeom prst="rect">
+              <a:avLst/>
+            </a:prstGeom>
+            <a:noFill/>
+            <a:ln>
+              <a:solidFill>
+                <a:schemeClr val="tx1"/>
+              </a:solidFill>
+            </a:ln>
+          </p:spPr>
+          <p:style>
+            <a:lnRef idx="2">
+              <a:schemeClr val="accent1">
+                <a:shade val="50000"/>
+              </a:schemeClr>
+            </a:lnRef>
+            <a:fillRef idx="1">
+              <a:schemeClr val="accent1"/>
+            </a:fillRef>
+            <a:effectRef idx="0">
+              <a:schemeClr val="accent1"/>
+            </a:effectRef>
+            <a:fontRef idx="minor">
+              <a:schemeClr val="lt1"/>
+            </a:fontRef>
+          </p:style>
+          <p:txBody>
+            <a:bodyPr rtlCol="0" anchor="ctr"/>
+            <a:lstStyle/>
+            <a:p>
+              <a:pPr algn="ctr"/>
+              <a:r>
+                <a:rPr lang="en-US" altLang="zh-CN" sz="900">
+                  <a:solidFill>
+                    <a:srgbClr val="000000"/>
+                  </a:solidFill>
+                  <a:latin typeface="Menlo" panose="020B0609030804020204" pitchFamily="49" charset="0"/>
+                </a:rPr>
+                <a:t>uint32_t </a:t>
+              </a:r>
+              <a:r>
+                <a:rPr lang="en-US" altLang="zh-CN" sz="900">
+                  <a:solidFill>
+                    <a:srgbClr val="0000FF"/>
+                  </a:solidFill>
+                  <a:latin typeface="Menlo" panose="020B0609030804020204" pitchFamily="49" charset="0"/>
+                </a:rPr>
+                <a:t>eip</a:t>
+              </a:r>
+              <a:endParaRPr lang="en-US" altLang="zh-CN" sz="900">
+                <a:solidFill>
+                  <a:srgbClr val="000000"/>
+                </a:solidFill>
+                <a:latin typeface="Menlo" panose="020B0609030804020204" pitchFamily="49" charset="0"/>
+              </a:endParaRPr>
+            </a:p>
+          </p:txBody>
+        </p:sp>
+      </p:grpSp>
+      <p:cxnSp>
+        <p:nvCxnSpPr>
+          <p:cNvPr id="22" name="曲线连接符 21">
+            <a:extLst>
+              <a:ext uri="{FF2B5EF4-FFF2-40B4-BE49-F238E27FC236}">
+                <a16:creationId xmlns:a16="http://schemas.microsoft.com/office/drawing/2014/main" id="{BDB0B359-21ED-7747-A8CF-EE61727ADAE9}"/>
+              </a:ext>
+            </a:extLst>
+          </p:cNvPr>
+          <p:cNvCxnSpPr>
+            <a:cxnSpLocks/>
+            <a:stCxn id="3" idx="1"/>
+            <a:endCxn id="19" idx="3"/>
+          </p:cNvCxnSpPr>
+          <p:nvPr/>
+        </p:nvCxnSpPr>
+        <p:spPr>
+          <a:xfrm rot="10800000">
+            <a:off x="2722350" y="2046701"/>
+            <a:ext cx="905051" cy="312435"/>
+          </a:xfrm>
+          <a:prstGeom prst="curvedConnector3">
+            <a:avLst/>
+          </a:prstGeom>
+          <a:ln>
+            <a:tailEnd type="triangle"/>
+          </a:ln>
+        </p:spPr>
+        <p:style>
+          <a:lnRef idx="1">
+            <a:schemeClr val="accent1"/>
+          </a:lnRef>
+          <a:fillRef idx="0">
+            <a:schemeClr val="accent1"/>
+          </a:fillRef>
+          <a:effectRef idx="0">
+            <a:schemeClr val="accent1"/>
+          </a:effectRef>
+          <a:fontRef idx="minor">
+            <a:schemeClr val="tx1"/>
+          </a:fontRef>
+        </p:style>
+      </p:cxnSp>
+      <p:cxnSp>
+        <p:nvCxnSpPr>
+          <p:cNvPr id="25" name="曲线连接符 24">
+            <a:extLst>
+              <a:ext uri="{FF2B5EF4-FFF2-40B4-BE49-F238E27FC236}">
+                <a16:creationId xmlns:a16="http://schemas.microsoft.com/office/drawing/2014/main" id="{F23B2D38-6822-B24E-911A-68419DFCF72A}"/>
+              </a:ext>
+            </a:extLst>
+          </p:cNvPr>
+          <p:cNvCxnSpPr>
+            <a:cxnSpLocks/>
+            <a:stCxn id="4" idx="1"/>
+            <a:endCxn id="36" idx="3"/>
+          </p:cNvCxnSpPr>
+          <p:nvPr/>
+        </p:nvCxnSpPr>
+        <p:spPr>
+          <a:xfrm rot="10800000" flipV="1">
+            <a:off x="2321880" y="2643842"/>
+            <a:ext cx="1305521" cy="1390325"/>
+          </a:xfrm>
+          <a:prstGeom prst="curvedConnector3">
+            <a:avLst/>
+          </a:prstGeom>
+          <a:ln>
+            <a:tailEnd type="triangle"/>
+          </a:ln>
+        </p:spPr>
+        <p:style>
+          <a:lnRef idx="1">
+            <a:schemeClr val="accent1"/>
+          </a:lnRef>
+          <a:fillRef idx="0">
+            <a:schemeClr val="accent1"/>
+          </a:fillRef>
+          <a:effectRef idx="0">
+            <a:schemeClr val="accent1"/>
+          </a:effectRef>
+          <a:fontRef idx="minor">
+            <a:schemeClr val="tx1"/>
+          </a:fontRef>
+        </p:style>
+      </p:cxnSp>
+      <p:grpSp>
+        <p:nvGrpSpPr>
+          <p:cNvPr id="27" name="组合 26">
+            <a:extLst>
+              <a:ext uri="{FF2B5EF4-FFF2-40B4-BE49-F238E27FC236}">
+                <a16:creationId xmlns:a16="http://schemas.microsoft.com/office/drawing/2014/main" id="{EA43B555-4336-B04C-ADEC-364F258E3054}"/>
+              </a:ext>
+            </a:extLst>
+          </p:cNvPr>
+          <p:cNvGrpSpPr/>
+          <p:nvPr/>
+        </p:nvGrpSpPr>
+        <p:grpSpPr>
+          <a:xfrm>
+            <a:off x="743650" y="2501489"/>
+            <a:ext cx="1578230" cy="1622679"/>
+            <a:chOff x="1026425" y="684103"/>
+            <a:chExt cx="2389292" cy="3584587"/>
+          </a:xfrm>
+        </p:grpSpPr>
+        <p:sp>
+          <p:nvSpPr>
+            <p:cNvPr id="28" name="矩形 27">
+              <a:extLst>
+                <a:ext uri="{FF2B5EF4-FFF2-40B4-BE49-F238E27FC236}">
+                  <a16:creationId xmlns:a16="http://schemas.microsoft.com/office/drawing/2014/main" id="{8B5B23E3-6992-C44F-9FB1-0C540CB62175}"/>
+                </a:ext>
+              </a:extLst>
+            </p:cNvPr>
+            <p:cNvSpPr/>
+            <p:nvPr/>
+          </p:nvSpPr>
+          <p:spPr>
+            <a:xfrm>
+              <a:off x="1026426" y="1083822"/>
+              <a:ext cx="2389291" cy="397631"/>
+            </a:xfrm>
+            <a:prstGeom prst="rect">
+              <a:avLst/>
+            </a:prstGeom>
+            <a:noFill/>
+            <a:ln>
+              <a:solidFill>
+                <a:schemeClr val="tx1"/>
+              </a:solidFill>
+            </a:ln>
+          </p:spPr>
+          <p:style>
+            <a:lnRef idx="2">
+              <a:schemeClr val="accent1">
+                <a:shade val="50000"/>
+              </a:schemeClr>
+            </a:lnRef>
+            <a:fillRef idx="1">
+              <a:schemeClr val="accent1"/>
+            </a:fillRef>
+            <a:effectRef idx="0">
+              <a:schemeClr val="accent1"/>
+            </a:effectRef>
+            <a:fontRef idx="minor">
+              <a:schemeClr val="lt1"/>
+            </a:fontRef>
+          </p:style>
+          <p:txBody>
+            <a:bodyPr rtlCol="0" anchor="ctr"/>
+            <a:lstStyle/>
+            <a:p>
+              <a:pPr algn="ctr"/>
+              <a:r>
+                <a:rPr lang="en-US" altLang="zh-CN" sz="900">
+                  <a:solidFill>
+                    <a:srgbClr val="000000"/>
+                  </a:solidFill>
+                  <a:latin typeface="Menlo" panose="020B0609030804020204" pitchFamily="49" charset="0"/>
+                </a:rPr>
+                <a:t>uint32_t ebp</a:t>
+              </a:r>
+              <a:endParaRPr lang="en-US" altLang="zh-CN" sz="900">
+                <a:solidFill>
+                  <a:schemeClr val="tx1"/>
+                </a:solidFill>
+                <a:latin typeface="+mn-ea"/>
+              </a:endParaRPr>
+            </a:p>
+          </p:txBody>
+        </p:sp>
+        <p:sp>
+          <p:nvSpPr>
+            <p:cNvPr id="29" name="矩形 28">
+              <a:extLst>
+                <a:ext uri="{FF2B5EF4-FFF2-40B4-BE49-F238E27FC236}">
+                  <a16:creationId xmlns:a16="http://schemas.microsoft.com/office/drawing/2014/main" id="{47BD2782-FC4C-5742-9577-18B011CB6B3D}"/>
+                </a:ext>
+              </a:extLst>
+            </p:cNvPr>
+            <p:cNvSpPr/>
+            <p:nvPr/>
+          </p:nvSpPr>
+          <p:spPr>
+            <a:xfrm>
+              <a:off x="1026426" y="1481453"/>
+              <a:ext cx="2389291" cy="397631"/>
+            </a:xfrm>
+            <a:prstGeom prst="rect">
+              <a:avLst/>
+            </a:prstGeom>
+            <a:noFill/>
+            <a:ln>
+              <a:solidFill>
+                <a:schemeClr val="tx1"/>
+              </a:solidFill>
+            </a:ln>
+          </p:spPr>
+          <p:style>
+            <a:lnRef idx="2">
+              <a:schemeClr val="accent1">
+                <a:shade val="50000"/>
+              </a:schemeClr>
+            </a:lnRef>
+            <a:fillRef idx="1">
+              <a:schemeClr val="accent1"/>
+            </a:fillRef>
+            <a:effectRef idx="0">
+              <a:schemeClr val="accent1"/>
+            </a:effectRef>
+            <a:fontRef idx="minor">
+              <a:schemeClr val="lt1"/>
+            </a:fontRef>
+          </p:style>
+          <p:txBody>
+            <a:bodyPr rtlCol="0" anchor="ctr"/>
+            <a:lstStyle/>
+            <a:p>
+              <a:pPr algn="ctr"/>
+              <a:r>
+                <a:rPr lang="en-US" altLang="zh-CN" sz="900">
+                  <a:solidFill>
+                    <a:srgbClr val="000000"/>
+                  </a:solidFill>
+                  <a:latin typeface="Menlo" panose="020B0609030804020204" pitchFamily="49" charset="0"/>
+                </a:rPr>
+                <a:t>uint32_t </a:t>
+              </a:r>
+              <a:r>
+                <a:rPr lang="en-US" altLang="zh-CN" sz="900">
+                  <a:solidFill>
+                    <a:srgbClr val="0000FF"/>
+                  </a:solidFill>
+                  <a:latin typeface="Menlo" panose="020B0609030804020204" pitchFamily="49" charset="0"/>
+                </a:rPr>
+                <a:t>edi</a:t>
+              </a:r>
+              <a:endParaRPr lang="en-US" altLang="zh-CN" sz="900">
+                <a:solidFill>
+                  <a:srgbClr val="000000"/>
+                </a:solidFill>
+                <a:latin typeface="Menlo" panose="020B0609030804020204" pitchFamily="49" charset="0"/>
+              </a:endParaRPr>
+            </a:p>
+          </p:txBody>
+        </p:sp>
+        <p:sp>
+          <p:nvSpPr>
+            <p:cNvPr id="30" name="矩形 29">
+              <a:extLst>
+                <a:ext uri="{FF2B5EF4-FFF2-40B4-BE49-F238E27FC236}">
+                  <a16:creationId xmlns:a16="http://schemas.microsoft.com/office/drawing/2014/main" id="{69AA4661-8181-7045-BB99-A328302A8990}"/>
+                </a:ext>
+              </a:extLst>
+            </p:cNvPr>
+            <p:cNvSpPr/>
+            <p:nvPr/>
+          </p:nvSpPr>
+          <p:spPr>
+            <a:xfrm>
+              <a:off x="1026426" y="1878307"/>
+              <a:ext cx="2389291" cy="397631"/>
+            </a:xfrm>
+            <a:prstGeom prst="rect">
+              <a:avLst/>
+            </a:prstGeom>
+            <a:noFill/>
+            <a:ln>
+              <a:solidFill>
+                <a:schemeClr val="tx1"/>
+              </a:solidFill>
+            </a:ln>
+          </p:spPr>
+          <p:style>
+            <a:lnRef idx="2">
+              <a:schemeClr val="accent1">
+                <a:shade val="50000"/>
+              </a:schemeClr>
+            </a:lnRef>
+            <a:fillRef idx="1">
+              <a:schemeClr val="accent1"/>
+            </a:fillRef>
+            <a:effectRef idx="0">
+              <a:schemeClr val="accent1"/>
+            </a:effectRef>
+            <a:fontRef idx="minor">
+              <a:schemeClr val="lt1"/>
+            </a:fontRef>
+          </p:style>
+          <p:txBody>
+            <a:bodyPr rtlCol="0" anchor="ctr"/>
+            <a:lstStyle/>
+            <a:p>
+              <a:pPr algn="ctr"/>
+              <a:r>
+                <a:rPr lang="en-US" altLang="zh-CN" sz="900">
+                  <a:solidFill>
+                    <a:srgbClr val="000000"/>
+                  </a:solidFill>
+                  <a:latin typeface="Menlo" panose="020B0609030804020204" pitchFamily="49" charset="0"/>
+                </a:rPr>
+                <a:t>uint32_t </a:t>
+              </a:r>
+              <a:r>
+                <a:rPr lang="en-US" altLang="zh-CN" sz="900">
+                  <a:solidFill>
+                    <a:srgbClr val="0000FF"/>
+                  </a:solidFill>
+                  <a:latin typeface="Menlo" panose="020B0609030804020204" pitchFamily="49" charset="0"/>
+                </a:rPr>
+                <a:t>esi</a:t>
+              </a:r>
+              <a:endParaRPr lang="en-US" altLang="zh-CN" sz="900">
+                <a:solidFill>
+                  <a:srgbClr val="000000"/>
+                </a:solidFill>
+                <a:latin typeface="Menlo" panose="020B0609030804020204" pitchFamily="49" charset="0"/>
+              </a:endParaRPr>
+            </a:p>
+          </p:txBody>
+        </p:sp>
+        <p:sp>
+          <p:nvSpPr>
+            <p:cNvPr id="31" name="矩形 30">
+              <a:extLst>
+                <a:ext uri="{FF2B5EF4-FFF2-40B4-BE49-F238E27FC236}">
+                  <a16:creationId xmlns:a16="http://schemas.microsoft.com/office/drawing/2014/main" id="{A29E717F-FD11-CF49-B056-A3C9D55D0EBD}"/>
+                </a:ext>
+              </a:extLst>
+            </p:cNvPr>
+            <p:cNvSpPr/>
+            <p:nvPr/>
+          </p:nvSpPr>
+          <p:spPr>
+            <a:xfrm>
+              <a:off x="1026426" y="2275937"/>
+              <a:ext cx="2389291" cy="397631"/>
+            </a:xfrm>
+            <a:prstGeom prst="rect">
+              <a:avLst/>
+            </a:prstGeom>
+            <a:noFill/>
+            <a:ln>
+              <a:solidFill>
+                <a:schemeClr val="tx1"/>
+              </a:solidFill>
+            </a:ln>
+          </p:spPr>
+          <p:style>
+            <a:lnRef idx="2">
+              <a:schemeClr val="accent1">
+                <a:shade val="50000"/>
+              </a:schemeClr>
+            </a:lnRef>
+            <a:fillRef idx="1">
+              <a:schemeClr val="accent1"/>
+            </a:fillRef>
+            <a:effectRef idx="0">
+              <a:schemeClr val="accent1"/>
+            </a:effectRef>
+            <a:fontRef idx="minor">
+              <a:schemeClr val="lt1"/>
+            </a:fontRef>
+          </p:style>
+          <p:txBody>
+            <a:bodyPr rtlCol="0" anchor="ctr"/>
+            <a:lstStyle/>
+            <a:p>
+              <a:pPr algn="ctr"/>
+              <a:r>
+                <a:rPr lang="en-US" altLang="zh-CN" sz="900">
+                  <a:solidFill>
+                    <a:srgbClr val="000000"/>
+                  </a:solidFill>
+                  <a:latin typeface="Menlo" panose="020B0609030804020204" pitchFamily="49" charset="0"/>
+                </a:rPr>
+                <a:t>uint32_t </a:t>
+              </a:r>
+              <a:r>
+                <a:rPr lang="en-US" altLang="zh-CN" sz="900">
+                  <a:solidFill>
+                    <a:srgbClr val="0000FF"/>
+                  </a:solidFill>
+                  <a:latin typeface="Menlo" panose="020B0609030804020204" pitchFamily="49" charset="0"/>
+                </a:rPr>
+                <a:t>edx</a:t>
+              </a:r>
+              <a:endParaRPr lang="en-US" altLang="zh-CN" sz="900">
+                <a:solidFill>
+                  <a:srgbClr val="000000"/>
+                </a:solidFill>
+                <a:latin typeface="Menlo" panose="020B0609030804020204" pitchFamily="49" charset="0"/>
+              </a:endParaRPr>
+            </a:p>
+          </p:txBody>
+        </p:sp>
+        <p:sp>
+          <p:nvSpPr>
+            <p:cNvPr id="32" name="同侧圆角矩形 31">
+              <a:extLst>
+                <a:ext uri="{FF2B5EF4-FFF2-40B4-BE49-F238E27FC236}">
+                  <a16:creationId xmlns:a16="http://schemas.microsoft.com/office/drawing/2014/main" id="{6900EC83-A30D-C247-9892-3A0601D6DAFB}"/>
+                </a:ext>
+              </a:extLst>
+            </p:cNvPr>
+            <p:cNvSpPr/>
+            <p:nvPr/>
+          </p:nvSpPr>
+          <p:spPr>
+            <a:xfrm>
+              <a:off x="1026426" y="684103"/>
+              <a:ext cx="2389291" cy="399023"/>
+            </a:xfrm>
+            <a:prstGeom prst="round2SameRect">
+              <a:avLst/>
+            </a:prstGeom>
+            <a:noFill/>
+            <a:ln>
+              <a:solidFill>
+                <a:schemeClr val="tx1"/>
+              </a:solidFill>
+            </a:ln>
+          </p:spPr>
+          <p:style>
+            <a:lnRef idx="2">
+              <a:schemeClr val="accent1">
+                <a:shade val="50000"/>
+              </a:schemeClr>
+            </a:lnRef>
+            <a:fillRef idx="1">
+              <a:schemeClr val="accent1"/>
+            </a:fillRef>
+            <a:effectRef idx="0">
+              <a:schemeClr val="accent1"/>
+            </a:effectRef>
+            <a:fontRef idx="minor">
+              <a:schemeClr val="lt1"/>
+            </a:fontRef>
+          </p:style>
+          <p:txBody>
+            <a:bodyPr rot="0" spcFirstLastPara="0" vertOverflow="overflow" horzOverflow="overflow" vert="horz" wrap="square" lIns="91440" tIns="45720" rIns="91440" bIns="45720" numCol="1" spcCol="0" rtlCol="0" fromWordArt="0" anchor="ctr" anchorCtr="0" forceAA="0" compatLnSpc="1">
+              <a:prstTxWarp prst="textNoShape">
+                <a:avLst/>
+              </a:prstTxWarp>
+              <a:noAutofit/>
+            </a:bodyPr>
+            <a:lstStyle/>
+            <a:p>
+              <a:pPr algn="ctr"/>
+              <a:r>
+                <a:rPr kumimoji="1" lang="en-US" altLang="zh-CN" sz="900">
+                  <a:solidFill>
+                    <a:schemeClr val="tx1"/>
+                  </a:solidFill>
+                </a:rPr>
+                <a:t>context</a:t>
+              </a:r>
+              <a:r>
+                <a:rPr kumimoji="1" lang="zh-CN" altLang="en-US" sz="900">
+                  <a:solidFill>
+                    <a:schemeClr val="tx1"/>
+                  </a:solidFill>
+                </a:rPr>
+                <a:t> </a:t>
+              </a:r>
+              <a:r>
+                <a:rPr kumimoji="1" lang="en-US" altLang="zh-CN" sz="900">
+                  <a:solidFill>
+                    <a:schemeClr val="tx1"/>
+                  </a:solidFill>
+                </a:rPr>
+                <a:t>to(</a:t>
+              </a:r>
+              <a:r>
+                <a:rPr kumimoji="1" lang="zh-CN" altLang="en-US" sz="900">
+                  <a:solidFill>
+                    <a:schemeClr val="tx1"/>
+                  </a:solidFill>
+                </a:rPr>
+                <a:t>被读取</a:t>
+              </a:r>
+              <a:r>
+                <a:rPr kumimoji="1" lang="en-US" altLang="zh-CN" sz="900">
+                  <a:solidFill>
+                    <a:schemeClr val="tx1"/>
+                  </a:solidFill>
+                </a:rPr>
+                <a:t>)</a:t>
+              </a:r>
+              <a:endParaRPr kumimoji="1" lang="zh-CN" altLang="en-US" sz="900">
+                <a:solidFill>
+                  <a:schemeClr val="tx1"/>
+                </a:solidFill>
+              </a:endParaRPr>
+            </a:p>
+          </p:txBody>
+        </p:sp>
+        <p:sp>
+          <p:nvSpPr>
+            <p:cNvPr id="33" name="矩形 32">
+              <a:extLst>
+                <a:ext uri="{FF2B5EF4-FFF2-40B4-BE49-F238E27FC236}">
+                  <a16:creationId xmlns:a16="http://schemas.microsoft.com/office/drawing/2014/main" id="{66C55A4A-3E26-2B4D-A1E4-D72994A7088B}"/>
+                </a:ext>
+              </a:extLst>
+            </p:cNvPr>
+            <p:cNvSpPr/>
+            <p:nvPr/>
+          </p:nvSpPr>
+          <p:spPr>
+            <a:xfrm>
+              <a:off x="1026425" y="2672792"/>
+              <a:ext cx="2389291" cy="397631"/>
+            </a:xfrm>
+            <a:prstGeom prst="rect">
+              <a:avLst/>
+            </a:prstGeom>
+            <a:noFill/>
+            <a:ln>
+              <a:solidFill>
+                <a:schemeClr val="tx1"/>
+              </a:solidFill>
+            </a:ln>
+          </p:spPr>
+          <p:style>
+            <a:lnRef idx="2">
+              <a:schemeClr val="accent1">
+                <a:shade val="50000"/>
+              </a:schemeClr>
+            </a:lnRef>
+            <a:fillRef idx="1">
+              <a:schemeClr val="accent1"/>
+            </a:fillRef>
+            <a:effectRef idx="0">
+              <a:schemeClr val="accent1"/>
+            </a:effectRef>
+            <a:fontRef idx="minor">
+              <a:schemeClr val="lt1"/>
+            </a:fontRef>
+          </p:style>
+          <p:txBody>
+            <a:bodyPr rtlCol="0" anchor="ctr"/>
+            <a:lstStyle/>
+            <a:p>
+              <a:pPr algn="ctr"/>
+              <a:r>
+                <a:rPr lang="en-US" altLang="zh-CN" sz="900">
+                  <a:solidFill>
+                    <a:srgbClr val="000000"/>
+                  </a:solidFill>
+                  <a:latin typeface="Menlo" panose="020B0609030804020204" pitchFamily="49" charset="0"/>
+                </a:rPr>
+                <a:t>uint32_t </a:t>
+              </a:r>
+              <a:r>
+                <a:rPr lang="en-US" altLang="zh-CN" sz="900">
+                  <a:solidFill>
+                    <a:srgbClr val="0000FF"/>
+                  </a:solidFill>
+                  <a:latin typeface="Menlo" panose="020B0609030804020204" pitchFamily="49" charset="0"/>
+                </a:rPr>
+                <a:t>ecx</a:t>
+              </a:r>
+              <a:endParaRPr lang="en-US" altLang="zh-CN" sz="900">
+                <a:solidFill>
+                  <a:srgbClr val="000000"/>
+                </a:solidFill>
+                <a:latin typeface="Menlo" panose="020B0609030804020204" pitchFamily="49" charset="0"/>
+              </a:endParaRPr>
+            </a:p>
+          </p:txBody>
+        </p:sp>
+        <p:sp>
+          <p:nvSpPr>
+            <p:cNvPr id="34" name="矩形 33">
+              <a:extLst>
+                <a:ext uri="{FF2B5EF4-FFF2-40B4-BE49-F238E27FC236}">
+                  <a16:creationId xmlns:a16="http://schemas.microsoft.com/office/drawing/2014/main" id="{927DC0DA-94BC-D249-9A91-719B638F7570}"/>
+                </a:ext>
+              </a:extLst>
+            </p:cNvPr>
+            <p:cNvSpPr/>
+            <p:nvPr/>
+          </p:nvSpPr>
+          <p:spPr>
+            <a:xfrm>
+              <a:off x="1026425" y="3069646"/>
+              <a:ext cx="2389291" cy="397631"/>
+            </a:xfrm>
+            <a:prstGeom prst="rect">
+              <a:avLst/>
+            </a:prstGeom>
+            <a:noFill/>
+            <a:ln>
+              <a:solidFill>
+                <a:schemeClr val="tx1"/>
+              </a:solidFill>
+            </a:ln>
+          </p:spPr>
+          <p:style>
+            <a:lnRef idx="2">
+              <a:schemeClr val="accent1">
+                <a:shade val="50000"/>
+              </a:schemeClr>
+            </a:lnRef>
+            <a:fillRef idx="1">
+              <a:schemeClr val="accent1"/>
+            </a:fillRef>
+            <a:effectRef idx="0">
+              <a:schemeClr val="accent1"/>
+            </a:effectRef>
+            <a:fontRef idx="minor">
+              <a:schemeClr val="lt1"/>
+            </a:fontRef>
+          </p:style>
+          <p:txBody>
+            <a:bodyPr rtlCol="0" anchor="ctr"/>
+            <a:lstStyle/>
+            <a:p>
+              <a:pPr algn="ctr"/>
+              <a:r>
+                <a:rPr lang="en-US" altLang="zh-CN" sz="900">
+                  <a:solidFill>
+                    <a:srgbClr val="000000"/>
+                  </a:solidFill>
+                  <a:latin typeface="Menlo" panose="020B0609030804020204" pitchFamily="49" charset="0"/>
+                </a:rPr>
+                <a:t>uint32_t </a:t>
+              </a:r>
+              <a:r>
+                <a:rPr lang="en-US" altLang="zh-CN" sz="900">
+                  <a:solidFill>
+                    <a:srgbClr val="0000FF"/>
+                  </a:solidFill>
+                  <a:latin typeface="Menlo" panose="020B0609030804020204" pitchFamily="49" charset="0"/>
+                </a:rPr>
+                <a:t>ebx</a:t>
+              </a:r>
+              <a:endParaRPr lang="en-US" altLang="zh-CN" sz="900">
+                <a:solidFill>
+                  <a:srgbClr val="000000"/>
+                </a:solidFill>
+                <a:latin typeface="Menlo" panose="020B0609030804020204" pitchFamily="49" charset="0"/>
+              </a:endParaRPr>
+            </a:p>
+          </p:txBody>
+        </p:sp>
+        <p:sp>
+          <p:nvSpPr>
+            <p:cNvPr id="35" name="矩形 34">
+              <a:extLst>
+                <a:ext uri="{FF2B5EF4-FFF2-40B4-BE49-F238E27FC236}">
+                  <a16:creationId xmlns:a16="http://schemas.microsoft.com/office/drawing/2014/main" id="{0C60740C-A3C8-4947-A193-E04BFF1E8D18}"/>
+                </a:ext>
+              </a:extLst>
+            </p:cNvPr>
+            <p:cNvSpPr/>
+            <p:nvPr/>
+          </p:nvSpPr>
+          <p:spPr>
+            <a:xfrm>
+              <a:off x="1026425" y="3473428"/>
+              <a:ext cx="2389291" cy="397631"/>
+            </a:xfrm>
+            <a:prstGeom prst="rect">
+              <a:avLst/>
+            </a:prstGeom>
+            <a:noFill/>
+            <a:ln>
+              <a:solidFill>
+                <a:schemeClr val="tx1"/>
+              </a:solidFill>
+            </a:ln>
+          </p:spPr>
+          <p:style>
+            <a:lnRef idx="2">
+              <a:schemeClr val="accent1">
+                <a:shade val="50000"/>
+              </a:schemeClr>
+            </a:lnRef>
+            <a:fillRef idx="1">
+              <a:schemeClr val="accent1"/>
+            </a:fillRef>
+            <a:effectRef idx="0">
+              <a:schemeClr val="accent1"/>
+            </a:effectRef>
+            <a:fontRef idx="minor">
+              <a:schemeClr val="lt1"/>
+            </a:fontRef>
+          </p:style>
+          <p:txBody>
+            <a:bodyPr rtlCol="0" anchor="ctr"/>
+            <a:lstStyle/>
+            <a:p>
+              <a:pPr algn="ctr"/>
+              <a:r>
+                <a:rPr lang="en-US" altLang="zh-CN" sz="900">
+                  <a:solidFill>
+                    <a:srgbClr val="000000"/>
+                  </a:solidFill>
+                  <a:latin typeface="Menlo" panose="020B0609030804020204" pitchFamily="49" charset="0"/>
+                </a:rPr>
+                <a:t>uint32_t </a:t>
+              </a:r>
+              <a:r>
+                <a:rPr lang="en-US" altLang="zh-CN" sz="900">
+                  <a:solidFill>
+                    <a:srgbClr val="0000FF"/>
+                  </a:solidFill>
+                  <a:latin typeface="Menlo" panose="020B0609030804020204" pitchFamily="49" charset="0"/>
+                </a:rPr>
+                <a:t>esp</a:t>
+              </a:r>
+              <a:endParaRPr lang="en-US" altLang="zh-CN" sz="900">
+                <a:solidFill>
+                  <a:srgbClr val="000000"/>
+                </a:solidFill>
+                <a:latin typeface="Menlo" panose="020B0609030804020204" pitchFamily="49" charset="0"/>
+              </a:endParaRPr>
+            </a:p>
+          </p:txBody>
+        </p:sp>
+        <p:sp>
+          <p:nvSpPr>
+            <p:cNvPr id="36" name="矩形 35">
+              <a:extLst>
+                <a:ext uri="{FF2B5EF4-FFF2-40B4-BE49-F238E27FC236}">
+                  <a16:creationId xmlns:a16="http://schemas.microsoft.com/office/drawing/2014/main" id="{F5BC165C-8CEE-E746-B864-C2B79E934919}"/>
+                </a:ext>
+              </a:extLst>
+            </p:cNvPr>
+            <p:cNvSpPr/>
+            <p:nvPr/>
+          </p:nvSpPr>
+          <p:spPr>
+            <a:xfrm>
+              <a:off x="1026425" y="3871059"/>
+              <a:ext cx="2389291" cy="397631"/>
+            </a:xfrm>
+            <a:prstGeom prst="rect">
+              <a:avLst/>
+            </a:prstGeom>
+            <a:noFill/>
+            <a:ln>
+              <a:solidFill>
+                <a:schemeClr val="tx1"/>
+              </a:solidFill>
+            </a:ln>
+          </p:spPr>
+          <p:style>
+            <a:lnRef idx="2">
+              <a:schemeClr val="accent1">
+                <a:shade val="50000"/>
+              </a:schemeClr>
+            </a:lnRef>
+            <a:fillRef idx="1">
+              <a:schemeClr val="accent1"/>
+            </a:fillRef>
+            <a:effectRef idx="0">
+              <a:schemeClr val="accent1"/>
+            </a:effectRef>
+            <a:fontRef idx="minor">
+              <a:schemeClr val="lt1"/>
+            </a:fontRef>
+          </p:style>
+          <p:txBody>
+            <a:bodyPr rtlCol="0" anchor="ctr"/>
+            <a:lstStyle/>
+            <a:p>
+              <a:pPr algn="ctr"/>
+              <a:r>
+                <a:rPr lang="en-US" altLang="zh-CN" sz="900">
+                  <a:solidFill>
+                    <a:srgbClr val="000000"/>
+                  </a:solidFill>
+                  <a:latin typeface="Menlo" panose="020B0609030804020204" pitchFamily="49" charset="0"/>
+                </a:rPr>
+                <a:t>uint32_t </a:t>
+              </a:r>
+              <a:r>
+                <a:rPr lang="en-US" altLang="zh-CN" sz="900">
+                  <a:solidFill>
+                    <a:srgbClr val="0000FF"/>
+                  </a:solidFill>
+                  <a:latin typeface="Menlo" panose="020B0609030804020204" pitchFamily="49" charset="0"/>
+                </a:rPr>
+                <a:t>eip</a:t>
+              </a:r>
+              <a:endParaRPr lang="en-US" altLang="zh-CN" sz="900">
+                <a:solidFill>
+                  <a:srgbClr val="000000"/>
+                </a:solidFill>
+                <a:latin typeface="Menlo" panose="020B0609030804020204" pitchFamily="49" charset="0"/>
+              </a:endParaRPr>
+            </a:p>
+          </p:txBody>
+        </p:sp>
+      </p:grpSp>
+      <p:grpSp>
+        <p:nvGrpSpPr>
+          <p:cNvPr id="38" name="组合 37">
+            <a:extLst>
+              <a:ext uri="{FF2B5EF4-FFF2-40B4-BE49-F238E27FC236}">
+                <a16:creationId xmlns:a16="http://schemas.microsoft.com/office/drawing/2014/main" id="{E5D22167-8783-6E43-BA57-1D3B7635CC42}"/>
+              </a:ext>
+            </a:extLst>
+          </p:cNvPr>
+          <p:cNvGrpSpPr/>
+          <p:nvPr/>
+        </p:nvGrpSpPr>
+        <p:grpSpPr>
+          <a:xfrm>
+            <a:off x="5275141" y="2214579"/>
+            <a:ext cx="1641717" cy="1143235"/>
+            <a:chOff x="4559907" y="1943997"/>
+            <a:chExt cx="2389291" cy="1596673"/>
+          </a:xfrm>
+        </p:grpSpPr>
+        <p:sp>
+          <p:nvSpPr>
+            <p:cNvPr id="39" name="矩形 38">
+              <a:extLst>
+                <a:ext uri="{FF2B5EF4-FFF2-40B4-BE49-F238E27FC236}">
+                  <a16:creationId xmlns:a16="http://schemas.microsoft.com/office/drawing/2014/main" id="{C106457A-2237-504B-B67A-8A6E1754B40A}"/>
+                </a:ext>
+              </a:extLst>
+            </p:cNvPr>
+            <p:cNvSpPr/>
+            <p:nvPr/>
+          </p:nvSpPr>
+          <p:spPr>
+            <a:xfrm>
+              <a:off x="4559907" y="1943997"/>
+              <a:ext cx="2389291" cy="397631"/>
+            </a:xfrm>
+            <a:prstGeom prst="rect">
+              <a:avLst/>
+            </a:prstGeom>
+            <a:noFill/>
+            <a:ln>
+              <a:solidFill>
+                <a:schemeClr val="tx1"/>
+              </a:solidFill>
+            </a:ln>
+          </p:spPr>
+          <p:style>
+            <a:lnRef idx="2">
+              <a:schemeClr val="accent1">
+                <a:shade val="50000"/>
+              </a:schemeClr>
+            </a:lnRef>
+            <a:fillRef idx="1">
+              <a:schemeClr val="accent1"/>
+            </a:fillRef>
+            <a:effectRef idx="0">
+              <a:schemeClr val="accent1"/>
+            </a:effectRef>
+            <a:fontRef idx="minor">
+              <a:schemeClr val="lt1"/>
+            </a:fontRef>
+          </p:style>
+          <p:txBody>
+            <a:bodyPr rtlCol="0" anchor="ctr"/>
+            <a:lstStyle/>
+            <a:p>
+              <a:pPr algn="ctr"/>
+              <a:endParaRPr lang="en-US" altLang="zh-CN" sz="900">
+                <a:solidFill>
+                  <a:schemeClr val="tx1"/>
+                </a:solidFill>
+                <a:latin typeface="+mn-ea"/>
+              </a:endParaRPr>
+            </a:p>
+          </p:txBody>
+        </p:sp>
+        <p:sp>
+          <p:nvSpPr>
+            <p:cNvPr id="40" name="矩形 39">
+              <a:extLst>
+                <a:ext uri="{FF2B5EF4-FFF2-40B4-BE49-F238E27FC236}">
+                  <a16:creationId xmlns:a16="http://schemas.microsoft.com/office/drawing/2014/main" id="{D8FA3E23-FFA8-E248-86D7-5C43FADE9E39}"/>
+                </a:ext>
+              </a:extLst>
+            </p:cNvPr>
+            <p:cNvSpPr/>
+            <p:nvPr/>
+          </p:nvSpPr>
+          <p:spPr>
+            <a:xfrm>
+              <a:off x="4559907" y="2341628"/>
+              <a:ext cx="2389291" cy="397631"/>
+            </a:xfrm>
+            <a:prstGeom prst="rect">
+              <a:avLst/>
+            </a:prstGeom>
+            <a:noFill/>
+            <a:ln>
+              <a:solidFill>
+                <a:schemeClr val="tx1"/>
+              </a:solidFill>
+            </a:ln>
+          </p:spPr>
+          <p:style>
+            <a:lnRef idx="2">
+              <a:schemeClr val="accent1">
+                <a:shade val="50000"/>
+              </a:schemeClr>
+            </a:lnRef>
+            <a:fillRef idx="1">
+              <a:schemeClr val="accent1"/>
+            </a:fillRef>
+            <a:effectRef idx="0">
+              <a:schemeClr val="accent1"/>
+            </a:effectRef>
+            <a:fontRef idx="minor">
+              <a:schemeClr val="lt1"/>
+            </a:fontRef>
+          </p:style>
+          <p:txBody>
+            <a:bodyPr rtlCol="0" anchor="ctr"/>
+            <a:lstStyle/>
+            <a:p>
+              <a:pPr algn="ctr"/>
+              <a:r>
+                <a:rPr lang="en-US" altLang="zh-CN" sz="900">
+                  <a:solidFill>
+                    <a:schemeClr val="tx1"/>
+                  </a:solidFill>
+                  <a:latin typeface="+mn-ea"/>
+                </a:rPr>
+                <a:t>&lt;-</a:t>
+              </a:r>
+              <a:r>
+                <a:rPr lang="zh-CN" altLang="en-US" sz="900">
+                  <a:solidFill>
+                    <a:schemeClr val="tx1"/>
+                  </a:solidFill>
+                  <a:latin typeface="+mn-ea"/>
+                </a:rPr>
+                <a:t> </a:t>
+              </a:r>
+              <a:r>
+                <a:rPr lang="en-US" altLang="zh-CN" sz="900">
+                  <a:solidFill>
+                    <a:schemeClr val="tx1"/>
+                  </a:solidFill>
+                  <a:latin typeface="+mn-ea"/>
+                </a:rPr>
+                <a:t>esp</a:t>
+              </a:r>
+              <a:r>
+                <a:rPr lang="zh-CN" altLang="en-US" sz="900">
+                  <a:solidFill>
+                    <a:schemeClr val="tx1"/>
+                  </a:solidFill>
+                  <a:latin typeface="+mn-ea"/>
+                </a:rPr>
+                <a:t>（</a:t>
+              </a:r>
+              <a:r>
+                <a:rPr lang="en-US" altLang="zh-CN" sz="900">
+                  <a:solidFill>
+                    <a:schemeClr val="tx1"/>
+                  </a:solidFill>
+                  <a:latin typeface="+mn-ea"/>
+                </a:rPr>
+                <a:t>pop </a:t>
+              </a:r>
+              <a:r>
+                <a:rPr lang="zh-CN" altLang="en-US" sz="900">
+                  <a:solidFill>
+                    <a:schemeClr val="tx1"/>
+                  </a:solidFill>
+                  <a:latin typeface="+mn-ea"/>
+                </a:rPr>
+                <a:t>后）</a:t>
+              </a:r>
+              <a:endParaRPr lang="en-US" altLang="zh-CN" sz="900">
+                <a:solidFill>
+                  <a:schemeClr val="tx1"/>
+                </a:solidFill>
+                <a:latin typeface="+mn-ea"/>
+              </a:endParaRPr>
+            </a:p>
+          </p:txBody>
+        </p:sp>
+        <p:sp>
+          <p:nvSpPr>
+            <p:cNvPr id="41" name="矩形 40">
+              <a:extLst>
+                <a:ext uri="{FF2B5EF4-FFF2-40B4-BE49-F238E27FC236}">
+                  <a16:creationId xmlns:a16="http://schemas.microsoft.com/office/drawing/2014/main" id="{4AB20AAD-D710-F149-94E1-59D18EE083DE}"/>
+                </a:ext>
+              </a:extLst>
+            </p:cNvPr>
+            <p:cNvSpPr/>
+            <p:nvPr/>
+          </p:nvSpPr>
+          <p:spPr>
+            <a:xfrm>
+              <a:off x="4559907" y="2745409"/>
+              <a:ext cx="2389291" cy="397631"/>
+            </a:xfrm>
+            <a:prstGeom prst="rect">
+              <a:avLst/>
+            </a:prstGeom>
+            <a:noFill/>
+            <a:ln>
+              <a:solidFill>
+                <a:schemeClr val="tx1"/>
+              </a:solidFill>
+            </a:ln>
+          </p:spPr>
+          <p:style>
+            <a:lnRef idx="2">
+              <a:schemeClr val="accent1">
+                <a:shade val="50000"/>
+              </a:schemeClr>
+            </a:lnRef>
+            <a:fillRef idx="1">
+              <a:schemeClr val="accent1"/>
+            </a:fillRef>
+            <a:effectRef idx="0">
+              <a:schemeClr val="accent1"/>
+            </a:effectRef>
+            <a:fontRef idx="minor">
+              <a:schemeClr val="lt1"/>
+            </a:fontRef>
+          </p:style>
+          <p:txBody>
+            <a:bodyPr rtlCol="0" anchor="ctr"/>
+            <a:lstStyle/>
+            <a:p>
+              <a:pPr algn="ctr"/>
+              <a:r>
+                <a:rPr lang="en-US" altLang="zh-CN" sz="900">
+                  <a:solidFill>
+                    <a:schemeClr val="tx1"/>
+                  </a:solidFill>
+                  <a:latin typeface="+mn-ea"/>
+                </a:rPr>
+                <a:t>&lt;-</a:t>
+              </a:r>
+              <a:r>
+                <a:rPr lang="zh-CN" altLang="en-US" sz="900">
+                  <a:solidFill>
+                    <a:schemeClr val="tx1"/>
+                  </a:solidFill>
+                  <a:latin typeface="+mn-ea"/>
+                </a:rPr>
+                <a:t> </a:t>
+              </a:r>
+              <a:r>
+                <a:rPr lang="en-US" altLang="zh-CN" sz="900">
+                  <a:solidFill>
+                    <a:schemeClr val="tx1"/>
+                  </a:solidFill>
+                  <a:latin typeface="+mn-ea"/>
+                </a:rPr>
+                <a:t>esp</a:t>
+              </a:r>
+              <a:r>
+                <a:rPr lang="zh-CN" altLang="en-US" sz="900">
+                  <a:solidFill>
+                    <a:schemeClr val="tx1"/>
+                  </a:solidFill>
+                  <a:latin typeface="+mn-ea"/>
+                </a:rPr>
+                <a:t>（</a:t>
+              </a:r>
+              <a:r>
+                <a:rPr lang="en-US" altLang="zh-CN" sz="900">
+                  <a:solidFill>
+                    <a:schemeClr val="tx1"/>
+                  </a:solidFill>
+                  <a:latin typeface="+mn-ea"/>
+                </a:rPr>
+                <a:t>pop </a:t>
+              </a:r>
+              <a:r>
+                <a:rPr lang="zh-CN" altLang="en-US" sz="900">
+                  <a:solidFill>
+                    <a:schemeClr val="tx1"/>
+                  </a:solidFill>
+                  <a:latin typeface="+mn-ea"/>
+                </a:rPr>
+                <a:t>前）</a:t>
+              </a:r>
+              <a:endParaRPr lang="en-US" altLang="zh-CN" sz="900">
+                <a:solidFill>
+                  <a:schemeClr val="tx1"/>
+                </a:solidFill>
+                <a:latin typeface="+mn-ea"/>
+              </a:endParaRPr>
+            </a:p>
+          </p:txBody>
+        </p:sp>
+        <p:sp>
+          <p:nvSpPr>
+            <p:cNvPr id="42" name="矩形 41">
+              <a:extLst>
+                <a:ext uri="{FF2B5EF4-FFF2-40B4-BE49-F238E27FC236}">
+                  <a16:creationId xmlns:a16="http://schemas.microsoft.com/office/drawing/2014/main" id="{2E49C733-22D2-9C42-A25E-710565B92F8A}"/>
+                </a:ext>
+              </a:extLst>
+            </p:cNvPr>
+            <p:cNvSpPr/>
+            <p:nvPr/>
+          </p:nvSpPr>
+          <p:spPr>
+            <a:xfrm>
+              <a:off x="4559907" y="3143039"/>
+              <a:ext cx="2389291" cy="397631"/>
+            </a:xfrm>
+            <a:prstGeom prst="rect">
+              <a:avLst/>
+            </a:prstGeom>
+            <a:noFill/>
+            <a:ln>
+              <a:solidFill>
+                <a:schemeClr val="tx1"/>
+              </a:solidFill>
+            </a:ln>
+          </p:spPr>
+          <p:style>
+            <a:lnRef idx="2">
+              <a:schemeClr val="accent1">
+                <a:shade val="50000"/>
+              </a:schemeClr>
+            </a:lnRef>
+            <a:fillRef idx="1">
+              <a:schemeClr val="accent1"/>
+            </a:fillRef>
+            <a:effectRef idx="0">
+              <a:schemeClr val="accent1"/>
+            </a:effectRef>
+            <a:fontRef idx="minor">
+              <a:schemeClr val="lt1"/>
+            </a:fontRef>
+          </p:style>
+          <p:txBody>
+            <a:bodyPr rtlCol="0" anchor="ctr"/>
+            <a:lstStyle/>
+            <a:p>
+              <a:pPr algn="ctr"/>
+              <a:endParaRPr lang="en-US" altLang="zh-CN" sz="900">
+                <a:solidFill>
+                  <a:schemeClr val="tx1"/>
+                </a:solidFill>
+                <a:latin typeface="+mn-ea"/>
+              </a:endParaRPr>
+            </a:p>
+          </p:txBody>
+        </p:sp>
+      </p:grpSp>
+      <p:sp>
+        <p:nvSpPr>
+          <p:cNvPr id="43" name="文本框 42">
+            <a:extLst>
+              <a:ext uri="{FF2B5EF4-FFF2-40B4-BE49-F238E27FC236}">
+                <a16:creationId xmlns:a16="http://schemas.microsoft.com/office/drawing/2014/main" id="{1ABCF2C1-82C6-1849-A890-EF9CEFFD2E0F}"/>
+              </a:ext>
+            </a:extLst>
+          </p:cNvPr>
+          <p:cNvSpPr txBox="1"/>
+          <p:nvPr/>
+        </p:nvSpPr>
+        <p:spPr>
+          <a:xfrm>
+            <a:off x="383526" y="1881324"/>
+            <a:ext cx="1009969" cy="369332"/>
+          </a:xfrm>
+          <a:prstGeom prst="rect">
+            <a:avLst/>
+          </a:prstGeom>
+          <a:noFill/>
+        </p:spPr>
+        <p:txBody>
+          <a:bodyPr wrap="square" rtlCol="0">
+            <a:spAutoFit/>
+          </a:bodyPr>
+          <a:lstStyle/>
+          <a:p>
+            <a:r>
+              <a:rPr kumimoji="1" lang="en-US" altLang="zh-CN"/>
+              <a:t>eax-&gt;</a:t>
+            </a:r>
+          </a:p>
+        </p:txBody>
+      </p:sp>
+      <p:sp>
+        <p:nvSpPr>
+          <p:cNvPr id="44" name="文本框 43">
+            <a:extLst>
+              <a:ext uri="{FF2B5EF4-FFF2-40B4-BE49-F238E27FC236}">
+                <a16:creationId xmlns:a16="http://schemas.microsoft.com/office/drawing/2014/main" id="{03C6DAC8-A11D-C145-9384-B21A571E8754}"/>
+              </a:ext>
+            </a:extLst>
+          </p:cNvPr>
+          <p:cNvSpPr txBox="1"/>
+          <p:nvPr/>
+        </p:nvSpPr>
+        <p:spPr>
+          <a:xfrm>
+            <a:off x="-83975" y="3849225"/>
+            <a:ext cx="1009969" cy="369332"/>
+          </a:xfrm>
+          <a:prstGeom prst="rect">
+            <a:avLst/>
+          </a:prstGeom>
+          <a:noFill/>
+        </p:spPr>
+        <p:txBody>
+          <a:bodyPr wrap="square" rtlCol="0">
+            <a:spAutoFit/>
+          </a:bodyPr>
+          <a:lstStyle/>
+          <a:p>
+            <a:r>
+              <a:rPr kumimoji="1" lang="en-US" altLang="zh-CN"/>
+              <a:t>eax-&gt;</a:t>
+            </a:r>
+          </a:p>
+        </p:txBody>
+      </p:sp>
     </p:spTree>
     <p:extLst>
       <p:ext uri="{BB962C8B-B14F-4D97-AF65-F5344CB8AC3E}">

--- a/任务管理.pptx
+++ b/任务管理.pptx
@@ -10,6 +10,7 @@
     <p:sldId id="259" r:id="rId4"/>
     <p:sldId id="260" r:id="rId5"/>
     <p:sldId id="261" r:id="rId6"/>
+    <p:sldId id="262" r:id="rId7"/>
   </p:sldIdLst>
   <p:sldSz cx="12192000" cy="6858000"/>
   <p:notesSz cx="6858000" cy="9144000"/>
@@ -26974,6 +26975,1497 @@
 </p:sld>
 </file>
 
+<file path=ppt/slides/slide6.xml><?xml version="1.0" encoding="utf-8"?>
+<p:sld xmlns:a="http://schemas.openxmlformats.org/drawingml/2006/main" xmlns:r="http://schemas.openxmlformats.org/officeDocument/2006/relationships" xmlns:p="http://schemas.openxmlformats.org/presentationml/2006/main">
+  <p:cSld>
+    <p:spTree>
+      <p:nvGrpSpPr>
+        <p:cNvPr id="1" name=""/>
+        <p:cNvGrpSpPr/>
+        <p:nvPr/>
+      </p:nvGrpSpPr>
+      <p:grpSpPr>
+        <a:xfrm>
+          <a:off x="0" y="0"/>
+          <a:ext cx="0" cy="0"/>
+          <a:chOff x="0" y="0"/>
+          <a:chExt cx="0" cy="0"/>
+        </a:xfrm>
+      </p:grpSpPr>
+      <p:cxnSp>
+        <p:nvCxnSpPr>
+          <p:cNvPr id="7" name="直线箭头连接符 6">
+            <a:extLst>
+              <a:ext uri="{FF2B5EF4-FFF2-40B4-BE49-F238E27FC236}">
+                <a16:creationId xmlns:a16="http://schemas.microsoft.com/office/drawing/2014/main" id="{B2C98CEC-CBE2-A946-9A72-3E86B824346F}"/>
+              </a:ext>
+            </a:extLst>
+          </p:cNvPr>
+          <p:cNvCxnSpPr>
+            <a:cxnSpLocks/>
+          </p:cNvCxnSpPr>
+          <p:nvPr/>
+        </p:nvCxnSpPr>
+        <p:spPr>
+          <a:xfrm>
+            <a:off x="1579418" y="942136"/>
+            <a:ext cx="0" cy="1302300"/>
+          </a:xfrm>
+          <a:prstGeom prst="straightConnector1">
+            <a:avLst/>
+          </a:prstGeom>
+          <a:ln>
+            <a:tailEnd type="triangle"/>
+          </a:ln>
+        </p:spPr>
+        <p:style>
+          <a:lnRef idx="1">
+            <a:schemeClr val="accent1"/>
+          </a:lnRef>
+          <a:fillRef idx="0">
+            <a:schemeClr val="accent1"/>
+          </a:fillRef>
+          <a:effectRef idx="0">
+            <a:schemeClr val="accent1"/>
+          </a:effectRef>
+          <a:fontRef idx="minor">
+            <a:schemeClr val="tx1"/>
+          </a:fontRef>
+        </p:style>
+      </p:cxnSp>
+      <p:sp>
+        <p:nvSpPr>
+          <p:cNvPr id="8" name="文本框 7">
+            <a:extLst>
+              <a:ext uri="{FF2B5EF4-FFF2-40B4-BE49-F238E27FC236}">
+                <a16:creationId xmlns:a16="http://schemas.microsoft.com/office/drawing/2014/main" id="{C07C7779-2134-6948-859B-5DE0C3151534}"/>
+              </a:ext>
+            </a:extLst>
+          </p:cNvPr>
+          <p:cNvSpPr txBox="1"/>
+          <p:nvPr/>
+        </p:nvSpPr>
+        <p:spPr>
+          <a:xfrm>
+            <a:off x="1250251" y="470003"/>
+            <a:ext cx="583508" cy="230832"/>
+          </a:xfrm>
+          <a:prstGeom prst="rect">
+            <a:avLst/>
+          </a:prstGeom>
+          <a:noFill/>
+        </p:spPr>
+        <p:txBody>
+          <a:bodyPr wrap="square" rtlCol="0">
+            <a:spAutoFit/>
+          </a:bodyPr>
+          <a:lstStyle/>
+          <a:p>
+            <a:r>
+              <a:rPr kumimoji="1" lang="en-US" altLang="zh-CN" sz="900"/>
+              <a:t>A</a:t>
+            </a:r>
+            <a:r>
+              <a:rPr kumimoji="1" lang="zh-CN" altLang="en-US" sz="900"/>
+              <a:t> </a:t>
+            </a:r>
+            <a:r>
+              <a:rPr kumimoji="1" lang="en-US" altLang="zh-CN" sz="900"/>
+              <a:t>user</a:t>
+            </a:r>
+            <a:endParaRPr kumimoji="1" lang="zh-CN" altLang="en-US" sz="900"/>
+          </a:p>
+        </p:txBody>
+      </p:sp>
+      <p:cxnSp>
+        <p:nvCxnSpPr>
+          <p:cNvPr id="15" name="直线箭头连接符 14">
+            <a:extLst>
+              <a:ext uri="{FF2B5EF4-FFF2-40B4-BE49-F238E27FC236}">
+                <a16:creationId xmlns:a16="http://schemas.microsoft.com/office/drawing/2014/main" id="{EDBAC92A-934C-D343-92E3-B25A5D878EB1}"/>
+              </a:ext>
+            </a:extLst>
+          </p:cNvPr>
+          <p:cNvCxnSpPr>
+            <a:cxnSpLocks/>
+          </p:cNvCxnSpPr>
+          <p:nvPr/>
+        </p:nvCxnSpPr>
+        <p:spPr>
+          <a:xfrm flipV="1">
+            <a:off x="1579418" y="1460665"/>
+            <a:ext cx="1757548" cy="783771"/>
+          </a:xfrm>
+          <a:prstGeom prst="straightConnector1">
+            <a:avLst/>
+          </a:prstGeom>
+          <a:ln>
+            <a:tailEnd type="triangle"/>
+          </a:ln>
+        </p:spPr>
+        <p:style>
+          <a:lnRef idx="1">
+            <a:schemeClr val="accent1"/>
+          </a:lnRef>
+          <a:fillRef idx="0">
+            <a:schemeClr val="accent1"/>
+          </a:fillRef>
+          <a:effectRef idx="0">
+            <a:schemeClr val="accent1"/>
+          </a:effectRef>
+          <a:fontRef idx="minor">
+            <a:schemeClr val="tx1"/>
+          </a:fontRef>
+        </p:style>
+      </p:cxnSp>
+      <p:sp>
+        <p:nvSpPr>
+          <p:cNvPr id="21" name="文本框 20">
+            <a:extLst>
+              <a:ext uri="{FF2B5EF4-FFF2-40B4-BE49-F238E27FC236}">
+                <a16:creationId xmlns:a16="http://schemas.microsoft.com/office/drawing/2014/main" id="{BF680C35-8443-6645-B685-4BBB42CF3B4E}"/>
+              </a:ext>
+            </a:extLst>
+          </p:cNvPr>
+          <p:cNvSpPr txBox="1"/>
+          <p:nvPr/>
+        </p:nvSpPr>
+        <p:spPr>
+          <a:xfrm>
+            <a:off x="2772259" y="456602"/>
+            <a:ext cx="1062118" cy="230832"/>
+          </a:xfrm>
+          <a:prstGeom prst="rect">
+            <a:avLst/>
+          </a:prstGeom>
+          <a:noFill/>
+          <a:ln>
+            <a:noFill/>
+            <a:prstDash val="dash"/>
+          </a:ln>
+        </p:spPr>
+        <p:txBody>
+          <a:bodyPr wrap="square" rtlCol="0">
+            <a:spAutoFit/>
+          </a:bodyPr>
+          <a:lstStyle/>
+          <a:p>
+            <a:r>
+              <a:rPr kumimoji="1" lang="en-US" altLang="zh-CN" sz="900"/>
+              <a:t>A</a:t>
+            </a:r>
+            <a:r>
+              <a:rPr kumimoji="1" lang="zh-CN" altLang="en-US" sz="900"/>
+              <a:t> </a:t>
+            </a:r>
+            <a:r>
+              <a:rPr kumimoji="1" lang="en-US" altLang="zh-CN" sz="900"/>
+              <a:t>kernel</a:t>
+            </a:r>
+            <a:endParaRPr kumimoji="1" lang="zh-CN" altLang="en-US" sz="900"/>
+          </a:p>
+        </p:txBody>
+      </p:sp>
+      <p:sp>
+        <p:nvSpPr>
+          <p:cNvPr id="23" name="文本框 22">
+            <a:extLst>
+              <a:ext uri="{FF2B5EF4-FFF2-40B4-BE49-F238E27FC236}">
+                <a16:creationId xmlns:a16="http://schemas.microsoft.com/office/drawing/2014/main" id="{23E8F6D7-54A7-9C4E-ACF0-FDDCF44DE4CB}"/>
+              </a:ext>
+            </a:extLst>
+          </p:cNvPr>
+          <p:cNvSpPr txBox="1"/>
+          <p:nvPr/>
+        </p:nvSpPr>
+        <p:spPr>
+          <a:xfrm>
+            <a:off x="3057822" y="1215922"/>
+            <a:ext cx="379796" cy="230832"/>
+          </a:xfrm>
+          <a:prstGeom prst="rect">
+            <a:avLst/>
+          </a:prstGeom>
+          <a:noFill/>
+        </p:spPr>
+        <p:txBody>
+          <a:bodyPr wrap="square" rtlCol="0">
+            <a:spAutoFit/>
+          </a:bodyPr>
+          <a:lstStyle/>
+          <a:p>
+            <a:r>
+              <a:rPr kumimoji="1" lang="en-US" altLang="zh-CN" sz="900"/>
+              <a:t>trap</a:t>
+            </a:r>
+            <a:endParaRPr kumimoji="1" lang="zh-CN" altLang="en-US" sz="900"/>
+          </a:p>
+        </p:txBody>
+      </p:sp>
+      <p:cxnSp>
+        <p:nvCxnSpPr>
+          <p:cNvPr id="45" name="直线箭头连接符 44">
+            <a:extLst>
+              <a:ext uri="{FF2B5EF4-FFF2-40B4-BE49-F238E27FC236}">
+                <a16:creationId xmlns:a16="http://schemas.microsoft.com/office/drawing/2014/main" id="{AA54BE3F-78CD-F24C-BE35-3AE5933F375A}"/>
+              </a:ext>
+            </a:extLst>
+          </p:cNvPr>
+          <p:cNvCxnSpPr/>
+          <p:nvPr/>
+        </p:nvCxnSpPr>
+        <p:spPr>
+          <a:xfrm>
+            <a:off x="3336966" y="1460665"/>
+            <a:ext cx="0" cy="1484415"/>
+          </a:xfrm>
+          <a:prstGeom prst="straightConnector1">
+            <a:avLst/>
+          </a:prstGeom>
+          <a:ln>
+            <a:tailEnd type="triangle"/>
+          </a:ln>
+        </p:spPr>
+        <p:style>
+          <a:lnRef idx="1">
+            <a:schemeClr val="accent1"/>
+          </a:lnRef>
+          <a:fillRef idx="0">
+            <a:schemeClr val="accent1"/>
+          </a:fillRef>
+          <a:effectRef idx="0">
+            <a:schemeClr val="accent1"/>
+          </a:effectRef>
+          <a:fontRef idx="minor">
+            <a:schemeClr val="tx1"/>
+          </a:fontRef>
+        </p:style>
+      </p:cxnSp>
+      <p:sp>
+        <p:nvSpPr>
+          <p:cNvPr id="46" name="文本框 45">
+            <a:extLst>
+              <a:ext uri="{FF2B5EF4-FFF2-40B4-BE49-F238E27FC236}">
+                <a16:creationId xmlns:a16="http://schemas.microsoft.com/office/drawing/2014/main" id="{069AB6B1-6EAC-6A43-9392-6FB717E41E9C}"/>
+              </a:ext>
+            </a:extLst>
+          </p:cNvPr>
+          <p:cNvSpPr txBox="1"/>
+          <p:nvPr/>
+        </p:nvSpPr>
+        <p:spPr>
+          <a:xfrm>
+            <a:off x="3043551" y="2052479"/>
+            <a:ext cx="772878" cy="230832"/>
+          </a:xfrm>
+          <a:prstGeom prst="rect">
+            <a:avLst/>
+          </a:prstGeom>
+          <a:noFill/>
+        </p:spPr>
+        <p:txBody>
+          <a:bodyPr wrap="square" rtlCol="0">
+            <a:spAutoFit/>
+          </a:bodyPr>
+          <a:lstStyle/>
+          <a:p>
+            <a:r>
+              <a:rPr kumimoji="1" lang="zh-CN" altLang="en-US" sz="900"/>
+              <a:t>处理中断</a:t>
+            </a:r>
+          </a:p>
+        </p:txBody>
+      </p:sp>
+      <p:sp>
+        <p:nvSpPr>
+          <p:cNvPr id="47" name="文本框 46">
+            <a:extLst>
+              <a:ext uri="{FF2B5EF4-FFF2-40B4-BE49-F238E27FC236}">
+                <a16:creationId xmlns:a16="http://schemas.microsoft.com/office/drawing/2014/main" id="{F0F5B3A4-8BD6-BB42-82DF-C5C2FC3A669E}"/>
+              </a:ext>
+            </a:extLst>
+          </p:cNvPr>
+          <p:cNvSpPr txBox="1"/>
+          <p:nvPr/>
+        </p:nvSpPr>
+        <p:spPr>
+          <a:xfrm>
+            <a:off x="4684607" y="4512623"/>
+            <a:ext cx="681650" cy="230832"/>
+          </a:xfrm>
+          <a:prstGeom prst="rect">
+            <a:avLst/>
+          </a:prstGeom>
+          <a:noFill/>
+        </p:spPr>
+        <p:txBody>
+          <a:bodyPr wrap="square" rtlCol="0">
+            <a:spAutoFit/>
+          </a:bodyPr>
+          <a:lstStyle/>
+          <a:p>
+            <a:r>
+              <a:rPr kumimoji="1" lang="en-US" altLang="zh-CN" sz="900"/>
+              <a:t>schedule</a:t>
+            </a:r>
+            <a:endParaRPr kumimoji="1" lang="zh-CN" altLang="en-US" sz="900"/>
+          </a:p>
+        </p:txBody>
+      </p:sp>
+      <p:cxnSp>
+        <p:nvCxnSpPr>
+          <p:cNvPr id="48" name="直线箭头连接符 47">
+            <a:extLst>
+              <a:ext uri="{FF2B5EF4-FFF2-40B4-BE49-F238E27FC236}">
+                <a16:creationId xmlns:a16="http://schemas.microsoft.com/office/drawing/2014/main" id="{759FB553-1C12-B648-8562-D8996BAB1340}"/>
+              </a:ext>
+            </a:extLst>
+          </p:cNvPr>
+          <p:cNvCxnSpPr/>
+          <p:nvPr/>
+        </p:nvCxnSpPr>
+        <p:spPr>
+          <a:xfrm>
+            <a:off x="4651163" y="2426551"/>
+            <a:ext cx="0" cy="1484415"/>
+          </a:xfrm>
+          <a:prstGeom prst="straightConnector1">
+            <a:avLst/>
+          </a:prstGeom>
+          <a:ln>
+            <a:headEnd type="none" w="med" len="med"/>
+            <a:tailEnd type="arrow" w="med" len="med"/>
+          </a:ln>
+        </p:spPr>
+        <p:style>
+          <a:lnRef idx="1">
+            <a:schemeClr val="accent1"/>
+          </a:lnRef>
+          <a:fillRef idx="0">
+            <a:schemeClr val="accent1"/>
+          </a:fillRef>
+          <a:effectRef idx="0">
+            <a:schemeClr val="accent1"/>
+          </a:effectRef>
+          <a:fontRef idx="minor">
+            <a:schemeClr val="tx1"/>
+          </a:fontRef>
+        </p:style>
+      </p:cxnSp>
+      <p:sp>
+        <p:nvSpPr>
+          <p:cNvPr id="49" name="文本框 48">
+            <a:extLst>
+              <a:ext uri="{FF2B5EF4-FFF2-40B4-BE49-F238E27FC236}">
+                <a16:creationId xmlns:a16="http://schemas.microsoft.com/office/drawing/2014/main" id="{11503A3A-77C9-394A-B7C9-ABA435AEE229}"/>
+              </a:ext>
+            </a:extLst>
+          </p:cNvPr>
+          <p:cNvSpPr txBox="1"/>
+          <p:nvPr/>
+        </p:nvSpPr>
+        <p:spPr>
+          <a:xfrm>
+            <a:off x="4120103" y="456602"/>
+            <a:ext cx="1062117" cy="230832"/>
+          </a:xfrm>
+          <a:prstGeom prst="rect">
+            <a:avLst/>
+          </a:prstGeom>
+          <a:noFill/>
+        </p:spPr>
+        <p:txBody>
+          <a:bodyPr wrap="square" rtlCol="0">
+            <a:spAutoFit/>
+          </a:bodyPr>
+          <a:lstStyle/>
+          <a:p>
+            <a:r>
+              <a:rPr kumimoji="1" lang="en-US" altLang="zh-CN" sz="900"/>
+              <a:t>B</a:t>
+            </a:r>
+            <a:r>
+              <a:rPr kumimoji="1" lang="zh-CN" altLang="en-US" sz="900"/>
+              <a:t> </a:t>
+            </a:r>
+            <a:r>
+              <a:rPr kumimoji="1" lang="en-US" altLang="zh-CN" sz="900"/>
+              <a:t>kernel</a:t>
+            </a:r>
+            <a:endParaRPr kumimoji="1" lang="zh-CN" altLang="en-US" sz="900"/>
+          </a:p>
+        </p:txBody>
+      </p:sp>
+      <p:cxnSp>
+        <p:nvCxnSpPr>
+          <p:cNvPr id="50" name="直线箭头连接符 49">
+            <a:extLst>
+              <a:ext uri="{FF2B5EF4-FFF2-40B4-BE49-F238E27FC236}">
+                <a16:creationId xmlns:a16="http://schemas.microsoft.com/office/drawing/2014/main" id="{2A6EE30B-C874-3543-BDCF-5F07519EB78C}"/>
+              </a:ext>
+            </a:extLst>
+          </p:cNvPr>
+          <p:cNvCxnSpPr>
+            <a:cxnSpLocks/>
+          </p:cNvCxnSpPr>
+          <p:nvPr/>
+        </p:nvCxnSpPr>
+        <p:spPr>
+          <a:xfrm flipV="1">
+            <a:off x="3336964" y="2426551"/>
+            <a:ext cx="1314199" cy="538656"/>
+          </a:xfrm>
+          <a:prstGeom prst="straightConnector1">
+            <a:avLst/>
+          </a:prstGeom>
+          <a:ln>
+            <a:headEnd type="none" w="med" len="med"/>
+            <a:tailEnd type="arrow" w="med" len="med"/>
+          </a:ln>
+        </p:spPr>
+        <p:style>
+          <a:lnRef idx="1">
+            <a:schemeClr val="accent1"/>
+          </a:lnRef>
+          <a:fillRef idx="0">
+            <a:schemeClr val="accent1"/>
+          </a:fillRef>
+          <a:effectRef idx="0">
+            <a:schemeClr val="accent1"/>
+          </a:effectRef>
+          <a:fontRef idx="minor">
+            <a:schemeClr val="tx1"/>
+          </a:fontRef>
+        </p:style>
+      </p:cxnSp>
+      <p:sp>
+        <p:nvSpPr>
+          <p:cNvPr id="51" name="文本框 50">
+            <a:extLst>
+              <a:ext uri="{FF2B5EF4-FFF2-40B4-BE49-F238E27FC236}">
+                <a16:creationId xmlns:a16="http://schemas.microsoft.com/office/drawing/2014/main" id="{59953D7A-DDED-7542-A863-0B98747EF7F8}"/>
+              </a:ext>
+            </a:extLst>
+          </p:cNvPr>
+          <p:cNvSpPr txBox="1"/>
+          <p:nvPr/>
+        </p:nvSpPr>
+        <p:spPr>
+          <a:xfrm rot="20145162">
+            <a:off x="3622209" y="2291573"/>
+            <a:ext cx="681650" cy="369332"/>
+          </a:xfrm>
+          <a:prstGeom prst="rect">
+            <a:avLst/>
+          </a:prstGeom>
+          <a:noFill/>
+          <a:ln>
+            <a:noFill/>
+            <a:headEnd type="none" w="med" len="med"/>
+            <a:tailEnd type="arrow" w="med" len="med"/>
+          </a:ln>
+        </p:spPr>
+        <p:style>
+          <a:lnRef idx="1">
+            <a:schemeClr val="accent1"/>
+          </a:lnRef>
+          <a:fillRef idx="0">
+            <a:schemeClr val="accent1"/>
+          </a:fillRef>
+          <a:effectRef idx="0">
+            <a:schemeClr val="accent1"/>
+          </a:effectRef>
+          <a:fontRef idx="minor">
+            <a:schemeClr val="tx1"/>
+          </a:fontRef>
+        </p:style>
+        <p:txBody>
+          <a:bodyPr wrap="square" rtlCol="0">
+            <a:spAutoFit/>
+          </a:bodyPr>
+          <a:lstStyle/>
+          <a:p>
+            <a:r>
+              <a:rPr kumimoji="1" lang="en-US" altLang="zh-CN" sz="900"/>
+              <a:t>proc_run,switch_to</a:t>
+            </a:r>
+            <a:endParaRPr kumimoji="1" lang="zh-CN" altLang="en-US" sz="900"/>
+          </a:p>
+        </p:txBody>
+      </p:sp>
+      <p:cxnSp>
+        <p:nvCxnSpPr>
+          <p:cNvPr id="55" name="直线箭头连接符 54">
+            <a:extLst>
+              <a:ext uri="{FF2B5EF4-FFF2-40B4-BE49-F238E27FC236}">
+                <a16:creationId xmlns:a16="http://schemas.microsoft.com/office/drawing/2014/main" id="{7D346C9C-49FD-0B44-B4D3-67360D57805D}"/>
+              </a:ext>
+            </a:extLst>
+          </p:cNvPr>
+          <p:cNvCxnSpPr>
+            <a:cxnSpLocks/>
+          </p:cNvCxnSpPr>
+          <p:nvPr/>
+        </p:nvCxnSpPr>
+        <p:spPr>
+          <a:xfrm>
+            <a:off x="4651162" y="1460665"/>
+            <a:ext cx="0" cy="906650"/>
+          </a:xfrm>
+          <a:prstGeom prst="straightConnector1">
+            <a:avLst/>
+          </a:prstGeom>
+          <a:ln>
+            <a:prstDash val="dash"/>
+            <a:headEnd type="none" w="med" len="med"/>
+            <a:tailEnd type="arrow" w="med" len="med"/>
+          </a:ln>
+        </p:spPr>
+        <p:style>
+          <a:lnRef idx="1">
+            <a:schemeClr val="accent1"/>
+          </a:lnRef>
+          <a:fillRef idx="0">
+            <a:schemeClr val="accent1"/>
+          </a:fillRef>
+          <a:effectRef idx="0">
+            <a:schemeClr val="accent1"/>
+          </a:effectRef>
+          <a:fontRef idx="minor">
+            <a:schemeClr val="tx1"/>
+          </a:fontRef>
+        </p:style>
+      </p:cxnSp>
+      <p:sp>
+        <p:nvSpPr>
+          <p:cNvPr id="59" name="文本框 58">
+            <a:extLst>
+              <a:ext uri="{FF2B5EF4-FFF2-40B4-BE49-F238E27FC236}">
+                <a16:creationId xmlns:a16="http://schemas.microsoft.com/office/drawing/2014/main" id="{433A3EEC-F220-BE42-953D-2123F008918D}"/>
+              </a:ext>
+            </a:extLst>
+          </p:cNvPr>
+          <p:cNvSpPr txBox="1"/>
+          <p:nvPr/>
+        </p:nvSpPr>
+        <p:spPr>
+          <a:xfrm>
+            <a:off x="5742326" y="453203"/>
+            <a:ext cx="600690" cy="230832"/>
+          </a:xfrm>
+          <a:prstGeom prst="rect">
+            <a:avLst/>
+          </a:prstGeom>
+          <a:noFill/>
+        </p:spPr>
+        <p:txBody>
+          <a:bodyPr wrap="square" rtlCol="0">
+            <a:spAutoFit/>
+          </a:bodyPr>
+          <a:lstStyle/>
+          <a:p>
+            <a:r>
+              <a:rPr kumimoji="1" lang="en-US" altLang="zh-CN" sz="900"/>
+              <a:t>B</a:t>
+            </a:r>
+            <a:r>
+              <a:rPr kumimoji="1" lang="zh-CN" altLang="en-US" sz="900"/>
+              <a:t> </a:t>
+            </a:r>
+            <a:r>
+              <a:rPr kumimoji="1" lang="en-US" altLang="zh-CN" sz="900"/>
+              <a:t>user</a:t>
+            </a:r>
+            <a:endParaRPr kumimoji="1" lang="zh-CN" altLang="en-US" sz="900"/>
+          </a:p>
+        </p:txBody>
+      </p:sp>
+      <p:cxnSp>
+        <p:nvCxnSpPr>
+          <p:cNvPr id="60" name="直线箭头连接符 59">
+            <a:extLst>
+              <a:ext uri="{FF2B5EF4-FFF2-40B4-BE49-F238E27FC236}">
+                <a16:creationId xmlns:a16="http://schemas.microsoft.com/office/drawing/2014/main" id="{7451165E-F2E6-7E4B-9B50-E9D5C6B56AD0}"/>
+              </a:ext>
+            </a:extLst>
+          </p:cNvPr>
+          <p:cNvCxnSpPr/>
+          <p:nvPr/>
+        </p:nvCxnSpPr>
+        <p:spPr>
+          <a:xfrm>
+            <a:off x="6090056" y="942136"/>
+            <a:ext cx="0" cy="1484415"/>
+          </a:xfrm>
+          <a:prstGeom prst="straightConnector1">
+            <a:avLst/>
+          </a:prstGeom>
+          <a:ln>
+            <a:prstDash val="dash"/>
+            <a:headEnd type="none" w="med" len="med"/>
+            <a:tailEnd type="arrow" w="med" len="med"/>
+          </a:ln>
+        </p:spPr>
+        <p:style>
+          <a:lnRef idx="1">
+            <a:schemeClr val="accent1"/>
+          </a:lnRef>
+          <a:fillRef idx="0">
+            <a:schemeClr val="accent1"/>
+          </a:fillRef>
+          <a:effectRef idx="0">
+            <a:schemeClr val="accent1"/>
+          </a:effectRef>
+          <a:fontRef idx="minor">
+            <a:schemeClr val="tx1"/>
+          </a:fontRef>
+        </p:style>
+      </p:cxnSp>
+      <p:cxnSp>
+        <p:nvCxnSpPr>
+          <p:cNvPr id="61" name="直线箭头连接符 60">
+            <a:extLst>
+              <a:ext uri="{FF2B5EF4-FFF2-40B4-BE49-F238E27FC236}">
+                <a16:creationId xmlns:a16="http://schemas.microsoft.com/office/drawing/2014/main" id="{A2107C2B-1EE9-E543-BA40-F831592F4C04}"/>
+              </a:ext>
+            </a:extLst>
+          </p:cNvPr>
+          <p:cNvCxnSpPr>
+            <a:cxnSpLocks/>
+          </p:cNvCxnSpPr>
+          <p:nvPr/>
+        </p:nvCxnSpPr>
+        <p:spPr>
+          <a:xfrm flipV="1">
+            <a:off x="4668176" y="2486526"/>
+            <a:ext cx="1415935" cy="1421979"/>
+          </a:xfrm>
+          <a:prstGeom prst="straightConnector1">
+            <a:avLst/>
+          </a:prstGeom>
+          <a:ln>
+            <a:headEnd type="none" w="med" len="med"/>
+            <a:tailEnd type="arrow" w="med" len="med"/>
+          </a:ln>
+        </p:spPr>
+        <p:style>
+          <a:lnRef idx="1">
+            <a:schemeClr val="accent1"/>
+          </a:lnRef>
+          <a:fillRef idx="0">
+            <a:schemeClr val="accent1"/>
+          </a:fillRef>
+          <a:effectRef idx="0">
+            <a:schemeClr val="accent1"/>
+          </a:effectRef>
+          <a:fontRef idx="minor">
+            <a:schemeClr val="tx1"/>
+          </a:fontRef>
+        </p:style>
+      </p:cxnSp>
+      <p:cxnSp>
+        <p:nvCxnSpPr>
+          <p:cNvPr id="63" name="直线箭头连接符 62">
+            <a:extLst>
+              <a:ext uri="{FF2B5EF4-FFF2-40B4-BE49-F238E27FC236}">
+                <a16:creationId xmlns:a16="http://schemas.microsoft.com/office/drawing/2014/main" id="{1DD69C5A-0F8B-EB4A-9ED8-6EA2752D1A1C}"/>
+              </a:ext>
+            </a:extLst>
+          </p:cNvPr>
+          <p:cNvCxnSpPr>
+            <a:cxnSpLocks/>
+          </p:cNvCxnSpPr>
+          <p:nvPr/>
+        </p:nvCxnSpPr>
+        <p:spPr>
+          <a:xfrm flipH="1" flipV="1">
+            <a:off x="4668175" y="1421790"/>
+            <a:ext cx="1421881" cy="1004761"/>
+          </a:xfrm>
+          <a:prstGeom prst="straightConnector1">
+            <a:avLst/>
+          </a:prstGeom>
+          <a:ln>
+            <a:prstDash val="dash"/>
+            <a:headEnd type="none" w="med" len="med"/>
+            <a:tailEnd type="arrow" w="med" len="med"/>
+          </a:ln>
+        </p:spPr>
+        <p:style>
+          <a:lnRef idx="1">
+            <a:schemeClr val="accent1"/>
+          </a:lnRef>
+          <a:fillRef idx="0">
+            <a:schemeClr val="accent1"/>
+          </a:fillRef>
+          <a:effectRef idx="0">
+            <a:schemeClr val="accent1"/>
+          </a:effectRef>
+          <a:fontRef idx="minor">
+            <a:schemeClr val="tx1"/>
+          </a:fontRef>
+        </p:style>
+      </p:cxnSp>
+      <p:sp>
+        <p:nvSpPr>
+          <p:cNvPr id="68" name="文本框 67">
+            <a:extLst>
+              <a:ext uri="{FF2B5EF4-FFF2-40B4-BE49-F238E27FC236}">
+                <a16:creationId xmlns:a16="http://schemas.microsoft.com/office/drawing/2014/main" id="{BD4239A1-F8A6-E24A-BF70-8AE307AD53A5}"/>
+              </a:ext>
+            </a:extLst>
+          </p:cNvPr>
+          <p:cNvSpPr txBox="1"/>
+          <p:nvPr/>
+        </p:nvSpPr>
+        <p:spPr>
+          <a:xfrm>
+            <a:off x="3063076" y="3286897"/>
+            <a:ext cx="605642" cy="230832"/>
+          </a:xfrm>
+          <a:prstGeom prst="rect">
+            <a:avLst/>
+          </a:prstGeom>
+          <a:noFill/>
+        </p:spPr>
+        <p:txBody>
+          <a:bodyPr wrap="square" rtlCol="0">
+            <a:spAutoFit/>
+          </a:bodyPr>
+          <a:lstStyle/>
+          <a:p>
+            <a:r>
+              <a:rPr kumimoji="1" lang="en-US" altLang="zh-CN" sz="900"/>
+              <a:t>iret</a:t>
+            </a:r>
+            <a:endParaRPr kumimoji="1" lang="zh-CN" altLang="en-US" sz="900"/>
+          </a:p>
+        </p:txBody>
+      </p:sp>
+      <p:cxnSp>
+        <p:nvCxnSpPr>
+          <p:cNvPr id="69" name="直线箭头连接符 68">
+            <a:extLst>
+              <a:ext uri="{FF2B5EF4-FFF2-40B4-BE49-F238E27FC236}">
+                <a16:creationId xmlns:a16="http://schemas.microsoft.com/office/drawing/2014/main" id="{6002F426-1530-0A4A-87EE-7F52496675BC}"/>
+              </a:ext>
+            </a:extLst>
+          </p:cNvPr>
+          <p:cNvCxnSpPr>
+            <a:cxnSpLocks/>
+          </p:cNvCxnSpPr>
+          <p:nvPr/>
+        </p:nvCxnSpPr>
+        <p:spPr>
+          <a:xfrm flipH="1">
+            <a:off x="6090056" y="2486526"/>
+            <a:ext cx="5944" cy="2026097"/>
+          </a:xfrm>
+          <a:prstGeom prst="straightConnector1">
+            <a:avLst/>
+          </a:prstGeom>
+          <a:ln>
+            <a:headEnd type="none" w="med" len="med"/>
+            <a:tailEnd type="arrow" w="med" len="med"/>
+          </a:ln>
+        </p:spPr>
+        <p:style>
+          <a:lnRef idx="1">
+            <a:schemeClr val="accent1"/>
+          </a:lnRef>
+          <a:fillRef idx="0">
+            <a:schemeClr val="accent1"/>
+          </a:fillRef>
+          <a:effectRef idx="0">
+            <a:schemeClr val="accent1"/>
+          </a:effectRef>
+          <a:fontRef idx="minor">
+            <a:schemeClr val="tx1"/>
+          </a:fontRef>
+        </p:style>
+      </p:cxnSp>
+      <p:cxnSp>
+        <p:nvCxnSpPr>
+          <p:cNvPr id="71" name="直线箭头连接符 70">
+            <a:extLst>
+              <a:ext uri="{FF2B5EF4-FFF2-40B4-BE49-F238E27FC236}">
+                <a16:creationId xmlns:a16="http://schemas.microsoft.com/office/drawing/2014/main" id="{450E7D27-5F98-F344-924B-13F1863617A9}"/>
+              </a:ext>
+            </a:extLst>
+          </p:cNvPr>
+          <p:cNvCxnSpPr>
+            <a:cxnSpLocks/>
+          </p:cNvCxnSpPr>
+          <p:nvPr/>
+        </p:nvCxnSpPr>
+        <p:spPr>
+          <a:xfrm flipH="1" flipV="1">
+            <a:off x="4638494" y="4001984"/>
+            <a:ext cx="1434550" cy="510640"/>
+          </a:xfrm>
+          <a:prstGeom prst="straightConnector1">
+            <a:avLst/>
+          </a:prstGeom>
+          <a:ln>
+            <a:headEnd type="none" w="med" len="med"/>
+            <a:tailEnd type="arrow" w="med" len="med"/>
+          </a:ln>
+        </p:spPr>
+        <p:style>
+          <a:lnRef idx="1">
+            <a:schemeClr val="accent1"/>
+          </a:lnRef>
+          <a:fillRef idx="0">
+            <a:schemeClr val="accent1"/>
+          </a:fillRef>
+          <a:effectRef idx="0">
+            <a:schemeClr val="accent1"/>
+          </a:effectRef>
+          <a:fontRef idx="minor">
+            <a:schemeClr val="tx1"/>
+          </a:fontRef>
+        </p:style>
+      </p:cxnSp>
+      <p:sp>
+        <p:nvSpPr>
+          <p:cNvPr id="74" name="文本框 73">
+            <a:extLst>
+              <a:ext uri="{FF2B5EF4-FFF2-40B4-BE49-F238E27FC236}">
+                <a16:creationId xmlns:a16="http://schemas.microsoft.com/office/drawing/2014/main" id="{D02623EE-6F95-C74A-A9F2-D6CC78751AE3}"/>
+              </a:ext>
+            </a:extLst>
+          </p:cNvPr>
+          <p:cNvSpPr txBox="1"/>
+          <p:nvPr/>
+        </p:nvSpPr>
+        <p:spPr>
+          <a:xfrm>
+            <a:off x="4381786" y="3904908"/>
+            <a:ext cx="605642" cy="230832"/>
+          </a:xfrm>
+          <a:prstGeom prst="rect">
+            <a:avLst/>
+          </a:prstGeom>
+          <a:noFill/>
+        </p:spPr>
+        <p:txBody>
+          <a:bodyPr wrap="square" rtlCol="0">
+            <a:spAutoFit/>
+          </a:bodyPr>
+          <a:lstStyle/>
+          <a:p>
+            <a:r>
+              <a:rPr kumimoji="1" lang="en-US" altLang="zh-CN" sz="900"/>
+              <a:t>trap</a:t>
+            </a:r>
+            <a:endParaRPr kumimoji="1" lang="zh-CN" altLang="en-US" sz="900"/>
+          </a:p>
+        </p:txBody>
+      </p:sp>
+      <p:cxnSp>
+        <p:nvCxnSpPr>
+          <p:cNvPr id="75" name="直线箭头连接符 74">
+            <a:extLst>
+              <a:ext uri="{FF2B5EF4-FFF2-40B4-BE49-F238E27FC236}">
+                <a16:creationId xmlns:a16="http://schemas.microsoft.com/office/drawing/2014/main" id="{551DF606-FF2E-DB49-8571-3DE3C0C13113}"/>
+              </a:ext>
+            </a:extLst>
+          </p:cNvPr>
+          <p:cNvCxnSpPr>
+            <a:cxnSpLocks/>
+          </p:cNvCxnSpPr>
+          <p:nvPr/>
+        </p:nvCxnSpPr>
+        <p:spPr>
+          <a:xfrm>
+            <a:off x="4674752" y="3999523"/>
+            <a:ext cx="19710" cy="688769"/>
+          </a:xfrm>
+          <a:prstGeom prst="straightConnector1">
+            <a:avLst/>
+          </a:prstGeom>
+          <a:ln>
+            <a:headEnd type="none" w="med" len="med"/>
+            <a:tailEnd type="arrow" w="med" len="med"/>
+          </a:ln>
+        </p:spPr>
+        <p:style>
+          <a:lnRef idx="1">
+            <a:schemeClr val="accent1"/>
+          </a:lnRef>
+          <a:fillRef idx="0">
+            <a:schemeClr val="accent1"/>
+          </a:fillRef>
+          <a:effectRef idx="0">
+            <a:schemeClr val="accent1"/>
+          </a:effectRef>
+          <a:fontRef idx="minor">
+            <a:schemeClr val="tx1"/>
+          </a:fontRef>
+        </p:style>
+      </p:cxnSp>
+      <p:cxnSp>
+        <p:nvCxnSpPr>
+          <p:cNvPr id="78" name="直线箭头连接符 77">
+            <a:extLst>
+              <a:ext uri="{FF2B5EF4-FFF2-40B4-BE49-F238E27FC236}">
+                <a16:creationId xmlns:a16="http://schemas.microsoft.com/office/drawing/2014/main" id="{4100EC60-B97A-614A-BBDD-99A689501389}"/>
+              </a:ext>
+            </a:extLst>
+          </p:cNvPr>
+          <p:cNvCxnSpPr>
+            <a:cxnSpLocks/>
+          </p:cNvCxnSpPr>
+          <p:nvPr/>
+        </p:nvCxnSpPr>
+        <p:spPr>
+          <a:xfrm flipH="1" flipV="1">
+            <a:off x="3353978" y="3061282"/>
+            <a:ext cx="1320774" cy="1689989"/>
+          </a:xfrm>
+          <a:prstGeom prst="straightConnector1">
+            <a:avLst/>
+          </a:prstGeom>
+          <a:ln>
+            <a:tailEnd type="triangle"/>
+          </a:ln>
+        </p:spPr>
+        <p:style>
+          <a:lnRef idx="1">
+            <a:schemeClr val="accent1"/>
+          </a:lnRef>
+          <a:fillRef idx="0">
+            <a:schemeClr val="accent1"/>
+          </a:fillRef>
+          <a:effectRef idx="0">
+            <a:schemeClr val="accent1"/>
+          </a:effectRef>
+          <a:fontRef idx="minor">
+            <a:schemeClr val="tx1"/>
+          </a:fontRef>
+        </p:style>
+      </p:cxnSp>
+      <p:cxnSp>
+        <p:nvCxnSpPr>
+          <p:cNvPr id="81" name="直线箭头连接符 80">
+            <a:extLst>
+              <a:ext uri="{FF2B5EF4-FFF2-40B4-BE49-F238E27FC236}">
+                <a16:creationId xmlns:a16="http://schemas.microsoft.com/office/drawing/2014/main" id="{55049B96-7C76-8B4C-8DC3-188957C88762}"/>
+              </a:ext>
+            </a:extLst>
+          </p:cNvPr>
+          <p:cNvCxnSpPr>
+            <a:cxnSpLocks/>
+          </p:cNvCxnSpPr>
+          <p:nvPr/>
+        </p:nvCxnSpPr>
+        <p:spPr>
+          <a:xfrm>
+            <a:off x="3336962" y="3061282"/>
+            <a:ext cx="0" cy="225615"/>
+          </a:xfrm>
+          <a:prstGeom prst="straightConnector1">
+            <a:avLst/>
+          </a:prstGeom>
+          <a:ln>
+            <a:prstDash val="sysDash"/>
+            <a:tailEnd type="triangle"/>
+          </a:ln>
+        </p:spPr>
+        <p:style>
+          <a:lnRef idx="1">
+            <a:schemeClr val="accent1"/>
+          </a:lnRef>
+          <a:fillRef idx="0">
+            <a:schemeClr val="accent1"/>
+          </a:fillRef>
+          <a:effectRef idx="0">
+            <a:schemeClr val="accent1"/>
+          </a:effectRef>
+          <a:fontRef idx="minor">
+            <a:schemeClr val="tx1"/>
+          </a:fontRef>
+        </p:style>
+      </p:cxnSp>
+      <p:cxnSp>
+        <p:nvCxnSpPr>
+          <p:cNvPr id="88" name="直线箭头连接符 87">
+            <a:extLst>
+              <a:ext uri="{FF2B5EF4-FFF2-40B4-BE49-F238E27FC236}">
+                <a16:creationId xmlns:a16="http://schemas.microsoft.com/office/drawing/2014/main" id="{141B3AA7-1743-AE4E-B0A4-0520C05F3A80}"/>
+              </a:ext>
+            </a:extLst>
+          </p:cNvPr>
+          <p:cNvCxnSpPr>
+            <a:cxnSpLocks/>
+          </p:cNvCxnSpPr>
+          <p:nvPr/>
+        </p:nvCxnSpPr>
+        <p:spPr>
+          <a:xfrm flipH="1" flipV="1">
+            <a:off x="1579418" y="2283311"/>
+            <a:ext cx="1759720" cy="1003587"/>
+          </a:xfrm>
+          <a:prstGeom prst="straightConnector1">
+            <a:avLst/>
+          </a:prstGeom>
+          <a:ln>
+            <a:tailEnd type="triangle"/>
+          </a:ln>
+        </p:spPr>
+        <p:style>
+          <a:lnRef idx="1">
+            <a:schemeClr val="accent1"/>
+          </a:lnRef>
+          <a:fillRef idx="0">
+            <a:schemeClr val="accent1"/>
+          </a:fillRef>
+          <a:effectRef idx="0">
+            <a:schemeClr val="accent1"/>
+          </a:effectRef>
+          <a:fontRef idx="minor">
+            <a:schemeClr val="tx1"/>
+          </a:fontRef>
+        </p:style>
+      </p:cxnSp>
+      <p:cxnSp>
+        <p:nvCxnSpPr>
+          <p:cNvPr id="91" name="直线箭头连接符 90">
+            <a:extLst>
+              <a:ext uri="{FF2B5EF4-FFF2-40B4-BE49-F238E27FC236}">
+                <a16:creationId xmlns:a16="http://schemas.microsoft.com/office/drawing/2014/main" id="{5B6046CD-8469-BA4B-9DCF-971571102AE1}"/>
+              </a:ext>
+            </a:extLst>
+          </p:cNvPr>
+          <p:cNvCxnSpPr/>
+          <p:nvPr/>
+        </p:nvCxnSpPr>
+        <p:spPr>
+          <a:xfrm>
+            <a:off x="1579418" y="2307974"/>
+            <a:ext cx="0" cy="1484415"/>
+          </a:xfrm>
+          <a:prstGeom prst="straightConnector1">
+            <a:avLst/>
+          </a:prstGeom>
+          <a:ln>
+            <a:tailEnd type="triangle"/>
+          </a:ln>
+        </p:spPr>
+        <p:style>
+          <a:lnRef idx="1">
+            <a:schemeClr val="accent1"/>
+          </a:lnRef>
+          <a:fillRef idx="0">
+            <a:schemeClr val="accent1"/>
+          </a:fillRef>
+          <a:effectRef idx="0">
+            <a:schemeClr val="accent1"/>
+          </a:effectRef>
+          <a:fontRef idx="minor">
+            <a:schemeClr val="tx1"/>
+          </a:fontRef>
+        </p:style>
+      </p:cxnSp>
+      <p:sp>
+        <p:nvSpPr>
+          <p:cNvPr id="92" name="文本框 91">
+            <a:extLst>
+              <a:ext uri="{FF2B5EF4-FFF2-40B4-BE49-F238E27FC236}">
+                <a16:creationId xmlns:a16="http://schemas.microsoft.com/office/drawing/2014/main" id="{9F515E7E-1BD8-4445-A66D-9240AC0D26C2}"/>
+              </a:ext>
+            </a:extLst>
+          </p:cNvPr>
+          <p:cNvSpPr txBox="1"/>
+          <p:nvPr/>
+        </p:nvSpPr>
+        <p:spPr>
+          <a:xfrm rot="18949384">
+            <a:off x="4998125" y="2911257"/>
+            <a:ext cx="605642" cy="230832"/>
+          </a:xfrm>
+          <a:prstGeom prst="rect">
+            <a:avLst/>
+          </a:prstGeom>
+          <a:noFill/>
+        </p:spPr>
+        <p:txBody>
+          <a:bodyPr wrap="square" rtlCol="0">
+            <a:spAutoFit/>
+          </a:bodyPr>
+          <a:lstStyle/>
+          <a:p>
+            <a:r>
+              <a:rPr kumimoji="1" lang="en-US" altLang="zh-CN" sz="900"/>
+              <a:t>iret</a:t>
+            </a:r>
+            <a:endParaRPr kumimoji="1" lang="zh-CN" altLang="en-US" sz="900"/>
+          </a:p>
+        </p:txBody>
+      </p:sp>
+      <p:sp>
+        <p:nvSpPr>
+          <p:cNvPr id="93" name="文本框 92">
+            <a:extLst>
+              <a:ext uri="{FF2B5EF4-FFF2-40B4-BE49-F238E27FC236}">
+                <a16:creationId xmlns:a16="http://schemas.microsoft.com/office/drawing/2014/main" id="{7B307A91-93A4-EA4D-B2ED-A52D7E81851B}"/>
+              </a:ext>
+            </a:extLst>
+          </p:cNvPr>
+          <p:cNvSpPr txBox="1"/>
+          <p:nvPr/>
+        </p:nvSpPr>
+        <p:spPr>
+          <a:xfrm rot="3221467">
+            <a:off x="3691948" y="3515789"/>
+            <a:ext cx="681650" cy="369332"/>
+          </a:xfrm>
+          <a:prstGeom prst="rect">
+            <a:avLst/>
+          </a:prstGeom>
+          <a:noFill/>
+        </p:spPr>
+        <p:txBody>
+          <a:bodyPr wrap="square" rtlCol="0">
+            <a:spAutoFit/>
+          </a:bodyPr>
+          <a:lstStyle/>
+          <a:p>
+            <a:r>
+              <a:rPr kumimoji="1" lang="en-US" altLang="zh-CN" sz="900"/>
+              <a:t>proc_run,switch_to</a:t>
+            </a:r>
+            <a:endParaRPr kumimoji="1" lang="zh-CN" altLang="en-US" sz="900"/>
+          </a:p>
+        </p:txBody>
+      </p:sp>
+      <p:sp>
+        <p:nvSpPr>
+          <p:cNvPr id="94" name="矩形 93">
+            <a:extLst>
+              <a:ext uri="{FF2B5EF4-FFF2-40B4-BE49-F238E27FC236}">
+                <a16:creationId xmlns:a16="http://schemas.microsoft.com/office/drawing/2014/main" id="{A5E7DA4D-32BC-F842-916C-6F4E27B188B7}"/>
+              </a:ext>
+            </a:extLst>
+          </p:cNvPr>
+          <p:cNvSpPr/>
+          <p:nvPr/>
+        </p:nvSpPr>
+        <p:spPr>
+          <a:xfrm>
+            <a:off x="986828" y="441458"/>
+            <a:ext cx="2976206" cy="4764285"/>
+          </a:xfrm>
+          <a:prstGeom prst="rect">
+            <a:avLst/>
+          </a:prstGeom>
+          <a:noFill/>
+          <a:ln w="9525">
+            <a:solidFill>
+              <a:schemeClr val="tx1"/>
+            </a:solidFill>
+            <a:prstDash val="dash"/>
+          </a:ln>
+        </p:spPr>
+        <p:style>
+          <a:lnRef idx="2">
+            <a:schemeClr val="accent1">
+              <a:shade val="50000"/>
+            </a:schemeClr>
+          </a:lnRef>
+          <a:fillRef idx="1">
+            <a:schemeClr val="accent1"/>
+          </a:fillRef>
+          <a:effectRef idx="0">
+            <a:schemeClr val="accent1"/>
+          </a:effectRef>
+          <a:fontRef idx="minor">
+            <a:schemeClr val="lt1"/>
+          </a:fontRef>
+        </p:style>
+        <p:txBody>
+          <a:bodyPr rtlCol="0" anchor="ctr"/>
+          <a:lstStyle/>
+          <a:p>
+            <a:pPr algn="ctr"/>
+            <a:endParaRPr kumimoji="1" lang="zh-CN" altLang="en-US" sz="900">
+              <a:solidFill>
+                <a:schemeClr val="tx1"/>
+              </a:solidFill>
+            </a:endParaRPr>
+          </a:p>
+        </p:txBody>
+      </p:sp>
+      <p:sp>
+        <p:nvSpPr>
+          <p:cNvPr id="95" name="矩形 94">
+            <a:extLst>
+              <a:ext uri="{FF2B5EF4-FFF2-40B4-BE49-F238E27FC236}">
+                <a16:creationId xmlns:a16="http://schemas.microsoft.com/office/drawing/2014/main" id="{0E5BF81C-A4EF-E24D-ACD7-ABB9840A90FA}"/>
+              </a:ext>
+            </a:extLst>
+          </p:cNvPr>
+          <p:cNvSpPr/>
+          <p:nvPr/>
+        </p:nvSpPr>
+        <p:spPr>
+          <a:xfrm>
+            <a:off x="3960780" y="441457"/>
+            <a:ext cx="2967138" cy="4764285"/>
+          </a:xfrm>
+          <a:prstGeom prst="rect">
+            <a:avLst/>
+          </a:prstGeom>
+          <a:noFill/>
+          <a:ln w="9525">
+            <a:solidFill>
+              <a:schemeClr val="tx1"/>
+            </a:solidFill>
+            <a:prstDash val="dash"/>
+          </a:ln>
+        </p:spPr>
+        <p:style>
+          <a:lnRef idx="2">
+            <a:schemeClr val="accent1">
+              <a:shade val="50000"/>
+            </a:schemeClr>
+          </a:lnRef>
+          <a:fillRef idx="1">
+            <a:schemeClr val="accent1"/>
+          </a:fillRef>
+          <a:effectRef idx="0">
+            <a:schemeClr val="accent1"/>
+          </a:effectRef>
+          <a:fontRef idx="minor">
+            <a:schemeClr val="lt1"/>
+          </a:fontRef>
+        </p:style>
+        <p:txBody>
+          <a:bodyPr rtlCol="0" anchor="ctr"/>
+          <a:lstStyle/>
+          <a:p>
+            <a:pPr algn="ctr"/>
+            <a:endParaRPr kumimoji="1" lang="zh-CN" altLang="en-US" sz="900">
+              <a:solidFill>
+                <a:schemeClr val="tx1"/>
+              </a:solidFill>
+            </a:endParaRPr>
+          </a:p>
+        </p:txBody>
+      </p:sp>
+      <p:sp>
+        <p:nvSpPr>
+          <p:cNvPr id="99" name="矩形 98">
+            <a:extLst>
+              <a:ext uri="{FF2B5EF4-FFF2-40B4-BE49-F238E27FC236}">
+                <a16:creationId xmlns:a16="http://schemas.microsoft.com/office/drawing/2014/main" id="{9A04A963-2FAB-5B45-AE33-A691BFA5E993}"/>
+              </a:ext>
+            </a:extLst>
+          </p:cNvPr>
+          <p:cNvSpPr/>
+          <p:nvPr/>
+        </p:nvSpPr>
+        <p:spPr>
+          <a:xfrm>
+            <a:off x="1232409" y="700835"/>
+            <a:ext cx="870167" cy="182743"/>
+          </a:xfrm>
+          <a:prstGeom prst="rect">
+            <a:avLst/>
+          </a:prstGeom>
+          <a:noFill/>
+          <a:ln>
+            <a:solidFill>
+              <a:schemeClr val="tx1"/>
+            </a:solidFill>
+          </a:ln>
+        </p:spPr>
+        <p:style>
+          <a:lnRef idx="2">
+            <a:schemeClr val="accent1">
+              <a:shade val="50000"/>
+            </a:schemeClr>
+          </a:lnRef>
+          <a:fillRef idx="1">
+            <a:schemeClr val="accent1"/>
+          </a:fillRef>
+          <a:effectRef idx="0">
+            <a:schemeClr val="accent1"/>
+          </a:effectRef>
+          <a:fontRef idx="minor">
+            <a:schemeClr val="lt1"/>
+          </a:fontRef>
+        </p:style>
+        <p:txBody>
+          <a:bodyPr rtlCol="0" anchor="ctr"/>
+          <a:lstStyle/>
+          <a:p>
+            <a:pPr algn="ctr"/>
+            <a:r>
+              <a:rPr kumimoji="1" lang="en-US" altLang="zh-CN" sz="900">
+                <a:solidFill>
+                  <a:schemeClr val="tx1"/>
+                </a:solidFill>
+              </a:rPr>
+              <a:t>fokret</a:t>
+            </a:r>
+            <a:endParaRPr kumimoji="1" lang="zh-CN" altLang="en-US" sz="900">
+              <a:solidFill>
+                <a:schemeClr val="tx1"/>
+              </a:solidFill>
+            </a:endParaRPr>
+          </a:p>
+        </p:txBody>
+      </p:sp>
+      <p:sp>
+        <p:nvSpPr>
+          <p:cNvPr id="100" name="矩形 99">
+            <a:extLst>
+              <a:ext uri="{FF2B5EF4-FFF2-40B4-BE49-F238E27FC236}">
+                <a16:creationId xmlns:a16="http://schemas.microsoft.com/office/drawing/2014/main" id="{BF2E7E4A-4704-CB47-97D1-DF59A5706FDE}"/>
+              </a:ext>
+            </a:extLst>
+          </p:cNvPr>
+          <p:cNvSpPr/>
+          <p:nvPr/>
+        </p:nvSpPr>
+        <p:spPr>
+          <a:xfrm>
+            <a:off x="5775369" y="728354"/>
+            <a:ext cx="870167" cy="182743"/>
+          </a:xfrm>
+          <a:prstGeom prst="rect">
+            <a:avLst/>
+          </a:prstGeom>
+          <a:noFill/>
+          <a:ln>
+            <a:solidFill>
+              <a:schemeClr val="tx1"/>
+            </a:solidFill>
+          </a:ln>
+        </p:spPr>
+        <p:style>
+          <a:lnRef idx="2">
+            <a:schemeClr val="accent1">
+              <a:shade val="50000"/>
+            </a:schemeClr>
+          </a:lnRef>
+          <a:fillRef idx="1">
+            <a:schemeClr val="accent1"/>
+          </a:fillRef>
+          <a:effectRef idx="0">
+            <a:schemeClr val="accent1"/>
+          </a:effectRef>
+          <a:fontRef idx="minor">
+            <a:schemeClr val="lt1"/>
+          </a:fontRef>
+        </p:style>
+        <p:txBody>
+          <a:bodyPr rtlCol="0" anchor="ctr"/>
+          <a:lstStyle/>
+          <a:p>
+            <a:pPr algn="ctr"/>
+            <a:r>
+              <a:rPr kumimoji="1" lang="en-US" altLang="zh-CN" sz="900">
+                <a:solidFill>
+                  <a:schemeClr val="tx1"/>
+                </a:solidFill>
+              </a:rPr>
+              <a:t>fokret</a:t>
+            </a:r>
+            <a:endParaRPr kumimoji="1" lang="zh-CN" altLang="en-US" sz="900">
+              <a:solidFill>
+                <a:schemeClr val="tx1"/>
+              </a:solidFill>
+            </a:endParaRPr>
+          </a:p>
+        </p:txBody>
+      </p:sp>
+      <p:sp>
+        <p:nvSpPr>
+          <p:cNvPr id="103" name="文本框 102">
+            <a:extLst>
+              <a:ext uri="{FF2B5EF4-FFF2-40B4-BE49-F238E27FC236}">
+                <a16:creationId xmlns:a16="http://schemas.microsoft.com/office/drawing/2014/main" id="{E5C4E43E-1A48-0D4C-9531-4DF7459F82CD}"/>
+              </a:ext>
+            </a:extLst>
+          </p:cNvPr>
+          <p:cNvSpPr txBox="1"/>
+          <p:nvPr/>
+        </p:nvSpPr>
+        <p:spPr>
+          <a:xfrm>
+            <a:off x="1204807" y="1891563"/>
+            <a:ext cx="435084" cy="383804"/>
+          </a:xfrm>
+          <a:prstGeom prst="rect">
+            <a:avLst/>
+          </a:prstGeom>
+          <a:noFill/>
+        </p:spPr>
+        <p:txBody>
+          <a:bodyPr wrap="square" rtlCol="0">
+            <a:spAutoFit/>
+          </a:bodyPr>
+          <a:lstStyle/>
+          <a:p>
+            <a:r>
+              <a:rPr kumimoji="1" lang="en-US" altLang="zh-CN"/>
+              <a:t>int</a:t>
+            </a:r>
+            <a:endParaRPr kumimoji="1" lang="zh-CN" altLang="en-US"/>
+          </a:p>
+        </p:txBody>
+      </p:sp>
+      <p:sp>
+        <p:nvSpPr>
+          <p:cNvPr id="104" name="文本框 103">
+            <a:extLst>
+              <a:ext uri="{FF2B5EF4-FFF2-40B4-BE49-F238E27FC236}">
+                <a16:creationId xmlns:a16="http://schemas.microsoft.com/office/drawing/2014/main" id="{335D6840-06B8-5B40-A5F9-555381EBAFF1}"/>
+              </a:ext>
+            </a:extLst>
+          </p:cNvPr>
+          <p:cNvSpPr txBox="1"/>
+          <p:nvPr/>
+        </p:nvSpPr>
+        <p:spPr>
+          <a:xfrm>
+            <a:off x="6117582" y="4244235"/>
+            <a:ext cx="435084" cy="383804"/>
+          </a:xfrm>
+          <a:prstGeom prst="rect">
+            <a:avLst/>
+          </a:prstGeom>
+          <a:noFill/>
+        </p:spPr>
+        <p:txBody>
+          <a:bodyPr wrap="square" rtlCol="0">
+            <a:spAutoFit/>
+          </a:bodyPr>
+          <a:lstStyle/>
+          <a:p>
+            <a:r>
+              <a:rPr kumimoji="1" lang="en-US" altLang="zh-CN"/>
+              <a:t>int</a:t>
+            </a:r>
+            <a:endParaRPr kumimoji="1" lang="zh-CN" altLang="en-US"/>
+          </a:p>
+        </p:txBody>
+      </p:sp>
+    </p:spTree>
+    <p:extLst>
+      <p:ext uri="{BB962C8B-B14F-4D97-AF65-F5344CB8AC3E}">
+        <p14:creationId xmlns:p14="http://schemas.microsoft.com/office/powerpoint/2010/main" val="159851333"/>
+      </p:ext>
+    </p:extLst>
+  </p:cSld>
+  <p:clrMapOvr>
+    <a:masterClrMapping/>
+  </p:clrMapOvr>
+</p:sld>
+</file>
+
 <file path=ppt/theme/theme1.xml><?xml version="1.0" encoding="utf-8"?>
 <a:theme xmlns:a="http://schemas.openxmlformats.org/drawingml/2006/main" name="Office 主题​​">
   <a:themeElements>

--- a/任务管理.pptx
+++ b/任务管理.pptx
@@ -275,7 +275,7 @@
           <a:p>
             <a:fld id="{3D71AFD6-832F-764F-A8C5-443411455556}" type="datetimeFigureOut">
               <a:rPr kumimoji="1" lang="zh-CN" altLang="en-US" smtClean="0"/>
-              <a:t>2019/10/2</a:t>
+              <a:t>2019/10/17</a:t>
             </a:fld>
             <a:endParaRPr kumimoji="1" lang="zh-CN" altLang="en-US"/>
           </a:p>
@@ -473,7 +473,7 @@
           <a:p>
             <a:fld id="{3D71AFD6-832F-764F-A8C5-443411455556}" type="datetimeFigureOut">
               <a:rPr kumimoji="1" lang="zh-CN" altLang="en-US" smtClean="0"/>
-              <a:t>2019/10/2</a:t>
+              <a:t>2019/10/17</a:t>
             </a:fld>
             <a:endParaRPr kumimoji="1" lang="zh-CN" altLang="en-US"/>
           </a:p>
@@ -681,7 +681,7 @@
           <a:p>
             <a:fld id="{3D71AFD6-832F-764F-A8C5-443411455556}" type="datetimeFigureOut">
               <a:rPr kumimoji="1" lang="zh-CN" altLang="en-US" smtClean="0"/>
-              <a:t>2019/10/2</a:t>
+              <a:t>2019/10/17</a:t>
             </a:fld>
             <a:endParaRPr kumimoji="1" lang="zh-CN" altLang="en-US"/>
           </a:p>
@@ -879,7 +879,7 @@
           <a:p>
             <a:fld id="{3D71AFD6-832F-764F-A8C5-443411455556}" type="datetimeFigureOut">
               <a:rPr kumimoji="1" lang="zh-CN" altLang="en-US" smtClean="0"/>
-              <a:t>2019/10/2</a:t>
+              <a:t>2019/10/17</a:t>
             </a:fld>
             <a:endParaRPr kumimoji="1" lang="zh-CN" altLang="en-US"/>
           </a:p>
@@ -1154,7 +1154,7 @@
           <a:p>
             <a:fld id="{3D71AFD6-832F-764F-A8C5-443411455556}" type="datetimeFigureOut">
               <a:rPr kumimoji="1" lang="zh-CN" altLang="en-US" smtClean="0"/>
-              <a:t>2019/10/2</a:t>
+              <a:t>2019/10/17</a:t>
             </a:fld>
             <a:endParaRPr kumimoji="1" lang="zh-CN" altLang="en-US"/>
           </a:p>
@@ -1419,7 +1419,7 @@
           <a:p>
             <a:fld id="{3D71AFD6-832F-764F-A8C5-443411455556}" type="datetimeFigureOut">
               <a:rPr kumimoji="1" lang="zh-CN" altLang="en-US" smtClean="0"/>
-              <a:t>2019/10/2</a:t>
+              <a:t>2019/10/17</a:t>
             </a:fld>
             <a:endParaRPr kumimoji="1" lang="zh-CN" altLang="en-US"/>
           </a:p>
@@ -1831,7 +1831,7 @@
           <a:p>
             <a:fld id="{3D71AFD6-832F-764F-A8C5-443411455556}" type="datetimeFigureOut">
               <a:rPr kumimoji="1" lang="zh-CN" altLang="en-US" smtClean="0"/>
-              <a:t>2019/10/2</a:t>
+              <a:t>2019/10/17</a:t>
             </a:fld>
             <a:endParaRPr kumimoji="1" lang="zh-CN" altLang="en-US"/>
           </a:p>
@@ -1972,7 +1972,7 @@
           <a:p>
             <a:fld id="{3D71AFD6-832F-764F-A8C5-443411455556}" type="datetimeFigureOut">
               <a:rPr kumimoji="1" lang="zh-CN" altLang="en-US" smtClean="0"/>
-              <a:t>2019/10/2</a:t>
+              <a:t>2019/10/17</a:t>
             </a:fld>
             <a:endParaRPr kumimoji="1" lang="zh-CN" altLang="en-US"/>
           </a:p>
@@ -2085,7 +2085,7 @@
           <a:p>
             <a:fld id="{3D71AFD6-832F-764F-A8C5-443411455556}" type="datetimeFigureOut">
               <a:rPr kumimoji="1" lang="zh-CN" altLang="en-US" smtClean="0"/>
-              <a:t>2019/10/2</a:t>
+              <a:t>2019/10/17</a:t>
             </a:fld>
             <a:endParaRPr kumimoji="1" lang="zh-CN" altLang="en-US"/>
           </a:p>
@@ -2396,7 +2396,7 @@
           <a:p>
             <a:fld id="{3D71AFD6-832F-764F-A8C5-443411455556}" type="datetimeFigureOut">
               <a:rPr kumimoji="1" lang="zh-CN" altLang="en-US" smtClean="0"/>
-              <a:t>2019/10/2</a:t>
+              <a:t>2019/10/17</a:t>
             </a:fld>
             <a:endParaRPr kumimoji="1" lang="zh-CN" altLang="en-US"/>
           </a:p>
@@ -2684,7 +2684,7 @@
           <a:p>
             <a:fld id="{3D71AFD6-832F-764F-A8C5-443411455556}" type="datetimeFigureOut">
               <a:rPr kumimoji="1" lang="zh-CN" altLang="en-US" smtClean="0"/>
-              <a:t>2019/10/2</a:t>
+              <a:t>2019/10/17</a:t>
             </a:fld>
             <a:endParaRPr kumimoji="1" lang="zh-CN" altLang="en-US"/>
           </a:p>
@@ -2925,7 +2925,7 @@
           <a:p>
             <a:fld id="{3D71AFD6-832F-764F-A8C5-443411455556}" type="datetimeFigureOut">
               <a:rPr kumimoji="1" lang="zh-CN" altLang="en-US" smtClean="0"/>
-              <a:t>2019/10/2</a:t>
+              <a:t>2019/10/17</a:t>
             </a:fld>
             <a:endParaRPr kumimoji="1" lang="zh-CN" altLang="en-US"/>
           </a:p>
@@ -6506,7 +6506,7 @@
         </p:nvCxnSpPr>
         <p:spPr>
           <a:xfrm flipV="1">
-            <a:off x="8918338" y="845397"/>
+            <a:off x="9203339" y="845397"/>
             <a:ext cx="1246726" cy="87114"/>
           </a:xfrm>
           <a:prstGeom prst="curvedConnector4">
@@ -6553,7 +6553,7 @@
         </p:nvCxnSpPr>
         <p:spPr>
           <a:xfrm flipV="1">
-            <a:off x="8918338" y="845397"/>
+            <a:off x="9203339" y="845397"/>
             <a:ext cx="1246726" cy="261341"/>
           </a:xfrm>
           <a:prstGeom prst="curvedConnector4">
@@ -6600,7 +6600,7 @@
         </p:nvCxnSpPr>
         <p:spPr>
           <a:xfrm flipV="1">
-            <a:off x="8918338" y="845397"/>
+            <a:off x="9203339" y="845397"/>
             <a:ext cx="1246726" cy="609693"/>
           </a:xfrm>
           <a:prstGeom prst="curvedConnector4">
@@ -6647,7 +6647,7 @@
         </p:nvCxnSpPr>
         <p:spPr>
           <a:xfrm flipV="1">
-            <a:off x="8918338" y="845397"/>
+            <a:off x="9203339" y="845397"/>
             <a:ext cx="1246726" cy="435466"/>
           </a:xfrm>
           <a:prstGeom prst="curvedConnector4">
@@ -6694,7 +6694,7 @@
         </p:nvCxnSpPr>
         <p:spPr>
           <a:xfrm>
-            <a:off x="4889852" y="745120"/>
+            <a:off x="5174853" y="745120"/>
             <a:ext cx="2684118" cy="187391"/>
           </a:xfrm>
           <a:prstGeom prst="curvedConnector3">
@@ -6739,7 +6739,7 @@
         </p:nvCxnSpPr>
         <p:spPr>
           <a:xfrm>
-            <a:off x="4889852" y="896414"/>
+            <a:off x="5174853" y="896414"/>
             <a:ext cx="2684118" cy="210324"/>
           </a:xfrm>
           <a:prstGeom prst="curvedConnector3">
@@ -6784,7 +6784,7 @@
         </p:nvCxnSpPr>
         <p:spPr>
           <a:xfrm>
-            <a:off x="4889852" y="1370503"/>
+            <a:off x="5174853" y="1370503"/>
             <a:ext cx="2684118" cy="84588"/>
           </a:xfrm>
           <a:prstGeom prst="curvedConnector3">
@@ -6829,7 +6829,7 @@
         </p:nvCxnSpPr>
         <p:spPr>
           <a:xfrm>
-            <a:off x="4889852" y="1134247"/>
+            <a:off x="5174853" y="1134247"/>
             <a:ext cx="2684118" cy="146615"/>
           </a:xfrm>
           <a:prstGeom prst="curvedConnector3">
@@ -6870,7 +6870,7 @@
         </p:nvGrpSpPr>
         <p:grpSpPr>
           <a:xfrm>
-            <a:off x="262952" y="299241"/>
+            <a:off x="547953" y="299241"/>
             <a:ext cx="4633303" cy="1449544"/>
             <a:chOff x="4360386" y="141241"/>
             <a:chExt cx="4532275" cy="1669272"/>
@@ -9156,7 +9156,7 @@
         </p:nvGrpSpPr>
         <p:grpSpPr>
           <a:xfrm>
-            <a:off x="7573970" y="699293"/>
+            <a:off x="7858971" y="699293"/>
             <a:ext cx="1347923" cy="1191126"/>
             <a:chOff x="7782523" y="1884931"/>
             <a:chExt cx="1347923" cy="1191126"/>
@@ -9960,7 +9960,7 @@
         </p:nvCxnSpPr>
         <p:spPr>
           <a:xfrm>
-            <a:off x="4886968" y="1521707"/>
+            <a:off x="5171969" y="1521707"/>
             <a:ext cx="2690557" cy="107370"/>
           </a:xfrm>
           <a:prstGeom prst="curvedConnector3">
@@ -10005,7 +10005,7 @@
         </p:nvCxnSpPr>
         <p:spPr>
           <a:xfrm>
-            <a:off x="4886968" y="1673001"/>
+            <a:off x="5171969" y="1673001"/>
             <a:ext cx="2690557" cy="130305"/>
           </a:xfrm>
           <a:prstGeom prst="curvedConnector3">
@@ -10050,7 +10050,7 @@
         </p:nvCxnSpPr>
         <p:spPr>
           <a:xfrm flipH="1" flipV="1">
-            <a:off x="263026" y="1671363"/>
+            <a:off x="548027" y="1671363"/>
             <a:ext cx="1031384" cy="838398"/>
           </a:xfrm>
           <a:prstGeom prst="curvedConnector5">
@@ -10093,7 +10093,7 @@
         </p:nvGrpSpPr>
         <p:grpSpPr>
           <a:xfrm>
-            <a:off x="41203" y="2445084"/>
+            <a:off x="326204" y="2445084"/>
             <a:ext cx="1253207" cy="236998"/>
             <a:chOff x="442899" y="2885969"/>
             <a:chExt cx="1517512" cy="434223"/>
@@ -10301,7 +10301,7 @@
         </p:nvSpPr>
         <p:spPr>
           <a:xfrm>
-            <a:off x="9395193" y="845397"/>
+            <a:off x="9680194" y="845397"/>
             <a:ext cx="1539741" cy="657432"/>
           </a:xfrm>
           <a:prstGeom prst="ellipse">
@@ -10369,7 +10369,7 @@
         </p:nvCxnSpPr>
         <p:spPr>
           <a:xfrm flipV="1">
-            <a:off x="8921893" y="845397"/>
+            <a:off x="9206894" y="845397"/>
             <a:ext cx="1243171" cy="783681"/>
           </a:xfrm>
           <a:prstGeom prst="curvedConnector4">
@@ -10416,7 +10416,7 @@
         </p:nvCxnSpPr>
         <p:spPr>
           <a:xfrm flipV="1">
-            <a:off x="8921893" y="845397"/>
+            <a:off x="9206894" y="845397"/>
             <a:ext cx="1243171" cy="957908"/>
           </a:xfrm>
           <a:prstGeom prst="curvedConnector4">
@@ -10459,7 +10459,7 @@
         </p:nvGrpSpPr>
         <p:grpSpPr>
           <a:xfrm>
-            <a:off x="2873067" y="2273000"/>
+            <a:off x="3158068" y="2273000"/>
             <a:ext cx="4008410" cy="2039585"/>
             <a:chOff x="2541494" y="524285"/>
             <a:chExt cx="3235614" cy="1365945"/>
@@ -13041,7 +13041,7 @@
         </p:nvCxnSpPr>
         <p:spPr>
           <a:xfrm>
-            <a:off x="1287030" y="3087917"/>
+            <a:off x="1572031" y="3087917"/>
             <a:ext cx="1586037" cy="1086721"/>
           </a:xfrm>
           <a:prstGeom prst="curvedConnector3">
@@ -13082,7 +13082,7 @@
         </p:nvGrpSpPr>
         <p:grpSpPr>
           <a:xfrm>
-            <a:off x="33823" y="3012818"/>
+            <a:off x="318824" y="3012818"/>
             <a:ext cx="1253207" cy="275190"/>
             <a:chOff x="442899" y="2885969"/>
             <a:chExt cx="1517512" cy="434223"/>
@@ -13294,7 +13294,7 @@
         </p:nvCxnSpPr>
         <p:spPr>
           <a:xfrm rot="5400000">
-            <a:off x="2148696" y="2473019"/>
+            <a:off x="2433697" y="2473019"/>
             <a:ext cx="2165841" cy="717097"/>
           </a:xfrm>
           <a:prstGeom prst="curvedConnector4">
@@ -13341,7 +13341,7 @@
         </p:nvCxnSpPr>
         <p:spPr>
           <a:xfrm flipV="1">
-            <a:off x="6881477" y="2164997"/>
+            <a:off x="7166478" y="2164997"/>
             <a:ext cx="140981" cy="1757363"/>
           </a:xfrm>
           <a:prstGeom prst="curvedConnector2">
@@ -13380,7 +13380,7 @@
         </p:nvSpPr>
         <p:spPr>
           <a:xfrm>
-            <a:off x="6851404" y="470472"/>
+            <a:off x="7136405" y="470472"/>
             <a:ext cx="342107" cy="1694525"/>
           </a:xfrm>
           <a:prstGeom prst="ellipse">
@@ -13446,7 +13446,7 @@
         </p:nvGrpSpPr>
         <p:grpSpPr>
           <a:xfrm>
-            <a:off x="8554094" y="2098874"/>
+            <a:off x="8839095" y="2098874"/>
             <a:ext cx="1166647" cy="1472625"/>
             <a:chOff x="7930029" y="3064062"/>
             <a:chExt cx="1166647" cy="1472625"/>
@@ -13718,7 +13718,7 @@
         </p:blipFill>
         <p:spPr>
           <a:xfrm>
-            <a:off x="33821" y="5430030"/>
+            <a:off x="318822" y="5430030"/>
             <a:ext cx="2839246" cy="1334513"/>
           </a:xfrm>
           <a:prstGeom prst="rect">
@@ -13748,7 +13748,7 @@
         </p:blipFill>
         <p:spPr>
           <a:xfrm>
-            <a:off x="60598" y="4101427"/>
+            <a:off x="345599" y="4101427"/>
             <a:ext cx="2141222" cy="1230063"/>
           </a:xfrm>
           <a:prstGeom prst="rect">
@@ -13774,7 +13774,7 @@
         </p:nvCxnSpPr>
         <p:spPr>
           <a:xfrm flipH="1" flipV="1">
-            <a:off x="60598" y="4716459"/>
+            <a:off x="345599" y="4716459"/>
             <a:ext cx="2812469" cy="1380828"/>
           </a:xfrm>
           <a:prstGeom prst="curvedConnector5">
@@ -13817,7 +13817,7 @@
         </p:nvSpPr>
         <p:spPr>
           <a:xfrm>
-            <a:off x="33821" y="3370565"/>
+            <a:off x="318822" y="3370565"/>
             <a:ext cx="626605" cy="230832"/>
           </a:xfrm>
           <a:prstGeom prst="rect">
@@ -13891,7 +13891,7 @@
         </p:nvCxnSpPr>
         <p:spPr>
           <a:xfrm>
-            <a:off x="10961291" y="1035212"/>
+            <a:off x="11056291" y="1035212"/>
             <a:ext cx="427015" cy="1463502"/>
           </a:xfrm>
           <a:prstGeom prst="curvedConnector2">
@@ -13935,7 +13935,7 @@
         </p:nvCxnSpPr>
         <p:spPr>
           <a:xfrm>
-            <a:off x="10961291" y="1209439"/>
+            <a:off x="11056291" y="1209439"/>
             <a:ext cx="427015" cy="1289275"/>
           </a:xfrm>
           <a:prstGeom prst="curvedConnector2">
@@ -13979,7 +13979,7 @@
         </p:nvCxnSpPr>
         <p:spPr>
           <a:xfrm>
-            <a:off x="10961291" y="1557791"/>
+            <a:off x="11056291" y="1557791"/>
             <a:ext cx="427015" cy="940923"/>
           </a:xfrm>
           <a:prstGeom prst="curvedConnector2">
@@ -14023,7 +14023,7 @@
         </p:nvCxnSpPr>
         <p:spPr>
           <a:xfrm>
-            <a:off x="10961291" y="1383564"/>
+            <a:off x="11056291" y="1383564"/>
             <a:ext cx="427015" cy="1115150"/>
           </a:xfrm>
           <a:prstGeom prst="curvedConnector2">
@@ -14067,7 +14067,7 @@
         </p:nvCxnSpPr>
         <p:spPr>
           <a:xfrm>
-            <a:off x="4573342" y="496832"/>
+            <a:off x="4668342" y="496832"/>
             <a:ext cx="5043581" cy="538380"/>
           </a:xfrm>
           <a:prstGeom prst="curvedConnector3">
@@ -14112,7 +14112,7 @@
         </p:nvCxnSpPr>
         <p:spPr>
           <a:xfrm>
-            <a:off x="4573342" y="639982"/>
+            <a:off x="4668342" y="639982"/>
             <a:ext cx="5043581" cy="569457"/>
           </a:xfrm>
           <a:prstGeom prst="curvedConnector3">
@@ -14157,7 +14157,7 @@
         </p:nvCxnSpPr>
         <p:spPr>
           <a:xfrm>
-            <a:off x="4573342" y="1088551"/>
+            <a:off x="4668342" y="1088551"/>
             <a:ext cx="5043581" cy="469241"/>
           </a:xfrm>
           <a:prstGeom prst="curvedConnector3">
@@ -14202,7 +14202,7 @@
         </p:nvCxnSpPr>
         <p:spPr>
           <a:xfrm>
-            <a:off x="4573342" y="865013"/>
+            <a:off x="4668342" y="865013"/>
             <a:ext cx="5043581" cy="518550"/>
           </a:xfrm>
           <a:prstGeom prst="curvedConnector3">
@@ -14243,7 +14243,7 @@
         </p:nvGrpSpPr>
         <p:grpSpPr>
           <a:xfrm>
-            <a:off x="225946" y="74954"/>
+            <a:off x="320946" y="74954"/>
             <a:ext cx="4354351" cy="1371517"/>
             <a:chOff x="940760" y="299241"/>
             <a:chExt cx="4354351" cy="1371517"/>
@@ -16529,7 +16529,7 @@
         </p:nvGrpSpPr>
         <p:grpSpPr>
           <a:xfrm>
-            <a:off x="9616923" y="801994"/>
+            <a:off x="9711923" y="801994"/>
             <a:ext cx="1347923" cy="1191126"/>
             <a:chOff x="7782523" y="1884931"/>
             <a:chExt cx="1347923" cy="1191126"/>
@@ -17333,7 +17333,7 @@
         </p:nvCxnSpPr>
         <p:spPr>
           <a:xfrm>
-            <a:off x="4570210" y="1231617"/>
+            <a:off x="4665210" y="1231617"/>
             <a:ext cx="5050268" cy="500161"/>
           </a:xfrm>
           <a:prstGeom prst="curvedConnector3">
@@ -17378,7 +17378,7 @@
         </p:nvCxnSpPr>
         <p:spPr>
           <a:xfrm>
-            <a:off x="4570210" y="1374766"/>
+            <a:off x="4665210" y="1374766"/>
             <a:ext cx="5050268" cy="531241"/>
           </a:xfrm>
           <a:prstGeom prst="curvedConnector3">
@@ -17423,7 +17423,7 @@
         </p:nvCxnSpPr>
         <p:spPr>
           <a:xfrm flipH="1" flipV="1">
-            <a:off x="225946" y="1373217"/>
+            <a:off x="320946" y="1373217"/>
             <a:ext cx="786406" cy="540004"/>
           </a:xfrm>
           <a:prstGeom prst="curvedConnector5">
@@ -17466,7 +17466,7 @@
         </p:nvGrpSpPr>
         <p:grpSpPr>
           <a:xfrm>
-            <a:off x="54938" y="1849349"/>
+            <a:off x="149938" y="1849349"/>
             <a:ext cx="957414" cy="234050"/>
             <a:chOff x="442899" y="2885969"/>
             <a:chExt cx="1517512" cy="434223"/>
@@ -17674,7 +17674,7 @@
         </p:nvSpPr>
         <p:spPr>
           <a:xfrm>
-            <a:off x="10618435" y="2498714"/>
+            <a:off x="10713435" y="2498714"/>
             <a:ext cx="1539741" cy="657432"/>
           </a:xfrm>
           <a:prstGeom prst="ellipse">
@@ -17742,7 +17742,7 @@
         </p:nvCxnSpPr>
         <p:spPr>
           <a:xfrm>
-            <a:off x="10964846" y="1731779"/>
+            <a:off x="11059846" y="1731779"/>
             <a:ext cx="423460" cy="766935"/>
           </a:xfrm>
           <a:prstGeom prst="curvedConnector2">
@@ -17786,7 +17786,7 @@
         </p:nvCxnSpPr>
         <p:spPr>
           <a:xfrm>
-            <a:off x="10964846" y="1906006"/>
+            <a:off x="11059846" y="1906006"/>
             <a:ext cx="423460" cy="592708"/>
           </a:xfrm>
           <a:prstGeom prst="curvedConnector2">
@@ -17826,7 +17826,7 @@
         </p:nvGrpSpPr>
         <p:grpSpPr>
           <a:xfrm>
-            <a:off x="3793146" y="2260910"/>
+            <a:off x="3888146" y="2260910"/>
             <a:ext cx="3222933" cy="1298498"/>
             <a:chOff x="2541494" y="524285"/>
             <a:chExt cx="3235614" cy="1365945"/>
@@ -20408,7 +20408,7 @@
         </p:nvCxnSpPr>
         <p:spPr>
           <a:xfrm>
-            <a:off x="988206" y="3081436"/>
+            <a:off x="1083206" y="3081436"/>
             <a:ext cx="2804940" cy="390148"/>
           </a:xfrm>
           <a:prstGeom prst="curvedConnector3">
@@ -20449,7 +20449,7 @@
         </p:nvGrpSpPr>
         <p:grpSpPr>
           <a:xfrm>
-            <a:off x="33824" y="3012818"/>
+            <a:off x="128824" y="3012818"/>
             <a:ext cx="954382" cy="251441"/>
             <a:chOff x="442899" y="2885969"/>
             <a:chExt cx="1517512" cy="434223"/>
@@ -20661,7 +20661,7 @@
         </p:nvCxnSpPr>
         <p:spPr>
           <a:xfrm rot="16200000" flipH="1">
-            <a:off x="2547649" y="2060462"/>
+            <a:off x="2642649" y="2060462"/>
             <a:ext cx="1859619" cy="631375"/>
           </a:xfrm>
           <a:prstGeom prst="curvedConnector2">
@@ -20701,7 +20701,7 @@
         </p:nvGrpSpPr>
         <p:grpSpPr>
           <a:xfrm>
-            <a:off x="8562481" y="2299444"/>
+            <a:off x="8657481" y="2299444"/>
             <a:ext cx="899467" cy="1006515"/>
             <a:chOff x="7930029" y="2794062"/>
             <a:chExt cx="1166647" cy="1742625"/>
@@ -20992,7 +20992,7 @@
         </p:blipFill>
         <p:spPr>
           <a:xfrm>
-            <a:off x="33821" y="5430030"/>
+            <a:off x="128821" y="5430030"/>
             <a:ext cx="2839246" cy="1334513"/>
           </a:xfrm>
           <a:prstGeom prst="rect">
@@ -21022,7 +21022,7 @@
         </p:blipFill>
         <p:spPr>
           <a:xfrm>
-            <a:off x="60598" y="4101427"/>
+            <a:off x="155598" y="4101427"/>
             <a:ext cx="2141222" cy="1230063"/>
           </a:xfrm>
           <a:prstGeom prst="rect">
@@ -21048,7 +21048,7 @@
         </p:nvCxnSpPr>
         <p:spPr>
           <a:xfrm flipH="1" flipV="1">
-            <a:off x="60598" y="4716459"/>
+            <a:off x="155598" y="4716459"/>
             <a:ext cx="2812469" cy="1380828"/>
           </a:xfrm>
           <a:prstGeom prst="curvedConnector5">
@@ -21091,7 +21091,7 @@
         </p:nvSpPr>
         <p:spPr>
           <a:xfrm>
-            <a:off x="33821" y="3370565"/>
+            <a:off x="128821" y="3370565"/>
             <a:ext cx="626605" cy="230832"/>
           </a:xfrm>
           <a:prstGeom prst="rect">
@@ -21134,7 +21134,7 @@
         </p:nvCxnSpPr>
         <p:spPr>
           <a:xfrm flipV="1">
-            <a:off x="2201820" y="2974809"/>
+            <a:off x="2296820" y="2974809"/>
             <a:ext cx="1591326" cy="1741650"/>
           </a:xfrm>
           <a:prstGeom prst="curvedConnector3">
@@ -21173,7 +21173,7 @@
         </p:nvSpPr>
         <p:spPr>
           <a:xfrm>
-            <a:off x="7555151" y="3096916"/>
+            <a:off x="7650151" y="3096916"/>
             <a:ext cx="733778" cy="608967"/>
           </a:xfrm>
           <a:prstGeom prst="rect">
@@ -21237,7 +21237,7 @@
         </p:nvSpPr>
         <p:spPr>
           <a:xfrm>
-            <a:off x="7555151" y="3820966"/>
+            <a:off x="7650151" y="3820966"/>
             <a:ext cx="733778" cy="608967"/>
           </a:xfrm>
           <a:prstGeom prst="rect">
@@ -21321,7 +21321,7 @@
         </p:nvCxnSpPr>
         <p:spPr>
           <a:xfrm>
-            <a:off x="7016079" y="2812243"/>
+            <a:off x="7111079" y="2812243"/>
             <a:ext cx="539072" cy="589157"/>
           </a:xfrm>
           <a:prstGeom prst="curvedConnector3">
@@ -21364,7 +21364,7 @@
         </p:nvCxnSpPr>
         <p:spPr>
           <a:xfrm>
-            <a:off x="7016079" y="3145446"/>
+            <a:off x="7111079" y="3145446"/>
             <a:ext cx="539072" cy="980004"/>
           </a:xfrm>
           <a:prstGeom prst="curvedConnector3">
@@ -21407,7 +21407,7 @@
         </p:nvCxnSpPr>
         <p:spPr>
           <a:xfrm flipV="1">
-            <a:off x="7016079" y="1473991"/>
+            <a:off x="7111079" y="1473991"/>
             <a:ext cx="1272850" cy="1836981"/>
           </a:xfrm>
           <a:prstGeom prst="curvedConnector3">
@@ -21448,7 +21448,7 @@
         </p:nvSpPr>
         <p:spPr>
           <a:xfrm>
-            <a:off x="8288929" y="801994"/>
+            <a:off x="8383929" y="801994"/>
             <a:ext cx="427015" cy="1343993"/>
           </a:xfrm>
           <a:prstGeom prst="rect">
@@ -21518,7 +21518,7 @@
         </p:nvCxnSpPr>
         <p:spPr>
           <a:xfrm flipV="1">
-            <a:off x="7016079" y="2462294"/>
+            <a:off x="7111079" y="2462294"/>
             <a:ext cx="1546402" cy="186379"/>
           </a:xfrm>
           <a:prstGeom prst="curvedConnector3">
@@ -21545,6 +21545,38 @@
           </a:fontRef>
         </p:style>
       </p:cxnSp>
+      <p:sp>
+        <p:nvSpPr>
+          <p:cNvPr id="2" name="文本框 1">
+            <a:extLst>
+              <a:ext uri="{FF2B5EF4-FFF2-40B4-BE49-F238E27FC236}">
+                <a16:creationId xmlns:a16="http://schemas.microsoft.com/office/drawing/2014/main" id="{6C0C99E5-7BBE-484B-89E8-1DF11356871C}"/>
+              </a:ext>
+            </a:extLst>
+          </p:cNvPr>
+          <p:cNvSpPr txBox="1"/>
+          <p:nvPr/>
+        </p:nvSpPr>
+        <p:spPr>
+          <a:xfrm>
+            <a:off x="-1223158" y="-1543792"/>
+            <a:ext cx="184731" cy="369332"/>
+          </a:xfrm>
+          <a:prstGeom prst="rect">
+            <a:avLst/>
+          </a:prstGeom>
+          <a:noFill/>
+        </p:spPr>
+        <p:txBody>
+          <a:bodyPr wrap="none" rtlCol="0">
+            <a:spAutoFit/>
+          </a:bodyPr>
+          <a:lstStyle/>
+          <a:p>
+            <a:endParaRPr kumimoji="1" lang="zh-CN" altLang="en-US"/>
+          </a:p>
+        </p:txBody>
+      </p:sp>
     </p:spTree>
     <p:extLst>
       <p:ext uri="{BB962C8B-B14F-4D97-AF65-F5344CB8AC3E}">

--- a/任务管理.pptx
+++ b/任务管理.pptx
@@ -11,6 +11,7 @@
     <p:sldId id="260" r:id="rId5"/>
     <p:sldId id="261" r:id="rId6"/>
     <p:sldId id="262" r:id="rId7"/>
+    <p:sldId id="263" r:id="rId8"/>
   </p:sldIdLst>
   <p:sldSz cx="12192000" cy="6858000"/>
   <p:notesSz cx="6858000" cy="9144000"/>
@@ -275,7 +276,7 @@
           <a:p>
             <a:fld id="{3D71AFD6-832F-764F-A8C5-443411455556}" type="datetimeFigureOut">
               <a:rPr kumimoji="1" lang="zh-CN" altLang="en-US" smtClean="0"/>
-              <a:t>2019/10/17</a:t>
+              <a:t>2019/10/18</a:t>
             </a:fld>
             <a:endParaRPr kumimoji="1" lang="zh-CN" altLang="en-US"/>
           </a:p>
@@ -473,7 +474,7 @@
           <a:p>
             <a:fld id="{3D71AFD6-832F-764F-A8C5-443411455556}" type="datetimeFigureOut">
               <a:rPr kumimoji="1" lang="zh-CN" altLang="en-US" smtClean="0"/>
-              <a:t>2019/10/17</a:t>
+              <a:t>2019/10/18</a:t>
             </a:fld>
             <a:endParaRPr kumimoji="1" lang="zh-CN" altLang="en-US"/>
           </a:p>
@@ -681,7 +682,7 @@
           <a:p>
             <a:fld id="{3D71AFD6-832F-764F-A8C5-443411455556}" type="datetimeFigureOut">
               <a:rPr kumimoji="1" lang="zh-CN" altLang="en-US" smtClean="0"/>
-              <a:t>2019/10/17</a:t>
+              <a:t>2019/10/18</a:t>
             </a:fld>
             <a:endParaRPr kumimoji="1" lang="zh-CN" altLang="en-US"/>
           </a:p>
@@ -879,7 +880,7 @@
           <a:p>
             <a:fld id="{3D71AFD6-832F-764F-A8C5-443411455556}" type="datetimeFigureOut">
               <a:rPr kumimoji="1" lang="zh-CN" altLang="en-US" smtClean="0"/>
-              <a:t>2019/10/17</a:t>
+              <a:t>2019/10/18</a:t>
             </a:fld>
             <a:endParaRPr kumimoji="1" lang="zh-CN" altLang="en-US"/>
           </a:p>
@@ -1154,7 +1155,7 @@
           <a:p>
             <a:fld id="{3D71AFD6-832F-764F-A8C5-443411455556}" type="datetimeFigureOut">
               <a:rPr kumimoji="1" lang="zh-CN" altLang="en-US" smtClean="0"/>
-              <a:t>2019/10/17</a:t>
+              <a:t>2019/10/18</a:t>
             </a:fld>
             <a:endParaRPr kumimoji="1" lang="zh-CN" altLang="en-US"/>
           </a:p>
@@ -1419,7 +1420,7 @@
           <a:p>
             <a:fld id="{3D71AFD6-832F-764F-A8C5-443411455556}" type="datetimeFigureOut">
               <a:rPr kumimoji="1" lang="zh-CN" altLang="en-US" smtClean="0"/>
-              <a:t>2019/10/17</a:t>
+              <a:t>2019/10/18</a:t>
             </a:fld>
             <a:endParaRPr kumimoji="1" lang="zh-CN" altLang="en-US"/>
           </a:p>
@@ -1831,7 +1832,7 @@
           <a:p>
             <a:fld id="{3D71AFD6-832F-764F-A8C5-443411455556}" type="datetimeFigureOut">
               <a:rPr kumimoji="1" lang="zh-CN" altLang="en-US" smtClean="0"/>
-              <a:t>2019/10/17</a:t>
+              <a:t>2019/10/18</a:t>
             </a:fld>
             <a:endParaRPr kumimoji="1" lang="zh-CN" altLang="en-US"/>
           </a:p>
@@ -1972,7 +1973,7 @@
           <a:p>
             <a:fld id="{3D71AFD6-832F-764F-A8C5-443411455556}" type="datetimeFigureOut">
               <a:rPr kumimoji="1" lang="zh-CN" altLang="en-US" smtClean="0"/>
-              <a:t>2019/10/17</a:t>
+              <a:t>2019/10/18</a:t>
             </a:fld>
             <a:endParaRPr kumimoji="1" lang="zh-CN" altLang="en-US"/>
           </a:p>
@@ -2085,7 +2086,7 @@
           <a:p>
             <a:fld id="{3D71AFD6-832F-764F-A8C5-443411455556}" type="datetimeFigureOut">
               <a:rPr kumimoji="1" lang="zh-CN" altLang="en-US" smtClean="0"/>
-              <a:t>2019/10/17</a:t>
+              <a:t>2019/10/18</a:t>
             </a:fld>
             <a:endParaRPr kumimoji="1" lang="zh-CN" altLang="en-US"/>
           </a:p>
@@ -2396,7 +2397,7 @@
           <a:p>
             <a:fld id="{3D71AFD6-832F-764F-A8C5-443411455556}" type="datetimeFigureOut">
               <a:rPr kumimoji="1" lang="zh-CN" altLang="en-US" smtClean="0"/>
-              <a:t>2019/10/17</a:t>
+              <a:t>2019/10/18</a:t>
             </a:fld>
             <a:endParaRPr kumimoji="1" lang="zh-CN" altLang="en-US"/>
           </a:p>
@@ -2684,7 +2685,7 @@
           <a:p>
             <a:fld id="{3D71AFD6-832F-764F-A8C5-443411455556}" type="datetimeFigureOut">
               <a:rPr kumimoji="1" lang="zh-CN" altLang="en-US" smtClean="0"/>
-              <a:t>2019/10/17</a:t>
+              <a:t>2019/10/18</a:t>
             </a:fld>
             <a:endParaRPr kumimoji="1" lang="zh-CN" altLang="en-US"/>
           </a:p>
@@ -2925,7 +2926,7 @@
           <a:p>
             <a:fld id="{3D71AFD6-832F-764F-A8C5-443411455556}" type="datetimeFigureOut">
               <a:rPr kumimoji="1" lang="zh-CN" altLang="en-US" smtClean="0"/>
-              <a:t>2019/10/17</a:t>
+              <a:t>2019/10/18</a:t>
             </a:fld>
             <a:endParaRPr kumimoji="1" lang="zh-CN" altLang="en-US"/>
           </a:p>
@@ -28498,6 +28499,9081 @@
 </p:sld>
 </file>
 
+<file path=ppt/slides/slide7.xml><?xml version="1.0" encoding="utf-8"?>
+<p:sld xmlns:a="http://schemas.openxmlformats.org/drawingml/2006/main" xmlns:r="http://schemas.openxmlformats.org/officeDocument/2006/relationships" xmlns:p="http://schemas.openxmlformats.org/presentationml/2006/main">
+  <p:cSld>
+    <p:spTree>
+      <p:nvGrpSpPr>
+        <p:cNvPr id="1" name=""/>
+        <p:cNvGrpSpPr/>
+        <p:nvPr/>
+      </p:nvGrpSpPr>
+      <p:grpSpPr>
+        <a:xfrm>
+          <a:off x="0" y="0"/>
+          <a:ext cx="0" cy="0"/>
+          <a:chOff x="0" y="0"/>
+          <a:chExt cx="0" cy="0"/>
+        </a:xfrm>
+      </p:grpSpPr>
+      <p:sp>
+        <p:nvSpPr>
+          <p:cNvPr id="40" name="矩形 39">
+            <a:extLst>
+              <a:ext uri="{FF2B5EF4-FFF2-40B4-BE49-F238E27FC236}">
+                <a16:creationId xmlns:a16="http://schemas.microsoft.com/office/drawing/2014/main" id="{A6C02A7F-4D6A-6245-819B-D612C182A688}"/>
+              </a:ext>
+            </a:extLst>
+          </p:cNvPr>
+          <p:cNvSpPr/>
+          <p:nvPr/>
+        </p:nvSpPr>
+        <p:spPr>
+          <a:xfrm>
+            <a:off x="3056582" y="237067"/>
+            <a:ext cx="1134533" cy="6383866"/>
+          </a:xfrm>
+          <a:prstGeom prst="rect">
+            <a:avLst/>
+          </a:prstGeom>
+          <a:solidFill>
+            <a:schemeClr val="bg1"/>
+          </a:solidFill>
+          <a:ln>
+            <a:solidFill>
+              <a:schemeClr val="tx1"/>
+            </a:solidFill>
+          </a:ln>
+        </p:spPr>
+        <p:style>
+          <a:lnRef idx="2">
+            <a:schemeClr val="accent1">
+              <a:shade val="50000"/>
+            </a:schemeClr>
+          </a:lnRef>
+          <a:fillRef idx="1">
+            <a:schemeClr val="accent1"/>
+          </a:fillRef>
+          <a:effectRef idx="0">
+            <a:schemeClr val="accent1"/>
+          </a:effectRef>
+          <a:fontRef idx="minor">
+            <a:schemeClr val="lt1"/>
+          </a:fontRef>
+        </p:style>
+        <p:txBody>
+          <a:bodyPr rtlCol="0" anchor="ctr"/>
+          <a:lstStyle/>
+          <a:p>
+            <a:pPr algn="ctr"/>
+            <a:endParaRPr kumimoji="1" lang="zh-CN" altLang="en-US">
+              <a:solidFill>
+                <a:schemeClr val="tx1"/>
+              </a:solidFill>
+            </a:endParaRPr>
+          </a:p>
+        </p:txBody>
+      </p:sp>
+      <p:grpSp>
+        <p:nvGrpSpPr>
+          <p:cNvPr id="7" name="组合 6">
+            <a:extLst>
+              <a:ext uri="{FF2B5EF4-FFF2-40B4-BE49-F238E27FC236}">
+                <a16:creationId xmlns:a16="http://schemas.microsoft.com/office/drawing/2014/main" id="{C9E24472-03E3-EA47-8B51-AB7733529E61}"/>
+              </a:ext>
+            </a:extLst>
+          </p:cNvPr>
+          <p:cNvGrpSpPr/>
+          <p:nvPr/>
+        </p:nvGrpSpPr>
+        <p:grpSpPr>
+          <a:xfrm>
+            <a:off x="7232400" y="388917"/>
+            <a:ext cx="4180112" cy="6080166"/>
+            <a:chOff x="7955077" y="971304"/>
+            <a:chExt cx="4180112" cy="6080166"/>
+          </a:xfrm>
+          <a:scene3d>
+            <a:camera prst="isometricOffAxis1Left"/>
+            <a:lightRig rig="threePt" dir="t"/>
+          </a:scene3d>
+        </p:grpSpPr>
+        <p:sp>
+          <p:nvSpPr>
+            <p:cNvPr id="5" name="矩形 4">
+              <a:extLst>
+                <a:ext uri="{FF2B5EF4-FFF2-40B4-BE49-F238E27FC236}">
+                  <a16:creationId xmlns:a16="http://schemas.microsoft.com/office/drawing/2014/main" id="{277D49AF-1318-F741-986D-7DD5ADC4384D}"/>
+                </a:ext>
+              </a:extLst>
+            </p:cNvPr>
+            <p:cNvSpPr/>
+            <p:nvPr/>
+          </p:nvSpPr>
+          <p:spPr>
+            <a:xfrm>
+              <a:off x="7955077" y="971305"/>
+              <a:ext cx="522514" cy="380011"/>
+            </a:xfrm>
+            <a:prstGeom prst="rect">
+              <a:avLst/>
+            </a:prstGeom>
+            <a:noFill/>
+            <a:ln>
+              <a:solidFill>
+                <a:schemeClr val="tx1"/>
+              </a:solidFill>
+            </a:ln>
+            <a:sp3d/>
+          </p:spPr>
+          <p:style>
+            <a:lnRef idx="2">
+              <a:schemeClr val="accent1">
+                <a:shade val="50000"/>
+              </a:schemeClr>
+            </a:lnRef>
+            <a:fillRef idx="1">
+              <a:schemeClr val="accent1"/>
+            </a:fillRef>
+            <a:effectRef idx="0">
+              <a:schemeClr val="accent1"/>
+            </a:effectRef>
+            <a:fontRef idx="minor">
+              <a:schemeClr val="lt1"/>
+            </a:fontRef>
+          </p:style>
+          <p:txBody>
+            <a:bodyPr rtlCol="0" anchor="ctr"/>
+            <a:lstStyle/>
+            <a:p>
+              <a:pPr algn="ctr"/>
+              <a:endParaRPr kumimoji="1" lang="zh-CN" altLang="en-US">
+                <a:solidFill>
+                  <a:schemeClr val="tx1"/>
+                </a:solidFill>
+              </a:endParaRPr>
+            </a:p>
+          </p:txBody>
+        </p:sp>
+        <p:sp>
+          <p:nvSpPr>
+            <p:cNvPr id="9" name="矩形 8">
+              <a:extLst>
+                <a:ext uri="{FF2B5EF4-FFF2-40B4-BE49-F238E27FC236}">
+                  <a16:creationId xmlns:a16="http://schemas.microsoft.com/office/drawing/2014/main" id="{9BFC3412-C363-F240-94BF-5AD5586EE372}"/>
+                </a:ext>
+              </a:extLst>
+            </p:cNvPr>
+            <p:cNvSpPr/>
+            <p:nvPr/>
+          </p:nvSpPr>
+          <p:spPr>
+            <a:xfrm>
+              <a:off x="8477591" y="971305"/>
+              <a:ext cx="522514" cy="380011"/>
+            </a:xfrm>
+            <a:prstGeom prst="rect">
+              <a:avLst/>
+            </a:prstGeom>
+            <a:noFill/>
+            <a:ln>
+              <a:solidFill>
+                <a:schemeClr val="tx1"/>
+              </a:solidFill>
+            </a:ln>
+            <a:sp3d/>
+          </p:spPr>
+          <p:style>
+            <a:lnRef idx="2">
+              <a:schemeClr val="accent1">
+                <a:shade val="50000"/>
+              </a:schemeClr>
+            </a:lnRef>
+            <a:fillRef idx="1">
+              <a:schemeClr val="accent1"/>
+            </a:fillRef>
+            <a:effectRef idx="0">
+              <a:schemeClr val="accent1"/>
+            </a:effectRef>
+            <a:fontRef idx="minor">
+              <a:schemeClr val="lt1"/>
+            </a:fontRef>
+          </p:style>
+          <p:txBody>
+            <a:bodyPr rtlCol="0" anchor="ctr"/>
+            <a:lstStyle/>
+            <a:p>
+              <a:pPr algn="ctr"/>
+              <a:endParaRPr kumimoji="1" lang="zh-CN" altLang="en-US">
+                <a:solidFill>
+                  <a:schemeClr val="tx1"/>
+                </a:solidFill>
+              </a:endParaRPr>
+            </a:p>
+          </p:txBody>
+        </p:sp>
+        <p:sp>
+          <p:nvSpPr>
+            <p:cNvPr id="10" name="矩形 9">
+              <a:extLst>
+                <a:ext uri="{FF2B5EF4-FFF2-40B4-BE49-F238E27FC236}">
+                  <a16:creationId xmlns:a16="http://schemas.microsoft.com/office/drawing/2014/main" id="{CDBCFDDE-8651-C449-B33F-CDCC5E8D16F1}"/>
+                </a:ext>
+              </a:extLst>
+            </p:cNvPr>
+            <p:cNvSpPr/>
+            <p:nvPr/>
+          </p:nvSpPr>
+          <p:spPr>
+            <a:xfrm>
+              <a:off x="9000105" y="971305"/>
+              <a:ext cx="522514" cy="380011"/>
+            </a:xfrm>
+            <a:prstGeom prst="rect">
+              <a:avLst/>
+            </a:prstGeom>
+            <a:noFill/>
+            <a:ln>
+              <a:solidFill>
+                <a:schemeClr val="tx1"/>
+              </a:solidFill>
+            </a:ln>
+            <a:sp3d/>
+          </p:spPr>
+          <p:style>
+            <a:lnRef idx="2">
+              <a:schemeClr val="accent1">
+                <a:shade val="50000"/>
+              </a:schemeClr>
+            </a:lnRef>
+            <a:fillRef idx="1">
+              <a:schemeClr val="accent1"/>
+            </a:fillRef>
+            <a:effectRef idx="0">
+              <a:schemeClr val="accent1"/>
+            </a:effectRef>
+            <a:fontRef idx="minor">
+              <a:schemeClr val="lt1"/>
+            </a:fontRef>
+          </p:style>
+          <p:txBody>
+            <a:bodyPr rtlCol="0" anchor="ctr"/>
+            <a:lstStyle/>
+            <a:p>
+              <a:pPr algn="ctr"/>
+              <a:endParaRPr kumimoji="1" lang="zh-CN" altLang="en-US">
+                <a:solidFill>
+                  <a:schemeClr val="tx1"/>
+                </a:solidFill>
+              </a:endParaRPr>
+            </a:p>
+          </p:txBody>
+        </p:sp>
+        <p:sp>
+          <p:nvSpPr>
+            <p:cNvPr id="11" name="矩形 10">
+              <a:extLst>
+                <a:ext uri="{FF2B5EF4-FFF2-40B4-BE49-F238E27FC236}">
+                  <a16:creationId xmlns:a16="http://schemas.microsoft.com/office/drawing/2014/main" id="{248C7B89-994F-0340-9BC5-2338B2451C9B}"/>
+                </a:ext>
+              </a:extLst>
+            </p:cNvPr>
+            <p:cNvSpPr/>
+            <p:nvPr/>
+          </p:nvSpPr>
+          <p:spPr>
+            <a:xfrm>
+              <a:off x="9522619" y="971304"/>
+              <a:ext cx="522514" cy="380011"/>
+            </a:xfrm>
+            <a:prstGeom prst="rect">
+              <a:avLst/>
+            </a:prstGeom>
+            <a:noFill/>
+            <a:ln>
+              <a:solidFill>
+                <a:schemeClr val="tx1"/>
+              </a:solidFill>
+            </a:ln>
+            <a:sp3d/>
+          </p:spPr>
+          <p:style>
+            <a:lnRef idx="2">
+              <a:schemeClr val="accent1">
+                <a:shade val="50000"/>
+              </a:schemeClr>
+            </a:lnRef>
+            <a:fillRef idx="1">
+              <a:schemeClr val="accent1"/>
+            </a:fillRef>
+            <a:effectRef idx="0">
+              <a:schemeClr val="accent1"/>
+            </a:effectRef>
+            <a:fontRef idx="minor">
+              <a:schemeClr val="lt1"/>
+            </a:fontRef>
+          </p:style>
+          <p:txBody>
+            <a:bodyPr rtlCol="0" anchor="ctr"/>
+            <a:lstStyle/>
+            <a:p>
+              <a:pPr algn="ctr"/>
+              <a:endParaRPr kumimoji="1" lang="zh-CN" altLang="en-US">
+                <a:solidFill>
+                  <a:schemeClr val="tx1"/>
+                </a:solidFill>
+              </a:endParaRPr>
+            </a:p>
+          </p:txBody>
+        </p:sp>
+        <p:sp>
+          <p:nvSpPr>
+            <p:cNvPr id="12" name="矩形 11">
+              <a:extLst>
+                <a:ext uri="{FF2B5EF4-FFF2-40B4-BE49-F238E27FC236}">
+                  <a16:creationId xmlns:a16="http://schemas.microsoft.com/office/drawing/2014/main" id="{30D661FB-C661-684E-B63A-8C23D3B5E8DA}"/>
+                </a:ext>
+              </a:extLst>
+            </p:cNvPr>
+            <p:cNvSpPr/>
+            <p:nvPr/>
+          </p:nvSpPr>
+          <p:spPr>
+            <a:xfrm>
+              <a:off x="7955077" y="1351315"/>
+              <a:ext cx="522514" cy="380011"/>
+            </a:xfrm>
+            <a:prstGeom prst="rect">
+              <a:avLst/>
+            </a:prstGeom>
+            <a:noFill/>
+            <a:ln>
+              <a:solidFill>
+                <a:schemeClr val="tx1"/>
+              </a:solidFill>
+            </a:ln>
+            <a:sp3d/>
+          </p:spPr>
+          <p:style>
+            <a:lnRef idx="2">
+              <a:schemeClr val="accent1">
+                <a:shade val="50000"/>
+              </a:schemeClr>
+            </a:lnRef>
+            <a:fillRef idx="1">
+              <a:schemeClr val="accent1"/>
+            </a:fillRef>
+            <a:effectRef idx="0">
+              <a:schemeClr val="accent1"/>
+            </a:effectRef>
+            <a:fontRef idx="minor">
+              <a:schemeClr val="lt1"/>
+            </a:fontRef>
+          </p:style>
+          <p:txBody>
+            <a:bodyPr rtlCol="0" anchor="ctr"/>
+            <a:lstStyle/>
+            <a:p>
+              <a:pPr algn="ctr"/>
+              <a:endParaRPr kumimoji="1" lang="zh-CN" altLang="en-US">
+                <a:solidFill>
+                  <a:schemeClr val="tx1"/>
+                </a:solidFill>
+              </a:endParaRPr>
+            </a:p>
+          </p:txBody>
+        </p:sp>
+        <p:sp>
+          <p:nvSpPr>
+            <p:cNvPr id="13" name="矩形 12">
+              <a:extLst>
+                <a:ext uri="{FF2B5EF4-FFF2-40B4-BE49-F238E27FC236}">
+                  <a16:creationId xmlns:a16="http://schemas.microsoft.com/office/drawing/2014/main" id="{4CB7F89C-79F0-2647-AC45-331F4863E4B9}"/>
+                </a:ext>
+              </a:extLst>
+            </p:cNvPr>
+            <p:cNvSpPr/>
+            <p:nvPr/>
+          </p:nvSpPr>
+          <p:spPr>
+            <a:xfrm>
+              <a:off x="8477591" y="1351315"/>
+              <a:ext cx="522514" cy="380011"/>
+            </a:xfrm>
+            <a:prstGeom prst="rect">
+              <a:avLst/>
+            </a:prstGeom>
+            <a:noFill/>
+            <a:ln>
+              <a:solidFill>
+                <a:schemeClr val="tx1"/>
+              </a:solidFill>
+            </a:ln>
+            <a:sp3d/>
+          </p:spPr>
+          <p:style>
+            <a:lnRef idx="2">
+              <a:schemeClr val="accent1">
+                <a:shade val="50000"/>
+              </a:schemeClr>
+            </a:lnRef>
+            <a:fillRef idx="1">
+              <a:schemeClr val="accent1"/>
+            </a:fillRef>
+            <a:effectRef idx="0">
+              <a:schemeClr val="accent1"/>
+            </a:effectRef>
+            <a:fontRef idx="minor">
+              <a:schemeClr val="lt1"/>
+            </a:fontRef>
+          </p:style>
+          <p:txBody>
+            <a:bodyPr rtlCol="0" anchor="ctr"/>
+            <a:lstStyle/>
+            <a:p>
+              <a:pPr algn="ctr"/>
+              <a:endParaRPr kumimoji="1" lang="zh-CN" altLang="en-US">
+                <a:solidFill>
+                  <a:schemeClr val="tx1"/>
+                </a:solidFill>
+              </a:endParaRPr>
+            </a:p>
+          </p:txBody>
+        </p:sp>
+        <p:sp>
+          <p:nvSpPr>
+            <p:cNvPr id="14" name="矩形 13">
+              <a:extLst>
+                <a:ext uri="{FF2B5EF4-FFF2-40B4-BE49-F238E27FC236}">
+                  <a16:creationId xmlns:a16="http://schemas.microsoft.com/office/drawing/2014/main" id="{48259EE6-39D4-C040-BFC7-F2EA61505E12}"/>
+                </a:ext>
+              </a:extLst>
+            </p:cNvPr>
+            <p:cNvSpPr/>
+            <p:nvPr/>
+          </p:nvSpPr>
+          <p:spPr>
+            <a:xfrm>
+              <a:off x="9000105" y="1351315"/>
+              <a:ext cx="522514" cy="380011"/>
+            </a:xfrm>
+            <a:prstGeom prst="rect">
+              <a:avLst/>
+            </a:prstGeom>
+            <a:noFill/>
+            <a:ln>
+              <a:solidFill>
+                <a:schemeClr val="tx1"/>
+              </a:solidFill>
+            </a:ln>
+            <a:sp3d/>
+          </p:spPr>
+          <p:style>
+            <a:lnRef idx="2">
+              <a:schemeClr val="accent1">
+                <a:shade val="50000"/>
+              </a:schemeClr>
+            </a:lnRef>
+            <a:fillRef idx="1">
+              <a:schemeClr val="accent1"/>
+            </a:fillRef>
+            <a:effectRef idx="0">
+              <a:schemeClr val="accent1"/>
+            </a:effectRef>
+            <a:fontRef idx="minor">
+              <a:schemeClr val="lt1"/>
+            </a:fontRef>
+          </p:style>
+          <p:txBody>
+            <a:bodyPr rtlCol="0" anchor="ctr"/>
+            <a:lstStyle/>
+            <a:p>
+              <a:pPr algn="ctr"/>
+              <a:endParaRPr kumimoji="1" lang="zh-CN" altLang="en-US">
+                <a:solidFill>
+                  <a:schemeClr val="tx1"/>
+                </a:solidFill>
+              </a:endParaRPr>
+            </a:p>
+          </p:txBody>
+        </p:sp>
+        <p:sp>
+          <p:nvSpPr>
+            <p:cNvPr id="15" name="矩形 14">
+              <a:extLst>
+                <a:ext uri="{FF2B5EF4-FFF2-40B4-BE49-F238E27FC236}">
+                  <a16:creationId xmlns:a16="http://schemas.microsoft.com/office/drawing/2014/main" id="{F5AD1920-01EE-BF4C-8CF0-EAE5A7F32C57}"/>
+                </a:ext>
+              </a:extLst>
+            </p:cNvPr>
+            <p:cNvSpPr/>
+            <p:nvPr/>
+          </p:nvSpPr>
+          <p:spPr>
+            <a:xfrm>
+              <a:off x="9522619" y="1351314"/>
+              <a:ext cx="522514" cy="380011"/>
+            </a:xfrm>
+            <a:prstGeom prst="rect">
+              <a:avLst/>
+            </a:prstGeom>
+            <a:noFill/>
+            <a:ln>
+              <a:solidFill>
+                <a:schemeClr val="tx1"/>
+              </a:solidFill>
+            </a:ln>
+            <a:sp3d/>
+          </p:spPr>
+          <p:style>
+            <a:lnRef idx="2">
+              <a:schemeClr val="accent1">
+                <a:shade val="50000"/>
+              </a:schemeClr>
+            </a:lnRef>
+            <a:fillRef idx="1">
+              <a:schemeClr val="accent1"/>
+            </a:fillRef>
+            <a:effectRef idx="0">
+              <a:schemeClr val="accent1"/>
+            </a:effectRef>
+            <a:fontRef idx="minor">
+              <a:schemeClr val="lt1"/>
+            </a:fontRef>
+          </p:style>
+          <p:txBody>
+            <a:bodyPr rtlCol="0" anchor="ctr"/>
+            <a:lstStyle/>
+            <a:p>
+              <a:pPr algn="ctr"/>
+              <a:endParaRPr kumimoji="1" lang="zh-CN" altLang="en-US">
+                <a:solidFill>
+                  <a:schemeClr val="tx1"/>
+                </a:solidFill>
+              </a:endParaRPr>
+            </a:p>
+          </p:txBody>
+        </p:sp>
+        <p:sp>
+          <p:nvSpPr>
+            <p:cNvPr id="16" name="矩形 15">
+              <a:extLst>
+                <a:ext uri="{FF2B5EF4-FFF2-40B4-BE49-F238E27FC236}">
+                  <a16:creationId xmlns:a16="http://schemas.microsoft.com/office/drawing/2014/main" id="{AEBC3755-C12F-0540-9C80-4EE539911D46}"/>
+                </a:ext>
+              </a:extLst>
+            </p:cNvPr>
+            <p:cNvSpPr/>
+            <p:nvPr/>
+          </p:nvSpPr>
+          <p:spPr>
+            <a:xfrm>
+              <a:off x="7955077" y="1731326"/>
+              <a:ext cx="522514" cy="380011"/>
+            </a:xfrm>
+            <a:prstGeom prst="rect">
+              <a:avLst/>
+            </a:prstGeom>
+            <a:noFill/>
+            <a:ln>
+              <a:solidFill>
+                <a:schemeClr val="tx1"/>
+              </a:solidFill>
+            </a:ln>
+            <a:sp3d/>
+          </p:spPr>
+          <p:style>
+            <a:lnRef idx="2">
+              <a:schemeClr val="accent1">
+                <a:shade val="50000"/>
+              </a:schemeClr>
+            </a:lnRef>
+            <a:fillRef idx="1">
+              <a:schemeClr val="accent1"/>
+            </a:fillRef>
+            <a:effectRef idx="0">
+              <a:schemeClr val="accent1"/>
+            </a:effectRef>
+            <a:fontRef idx="minor">
+              <a:schemeClr val="lt1"/>
+            </a:fontRef>
+          </p:style>
+          <p:txBody>
+            <a:bodyPr rtlCol="0" anchor="ctr"/>
+            <a:lstStyle/>
+            <a:p>
+              <a:pPr algn="ctr"/>
+              <a:endParaRPr kumimoji="1" lang="zh-CN" altLang="en-US">
+                <a:solidFill>
+                  <a:schemeClr val="tx1"/>
+                </a:solidFill>
+              </a:endParaRPr>
+            </a:p>
+          </p:txBody>
+        </p:sp>
+        <p:sp>
+          <p:nvSpPr>
+            <p:cNvPr id="17" name="矩形 16">
+              <a:extLst>
+                <a:ext uri="{FF2B5EF4-FFF2-40B4-BE49-F238E27FC236}">
+                  <a16:creationId xmlns:a16="http://schemas.microsoft.com/office/drawing/2014/main" id="{6237A3AC-3A1E-764A-9924-FEDC4DA0DEC1}"/>
+                </a:ext>
+              </a:extLst>
+            </p:cNvPr>
+            <p:cNvSpPr/>
+            <p:nvPr/>
+          </p:nvSpPr>
+          <p:spPr>
+            <a:xfrm>
+              <a:off x="8477591" y="1731326"/>
+              <a:ext cx="522514" cy="380011"/>
+            </a:xfrm>
+            <a:prstGeom prst="rect">
+              <a:avLst/>
+            </a:prstGeom>
+            <a:noFill/>
+            <a:ln>
+              <a:solidFill>
+                <a:schemeClr val="tx1"/>
+              </a:solidFill>
+            </a:ln>
+            <a:sp3d/>
+          </p:spPr>
+          <p:style>
+            <a:lnRef idx="2">
+              <a:schemeClr val="accent1">
+                <a:shade val="50000"/>
+              </a:schemeClr>
+            </a:lnRef>
+            <a:fillRef idx="1">
+              <a:schemeClr val="accent1"/>
+            </a:fillRef>
+            <a:effectRef idx="0">
+              <a:schemeClr val="accent1"/>
+            </a:effectRef>
+            <a:fontRef idx="minor">
+              <a:schemeClr val="lt1"/>
+            </a:fontRef>
+          </p:style>
+          <p:txBody>
+            <a:bodyPr rtlCol="0" anchor="ctr"/>
+            <a:lstStyle/>
+            <a:p>
+              <a:pPr algn="ctr"/>
+              <a:endParaRPr kumimoji="1" lang="zh-CN" altLang="en-US">
+                <a:solidFill>
+                  <a:schemeClr val="tx1"/>
+                </a:solidFill>
+              </a:endParaRPr>
+            </a:p>
+          </p:txBody>
+        </p:sp>
+        <p:sp>
+          <p:nvSpPr>
+            <p:cNvPr id="18" name="矩形 17">
+              <a:extLst>
+                <a:ext uri="{FF2B5EF4-FFF2-40B4-BE49-F238E27FC236}">
+                  <a16:creationId xmlns:a16="http://schemas.microsoft.com/office/drawing/2014/main" id="{8F9766AB-2BB2-3549-B756-E5EFCFDE3BC8}"/>
+                </a:ext>
+              </a:extLst>
+            </p:cNvPr>
+            <p:cNvSpPr/>
+            <p:nvPr/>
+          </p:nvSpPr>
+          <p:spPr>
+            <a:xfrm>
+              <a:off x="9000105" y="1731326"/>
+              <a:ext cx="522514" cy="380011"/>
+            </a:xfrm>
+            <a:prstGeom prst="rect">
+              <a:avLst/>
+            </a:prstGeom>
+            <a:noFill/>
+            <a:ln>
+              <a:solidFill>
+                <a:schemeClr val="tx1"/>
+              </a:solidFill>
+            </a:ln>
+            <a:sp3d/>
+          </p:spPr>
+          <p:style>
+            <a:lnRef idx="2">
+              <a:schemeClr val="accent1">
+                <a:shade val="50000"/>
+              </a:schemeClr>
+            </a:lnRef>
+            <a:fillRef idx="1">
+              <a:schemeClr val="accent1"/>
+            </a:fillRef>
+            <a:effectRef idx="0">
+              <a:schemeClr val="accent1"/>
+            </a:effectRef>
+            <a:fontRef idx="minor">
+              <a:schemeClr val="lt1"/>
+            </a:fontRef>
+          </p:style>
+          <p:txBody>
+            <a:bodyPr rtlCol="0" anchor="ctr"/>
+            <a:lstStyle/>
+            <a:p>
+              <a:pPr algn="ctr"/>
+              <a:endParaRPr kumimoji="1" lang="zh-CN" altLang="en-US">
+                <a:solidFill>
+                  <a:schemeClr val="tx1"/>
+                </a:solidFill>
+              </a:endParaRPr>
+            </a:p>
+          </p:txBody>
+        </p:sp>
+        <p:sp>
+          <p:nvSpPr>
+            <p:cNvPr id="19" name="矩形 18">
+              <a:extLst>
+                <a:ext uri="{FF2B5EF4-FFF2-40B4-BE49-F238E27FC236}">
+                  <a16:creationId xmlns:a16="http://schemas.microsoft.com/office/drawing/2014/main" id="{B682FE2D-82F0-FE45-A491-5619A7465A09}"/>
+                </a:ext>
+              </a:extLst>
+            </p:cNvPr>
+            <p:cNvSpPr/>
+            <p:nvPr/>
+          </p:nvSpPr>
+          <p:spPr>
+            <a:xfrm>
+              <a:off x="9522619" y="1731325"/>
+              <a:ext cx="522514" cy="380011"/>
+            </a:xfrm>
+            <a:prstGeom prst="rect">
+              <a:avLst/>
+            </a:prstGeom>
+            <a:noFill/>
+            <a:ln>
+              <a:solidFill>
+                <a:schemeClr val="tx1"/>
+              </a:solidFill>
+            </a:ln>
+            <a:sp3d/>
+          </p:spPr>
+          <p:style>
+            <a:lnRef idx="2">
+              <a:schemeClr val="accent1">
+                <a:shade val="50000"/>
+              </a:schemeClr>
+            </a:lnRef>
+            <a:fillRef idx="1">
+              <a:schemeClr val="accent1"/>
+            </a:fillRef>
+            <a:effectRef idx="0">
+              <a:schemeClr val="accent1"/>
+            </a:effectRef>
+            <a:fontRef idx="minor">
+              <a:schemeClr val="lt1"/>
+            </a:fontRef>
+          </p:style>
+          <p:txBody>
+            <a:bodyPr rtlCol="0" anchor="ctr"/>
+            <a:lstStyle/>
+            <a:p>
+              <a:pPr algn="ctr"/>
+              <a:endParaRPr kumimoji="1" lang="zh-CN" altLang="en-US">
+                <a:solidFill>
+                  <a:schemeClr val="tx1"/>
+                </a:solidFill>
+              </a:endParaRPr>
+            </a:p>
+          </p:txBody>
+        </p:sp>
+        <p:sp>
+          <p:nvSpPr>
+            <p:cNvPr id="20" name="矩形 19">
+              <a:extLst>
+                <a:ext uri="{FF2B5EF4-FFF2-40B4-BE49-F238E27FC236}">
+                  <a16:creationId xmlns:a16="http://schemas.microsoft.com/office/drawing/2014/main" id="{287FA6A2-06A4-7D4A-88A3-35D174CA7A1B}"/>
+                </a:ext>
+              </a:extLst>
+            </p:cNvPr>
+            <p:cNvSpPr/>
+            <p:nvPr/>
+          </p:nvSpPr>
+          <p:spPr>
+            <a:xfrm>
+              <a:off x="7955077" y="2111336"/>
+              <a:ext cx="522514" cy="380011"/>
+            </a:xfrm>
+            <a:prstGeom prst="rect">
+              <a:avLst/>
+            </a:prstGeom>
+            <a:noFill/>
+            <a:ln>
+              <a:solidFill>
+                <a:schemeClr val="tx1"/>
+              </a:solidFill>
+            </a:ln>
+            <a:sp3d/>
+          </p:spPr>
+          <p:style>
+            <a:lnRef idx="2">
+              <a:schemeClr val="accent1">
+                <a:shade val="50000"/>
+              </a:schemeClr>
+            </a:lnRef>
+            <a:fillRef idx="1">
+              <a:schemeClr val="accent1"/>
+            </a:fillRef>
+            <a:effectRef idx="0">
+              <a:schemeClr val="accent1"/>
+            </a:effectRef>
+            <a:fontRef idx="minor">
+              <a:schemeClr val="lt1"/>
+            </a:fontRef>
+          </p:style>
+          <p:txBody>
+            <a:bodyPr rtlCol="0" anchor="ctr"/>
+            <a:lstStyle/>
+            <a:p>
+              <a:pPr algn="ctr"/>
+              <a:endParaRPr kumimoji="1" lang="zh-CN" altLang="en-US">
+                <a:solidFill>
+                  <a:schemeClr val="tx1"/>
+                </a:solidFill>
+              </a:endParaRPr>
+            </a:p>
+          </p:txBody>
+        </p:sp>
+        <p:sp>
+          <p:nvSpPr>
+            <p:cNvPr id="21" name="矩形 20">
+              <a:extLst>
+                <a:ext uri="{FF2B5EF4-FFF2-40B4-BE49-F238E27FC236}">
+                  <a16:creationId xmlns:a16="http://schemas.microsoft.com/office/drawing/2014/main" id="{9B8679B7-B989-3D45-8E4C-8F432FDA0665}"/>
+                </a:ext>
+              </a:extLst>
+            </p:cNvPr>
+            <p:cNvSpPr/>
+            <p:nvPr/>
+          </p:nvSpPr>
+          <p:spPr>
+            <a:xfrm>
+              <a:off x="8477591" y="2111336"/>
+              <a:ext cx="522514" cy="380011"/>
+            </a:xfrm>
+            <a:prstGeom prst="rect">
+              <a:avLst/>
+            </a:prstGeom>
+            <a:noFill/>
+            <a:ln>
+              <a:solidFill>
+                <a:schemeClr val="tx1"/>
+              </a:solidFill>
+            </a:ln>
+            <a:sp3d/>
+          </p:spPr>
+          <p:style>
+            <a:lnRef idx="2">
+              <a:schemeClr val="accent1">
+                <a:shade val="50000"/>
+              </a:schemeClr>
+            </a:lnRef>
+            <a:fillRef idx="1">
+              <a:schemeClr val="accent1"/>
+            </a:fillRef>
+            <a:effectRef idx="0">
+              <a:schemeClr val="accent1"/>
+            </a:effectRef>
+            <a:fontRef idx="minor">
+              <a:schemeClr val="lt1"/>
+            </a:fontRef>
+          </p:style>
+          <p:txBody>
+            <a:bodyPr rtlCol="0" anchor="ctr"/>
+            <a:lstStyle/>
+            <a:p>
+              <a:pPr algn="ctr"/>
+              <a:endParaRPr kumimoji="1" lang="zh-CN" altLang="en-US">
+                <a:solidFill>
+                  <a:schemeClr val="tx1"/>
+                </a:solidFill>
+              </a:endParaRPr>
+            </a:p>
+          </p:txBody>
+        </p:sp>
+        <p:sp>
+          <p:nvSpPr>
+            <p:cNvPr id="22" name="矩形 21">
+              <a:extLst>
+                <a:ext uri="{FF2B5EF4-FFF2-40B4-BE49-F238E27FC236}">
+                  <a16:creationId xmlns:a16="http://schemas.microsoft.com/office/drawing/2014/main" id="{319BF9B1-8DF4-1942-8433-818C8D4A7D02}"/>
+                </a:ext>
+              </a:extLst>
+            </p:cNvPr>
+            <p:cNvSpPr/>
+            <p:nvPr/>
+          </p:nvSpPr>
+          <p:spPr>
+            <a:xfrm>
+              <a:off x="9000105" y="2111336"/>
+              <a:ext cx="522514" cy="380011"/>
+            </a:xfrm>
+            <a:prstGeom prst="rect">
+              <a:avLst/>
+            </a:prstGeom>
+            <a:noFill/>
+            <a:ln>
+              <a:solidFill>
+                <a:schemeClr val="tx1"/>
+              </a:solidFill>
+            </a:ln>
+            <a:sp3d/>
+          </p:spPr>
+          <p:style>
+            <a:lnRef idx="2">
+              <a:schemeClr val="accent1">
+                <a:shade val="50000"/>
+              </a:schemeClr>
+            </a:lnRef>
+            <a:fillRef idx="1">
+              <a:schemeClr val="accent1"/>
+            </a:fillRef>
+            <a:effectRef idx="0">
+              <a:schemeClr val="accent1"/>
+            </a:effectRef>
+            <a:fontRef idx="minor">
+              <a:schemeClr val="lt1"/>
+            </a:fontRef>
+          </p:style>
+          <p:txBody>
+            <a:bodyPr rtlCol="0" anchor="ctr"/>
+            <a:lstStyle/>
+            <a:p>
+              <a:pPr algn="ctr"/>
+              <a:endParaRPr kumimoji="1" lang="zh-CN" altLang="en-US">
+                <a:solidFill>
+                  <a:schemeClr val="tx1"/>
+                </a:solidFill>
+              </a:endParaRPr>
+            </a:p>
+          </p:txBody>
+        </p:sp>
+        <p:sp>
+          <p:nvSpPr>
+            <p:cNvPr id="23" name="矩形 22">
+              <a:extLst>
+                <a:ext uri="{FF2B5EF4-FFF2-40B4-BE49-F238E27FC236}">
+                  <a16:creationId xmlns:a16="http://schemas.microsoft.com/office/drawing/2014/main" id="{8BEB5CDB-565D-5B45-A912-C785D5311239}"/>
+                </a:ext>
+              </a:extLst>
+            </p:cNvPr>
+            <p:cNvSpPr/>
+            <p:nvPr/>
+          </p:nvSpPr>
+          <p:spPr>
+            <a:xfrm>
+              <a:off x="9522619" y="2111335"/>
+              <a:ext cx="522514" cy="380011"/>
+            </a:xfrm>
+            <a:prstGeom prst="rect">
+              <a:avLst/>
+            </a:prstGeom>
+            <a:noFill/>
+            <a:ln>
+              <a:solidFill>
+                <a:schemeClr val="tx1"/>
+              </a:solidFill>
+            </a:ln>
+            <a:sp3d/>
+          </p:spPr>
+          <p:style>
+            <a:lnRef idx="2">
+              <a:schemeClr val="accent1">
+                <a:shade val="50000"/>
+              </a:schemeClr>
+            </a:lnRef>
+            <a:fillRef idx="1">
+              <a:schemeClr val="accent1"/>
+            </a:fillRef>
+            <a:effectRef idx="0">
+              <a:schemeClr val="accent1"/>
+            </a:effectRef>
+            <a:fontRef idx="minor">
+              <a:schemeClr val="lt1"/>
+            </a:fontRef>
+          </p:style>
+          <p:txBody>
+            <a:bodyPr rtlCol="0" anchor="ctr"/>
+            <a:lstStyle/>
+            <a:p>
+              <a:pPr algn="ctr"/>
+              <a:endParaRPr kumimoji="1" lang="zh-CN" altLang="en-US">
+                <a:solidFill>
+                  <a:schemeClr val="tx1"/>
+                </a:solidFill>
+              </a:endParaRPr>
+            </a:p>
+          </p:txBody>
+        </p:sp>
+        <p:sp>
+          <p:nvSpPr>
+            <p:cNvPr id="24" name="矩形 23">
+              <a:extLst>
+                <a:ext uri="{FF2B5EF4-FFF2-40B4-BE49-F238E27FC236}">
+                  <a16:creationId xmlns:a16="http://schemas.microsoft.com/office/drawing/2014/main" id="{60726680-670A-B34E-A6BD-A9A2395CCF66}"/>
+                </a:ext>
+              </a:extLst>
+            </p:cNvPr>
+            <p:cNvSpPr/>
+            <p:nvPr/>
+          </p:nvSpPr>
+          <p:spPr>
+            <a:xfrm>
+              <a:off x="7955077" y="2491346"/>
+              <a:ext cx="522514" cy="380011"/>
+            </a:xfrm>
+            <a:prstGeom prst="rect">
+              <a:avLst/>
+            </a:prstGeom>
+            <a:noFill/>
+            <a:ln>
+              <a:solidFill>
+                <a:schemeClr val="tx1"/>
+              </a:solidFill>
+            </a:ln>
+            <a:sp3d/>
+          </p:spPr>
+          <p:style>
+            <a:lnRef idx="2">
+              <a:schemeClr val="accent1">
+                <a:shade val="50000"/>
+              </a:schemeClr>
+            </a:lnRef>
+            <a:fillRef idx="1">
+              <a:schemeClr val="accent1"/>
+            </a:fillRef>
+            <a:effectRef idx="0">
+              <a:schemeClr val="accent1"/>
+            </a:effectRef>
+            <a:fontRef idx="minor">
+              <a:schemeClr val="lt1"/>
+            </a:fontRef>
+          </p:style>
+          <p:txBody>
+            <a:bodyPr rtlCol="0" anchor="ctr"/>
+            <a:lstStyle/>
+            <a:p>
+              <a:pPr algn="ctr"/>
+              <a:endParaRPr kumimoji="1" lang="zh-CN" altLang="en-US">
+                <a:solidFill>
+                  <a:schemeClr val="tx1"/>
+                </a:solidFill>
+              </a:endParaRPr>
+            </a:p>
+          </p:txBody>
+        </p:sp>
+        <p:sp>
+          <p:nvSpPr>
+            <p:cNvPr id="25" name="矩形 24">
+              <a:extLst>
+                <a:ext uri="{FF2B5EF4-FFF2-40B4-BE49-F238E27FC236}">
+                  <a16:creationId xmlns:a16="http://schemas.microsoft.com/office/drawing/2014/main" id="{E912AC50-7514-8746-B7F9-327E65CEAFD9}"/>
+                </a:ext>
+              </a:extLst>
+            </p:cNvPr>
+            <p:cNvSpPr/>
+            <p:nvPr/>
+          </p:nvSpPr>
+          <p:spPr>
+            <a:xfrm>
+              <a:off x="8477591" y="2491346"/>
+              <a:ext cx="522514" cy="380011"/>
+            </a:xfrm>
+            <a:prstGeom prst="rect">
+              <a:avLst/>
+            </a:prstGeom>
+            <a:noFill/>
+            <a:ln>
+              <a:solidFill>
+                <a:schemeClr val="tx1"/>
+              </a:solidFill>
+            </a:ln>
+            <a:sp3d/>
+          </p:spPr>
+          <p:style>
+            <a:lnRef idx="2">
+              <a:schemeClr val="accent1">
+                <a:shade val="50000"/>
+              </a:schemeClr>
+            </a:lnRef>
+            <a:fillRef idx="1">
+              <a:schemeClr val="accent1"/>
+            </a:fillRef>
+            <a:effectRef idx="0">
+              <a:schemeClr val="accent1"/>
+            </a:effectRef>
+            <a:fontRef idx="minor">
+              <a:schemeClr val="lt1"/>
+            </a:fontRef>
+          </p:style>
+          <p:txBody>
+            <a:bodyPr rtlCol="0" anchor="ctr"/>
+            <a:lstStyle/>
+            <a:p>
+              <a:pPr algn="ctr"/>
+              <a:endParaRPr kumimoji="1" lang="zh-CN" altLang="en-US">
+                <a:solidFill>
+                  <a:schemeClr val="tx1"/>
+                </a:solidFill>
+              </a:endParaRPr>
+            </a:p>
+          </p:txBody>
+        </p:sp>
+        <p:sp>
+          <p:nvSpPr>
+            <p:cNvPr id="26" name="矩形 25">
+              <a:extLst>
+                <a:ext uri="{FF2B5EF4-FFF2-40B4-BE49-F238E27FC236}">
+                  <a16:creationId xmlns:a16="http://schemas.microsoft.com/office/drawing/2014/main" id="{42EBBC95-4A6C-9B48-8526-F1F3785F3276}"/>
+                </a:ext>
+              </a:extLst>
+            </p:cNvPr>
+            <p:cNvSpPr/>
+            <p:nvPr/>
+          </p:nvSpPr>
+          <p:spPr>
+            <a:xfrm>
+              <a:off x="9000105" y="2491346"/>
+              <a:ext cx="522514" cy="380011"/>
+            </a:xfrm>
+            <a:prstGeom prst="rect">
+              <a:avLst/>
+            </a:prstGeom>
+            <a:noFill/>
+            <a:ln>
+              <a:solidFill>
+                <a:schemeClr val="tx1"/>
+              </a:solidFill>
+            </a:ln>
+            <a:sp3d/>
+          </p:spPr>
+          <p:style>
+            <a:lnRef idx="2">
+              <a:schemeClr val="accent1">
+                <a:shade val="50000"/>
+              </a:schemeClr>
+            </a:lnRef>
+            <a:fillRef idx="1">
+              <a:schemeClr val="accent1"/>
+            </a:fillRef>
+            <a:effectRef idx="0">
+              <a:schemeClr val="accent1"/>
+            </a:effectRef>
+            <a:fontRef idx="minor">
+              <a:schemeClr val="lt1"/>
+            </a:fontRef>
+          </p:style>
+          <p:txBody>
+            <a:bodyPr rtlCol="0" anchor="ctr"/>
+            <a:lstStyle/>
+            <a:p>
+              <a:pPr algn="ctr"/>
+              <a:endParaRPr kumimoji="1" lang="zh-CN" altLang="en-US">
+                <a:solidFill>
+                  <a:schemeClr val="tx1"/>
+                </a:solidFill>
+              </a:endParaRPr>
+            </a:p>
+          </p:txBody>
+        </p:sp>
+        <p:sp>
+          <p:nvSpPr>
+            <p:cNvPr id="27" name="矩形 26">
+              <a:extLst>
+                <a:ext uri="{FF2B5EF4-FFF2-40B4-BE49-F238E27FC236}">
+                  <a16:creationId xmlns:a16="http://schemas.microsoft.com/office/drawing/2014/main" id="{65C503EE-5877-FD46-8C84-8FA05D7577F5}"/>
+                </a:ext>
+              </a:extLst>
+            </p:cNvPr>
+            <p:cNvSpPr/>
+            <p:nvPr/>
+          </p:nvSpPr>
+          <p:spPr>
+            <a:xfrm>
+              <a:off x="9522619" y="2491345"/>
+              <a:ext cx="522514" cy="380011"/>
+            </a:xfrm>
+            <a:prstGeom prst="rect">
+              <a:avLst/>
+            </a:prstGeom>
+            <a:noFill/>
+            <a:ln>
+              <a:solidFill>
+                <a:schemeClr val="tx1"/>
+              </a:solidFill>
+            </a:ln>
+            <a:sp3d/>
+          </p:spPr>
+          <p:style>
+            <a:lnRef idx="2">
+              <a:schemeClr val="accent1">
+                <a:shade val="50000"/>
+              </a:schemeClr>
+            </a:lnRef>
+            <a:fillRef idx="1">
+              <a:schemeClr val="accent1"/>
+            </a:fillRef>
+            <a:effectRef idx="0">
+              <a:schemeClr val="accent1"/>
+            </a:effectRef>
+            <a:fontRef idx="minor">
+              <a:schemeClr val="lt1"/>
+            </a:fontRef>
+          </p:style>
+          <p:txBody>
+            <a:bodyPr rtlCol="0" anchor="ctr"/>
+            <a:lstStyle/>
+            <a:p>
+              <a:pPr algn="ctr"/>
+              <a:endParaRPr kumimoji="1" lang="zh-CN" altLang="en-US">
+                <a:solidFill>
+                  <a:schemeClr val="tx1"/>
+                </a:solidFill>
+              </a:endParaRPr>
+            </a:p>
+          </p:txBody>
+        </p:sp>
+        <p:sp>
+          <p:nvSpPr>
+            <p:cNvPr id="28" name="矩形 27">
+              <a:extLst>
+                <a:ext uri="{FF2B5EF4-FFF2-40B4-BE49-F238E27FC236}">
+                  <a16:creationId xmlns:a16="http://schemas.microsoft.com/office/drawing/2014/main" id="{FCAFDE3A-EC0B-AC40-B071-D4EC566A6074}"/>
+                </a:ext>
+              </a:extLst>
+            </p:cNvPr>
+            <p:cNvSpPr/>
+            <p:nvPr/>
+          </p:nvSpPr>
+          <p:spPr>
+            <a:xfrm>
+              <a:off x="7955077" y="2871356"/>
+              <a:ext cx="522514" cy="380011"/>
+            </a:xfrm>
+            <a:prstGeom prst="rect">
+              <a:avLst/>
+            </a:prstGeom>
+            <a:noFill/>
+            <a:ln>
+              <a:solidFill>
+                <a:schemeClr val="tx1"/>
+              </a:solidFill>
+            </a:ln>
+            <a:sp3d/>
+          </p:spPr>
+          <p:style>
+            <a:lnRef idx="2">
+              <a:schemeClr val="accent1">
+                <a:shade val="50000"/>
+              </a:schemeClr>
+            </a:lnRef>
+            <a:fillRef idx="1">
+              <a:schemeClr val="accent1"/>
+            </a:fillRef>
+            <a:effectRef idx="0">
+              <a:schemeClr val="accent1"/>
+            </a:effectRef>
+            <a:fontRef idx="minor">
+              <a:schemeClr val="lt1"/>
+            </a:fontRef>
+          </p:style>
+          <p:txBody>
+            <a:bodyPr rtlCol="0" anchor="ctr"/>
+            <a:lstStyle/>
+            <a:p>
+              <a:pPr algn="ctr"/>
+              <a:endParaRPr kumimoji="1" lang="zh-CN" altLang="en-US">
+                <a:solidFill>
+                  <a:schemeClr val="tx1"/>
+                </a:solidFill>
+              </a:endParaRPr>
+            </a:p>
+          </p:txBody>
+        </p:sp>
+        <p:sp>
+          <p:nvSpPr>
+            <p:cNvPr id="29" name="矩形 28">
+              <a:extLst>
+                <a:ext uri="{FF2B5EF4-FFF2-40B4-BE49-F238E27FC236}">
+                  <a16:creationId xmlns:a16="http://schemas.microsoft.com/office/drawing/2014/main" id="{B0C5A90B-6508-2540-AEDD-74F0CC35474F}"/>
+                </a:ext>
+              </a:extLst>
+            </p:cNvPr>
+            <p:cNvSpPr/>
+            <p:nvPr/>
+          </p:nvSpPr>
+          <p:spPr>
+            <a:xfrm>
+              <a:off x="8477591" y="2871356"/>
+              <a:ext cx="522514" cy="380011"/>
+            </a:xfrm>
+            <a:prstGeom prst="rect">
+              <a:avLst/>
+            </a:prstGeom>
+            <a:noFill/>
+            <a:ln>
+              <a:solidFill>
+                <a:schemeClr val="tx1"/>
+              </a:solidFill>
+            </a:ln>
+            <a:sp3d/>
+          </p:spPr>
+          <p:style>
+            <a:lnRef idx="2">
+              <a:schemeClr val="accent1">
+                <a:shade val="50000"/>
+              </a:schemeClr>
+            </a:lnRef>
+            <a:fillRef idx="1">
+              <a:schemeClr val="accent1"/>
+            </a:fillRef>
+            <a:effectRef idx="0">
+              <a:schemeClr val="accent1"/>
+            </a:effectRef>
+            <a:fontRef idx="minor">
+              <a:schemeClr val="lt1"/>
+            </a:fontRef>
+          </p:style>
+          <p:txBody>
+            <a:bodyPr rtlCol="0" anchor="ctr"/>
+            <a:lstStyle/>
+            <a:p>
+              <a:pPr algn="ctr"/>
+              <a:endParaRPr kumimoji="1" lang="zh-CN" altLang="en-US">
+                <a:solidFill>
+                  <a:schemeClr val="tx1"/>
+                </a:solidFill>
+              </a:endParaRPr>
+            </a:p>
+          </p:txBody>
+        </p:sp>
+        <p:sp>
+          <p:nvSpPr>
+            <p:cNvPr id="30" name="矩形 29">
+              <a:extLst>
+                <a:ext uri="{FF2B5EF4-FFF2-40B4-BE49-F238E27FC236}">
+                  <a16:creationId xmlns:a16="http://schemas.microsoft.com/office/drawing/2014/main" id="{EF21760B-B24A-524D-91CA-2DB3DD450C79}"/>
+                </a:ext>
+              </a:extLst>
+            </p:cNvPr>
+            <p:cNvSpPr/>
+            <p:nvPr/>
+          </p:nvSpPr>
+          <p:spPr>
+            <a:xfrm>
+              <a:off x="9000105" y="2871356"/>
+              <a:ext cx="522514" cy="380011"/>
+            </a:xfrm>
+            <a:prstGeom prst="rect">
+              <a:avLst/>
+            </a:prstGeom>
+            <a:noFill/>
+            <a:ln>
+              <a:solidFill>
+                <a:schemeClr val="tx1"/>
+              </a:solidFill>
+            </a:ln>
+            <a:sp3d/>
+          </p:spPr>
+          <p:style>
+            <a:lnRef idx="2">
+              <a:schemeClr val="accent1">
+                <a:shade val="50000"/>
+              </a:schemeClr>
+            </a:lnRef>
+            <a:fillRef idx="1">
+              <a:schemeClr val="accent1"/>
+            </a:fillRef>
+            <a:effectRef idx="0">
+              <a:schemeClr val="accent1"/>
+            </a:effectRef>
+            <a:fontRef idx="minor">
+              <a:schemeClr val="lt1"/>
+            </a:fontRef>
+          </p:style>
+          <p:txBody>
+            <a:bodyPr rtlCol="0" anchor="ctr"/>
+            <a:lstStyle/>
+            <a:p>
+              <a:pPr algn="ctr"/>
+              <a:endParaRPr kumimoji="1" lang="zh-CN" altLang="en-US">
+                <a:solidFill>
+                  <a:schemeClr val="tx1"/>
+                </a:solidFill>
+              </a:endParaRPr>
+            </a:p>
+          </p:txBody>
+        </p:sp>
+        <p:sp>
+          <p:nvSpPr>
+            <p:cNvPr id="31" name="矩形 30">
+              <a:extLst>
+                <a:ext uri="{FF2B5EF4-FFF2-40B4-BE49-F238E27FC236}">
+                  <a16:creationId xmlns:a16="http://schemas.microsoft.com/office/drawing/2014/main" id="{3BE0B5A5-2162-884D-BEF3-E8161F1A2FBD}"/>
+                </a:ext>
+              </a:extLst>
+            </p:cNvPr>
+            <p:cNvSpPr/>
+            <p:nvPr/>
+          </p:nvSpPr>
+          <p:spPr>
+            <a:xfrm>
+              <a:off x="9522619" y="2871355"/>
+              <a:ext cx="522514" cy="380011"/>
+            </a:xfrm>
+            <a:prstGeom prst="rect">
+              <a:avLst/>
+            </a:prstGeom>
+            <a:noFill/>
+            <a:ln>
+              <a:solidFill>
+                <a:schemeClr val="tx1"/>
+              </a:solidFill>
+            </a:ln>
+            <a:sp3d/>
+          </p:spPr>
+          <p:style>
+            <a:lnRef idx="2">
+              <a:schemeClr val="accent1">
+                <a:shade val="50000"/>
+              </a:schemeClr>
+            </a:lnRef>
+            <a:fillRef idx="1">
+              <a:schemeClr val="accent1"/>
+            </a:fillRef>
+            <a:effectRef idx="0">
+              <a:schemeClr val="accent1"/>
+            </a:effectRef>
+            <a:fontRef idx="minor">
+              <a:schemeClr val="lt1"/>
+            </a:fontRef>
+          </p:style>
+          <p:txBody>
+            <a:bodyPr rtlCol="0" anchor="ctr"/>
+            <a:lstStyle/>
+            <a:p>
+              <a:pPr algn="ctr"/>
+              <a:endParaRPr kumimoji="1" lang="zh-CN" altLang="en-US">
+                <a:solidFill>
+                  <a:schemeClr val="tx1"/>
+                </a:solidFill>
+              </a:endParaRPr>
+            </a:p>
+          </p:txBody>
+        </p:sp>
+        <p:sp>
+          <p:nvSpPr>
+            <p:cNvPr id="32" name="矩形 31">
+              <a:extLst>
+                <a:ext uri="{FF2B5EF4-FFF2-40B4-BE49-F238E27FC236}">
+                  <a16:creationId xmlns:a16="http://schemas.microsoft.com/office/drawing/2014/main" id="{02526E3F-6A0E-8C4F-A987-5BD81BBCB9C0}"/>
+                </a:ext>
+              </a:extLst>
+            </p:cNvPr>
+            <p:cNvSpPr/>
+            <p:nvPr/>
+          </p:nvSpPr>
+          <p:spPr>
+            <a:xfrm>
+              <a:off x="7955077" y="3251367"/>
+              <a:ext cx="522514" cy="380011"/>
+            </a:xfrm>
+            <a:prstGeom prst="rect">
+              <a:avLst/>
+            </a:prstGeom>
+            <a:noFill/>
+            <a:ln>
+              <a:solidFill>
+                <a:schemeClr val="tx1"/>
+              </a:solidFill>
+            </a:ln>
+            <a:sp3d/>
+          </p:spPr>
+          <p:style>
+            <a:lnRef idx="2">
+              <a:schemeClr val="accent1">
+                <a:shade val="50000"/>
+              </a:schemeClr>
+            </a:lnRef>
+            <a:fillRef idx="1">
+              <a:schemeClr val="accent1"/>
+            </a:fillRef>
+            <a:effectRef idx="0">
+              <a:schemeClr val="accent1"/>
+            </a:effectRef>
+            <a:fontRef idx="minor">
+              <a:schemeClr val="lt1"/>
+            </a:fontRef>
+          </p:style>
+          <p:txBody>
+            <a:bodyPr rtlCol="0" anchor="ctr"/>
+            <a:lstStyle/>
+            <a:p>
+              <a:pPr algn="ctr"/>
+              <a:endParaRPr kumimoji="1" lang="zh-CN" altLang="en-US">
+                <a:solidFill>
+                  <a:schemeClr val="tx1"/>
+                </a:solidFill>
+              </a:endParaRPr>
+            </a:p>
+          </p:txBody>
+        </p:sp>
+        <p:sp>
+          <p:nvSpPr>
+            <p:cNvPr id="33" name="矩形 32">
+              <a:extLst>
+                <a:ext uri="{FF2B5EF4-FFF2-40B4-BE49-F238E27FC236}">
+                  <a16:creationId xmlns:a16="http://schemas.microsoft.com/office/drawing/2014/main" id="{306AF994-4439-1942-93E2-319AF0BFC495}"/>
+                </a:ext>
+              </a:extLst>
+            </p:cNvPr>
+            <p:cNvSpPr/>
+            <p:nvPr/>
+          </p:nvSpPr>
+          <p:spPr>
+            <a:xfrm>
+              <a:off x="8477591" y="3251367"/>
+              <a:ext cx="522514" cy="380011"/>
+            </a:xfrm>
+            <a:prstGeom prst="rect">
+              <a:avLst/>
+            </a:prstGeom>
+            <a:noFill/>
+            <a:ln>
+              <a:solidFill>
+                <a:schemeClr val="tx1"/>
+              </a:solidFill>
+            </a:ln>
+            <a:sp3d/>
+          </p:spPr>
+          <p:style>
+            <a:lnRef idx="2">
+              <a:schemeClr val="accent1">
+                <a:shade val="50000"/>
+              </a:schemeClr>
+            </a:lnRef>
+            <a:fillRef idx="1">
+              <a:schemeClr val="accent1"/>
+            </a:fillRef>
+            <a:effectRef idx="0">
+              <a:schemeClr val="accent1"/>
+            </a:effectRef>
+            <a:fontRef idx="minor">
+              <a:schemeClr val="lt1"/>
+            </a:fontRef>
+          </p:style>
+          <p:txBody>
+            <a:bodyPr rtlCol="0" anchor="ctr"/>
+            <a:lstStyle/>
+            <a:p>
+              <a:pPr algn="ctr"/>
+              <a:endParaRPr kumimoji="1" lang="zh-CN" altLang="en-US">
+                <a:solidFill>
+                  <a:schemeClr val="tx1"/>
+                </a:solidFill>
+              </a:endParaRPr>
+            </a:p>
+          </p:txBody>
+        </p:sp>
+        <p:sp>
+          <p:nvSpPr>
+            <p:cNvPr id="34" name="矩形 33">
+              <a:extLst>
+                <a:ext uri="{FF2B5EF4-FFF2-40B4-BE49-F238E27FC236}">
+                  <a16:creationId xmlns:a16="http://schemas.microsoft.com/office/drawing/2014/main" id="{1B19D868-5F65-7747-8649-3DCD50A55B29}"/>
+                </a:ext>
+              </a:extLst>
+            </p:cNvPr>
+            <p:cNvSpPr/>
+            <p:nvPr/>
+          </p:nvSpPr>
+          <p:spPr>
+            <a:xfrm>
+              <a:off x="9000105" y="3251367"/>
+              <a:ext cx="522514" cy="380011"/>
+            </a:xfrm>
+            <a:prstGeom prst="rect">
+              <a:avLst/>
+            </a:prstGeom>
+            <a:noFill/>
+            <a:ln>
+              <a:solidFill>
+                <a:schemeClr val="tx1"/>
+              </a:solidFill>
+            </a:ln>
+            <a:sp3d/>
+          </p:spPr>
+          <p:style>
+            <a:lnRef idx="2">
+              <a:schemeClr val="accent1">
+                <a:shade val="50000"/>
+              </a:schemeClr>
+            </a:lnRef>
+            <a:fillRef idx="1">
+              <a:schemeClr val="accent1"/>
+            </a:fillRef>
+            <a:effectRef idx="0">
+              <a:schemeClr val="accent1"/>
+            </a:effectRef>
+            <a:fontRef idx="minor">
+              <a:schemeClr val="lt1"/>
+            </a:fontRef>
+          </p:style>
+          <p:txBody>
+            <a:bodyPr rtlCol="0" anchor="ctr"/>
+            <a:lstStyle/>
+            <a:p>
+              <a:pPr algn="ctr"/>
+              <a:endParaRPr kumimoji="1" lang="zh-CN" altLang="en-US">
+                <a:solidFill>
+                  <a:schemeClr val="tx1"/>
+                </a:solidFill>
+              </a:endParaRPr>
+            </a:p>
+          </p:txBody>
+        </p:sp>
+        <p:sp>
+          <p:nvSpPr>
+            <p:cNvPr id="35" name="矩形 34">
+              <a:extLst>
+                <a:ext uri="{FF2B5EF4-FFF2-40B4-BE49-F238E27FC236}">
+                  <a16:creationId xmlns:a16="http://schemas.microsoft.com/office/drawing/2014/main" id="{D2C5617E-68BC-CA44-9A42-6E2DB6E3B92E}"/>
+                </a:ext>
+              </a:extLst>
+            </p:cNvPr>
+            <p:cNvSpPr/>
+            <p:nvPr/>
+          </p:nvSpPr>
+          <p:spPr>
+            <a:xfrm>
+              <a:off x="9522619" y="3251366"/>
+              <a:ext cx="522514" cy="380011"/>
+            </a:xfrm>
+            <a:prstGeom prst="rect">
+              <a:avLst/>
+            </a:prstGeom>
+            <a:noFill/>
+            <a:ln>
+              <a:solidFill>
+                <a:schemeClr val="tx1"/>
+              </a:solidFill>
+            </a:ln>
+            <a:sp3d/>
+          </p:spPr>
+          <p:style>
+            <a:lnRef idx="2">
+              <a:schemeClr val="accent1">
+                <a:shade val="50000"/>
+              </a:schemeClr>
+            </a:lnRef>
+            <a:fillRef idx="1">
+              <a:schemeClr val="accent1"/>
+            </a:fillRef>
+            <a:effectRef idx="0">
+              <a:schemeClr val="accent1"/>
+            </a:effectRef>
+            <a:fontRef idx="minor">
+              <a:schemeClr val="lt1"/>
+            </a:fontRef>
+          </p:style>
+          <p:txBody>
+            <a:bodyPr rtlCol="0" anchor="ctr"/>
+            <a:lstStyle/>
+            <a:p>
+              <a:pPr algn="ctr"/>
+              <a:endParaRPr kumimoji="1" lang="zh-CN" altLang="en-US">
+                <a:solidFill>
+                  <a:schemeClr val="tx1"/>
+                </a:solidFill>
+              </a:endParaRPr>
+            </a:p>
+          </p:txBody>
+        </p:sp>
+        <p:sp>
+          <p:nvSpPr>
+            <p:cNvPr id="36" name="矩形 35">
+              <a:extLst>
+                <a:ext uri="{FF2B5EF4-FFF2-40B4-BE49-F238E27FC236}">
+                  <a16:creationId xmlns:a16="http://schemas.microsoft.com/office/drawing/2014/main" id="{F589A4CF-F9EF-8246-9B30-D2ECBEA0AC8C}"/>
+                </a:ext>
+              </a:extLst>
+            </p:cNvPr>
+            <p:cNvSpPr/>
+            <p:nvPr/>
+          </p:nvSpPr>
+          <p:spPr>
+            <a:xfrm>
+              <a:off x="7955077" y="3631377"/>
+              <a:ext cx="522514" cy="380011"/>
+            </a:xfrm>
+            <a:prstGeom prst="rect">
+              <a:avLst/>
+            </a:prstGeom>
+            <a:noFill/>
+            <a:ln>
+              <a:solidFill>
+                <a:schemeClr val="tx1"/>
+              </a:solidFill>
+            </a:ln>
+            <a:sp3d/>
+          </p:spPr>
+          <p:style>
+            <a:lnRef idx="2">
+              <a:schemeClr val="accent1">
+                <a:shade val="50000"/>
+              </a:schemeClr>
+            </a:lnRef>
+            <a:fillRef idx="1">
+              <a:schemeClr val="accent1"/>
+            </a:fillRef>
+            <a:effectRef idx="0">
+              <a:schemeClr val="accent1"/>
+            </a:effectRef>
+            <a:fontRef idx="minor">
+              <a:schemeClr val="lt1"/>
+            </a:fontRef>
+          </p:style>
+          <p:txBody>
+            <a:bodyPr rtlCol="0" anchor="ctr"/>
+            <a:lstStyle/>
+            <a:p>
+              <a:pPr algn="ctr"/>
+              <a:endParaRPr kumimoji="1" lang="zh-CN" altLang="en-US">
+                <a:solidFill>
+                  <a:schemeClr val="tx1"/>
+                </a:solidFill>
+              </a:endParaRPr>
+            </a:p>
+          </p:txBody>
+        </p:sp>
+        <p:sp>
+          <p:nvSpPr>
+            <p:cNvPr id="37" name="矩形 36">
+              <a:extLst>
+                <a:ext uri="{FF2B5EF4-FFF2-40B4-BE49-F238E27FC236}">
+                  <a16:creationId xmlns:a16="http://schemas.microsoft.com/office/drawing/2014/main" id="{B586070F-2B26-D046-B38B-473081BA0B01}"/>
+                </a:ext>
+              </a:extLst>
+            </p:cNvPr>
+            <p:cNvSpPr/>
+            <p:nvPr/>
+          </p:nvSpPr>
+          <p:spPr>
+            <a:xfrm>
+              <a:off x="8477591" y="3631377"/>
+              <a:ext cx="522514" cy="380011"/>
+            </a:xfrm>
+            <a:prstGeom prst="rect">
+              <a:avLst/>
+            </a:prstGeom>
+            <a:noFill/>
+            <a:ln>
+              <a:solidFill>
+                <a:schemeClr val="tx1"/>
+              </a:solidFill>
+            </a:ln>
+            <a:sp3d/>
+          </p:spPr>
+          <p:style>
+            <a:lnRef idx="2">
+              <a:schemeClr val="accent1">
+                <a:shade val="50000"/>
+              </a:schemeClr>
+            </a:lnRef>
+            <a:fillRef idx="1">
+              <a:schemeClr val="accent1"/>
+            </a:fillRef>
+            <a:effectRef idx="0">
+              <a:schemeClr val="accent1"/>
+            </a:effectRef>
+            <a:fontRef idx="minor">
+              <a:schemeClr val="lt1"/>
+            </a:fontRef>
+          </p:style>
+          <p:txBody>
+            <a:bodyPr rtlCol="0" anchor="ctr"/>
+            <a:lstStyle/>
+            <a:p>
+              <a:pPr algn="ctr"/>
+              <a:endParaRPr kumimoji="1" lang="zh-CN" altLang="en-US">
+                <a:solidFill>
+                  <a:schemeClr val="tx1"/>
+                </a:solidFill>
+              </a:endParaRPr>
+            </a:p>
+          </p:txBody>
+        </p:sp>
+        <p:sp>
+          <p:nvSpPr>
+            <p:cNvPr id="41" name="矩形 40">
+              <a:extLst>
+                <a:ext uri="{FF2B5EF4-FFF2-40B4-BE49-F238E27FC236}">
+                  <a16:creationId xmlns:a16="http://schemas.microsoft.com/office/drawing/2014/main" id="{1B62522D-55A1-CE4E-937E-505B7A0E51BF}"/>
+                </a:ext>
+              </a:extLst>
+            </p:cNvPr>
+            <p:cNvSpPr/>
+            <p:nvPr/>
+          </p:nvSpPr>
+          <p:spPr>
+            <a:xfrm>
+              <a:off x="9000105" y="3631377"/>
+              <a:ext cx="522514" cy="380011"/>
+            </a:xfrm>
+            <a:prstGeom prst="rect">
+              <a:avLst/>
+            </a:prstGeom>
+            <a:noFill/>
+            <a:ln>
+              <a:solidFill>
+                <a:schemeClr val="tx1"/>
+              </a:solidFill>
+            </a:ln>
+            <a:sp3d/>
+          </p:spPr>
+          <p:style>
+            <a:lnRef idx="2">
+              <a:schemeClr val="accent1">
+                <a:shade val="50000"/>
+              </a:schemeClr>
+            </a:lnRef>
+            <a:fillRef idx="1">
+              <a:schemeClr val="accent1"/>
+            </a:fillRef>
+            <a:effectRef idx="0">
+              <a:schemeClr val="accent1"/>
+            </a:effectRef>
+            <a:fontRef idx="minor">
+              <a:schemeClr val="lt1"/>
+            </a:fontRef>
+          </p:style>
+          <p:txBody>
+            <a:bodyPr rtlCol="0" anchor="ctr"/>
+            <a:lstStyle/>
+            <a:p>
+              <a:pPr algn="ctr"/>
+              <a:endParaRPr kumimoji="1" lang="zh-CN" altLang="en-US">
+                <a:solidFill>
+                  <a:schemeClr val="tx1"/>
+                </a:solidFill>
+              </a:endParaRPr>
+            </a:p>
+          </p:txBody>
+        </p:sp>
+        <p:sp>
+          <p:nvSpPr>
+            <p:cNvPr id="42" name="矩形 41">
+              <a:extLst>
+                <a:ext uri="{FF2B5EF4-FFF2-40B4-BE49-F238E27FC236}">
+                  <a16:creationId xmlns:a16="http://schemas.microsoft.com/office/drawing/2014/main" id="{675500F8-9A95-844B-8316-D7B87F72A1ED}"/>
+                </a:ext>
+              </a:extLst>
+            </p:cNvPr>
+            <p:cNvSpPr/>
+            <p:nvPr/>
+          </p:nvSpPr>
+          <p:spPr>
+            <a:xfrm>
+              <a:off x="9522619" y="3631376"/>
+              <a:ext cx="522514" cy="380011"/>
+            </a:xfrm>
+            <a:prstGeom prst="rect">
+              <a:avLst/>
+            </a:prstGeom>
+            <a:noFill/>
+            <a:ln>
+              <a:solidFill>
+                <a:schemeClr val="tx1"/>
+              </a:solidFill>
+            </a:ln>
+            <a:sp3d/>
+          </p:spPr>
+          <p:style>
+            <a:lnRef idx="2">
+              <a:schemeClr val="accent1">
+                <a:shade val="50000"/>
+              </a:schemeClr>
+            </a:lnRef>
+            <a:fillRef idx="1">
+              <a:schemeClr val="accent1"/>
+            </a:fillRef>
+            <a:effectRef idx="0">
+              <a:schemeClr val="accent1"/>
+            </a:effectRef>
+            <a:fontRef idx="minor">
+              <a:schemeClr val="lt1"/>
+            </a:fontRef>
+          </p:style>
+          <p:txBody>
+            <a:bodyPr rtlCol="0" anchor="ctr"/>
+            <a:lstStyle/>
+            <a:p>
+              <a:pPr algn="ctr"/>
+              <a:endParaRPr kumimoji="1" lang="zh-CN" altLang="en-US">
+                <a:solidFill>
+                  <a:schemeClr val="tx1"/>
+                </a:solidFill>
+              </a:endParaRPr>
+            </a:p>
+          </p:txBody>
+        </p:sp>
+        <p:sp>
+          <p:nvSpPr>
+            <p:cNvPr id="76" name="矩形 75">
+              <a:extLst>
+                <a:ext uri="{FF2B5EF4-FFF2-40B4-BE49-F238E27FC236}">
+                  <a16:creationId xmlns:a16="http://schemas.microsoft.com/office/drawing/2014/main" id="{DCFCE5FC-6F18-AD40-9D45-26F060026936}"/>
+                </a:ext>
+              </a:extLst>
+            </p:cNvPr>
+            <p:cNvSpPr/>
+            <p:nvPr/>
+          </p:nvSpPr>
+          <p:spPr>
+            <a:xfrm>
+              <a:off x="10045133" y="971305"/>
+              <a:ext cx="522514" cy="380011"/>
+            </a:xfrm>
+            <a:prstGeom prst="rect">
+              <a:avLst/>
+            </a:prstGeom>
+            <a:noFill/>
+            <a:ln>
+              <a:solidFill>
+                <a:schemeClr val="tx1"/>
+              </a:solidFill>
+            </a:ln>
+            <a:sp3d/>
+          </p:spPr>
+          <p:style>
+            <a:lnRef idx="2">
+              <a:schemeClr val="accent1">
+                <a:shade val="50000"/>
+              </a:schemeClr>
+            </a:lnRef>
+            <a:fillRef idx="1">
+              <a:schemeClr val="accent1"/>
+            </a:fillRef>
+            <a:effectRef idx="0">
+              <a:schemeClr val="accent1"/>
+            </a:effectRef>
+            <a:fontRef idx="minor">
+              <a:schemeClr val="lt1"/>
+            </a:fontRef>
+          </p:style>
+          <p:txBody>
+            <a:bodyPr rtlCol="0" anchor="ctr"/>
+            <a:lstStyle/>
+            <a:p>
+              <a:pPr algn="ctr"/>
+              <a:endParaRPr kumimoji="1" lang="zh-CN" altLang="en-US">
+                <a:solidFill>
+                  <a:schemeClr val="tx1"/>
+                </a:solidFill>
+              </a:endParaRPr>
+            </a:p>
+          </p:txBody>
+        </p:sp>
+        <p:sp>
+          <p:nvSpPr>
+            <p:cNvPr id="77" name="矩形 76">
+              <a:extLst>
+                <a:ext uri="{FF2B5EF4-FFF2-40B4-BE49-F238E27FC236}">
+                  <a16:creationId xmlns:a16="http://schemas.microsoft.com/office/drawing/2014/main" id="{E253D073-77CB-6441-99F3-0E00CCAC9500}"/>
+                </a:ext>
+              </a:extLst>
+            </p:cNvPr>
+            <p:cNvSpPr/>
+            <p:nvPr/>
+          </p:nvSpPr>
+          <p:spPr>
+            <a:xfrm>
+              <a:off x="10567647" y="971305"/>
+              <a:ext cx="522514" cy="380011"/>
+            </a:xfrm>
+            <a:prstGeom prst="rect">
+              <a:avLst/>
+            </a:prstGeom>
+            <a:noFill/>
+            <a:ln>
+              <a:solidFill>
+                <a:schemeClr val="tx1"/>
+              </a:solidFill>
+            </a:ln>
+            <a:sp3d/>
+          </p:spPr>
+          <p:style>
+            <a:lnRef idx="2">
+              <a:schemeClr val="accent1">
+                <a:shade val="50000"/>
+              </a:schemeClr>
+            </a:lnRef>
+            <a:fillRef idx="1">
+              <a:schemeClr val="accent1"/>
+            </a:fillRef>
+            <a:effectRef idx="0">
+              <a:schemeClr val="accent1"/>
+            </a:effectRef>
+            <a:fontRef idx="minor">
+              <a:schemeClr val="lt1"/>
+            </a:fontRef>
+          </p:style>
+          <p:txBody>
+            <a:bodyPr rtlCol="0" anchor="ctr"/>
+            <a:lstStyle/>
+            <a:p>
+              <a:pPr algn="ctr"/>
+              <a:endParaRPr kumimoji="1" lang="zh-CN" altLang="en-US">
+                <a:solidFill>
+                  <a:schemeClr val="tx1"/>
+                </a:solidFill>
+              </a:endParaRPr>
+            </a:p>
+          </p:txBody>
+        </p:sp>
+        <p:sp>
+          <p:nvSpPr>
+            <p:cNvPr id="78" name="矩形 77">
+              <a:extLst>
+                <a:ext uri="{FF2B5EF4-FFF2-40B4-BE49-F238E27FC236}">
+                  <a16:creationId xmlns:a16="http://schemas.microsoft.com/office/drawing/2014/main" id="{24A92FED-A948-6040-8102-D1A5DC9F0EE8}"/>
+                </a:ext>
+              </a:extLst>
+            </p:cNvPr>
+            <p:cNvSpPr/>
+            <p:nvPr/>
+          </p:nvSpPr>
+          <p:spPr>
+            <a:xfrm>
+              <a:off x="11090161" y="971305"/>
+              <a:ext cx="522514" cy="380011"/>
+            </a:xfrm>
+            <a:prstGeom prst="rect">
+              <a:avLst/>
+            </a:prstGeom>
+            <a:noFill/>
+            <a:ln>
+              <a:solidFill>
+                <a:schemeClr val="tx1"/>
+              </a:solidFill>
+            </a:ln>
+            <a:sp3d/>
+          </p:spPr>
+          <p:style>
+            <a:lnRef idx="2">
+              <a:schemeClr val="accent1">
+                <a:shade val="50000"/>
+              </a:schemeClr>
+            </a:lnRef>
+            <a:fillRef idx="1">
+              <a:schemeClr val="accent1"/>
+            </a:fillRef>
+            <a:effectRef idx="0">
+              <a:schemeClr val="accent1"/>
+            </a:effectRef>
+            <a:fontRef idx="minor">
+              <a:schemeClr val="lt1"/>
+            </a:fontRef>
+          </p:style>
+          <p:txBody>
+            <a:bodyPr rtlCol="0" anchor="ctr"/>
+            <a:lstStyle/>
+            <a:p>
+              <a:pPr algn="ctr"/>
+              <a:endParaRPr kumimoji="1" lang="zh-CN" altLang="en-US">
+                <a:solidFill>
+                  <a:schemeClr val="tx1"/>
+                </a:solidFill>
+              </a:endParaRPr>
+            </a:p>
+          </p:txBody>
+        </p:sp>
+        <p:sp>
+          <p:nvSpPr>
+            <p:cNvPr id="79" name="矩形 78">
+              <a:extLst>
+                <a:ext uri="{FF2B5EF4-FFF2-40B4-BE49-F238E27FC236}">
+                  <a16:creationId xmlns:a16="http://schemas.microsoft.com/office/drawing/2014/main" id="{914D4A1B-60A8-1B43-979C-D8D83585EBD4}"/>
+                </a:ext>
+              </a:extLst>
+            </p:cNvPr>
+            <p:cNvSpPr/>
+            <p:nvPr/>
+          </p:nvSpPr>
+          <p:spPr>
+            <a:xfrm>
+              <a:off x="11612675" y="971304"/>
+              <a:ext cx="522514" cy="380011"/>
+            </a:xfrm>
+            <a:prstGeom prst="rect">
+              <a:avLst/>
+            </a:prstGeom>
+            <a:noFill/>
+            <a:ln>
+              <a:solidFill>
+                <a:schemeClr val="tx1"/>
+              </a:solidFill>
+            </a:ln>
+            <a:sp3d/>
+          </p:spPr>
+          <p:style>
+            <a:lnRef idx="2">
+              <a:schemeClr val="accent1">
+                <a:shade val="50000"/>
+              </a:schemeClr>
+            </a:lnRef>
+            <a:fillRef idx="1">
+              <a:schemeClr val="accent1"/>
+            </a:fillRef>
+            <a:effectRef idx="0">
+              <a:schemeClr val="accent1"/>
+            </a:effectRef>
+            <a:fontRef idx="minor">
+              <a:schemeClr val="lt1"/>
+            </a:fontRef>
+          </p:style>
+          <p:txBody>
+            <a:bodyPr rtlCol="0" anchor="ctr"/>
+            <a:lstStyle/>
+            <a:p>
+              <a:pPr algn="ctr"/>
+              <a:endParaRPr kumimoji="1" lang="zh-CN" altLang="en-US">
+                <a:solidFill>
+                  <a:schemeClr val="tx1"/>
+                </a:solidFill>
+              </a:endParaRPr>
+            </a:p>
+          </p:txBody>
+        </p:sp>
+        <p:sp>
+          <p:nvSpPr>
+            <p:cNvPr id="80" name="矩形 79">
+              <a:extLst>
+                <a:ext uri="{FF2B5EF4-FFF2-40B4-BE49-F238E27FC236}">
+                  <a16:creationId xmlns:a16="http://schemas.microsoft.com/office/drawing/2014/main" id="{B7B0B258-3851-B345-9130-4E43F4495101}"/>
+                </a:ext>
+              </a:extLst>
+            </p:cNvPr>
+            <p:cNvSpPr/>
+            <p:nvPr/>
+          </p:nvSpPr>
+          <p:spPr>
+            <a:xfrm>
+              <a:off x="10045133" y="1351315"/>
+              <a:ext cx="522514" cy="380011"/>
+            </a:xfrm>
+            <a:prstGeom prst="rect">
+              <a:avLst/>
+            </a:prstGeom>
+            <a:noFill/>
+            <a:ln>
+              <a:solidFill>
+                <a:schemeClr val="tx1"/>
+              </a:solidFill>
+            </a:ln>
+            <a:sp3d/>
+          </p:spPr>
+          <p:style>
+            <a:lnRef idx="2">
+              <a:schemeClr val="accent1">
+                <a:shade val="50000"/>
+              </a:schemeClr>
+            </a:lnRef>
+            <a:fillRef idx="1">
+              <a:schemeClr val="accent1"/>
+            </a:fillRef>
+            <a:effectRef idx="0">
+              <a:schemeClr val="accent1"/>
+            </a:effectRef>
+            <a:fontRef idx="minor">
+              <a:schemeClr val="lt1"/>
+            </a:fontRef>
+          </p:style>
+          <p:txBody>
+            <a:bodyPr rtlCol="0" anchor="ctr"/>
+            <a:lstStyle/>
+            <a:p>
+              <a:pPr algn="ctr"/>
+              <a:endParaRPr kumimoji="1" lang="zh-CN" altLang="en-US">
+                <a:solidFill>
+                  <a:schemeClr val="tx1"/>
+                </a:solidFill>
+              </a:endParaRPr>
+            </a:p>
+          </p:txBody>
+        </p:sp>
+        <p:sp>
+          <p:nvSpPr>
+            <p:cNvPr id="81" name="矩形 80">
+              <a:extLst>
+                <a:ext uri="{FF2B5EF4-FFF2-40B4-BE49-F238E27FC236}">
+                  <a16:creationId xmlns:a16="http://schemas.microsoft.com/office/drawing/2014/main" id="{DBD9AB04-9591-134B-A2C9-61A4DB669B15}"/>
+                </a:ext>
+              </a:extLst>
+            </p:cNvPr>
+            <p:cNvSpPr/>
+            <p:nvPr/>
+          </p:nvSpPr>
+          <p:spPr>
+            <a:xfrm>
+              <a:off x="10567647" y="1351315"/>
+              <a:ext cx="522514" cy="380011"/>
+            </a:xfrm>
+            <a:prstGeom prst="rect">
+              <a:avLst/>
+            </a:prstGeom>
+            <a:noFill/>
+            <a:ln>
+              <a:solidFill>
+                <a:schemeClr val="tx1"/>
+              </a:solidFill>
+            </a:ln>
+            <a:sp3d/>
+          </p:spPr>
+          <p:style>
+            <a:lnRef idx="2">
+              <a:schemeClr val="accent1">
+                <a:shade val="50000"/>
+              </a:schemeClr>
+            </a:lnRef>
+            <a:fillRef idx="1">
+              <a:schemeClr val="accent1"/>
+            </a:fillRef>
+            <a:effectRef idx="0">
+              <a:schemeClr val="accent1"/>
+            </a:effectRef>
+            <a:fontRef idx="minor">
+              <a:schemeClr val="lt1"/>
+            </a:fontRef>
+          </p:style>
+          <p:txBody>
+            <a:bodyPr rtlCol="0" anchor="ctr"/>
+            <a:lstStyle/>
+            <a:p>
+              <a:pPr algn="ctr"/>
+              <a:endParaRPr kumimoji="1" lang="zh-CN" altLang="en-US">
+                <a:solidFill>
+                  <a:schemeClr val="tx1"/>
+                </a:solidFill>
+              </a:endParaRPr>
+            </a:p>
+          </p:txBody>
+        </p:sp>
+        <p:sp>
+          <p:nvSpPr>
+            <p:cNvPr id="82" name="矩形 81">
+              <a:extLst>
+                <a:ext uri="{FF2B5EF4-FFF2-40B4-BE49-F238E27FC236}">
+                  <a16:creationId xmlns:a16="http://schemas.microsoft.com/office/drawing/2014/main" id="{A05108E7-9274-784E-B701-9ACDD405591F}"/>
+                </a:ext>
+              </a:extLst>
+            </p:cNvPr>
+            <p:cNvSpPr/>
+            <p:nvPr/>
+          </p:nvSpPr>
+          <p:spPr>
+            <a:xfrm>
+              <a:off x="11090161" y="1351315"/>
+              <a:ext cx="522514" cy="380011"/>
+            </a:xfrm>
+            <a:prstGeom prst="rect">
+              <a:avLst/>
+            </a:prstGeom>
+            <a:noFill/>
+            <a:ln>
+              <a:solidFill>
+                <a:schemeClr val="tx1"/>
+              </a:solidFill>
+            </a:ln>
+            <a:sp3d/>
+          </p:spPr>
+          <p:style>
+            <a:lnRef idx="2">
+              <a:schemeClr val="accent1">
+                <a:shade val="50000"/>
+              </a:schemeClr>
+            </a:lnRef>
+            <a:fillRef idx="1">
+              <a:schemeClr val="accent1"/>
+            </a:fillRef>
+            <a:effectRef idx="0">
+              <a:schemeClr val="accent1"/>
+            </a:effectRef>
+            <a:fontRef idx="minor">
+              <a:schemeClr val="lt1"/>
+            </a:fontRef>
+          </p:style>
+          <p:txBody>
+            <a:bodyPr rtlCol="0" anchor="ctr"/>
+            <a:lstStyle/>
+            <a:p>
+              <a:pPr algn="ctr"/>
+              <a:endParaRPr kumimoji="1" lang="zh-CN" altLang="en-US">
+                <a:solidFill>
+                  <a:schemeClr val="tx1"/>
+                </a:solidFill>
+              </a:endParaRPr>
+            </a:p>
+          </p:txBody>
+        </p:sp>
+        <p:sp>
+          <p:nvSpPr>
+            <p:cNvPr id="83" name="矩形 82">
+              <a:extLst>
+                <a:ext uri="{FF2B5EF4-FFF2-40B4-BE49-F238E27FC236}">
+                  <a16:creationId xmlns:a16="http://schemas.microsoft.com/office/drawing/2014/main" id="{C0E364F0-C741-9A42-B33B-907E1CB805B5}"/>
+                </a:ext>
+              </a:extLst>
+            </p:cNvPr>
+            <p:cNvSpPr/>
+            <p:nvPr/>
+          </p:nvSpPr>
+          <p:spPr>
+            <a:xfrm>
+              <a:off x="11612675" y="1351314"/>
+              <a:ext cx="522514" cy="380011"/>
+            </a:xfrm>
+            <a:prstGeom prst="rect">
+              <a:avLst/>
+            </a:prstGeom>
+            <a:noFill/>
+            <a:ln>
+              <a:solidFill>
+                <a:schemeClr val="tx1"/>
+              </a:solidFill>
+            </a:ln>
+            <a:sp3d/>
+          </p:spPr>
+          <p:style>
+            <a:lnRef idx="2">
+              <a:schemeClr val="accent1">
+                <a:shade val="50000"/>
+              </a:schemeClr>
+            </a:lnRef>
+            <a:fillRef idx="1">
+              <a:schemeClr val="accent1"/>
+            </a:fillRef>
+            <a:effectRef idx="0">
+              <a:schemeClr val="accent1"/>
+            </a:effectRef>
+            <a:fontRef idx="minor">
+              <a:schemeClr val="lt1"/>
+            </a:fontRef>
+          </p:style>
+          <p:txBody>
+            <a:bodyPr rtlCol="0" anchor="ctr"/>
+            <a:lstStyle/>
+            <a:p>
+              <a:pPr algn="ctr"/>
+              <a:endParaRPr kumimoji="1" lang="zh-CN" altLang="en-US">
+                <a:solidFill>
+                  <a:schemeClr val="tx1"/>
+                </a:solidFill>
+              </a:endParaRPr>
+            </a:p>
+          </p:txBody>
+        </p:sp>
+        <p:sp>
+          <p:nvSpPr>
+            <p:cNvPr id="84" name="矩形 83">
+              <a:extLst>
+                <a:ext uri="{FF2B5EF4-FFF2-40B4-BE49-F238E27FC236}">
+                  <a16:creationId xmlns:a16="http://schemas.microsoft.com/office/drawing/2014/main" id="{9040B015-2462-E142-BD3C-C2F6615A2FEE}"/>
+                </a:ext>
+              </a:extLst>
+            </p:cNvPr>
+            <p:cNvSpPr/>
+            <p:nvPr/>
+          </p:nvSpPr>
+          <p:spPr>
+            <a:xfrm>
+              <a:off x="10045133" y="1731326"/>
+              <a:ext cx="522514" cy="380011"/>
+            </a:xfrm>
+            <a:prstGeom prst="rect">
+              <a:avLst/>
+            </a:prstGeom>
+            <a:noFill/>
+            <a:ln>
+              <a:solidFill>
+                <a:schemeClr val="tx1"/>
+              </a:solidFill>
+            </a:ln>
+            <a:sp3d/>
+          </p:spPr>
+          <p:style>
+            <a:lnRef idx="2">
+              <a:schemeClr val="accent1">
+                <a:shade val="50000"/>
+              </a:schemeClr>
+            </a:lnRef>
+            <a:fillRef idx="1">
+              <a:schemeClr val="accent1"/>
+            </a:fillRef>
+            <a:effectRef idx="0">
+              <a:schemeClr val="accent1"/>
+            </a:effectRef>
+            <a:fontRef idx="minor">
+              <a:schemeClr val="lt1"/>
+            </a:fontRef>
+          </p:style>
+          <p:txBody>
+            <a:bodyPr rtlCol="0" anchor="ctr"/>
+            <a:lstStyle/>
+            <a:p>
+              <a:pPr algn="ctr"/>
+              <a:endParaRPr kumimoji="1" lang="zh-CN" altLang="en-US">
+                <a:solidFill>
+                  <a:schemeClr val="tx1"/>
+                </a:solidFill>
+              </a:endParaRPr>
+            </a:p>
+          </p:txBody>
+        </p:sp>
+        <p:sp>
+          <p:nvSpPr>
+            <p:cNvPr id="85" name="矩形 84">
+              <a:extLst>
+                <a:ext uri="{FF2B5EF4-FFF2-40B4-BE49-F238E27FC236}">
+                  <a16:creationId xmlns:a16="http://schemas.microsoft.com/office/drawing/2014/main" id="{91E0B784-A553-244D-AD0F-3057613C2E67}"/>
+                </a:ext>
+              </a:extLst>
+            </p:cNvPr>
+            <p:cNvSpPr/>
+            <p:nvPr/>
+          </p:nvSpPr>
+          <p:spPr>
+            <a:xfrm>
+              <a:off x="10567647" y="1731326"/>
+              <a:ext cx="522514" cy="380011"/>
+            </a:xfrm>
+            <a:prstGeom prst="rect">
+              <a:avLst/>
+            </a:prstGeom>
+            <a:noFill/>
+            <a:ln>
+              <a:solidFill>
+                <a:schemeClr val="tx1"/>
+              </a:solidFill>
+            </a:ln>
+            <a:sp3d/>
+          </p:spPr>
+          <p:style>
+            <a:lnRef idx="2">
+              <a:schemeClr val="accent1">
+                <a:shade val="50000"/>
+              </a:schemeClr>
+            </a:lnRef>
+            <a:fillRef idx="1">
+              <a:schemeClr val="accent1"/>
+            </a:fillRef>
+            <a:effectRef idx="0">
+              <a:schemeClr val="accent1"/>
+            </a:effectRef>
+            <a:fontRef idx="minor">
+              <a:schemeClr val="lt1"/>
+            </a:fontRef>
+          </p:style>
+          <p:txBody>
+            <a:bodyPr rtlCol="0" anchor="ctr"/>
+            <a:lstStyle/>
+            <a:p>
+              <a:pPr algn="ctr"/>
+              <a:endParaRPr kumimoji="1" lang="zh-CN" altLang="en-US">
+                <a:solidFill>
+                  <a:schemeClr val="tx1"/>
+                </a:solidFill>
+              </a:endParaRPr>
+            </a:p>
+          </p:txBody>
+        </p:sp>
+        <p:sp>
+          <p:nvSpPr>
+            <p:cNvPr id="86" name="矩形 85">
+              <a:extLst>
+                <a:ext uri="{FF2B5EF4-FFF2-40B4-BE49-F238E27FC236}">
+                  <a16:creationId xmlns:a16="http://schemas.microsoft.com/office/drawing/2014/main" id="{E04A0317-1C9E-254A-9AC0-4EE48D970B45}"/>
+                </a:ext>
+              </a:extLst>
+            </p:cNvPr>
+            <p:cNvSpPr/>
+            <p:nvPr/>
+          </p:nvSpPr>
+          <p:spPr>
+            <a:xfrm>
+              <a:off x="11090161" y="1731326"/>
+              <a:ext cx="522514" cy="380011"/>
+            </a:xfrm>
+            <a:prstGeom prst="rect">
+              <a:avLst/>
+            </a:prstGeom>
+            <a:noFill/>
+            <a:ln>
+              <a:solidFill>
+                <a:schemeClr val="tx1"/>
+              </a:solidFill>
+            </a:ln>
+            <a:sp3d/>
+          </p:spPr>
+          <p:style>
+            <a:lnRef idx="2">
+              <a:schemeClr val="accent1">
+                <a:shade val="50000"/>
+              </a:schemeClr>
+            </a:lnRef>
+            <a:fillRef idx="1">
+              <a:schemeClr val="accent1"/>
+            </a:fillRef>
+            <a:effectRef idx="0">
+              <a:schemeClr val="accent1"/>
+            </a:effectRef>
+            <a:fontRef idx="minor">
+              <a:schemeClr val="lt1"/>
+            </a:fontRef>
+          </p:style>
+          <p:txBody>
+            <a:bodyPr rtlCol="0" anchor="ctr"/>
+            <a:lstStyle/>
+            <a:p>
+              <a:pPr algn="ctr"/>
+              <a:endParaRPr kumimoji="1" lang="zh-CN" altLang="en-US">
+                <a:solidFill>
+                  <a:schemeClr val="tx1"/>
+                </a:solidFill>
+              </a:endParaRPr>
+            </a:p>
+          </p:txBody>
+        </p:sp>
+        <p:sp>
+          <p:nvSpPr>
+            <p:cNvPr id="87" name="矩形 86">
+              <a:extLst>
+                <a:ext uri="{FF2B5EF4-FFF2-40B4-BE49-F238E27FC236}">
+                  <a16:creationId xmlns:a16="http://schemas.microsoft.com/office/drawing/2014/main" id="{96F84B2E-8810-814E-B040-08EE8C8C51E9}"/>
+                </a:ext>
+              </a:extLst>
+            </p:cNvPr>
+            <p:cNvSpPr/>
+            <p:nvPr/>
+          </p:nvSpPr>
+          <p:spPr>
+            <a:xfrm>
+              <a:off x="11612675" y="1731325"/>
+              <a:ext cx="522514" cy="380011"/>
+            </a:xfrm>
+            <a:prstGeom prst="rect">
+              <a:avLst/>
+            </a:prstGeom>
+            <a:noFill/>
+            <a:ln>
+              <a:solidFill>
+                <a:schemeClr val="tx1"/>
+              </a:solidFill>
+            </a:ln>
+            <a:sp3d/>
+          </p:spPr>
+          <p:style>
+            <a:lnRef idx="2">
+              <a:schemeClr val="accent1">
+                <a:shade val="50000"/>
+              </a:schemeClr>
+            </a:lnRef>
+            <a:fillRef idx="1">
+              <a:schemeClr val="accent1"/>
+            </a:fillRef>
+            <a:effectRef idx="0">
+              <a:schemeClr val="accent1"/>
+            </a:effectRef>
+            <a:fontRef idx="minor">
+              <a:schemeClr val="lt1"/>
+            </a:fontRef>
+          </p:style>
+          <p:txBody>
+            <a:bodyPr rtlCol="0" anchor="ctr"/>
+            <a:lstStyle/>
+            <a:p>
+              <a:pPr algn="ctr"/>
+              <a:endParaRPr kumimoji="1" lang="zh-CN" altLang="en-US">
+                <a:solidFill>
+                  <a:schemeClr val="tx1"/>
+                </a:solidFill>
+              </a:endParaRPr>
+            </a:p>
+          </p:txBody>
+        </p:sp>
+        <p:sp>
+          <p:nvSpPr>
+            <p:cNvPr id="88" name="矩形 87">
+              <a:extLst>
+                <a:ext uri="{FF2B5EF4-FFF2-40B4-BE49-F238E27FC236}">
+                  <a16:creationId xmlns:a16="http://schemas.microsoft.com/office/drawing/2014/main" id="{39354DAE-3150-914A-8DC5-12B0BFBB70CA}"/>
+                </a:ext>
+              </a:extLst>
+            </p:cNvPr>
+            <p:cNvSpPr/>
+            <p:nvPr/>
+          </p:nvSpPr>
+          <p:spPr>
+            <a:xfrm>
+              <a:off x="10045133" y="2111336"/>
+              <a:ext cx="522514" cy="380011"/>
+            </a:xfrm>
+            <a:prstGeom prst="rect">
+              <a:avLst/>
+            </a:prstGeom>
+            <a:noFill/>
+            <a:ln>
+              <a:solidFill>
+                <a:schemeClr val="tx1"/>
+              </a:solidFill>
+            </a:ln>
+            <a:sp3d/>
+          </p:spPr>
+          <p:style>
+            <a:lnRef idx="2">
+              <a:schemeClr val="accent1">
+                <a:shade val="50000"/>
+              </a:schemeClr>
+            </a:lnRef>
+            <a:fillRef idx="1">
+              <a:schemeClr val="accent1"/>
+            </a:fillRef>
+            <a:effectRef idx="0">
+              <a:schemeClr val="accent1"/>
+            </a:effectRef>
+            <a:fontRef idx="minor">
+              <a:schemeClr val="lt1"/>
+            </a:fontRef>
+          </p:style>
+          <p:txBody>
+            <a:bodyPr rtlCol="0" anchor="ctr"/>
+            <a:lstStyle/>
+            <a:p>
+              <a:pPr algn="ctr"/>
+              <a:endParaRPr kumimoji="1" lang="zh-CN" altLang="en-US">
+                <a:solidFill>
+                  <a:schemeClr val="tx1"/>
+                </a:solidFill>
+              </a:endParaRPr>
+            </a:p>
+          </p:txBody>
+        </p:sp>
+        <p:sp>
+          <p:nvSpPr>
+            <p:cNvPr id="89" name="矩形 88">
+              <a:extLst>
+                <a:ext uri="{FF2B5EF4-FFF2-40B4-BE49-F238E27FC236}">
+                  <a16:creationId xmlns:a16="http://schemas.microsoft.com/office/drawing/2014/main" id="{2E229BBA-C4CB-EE43-8C78-A1249F0F1CA5}"/>
+                </a:ext>
+              </a:extLst>
+            </p:cNvPr>
+            <p:cNvSpPr/>
+            <p:nvPr/>
+          </p:nvSpPr>
+          <p:spPr>
+            <a:xfrm>
+              <a:off x="10567647" y="2111336"/>
+              <a:ext cx="522514" cy="380011"/>
+            </a:xfrm>
+            <a:prstGeom prst="rect">
+              <a:avLst/>
+            </a:prstGeom>
+            <a:noFill/>
+            <a:ln>
+              <a:solidFill>
+                <a:schemeClr val="tx1"/>
+              </a:solidFill>
+            </a:ln>
+            <a:sp3d/>
+          </p:spPr>
+          <p:style>
+            <a:lnRef idx="2">
+              <a:schemeClr val="accent1">
+                <a:shade val="50000"/>
+              </a:schemeClr>
+            </a:lnRef>
+            <a:fillRef idx="1">
+              <a:schemeClr val="accent1"/>
+            </a:fillRef>
+            <a:effectRef idx="0">
+              <a:schemeClr val="accent1"/>
+            </a:effectRef>
+            <a:fontRef idx="minor">
+              <a:schemeClr val="lt1"/>
+            </a:fontRef>
+          </p:style>
+          <p:txBody>
+            <a:bodyPr rtlCol="0" anchor="ctr"/>
+            <a:lstStyle/>
+            <a:p>
+              <a:pPr algn="ctr"/>
+              <a:endParaRPr kumimoji="1" lang="zh-CN" altLang="en-US">
+                <a:solidFill>
+                  <a:schemeClr val="tx1"/>
+                </a:solidFill>
+              </a:endParaRPr>
+            </a:p>
+          </p:txBody>
+        </p:sp>
+        <p:sp>
+          <p:nvSpPr>
+            <p:cNvPr id="90" name="矩形 89">
+              <a:extLst>
+                <a:ext uri="{FF2B5EF4-FFF2-40B4-BE49-F238E27FC236}">
+                  <a16:creationId xmlns:a16="http://schemas.microsoft.com/office/drawing/2014/main" id="{8CF46B37-21C5-7147-B916-0BEF828AE677}"/>
+                </a:ext>
+              </a:extLst>
+            </p:cNvPr>
+            <p:cNvSpPr/>
+            <p:nvPr/>
+          </p:nvSpPr>
+          <p:spPr>
+            <a:xfrm>
+              <a:off x="11090161" y="2111336"/>
+              <a:ext cx="522514" cy="380011"/>
+            </a:xfrm>
+            <a:prstGeom prst="rect">
+              <a:avLst/>
+            </a:prstGeom>
+            <a:noFill/>
+            <a:ln>
+              <a:solidFill>
+                <a:schemeClr val="tx1"/>
+              </a:solidFill>
+            </a:ln>
+            <a:sp3d/>
+          </p:spPr>
+          <p:style>
+            <a:lnRef idx="2">
+              <a:schemeClr val="accent1">
+                <a:shade val="50000"/>
+              </a:schemeClr>
+            </a:lnRef>
+            <a:fillRef idx="1">
+              <a:schemeClr val="accent1"/>
+            </a:fillRef>
+            <a:effectRef idx="0">
+              <a:schemeClr val="accent1"/>
+            </a:effectRef>
+            <a:fontRef idx="minor">
+              <a:schemeClr val="lt1"/>
+            </a:fontRef>
+          </p:style>
+          <p:txBody>
+            <a:bodyPr rtlCol="0" anchor="ctr"/>
+            <a:lstStyle/>
+            <a:p>
+              <a:pPr algn="ctr"/>
+              <a:endParaRPr kumimoji="1" lang="zh-CN" altLang="en-US">
+                <a:solidFill>
+                  <a:schemeClr val="tx1"/>
+                </a:solidFill>
+              </a:endParaRPr>
+            </a:p>
+          </p:txBody>
+        </p:sp>
+        <p:sp>
+          <p:nvSpPr>
+            <p:cNvPr id="91" name="矩形 90">
+              <a:extLst>
+                <a:ext uri="{FF2B5EF4-FFF2-40B4-BE49-F238E27FC236}">
+                  <a16:creationId xmlns:a16="http://schemas.microsoft.com/office/drawing/2014/main" id="{1569C88E-E1A4-414A-9867-2674B0542F8B}"/>
+                </a:ext>
+              </a:extLst>
+            </p:cNvPr>
+            <p:cNvSpPr/>
+            <p:nvPr/>
+          </p:nvSpPr>
+          <p:spPr>
+            <a:xfrm>
+              <a:off x="11612675" y="2111335"/>
+              <a:ext cx="522514" cy="380011"/>
+            </a:xfrm>
+            <a:prstGeom prst="rect">
+              <a:avLst/>
+            </a:prstGeom>
+            <a:noFill/>
+            <a:ln>
+              <a:solidFill>
+                <a:schemeClr val="tx1"/>
+              </a:solidFill>
+            </a:ln>
+            <a:sp3d/>
+          </p:spPr>
+          <p:style>
+            <a:lnRef idx="2">
+              <a:schemeClr val="accent1">
+                <a:shade val="50000"/>
+              </a:schemeClr>
+            </a:lnRef>
+            <a:fillRef idx="1">
+              <a:schemeClr val="accent1"/>
+            </a:fillRef>
+            <a:effectRef idx="0">
+              <a:schemeClr val="accent1"/>
+            </a:effectRef>
+            <a:fontRef idx="minor">
+              <a:schemeClr val="lt1"/>
+            </a:fontRef>
+          </p:style>
+          <p:txBody>
+            <a:bodyPr rtlCol="0" anchor="ctr"/>
+            <a:lstStyle/>
+            <a:p>
+              <a:pPr algn="ctr"/>
+              <a:endParaRPr kumimoji="1" lang="zh-CN" altLang="en-US">
+                <a:solidFill>
+                  <a:schemeClr val="tx1"/>
+                </a:solidFill>
+              </a:endParaRPr>
+            </a:p>
+          </p:txBody>
+        </p:sp>
+        <p:sp>
+          <p:nvSpPr>
+            <p:cNvPr id="92" name="矩形 91">
+              <a:extLst>
+                <a:ext uri="{FF2B5EF4-FFF2-40B4-BE49-F238E27FC236}">
+                  <a16:creationId xmlns:a16="http://schemas.microsoft.com/office/drawing/2014/main" id="{F01401AB-8F90-7340-B3C3-94092E250E57}"/>
+                </a:ext>
+              </a:extLst>
+            </p:cNvPr>
+            <p:cNvSpPr/>
+            <p:nvPr/>
+          </p:nvSpPr>
+          <p:spPr>
+            <a:xfrm>
+              <a:off x="10045133" y="2491346"/>
+              <a:ext cx="522514" cy="380011"/>
+            </a:xfrm>
+            <a:prstGeom prst="rect">
+              <a:avLst/>
+            </a:prstGeom>
+            <a:noFill/>
+            <a:ln>
+              <a:solidFill>
+                <a:schemeClr val="tx1"/>
+              </a:solidFill>
+            </a:ln>
+            <a:sp3d/>
+          </p:spPr>
+          <p:style>
+            <a:lnRef idx="2">
+              <a:schemeClr val="accent1">
+                <a:shade val="50000"/>
+              </a:schemeClr>
+            </a:lnRef>
+            <a:fillRef idx="1">
+              <a:schemeClr val="accent1"/>
+            </a:fillRef>
+            <a:effectRef idx="0">
+              <a:schemeClr val="accent1"/>
+            </a:effectRef>
+            <a:fontRef idx="minor">
+              <a:schemeClr val="lt1"/>
+            </a:fontRef>
+          </p:style>
+          <p:txBody>
+            <a:bodyPr rtlCol="0" anchor="ctr"/>
+            <a:lstStyle/>
+            <a:p>
+              <a:pPr algn="ctr"/>
+              <a:endParaRPr kumimoji="1" lang="zh-CN" altLang="en-US">
+                <a:solidFill>
+                  <a:schemeClr val="tx1"/>
+                </a:solidFill>
+              </a:endParaRPr>
+            </a:p>
+          </p:txBody>
+        </p:sp>
+        <p:sp>
+          <p:nvSpPr>
+            <p:cNvPr id="93" name="矩形 92">
+              <a:extLst>
+                <a:ext uri="{FF2B5EF4-FFF2-40B4-BE49-F238E27FC236}">
+                  <a16:creationId xmlns:a16="http://schemas.microsoft.com/office/drawing/2014/main" id="{F6BA4471-7158-E04B-878A-D1587C8F9EC9}"/>
+                </a:ext>
+              </a:extLst>
+            </p:cNvPr>
+            <p:cNvSpPr/>
+            <p:nvPr/>
+          </p:nvSpPr>
+          <p:spPr>
+            <a:xfrm>
+              <a:off x="10567647" y="2491346"/>
+              <a:ext cx="522514" cy="380011"/>
+            </a:xfrm>
+            <a:prstGeom prst="rect">
+              <a:avLst/>
+            </a:prstGeom>
+            <a:noFill/>
+            <a:ln>
+              <a:solidFill>
+                <a:schemeClr val="tx1"/>
+              </a:solidFill>
+            </a:ln>
+            <a:sp3d/>
+          </p:spPr>
+          <p:style>
+            <a:lnRef idx="2">
+              <a:schemeClr val="accent1">
+                <a:shade val="50000"/>
+              </a:schemeClr>
+            </a:lnRef>
+            <a:fillRef idx="1">
+              <a:schemeClr val="accent1"/>
+            </a:fillRef>
+            <a:effectRef idx="0">
+              <a:schemeClr val="accent1"/>
+            </a:effectRef>
+            <a:fontRef idx="minor">
+              <a:schemeClr val="lt1"/>
+            </a:fontRef>
+          </p:style>
+          <p:txBody>
+            <a:bodyPr rtlCol="0" anchor="ctr"/>
+            <a:lstStyle/>
+            <a:p>
+              <a:pPr algn="ctr"/>
+              <a:endParaRPr kumimoji="1" lang="zh-CN" altLang="en-US">
+                <a:solidFill>
+                  <a:schemeClr val="tx1"/>
+                </a:solidFill>
+              </a:endParaRPr>
+            </a:p>
+          </p:txBody>
+        </p:sp>
+        <p:sp>
+          <p:nvSpPr>
+            <p:cNvPr id="94" name="矩形 93">
+              <a:extLst>
+                <a:ext uri="{FF2B5EF4-FFF2-40B4-BE49-F238E27FC236}">
+                  <a16:creationId xmlns:a16="http://schemas.microsoft.com/office/drawing/2014/main" id="{D785C45F-FEF0-A34F-A2C3-1DD470821528}"/>
+                </a:ext>
+              </a:extLst>
+            </p:cNvPr>
+            <p:cNvSpPr/>
+            <p:nvPr/>
+          </p:nvSpPr>
+          <p:spPr>
+            <a:xfrm>
+              <a:off x="11090161" y="2491346"/>
+              <a:ext cx="522514" cy="380011"/>
+            </a:xfrm>
+            <a:prstGeom prst="rect">
+              <a:avLst/>
+            </a:prstGeom>
+            <a:noFill/>
+            <a:ln>
+              <a:solidFill>
+                <a:schemeClr val="tx1"/>
+              </a:solidFill>
+            </a:ln>
+            <a:sp3d/>
+          </p:spPr>
+          <p:style>
+            <a:lnRef idx="2">
+              <a:schemeClr val="accent1">
+                <a:shade val="50000"/>
+              </a:schemeClr>
+            </a:lnRef>
+            <a:fillRef idx="1">
+              <a:schemeClr val="accent1"/>
+            </a:fillRef>
+            <a:effectRef idx="0">
+              <a:schemeClr val="accent1"/>
+            </a:effectRef>
+            <a:fontRef idx="minor">
+              <a:schemeClr val="lt1"/>
+            </a:fontRef>
+          </p:style>
+          <p:txBody>
+            <a:bodyPr rtlCol="0" anchor="ctr"/>
+            <a:lstStyle/>
+            <a:p>
+              <a:pPr algn="ctr"/>
+              <a:endParaRPr kumimoji="1" lang="zh-CN" altLang="en-US">
+                <a:solidFill>
+                  <a:schemeClr val="tx1"/>
+                </a:solidFill>
+              </a:endParaRPr>
+            </a:p>
+          </p:txBody>
+        </p:sp>
+        <p:sp>
+          <p:nvSpPr>
+            <p:cNvPr id="95" name="矩形 94">
+              <a:extLst>
+                <a:ext uri="{FF2B5EF4-FFF2-40B4-BE49-F238E27FC236}">
+                  <a16:creationId xmlns:a16="http://schemas.microsoft.com/office/drawing/2014/main" id="{BEF69C44-5F1F-E444-80E2-5269DA4770B8}"/>
+                </a:ext>
+              </a:extLst>
+            </p:cNvPr>
+            <p:cNvSpPr/>
+            <p:nvPr/>
+          </p:nvSpPr>
+          <p:spPr>
+            <a:xfrm>
+              <a:off x="11612675" y="2491345"/>
+              <a:ext cx="522514" cy="380011"/>
+            </a:xfrm>
+            <a:prstGeom prst="rect">
+              <a:avLst/>
+            </a:prstGeom>
+            <a:noFill/>
+            <a:ln>
+              <a:solidFill>
+                <a:schemeClr val="tx1"/>
+              </a:solidFill>
+            </a:ln>
+            <a:sp3d/>
+          </p:spPr>
+          <p:style>
+            <a:lnRef idx="2">
+              <a:schemeClr val="accent1">
+                <a:shade val="50000"/>
+              </a:schemeClr>
+            </a:lnRef>
+            <a:fillRef idx="1">
+              <a:schemeClr val="accent1"/>
+            </a:fillRef>
+            <a:effectRef idx="0">
+              <a:schemeClr val="accent1"/>
+            </a:effectRef>
+            <a:fontRef idx="minor">
+              <a:schemeClr val="lt1"/>
+            </a:fontRef>
+          </p:style>
+          <p:txBody>
+            <a:bodyPr rtlCol="0" anchor="ctr"/>
+            <a:lstStyle/>
+            <a:p>
+              <a:pPr algn="ctr"/>
+              <a:endParaRPr kumimoji="1" lang="zh-CN" altLang="en-US">
+                <a:solidFill>
+                  <a:schemeClr val="tx1"/>
+                </a:solidFill>
+              </a:endParaRPr>
+            </a:p>
+          </p:txBody>
+        </p:sp>
+        <p:sp>
+          <p:nvSpPr>
+            <p:cNvPr id="96" name="矩形 95">
+              <a:extLst>
+                <a:ext uri="{FF2B5EF4-FFF2-40B4-BE49-F238E27FC236}">
+                  <a16:creationId xmlns:a16="http://schemas.microsoft.com/office/drawing/2014/main" id="{40BDC9B6-5938-2547-8FF9-16B123DB37A2}"/>
+                </a:ext>
+              </a:extLst>
+            </p:cNvPr>
+            <p:cNvSpPr/>
+            <p:nvPr/>
+          </p:nvSpPr>
+          <p:spPr>
+            <a:xfrm>
+              <a:off x="10045133" y="2871356"/>
+              <a:ext cx="522514" cy="380011"/>
+            </a:xfrm>
+            <a:prstGeom prst="rect">
+              <a:avLst/>
+            </a:prstGeom>
+            <a:noFill/>
+            <a:ln>
+              <a:solidFill>
+                <a:schemeClr val="tx1"/>
+              </a:solidFill>
+            </a:ln>
+            <a:sp3d/>
+          </p:spPr>
+          <p:style>
+            <a:lnRef idx="2">
+              <a:schemeClr val="accent1">
+                <a:shade val="50000"/>
+              </a:schemeClr>
+            </a:lnRef>
+            <a:fillRef idx="1">
+              <a:schemeClr val="accent1"/>
+            </a:fillRef>
+            <a:effectRef idx="0">
+              <a:schemeClr val="accent1"/>
+            </a:effectRef>
+            <a:fontRef idx="minor">
+              <a:schemeClr val="lt1"/>
+            </a:fontRef>
+          </p:style>
+          <p:txBody>
+            <a:bodyPr rtlCol="0" anchor="ctr"/>
+            <a:lstStyle/>
+            <a:p>
+              <a:pPr algn="ctr"/>
+              <a:endParaRPr kumimoji="1" lang="zh-CN" altLang="en-US">
+                <a:solidFill>
+                  <a:schemeClr val="tx1"/>
+                </a:solidFill>
+              </a:endParaRPr>
+            </a:p>
+          </p:txBody>
+        </p:sp>
+        <p:sp>
+          <p:nvSpPr>
+            <p:cNvPr id="97" name="矩形 96">
+              <a:extLst>
+                <a:ext uri="{FF2B5EF4-FFF2-40B4-BE49-F238E27FC236}">
+                  <a16:creationId xmlns:a16="http://schemas.microsoft.com/office/drawing/2014/main" id="{DAB4C374-AB2D-7648-A9B5-BCDC836363B8}"/>
+                </a:ext>
+              </a:extLst>
+            </p:cNvPr>
+            <p:cNvSpPr/>
+            <p:nvPr/>
+          </p:nvSpPr>
+          <p:spPr>
+            <a:xfrm>
+              <a:off x="10567647" y="2871356"/>
+              <a:ext cx="522514" cy="380011"/>
+            </a:xfrm>
+            <a:prstGeom prst="rect">
+              <a:avLst/>
+            </a:prstGeom>
+            <a:noFill/>
+            <a:ln>
+              <a:solidFill>
+                <a:schemeClr val="tx1"/>
+              </a:solidFill>
+            </a:ln>
+            <a:sp3d/>
+          </p:spPr>
+          <p:style>
+            <a:lnRef idx="2">
+              <a:schemeClr val="accent1">
+                <a:shade val="50000"/>
+              </a:schemeClr>
+            </a:lnRef>
+            <a:fillRef idx="1">
+              <a:schemeClr val="accent1"/>
+            </a:fillRef>
+            <a:effectRef idx="0">
+              <a:schemeClr val="accent1"/>
+            </a:effectRef>
+            <a:fontRef idx="minor">
+              <a:schemeClr val="lt1"/>
+            </a:fontRef>
+          </p:style>
+          <p:txBody>
+            <a:bodyPr rtlCol="0" anchor="ctr"/>
+            <a:lstStyle/>
+            <a:p>
+              <a:pPr algn="ctr"/>
+              <a:endParaRPr kumimoji="1" lang="zh-CN" altLang="en-US">
+                <a:solidFill>
+                  <a:schemeClr val="tx1"/>
+                </a:solidFill>
+              </a:endParaRPr>
+            </a:p>
+          </p:txBody>
+        </p:sp>
+        <p:sp>
+          <p:nvSpPr>
+            <p:cNvPr id="98" name="矩形 97">
+              <a:extLst>
+                <a:ext uri="{FF2B5EF4-FFF2-40B4-BE49-F238E27FC236}">
+                  <a16:creationId xmlns:a16="http://schemas.microsoft.com/office/drawing/2014/main" id="{EC95EDB4-28C8-E24D-93EB-F81C1484817A}"/>
+                </a:ext>
+              </a:extLst>
+            </p:cNvPr>
+            <p:cNvSpPr/>
+            <p:nvPr/>
+          </p:nvSpPr>
+          <p:spPr>
+            <a:xfrm>
+              <a:off x="11090161" y="2871356"/>
+              <a:ext cx="522514" cy="380011"/>
+            </a:xfrm>
+            <a:prstGeom prst="rect">
+              <a:avLst/>
+            </a:prstGeom>
+            <a:noFill/>
+            <a:ln>
+              <a:solidFill>
+                <a:schemeClr val="tx1"/>
+              </a:solidFill>
+            </a:ln>
+            <a:sp3d/>
+          </p:spPr>
+          <p:style>
+            <a:lnRef idx="2">
+              <a:schemeClr val="accent1">
+                <a:shade val="50000"/>
+              </a:schemeClr>
+            </a:lnRef>
+            <a:fillRef idx="1">
+              <a:schemeClr val="accent1"/>
+            </a:fillRef>
+            <a:effectRef idx="0">
+              <a:schemeClr val="accent1"/>
+            </a:effectRef>
+            <a:fontRef idx="minor">
+              <a:schemeClr val="lt1"/>
+            </a:fontRef>
+          </p:style>
+          <p:txBody>
+            <a:bodyPr rtlCol="0" anchor="ctr"/>
+            <a:lstStyle/>
+            <a:p>
+              <a:pPr algn="ctr"/>
+              <a:endParaRPr kumimoji="1" lang="zh-CN" altLang="en-US">
+                <a:solidFill>
+                  <a:schemeClr val="tx1"/>
+                </a:solidFill>
+              </a:endParaRPr>
+            </a:p>
+          </p:txBody>
+        </p:sp>
+        <p:sp>
+          <p:nvSpPr>
+            <p:cNvPr id="99" name="矩形 98">
+              <a:extLst>
+                <a:ext uri="{FF2B5EF4-FFF2-40B4-BE49-F238E27FC236}">
+                  <a16:creationId xmlns:a16="http://schemas.microsoft.com/office/drawing/2014/main" id="{4F63E82D-0953-5C47-8037-B2178966CDDC}"/>
+                </a:ext>
+              </a:extLst>
+            </p:cNvPr>
+            <p:cNvSpPr/>
+            <p:nvPr/>
+          </p:nvSpPr>
+          <p:spPr>
+            <a:xfrm>
+              <a:off x="11612675" y="2871355"/>
+              <a:ext cx="522514" cy="380011"/>
+            </a:xfrm>
+            <a:prstGeom prst="rect">
+              <a:avLst/>
+            </a:prstGeom>
+            <a:noFill/>
+            <a:ln>
+              <a:solidFill>
+                <a:schemeClr val="tx1"/>
+              </a:solidFill>
+            </a:ln>
+            <a:sp3d/>
+          </p:spPr>
+          <p:style>
+            <a:lnRef idx="2">
+              <a:schemeClr val="accent1">
+                <a:shade val="50000"/>
+              </a:schemeClr>
+            </a:lnRef>
+            <a:fillRef idx="1">
+              <a:schemeClr val="accent1"/>
+            </a:fillRef>
+            <a:effectRef idx="0">
+              <a:schemeClr val="accent1"/>
+            </a:effectRef>
+            <a:fontRef idx="minor">
+              <a:schemeClr val="lt1"/>
+            </a:fontRef>
+          </p:style>
+          <p:txBody>
+            <a:bodyPr rtlCol="0" anchor="ctr"/>
+            <a:lstStyle/>
+            <a:p>
+              <a:pPr algn="ctr"/>
+              <a:endParaRPr kumimoji="1" lang="zh-CN" altLang="en-US">
+                <a:solidFill>
+                  <a:schemeClr val="tx1"/>
+                </a:solidFill>
+              </a:endParaRPr>
+            </a:p>
+          </p:txBody>
+        </p:sp>
+        <p:sp>
+          <p:nvSpPr>
+            <p:cNvPr id="100" name="矩形 99">
+              <a:extLst>
+                <a:ext uri="{FF2B5EF4-FFF2-40B4-BE49-F238E27FC236}">
+                  <a16:creationId xmlns:a16="http://schemas.microsoft.com/office/drawing/2014/main" id="{D5FF667B-71EE-DF40-9EA8-FCB7B6D48A07}"/>
+                </a:ext>
+              </a:extLst>
+            </p:cNvPr>
+            <p:cNvSpPr/>
+            <p:nvPr/>
+          </p:nvSpPr>
+          <p:spPr>
+            <a:xfrm>
+              <a:off x="10045133" y="3251367"/>
+              <a:ext cx="522514" cy="380011"/>
+            </a:xfrm>
+            <a:prstGeom prst="rect">
+              <a:avLst/>
+            </a:prstGeom>
+            <a:noFill/>
+            <a:ln>
+              <a:solidFill>
+                <a:schemeClr val="tx1"/>
+              </a:solidFill>
+            </a:ln>
+            <a:sp3d/>
+          </p:spPr>
+          <p:style>
+            <a:lnRef idx="2">
+              <a:schemeClr val="accent1">
+                <a:shade val="50000"/>
+              </a:schemeClr>
+            </a:lnRef>
+            <a:fillRef idx="1">
+              <a:schemeClr val="accent1"/>
+            </a:fillRef>
+            <a:effectRef idx="0">
+              <a:schemeClr val="accent1"/>
+            </a:effectRef>
+            <a:fontRef idx="minor">
+              <a:schemeClr val="lt1"/>
+            </a:fontRef>
+          </p:style>
+          <p:txBody>
+            <a:bodyPr rtlCol="0" anchor="ctr"/>
+            <a:lstStyle/>
+            <a:p>
+              <a:pPr algn="ctr"/>
+              <a:endParaRPr kumimoji="1" lang="zh-CN" altLang="en-US">
+                <a:solidFill>
+                  <a:schemeClr val="tx1"/>
+                </a:solidFill>
+              </a:endParaRPr>
+            </a:p>
+          </p:txBody>
+        </p:sp>
+        <p:sp>
+          <p:nvSpPr>
+            <p:cNvPr id="101" name="矩形 100">
+              <a:extLst>
+                <a:ext uri="{FF2B5EF4-FFF2-40B4-BE49-F238E27FC236}">
+                  <a16:creationId xmlns:a16="http://schemas.microsoft.com/office/drawing/2014/main" id="{14E6CEC6-8625-7B4F-88AD-EC75EDE8C16F}"/>
+                </a:ext>
+              </a:extLst>
+            </p:cNvPr>
+            <p:cNvSpPr/>
+            <p:nvPr/>
+          </p:nvSpPr>
+          <p:spPr>
+            <a:xfrm>
+              <a:off x="10567647" y="3251367"/>
+              <a:ext cx="522514" cy="380011"/>
+            </a:xfrm>
+            <a:prstGeom prst="rect">
+              <a:avLst/>
+            </a:prstGeom>
+            <a:noFill/>
+            <a:ln>
+              <a:solidFill>
+                <a:schemeClr val="tx1"/>
+              </a:solidFill>
+            </a:ln>
+            <a:sp3d/>
+          </p:spPr>
+          <p:style>
+            <a:lnRef idx="2">
+              <a:schemeClr val="accent1">
+                <a:shade val="50000"/>
+              </a:schemeClr>
+            </a:lnRef>
+            <a:fillRef idx="1">
+              <a:schemeClr val="accent1"/>
+            </a:fillRef>
+            <a:effectRef idx="0">
+              <a:schemeClr val="accent1"/>
+            </a:effectRef>
+            <a:fontRef idx="minor">
+              <a:schemeClr val="lt1"/>
+            </a:fontRef>
+          </p:style>
+          <p:txBody>
+            <a:bodyPr rtlCol="0" anchor="ctr"/>
+            <a:lstStyle/>
+            <a:p>
+              <a:pPr algn="ctr"/>
+              <a:endParaRPr kumimoji="1" lang="zh-CN" altLang="en-US">
+                <a:solidFill>
+                  <a:schemeClr val="tx1"/>
+                </a:solidFill>
+              </a:endParaRPr>
+            </a:p>
+          </p:txBody>
+        </p:sp>
+        <p:sp>
+          <p:nvSpPr>
+            <p:cNvPr id="102" name="矩形 101">
+              <a:extLst>
+                <a:ext uri="{FF2B5EF4-FFF2-40B4-BE49-F238E27FC236}">
+                  <a16:creationId xmlns:a16="http://schemas.microsoft.com/office/drawing/2014/main" id="{BE1F8F81-5715-9B43-8ADB-35AA3CF21FA4}"/>
+                </a:ext>
+              </a:extLst>
+            </p:cNvPr>
+            <p:cNvSpPr/>
+            <p:nvPr/>
+          </p:nvSpPr>
+          <p:spPr>
+            <a:xfrm>
+              <a:off x="11090161" y="3251367"/>
+              <a:ext cx="522514" cy="380011"/>
+            </a:xfrm>
+            <a:prstGeom prst="rect">
+              <a:avLst/>
+            </a:prstGeom>
+            <a:noFill/>
+            <a:ln>
+              <a:solidFill>
+                <a:schemeClr val="tx1"/>
+              </a:solidFill>
+            </a:ln>
+            <a:sp3d/>
+          </p:spPr>
+          <p:style>
+            <a:lnRef idx="2">
+              <a:schemeClr val="accent1">
+                <a:shade val="50000"/>
+              </a:schemeClr>
+            </a:lnRef>
+            <a:fillRef idx="1">
+              <a:schemeClr val="accent1"/>
+            </a:fillRef>
+            <a:effectRef idx="0">
+              <a:schemeClr val="accent1"/>
+            </a:effectRef>
+            <a:fontRef idx="minor">
+              <a:schemeClr val="lt1"/>
+            </a:fontRef>
+          </p:style>
+          <p:txBody>
+            <a:bodyPr rtlCol="0" anchor="ctr"/>
+            <a:lstStyle/>
+            <a:p>
+              <a:pPr algn="ctr"/>
+              <a:endParaRPr kumimoji="1" lang="zh-CN" altLang="en-US">
+                <a:solidFill>
+                  <a:schemeClr val="tx1"/>
+                </a:solidFill>
+              </a:endParaRPr>
+            </a:p>
+          </p:txBody>
+        </p:sp>
+        <p:sp>
+          <p:nvSpPr>
+            <p:cNvPr id="103" name="矩形 102">
+              <a:extLst>
+                <a:ext uri="{FF2B5EF4-FFF2-40B4-BE49-F238E27FC236}">
+                  <a16:creationId xmlns:a16="http://schemas.microsoft.com/office/drawing/2014/main" id="{7EA6F9FC-BA49-0042-9BA2-F515CBCA6F8E}"/>
+                </a:ext>
+              </a:extLst>
+            </p:cNvPr>
+            <p:cNvSpPr/>
+            <p:nvPr/>
+          </p:nvSpPr>
+          <p:spPr>
+            <a:xfrm>
+              <a:off x="11612675" y="3251366"/>
+              <a:ext cx="522514" cy="380011"/>
+            </a:xfrm>
+            <a:prstGeom prst="rect">
+              <a:avLst/>
+            </a:prstGeom>
+            <a:noFill/>
+            <a:ln>
+              <a:solidFill>
+                <a:schemeClr val="tx1"/>
+              </a:solidFill>
+            </a:ln>
+            <a:sp3d/>
+          </p:spPr>
+          <p:style>
+            <a:lnRef idx="2">
+              <a:schemeClr val="accent1">
+                <a:shade val="50000"/>
+              </a:schemeClr>
+            </a:lnRef>
+            <a:fillRef idx="1">
+              <a:schemeClr val="accent1"/>
+            </a:fillRef>
+            <a:effectRef idx="0">
+              <a:schemeClr val="accent1"/>
+            </a:effectRef>
+            <a:fontRef idx="minor">
+              <a:schemeClr val="lt1"/>
+            </a:fontRef>
+          </p:style>
+          <p:txBody>
+            <a:bodyPr rtlCol="0" anchor="ctr"/>
+            <a:lstStyle/>
+            <a:p>
+              <a:pPr algn="ctr"/>
+              <a:endParaRPr kumimoji="1" lang="zh-CN" altLang="en-US">
+                <a:solidFill>
+                  <a:schemeClr val="tx1"/>
+                </a:solidFill>
+              </a:endParaRPr>
+            </a:p>
+          </p:txBody>
+        </p:sp>
+        <p:sp>
+          <p:nvSpPr>
+            <p:cNvPr id="104" name="矩形 103">
+              <a:extLst>
+                <a:ext uri="{FF2B5EF4-FFF2-40B4-BE49-F238E27FC236}">
+                  <a16:creationId xmlns:a16="http://schemas.microsoft.com/office/drawing/2014/main" id="{38214376-6A92-A94B-AF35-5F3F2116FA42}"/>
+                </a:ext>
+              </a:extLst>
+            </p:cNvPr>
+            <p:cNvSpPr/>
+            <p:nvPr/>
+          </p:nvSpPr>
+          <p:spPr>
+            <a:xfrm>
+              <a:off x="10045133" y="3631377"/>
+              <a:ext cx="522514" cy="380011"/>
+            </a:xfrm>
+            <a:prstGeom prst="rect">
+              <a:avLst/>
+            </a:prstGeom>
+            <a:noFill/>
+            <a:ln>
+              <a:solidFill>
+                <a:schemeClr val="tx1"/>
+              </a:solidFill>
+            </a:ln>
+            <a:sp3d/>
+          </p:spPr>
+          <p:style>
+            <a:lnRef idx="2">
+              <a:schemeClr val="accent1">
+                <a:shade val="50000"/>
+              </a:schemeClr>
+            </a:lnRef>
+            <a:fillRef idx="1">
+              <a:schemeClr val="accent1"/>
+            </a:fillRef>
+            <a:effectRef idx="0">
+              <a:schemeClr val="accent1"/>
+            </a:effectRef>
+            <a:fontRef idx="minor">
+              <a:schemeClr val="lt1"/>
+            </a:fontRef>
+          </p:style>
+          <p:txBody>
+            <a:bodyPr rtlCol="0" anchor="ctr"/>
+            <a:lstStyle/>
+            <a:p>
+              <a:pPr algn="ctr"/>
+              <a:endParaRPr kumimoji="1" lang="zh-CN" altLang="en-US">
+                <a:solidFill>
+                  <a:schemeClr val="tx1"/>
+                </a:solidFill>
+              </a:endParaRPr>
+            </a:p>
+          </p:txBody>
+        </p:sp>
+        <p:sp>
+          <p:nvSpPr>
+            <p:cNvPr id="105" name="矩形 104">
+              <a:extLst>
+                <a:ext uri="{FF2B5EF4-FFF2-40B4-BE49-F238E27FC236}">
+                  <a16:creationId xmlns:a16="http://schemas.microsoft.com/office/drawing/2014/main" id="{5D62BAD2-74EA-4B4C-BD4D-CA52844F0E04}"/>
+                </a:ext>
+              </a:extLst>
+            </p:cNvPr>
+            <p:cNvSpPr/>
+            <p:nvPr/>
+          </p:nvSpPr>
+          <p:spPr>
+            <a:xfrm>
+              <a:off x="10567647" y="3631377"/>
+              <a:ext cx="522514" cy="380011"/>
+            </a:xfrm>
+            <a:prstGeom prst="rect">
+              <a:avLst/>
+            </a:prstGeom>
+            <a:noFill/>
+            <a:ln>
+              <a:solidFill>
+                <a:schemeClr val="tx1"/>
+              </a:solidFill>
+            </a:ln>
+            <a:sp3d/>
+          </p:spPr>
+          <p:style>
+            <a:lnRef idx="2">
+              <a:schemeClr val="accent1">
+                <a:shade val="50000"/>
+              </a:schemeClr>
+            </a:lnRef>
+            <a:fillRef idx="1">
+              <a:schemeClr val="accent1"/>
+            </a:fillRef>
+            <a:effectRef idx="0">
+              <a:schemeClr val="accent1"/>
+            </a:effectRef>
+            <a:fontRef idx="minor">
+              <a:schemeClr val="lt1"/>
+            </a:fontRef>
+          </p:style>
+          <p:txBody>
+            <a:bodyPr rtlCol="0" anchor="ctr"/>
+            <a:lstStyle/>
+            <a:p>
+              <a:pPr algn="ctr"/>
+              <a:endParaRPr kumimoji="1" lang="zh-CN" altLang="en-US">
+                <a:solidFill>
+                  <a:schemeClr val="tx1"/>
+                </a:solidFill>
+              </a:endParaRPr>
+            </a:p>
+          </p:txBody>
+        </p:sp>
+        <p:sp>
+          <p:nvSpPr>
+            <p:cNvPr id="106" name="矩形 105">
+              <a:extLst>
+                <a:ext uri="{FF2B5EF4-FFF2-40B4-BE49-F238E27FC236}">
+                  <a16:creationId xmlns:a16="http://schemas.microsoft.com/office/drawing/2014/main" id="{6E4B348F-18A3-E14F-ACAF-C216F4661E4D}"/>
+                </a:ext>
+              </a:extLst>
+            </p:cNvPr>
+            <p:cNvSpPr/>
+            <p:nvPr/>
+          </p:nvSpPr>
+          <p:spPr>
+            <a:xfrm>
+              <a:off x="11090161" y="3631377"/>
+              <a:ext cx="522514" cy="380011"/>
+            </a:xfrm>
+            <a:prstGeom prst="rect">
+              <a:avLst/>
+            </a:prstGeom>
+            <a:noFill/>
+            <a:ln>
+              <a:solidFill>
+                <a:schemeClr val="tx1"/>
+              </a:solidFill>
+            </a:ln>
+            <a:sp3d/>
+          </p:spPr>
+          <p:style>
+            <a:lnRef idx="2">
+              <a:schemeClr val="accent1">
+                <a:shade val="50000"/>
+              </a:schemeClr>
+            </a:lnRef>
+            <a:fillRef idx="1">
+              <a:schemeClr val="accent1"/>
+            </a:fillRef>
+            <a:effectRef idx="0">
+              <a:schemeClr val="accent1"/>
+            </a:effectRef>
+            <a:fontRef idx="minor">
+              <a:schemeClr val="lt1"/>
+            </a:fontRef>
+          </p:style>
+          <p:txBody>
+            <a:bodyPr rtlCol="0" anchor="ctr"/>
+            <a:lstStyle/>
+            <a:p>
+              <a:pPr algn="ctr"/>
+              <a:endParaRPr kumimoji="1" lang="zh-CN" altLang="en-US">
+                <a:solidFill>
+                  <a:schemeClr val="tx1"/>
+                </a:solidFill>
+              </a:endParaRPr>
+            </a:p>
+          </p:txBody>
+        </p:sp>
+        <p:sp>
+          <p:nvSpPr>
+            <p:cNvPr id="107" name="矩形 106">
+              <a:extLst>
+                <a:ext uri="{FF2B5EF4-FFF2-40B4-BE49-F238E27FC236}">
+                  <a16:creationId xmlns:a16="http://schemas.microsoft.com/office/drawing/2014/main" id="{6A93F519-1CFE-604B-821A-EA2CBA8C9335}"/>
+                </a:ext>
+              </a:extLst>
+            </p:cNvPr>
+            <p:cNvSpPr/>
+            <p:nvPr/>
+          </p:nvSpPr>
+          <p:spPr>
+            <a:xfrm>
+              <a:off x="11612675" y="3631376"/>
+              <a:ext cx="522514" cy="380011"/>
+            </a:xfrm>
+            <a:prstGeom prst="rect">
+              <a:avLst/>
+            </a:prstGeom>
+            <a:noFill/>
+            <a:ln>
+              <a:solidFill>
+                <a:schemeClr val="tx1"/>
+              </a:solidFill>
+            </a:ln>
+            <a:sp3d/>
+          </p:spPr>
+          <p:style>
+            <a:lnRef idx="2">
+              <a:schemeClr val="accent1">
+                <a:shade val="50000"/>
+              </a:schemeClr>
+            </a:lnRef>
+            <a:fillRef idx="1">
+              <a:schemeClr val="accent1"/>
+            </a:fillRef>
+            <a:effectRef idx="0">
+              <a:schemeClr val="accent1"/>
+            </a:effectRef>
+            <a:fontRef idx="minor">
+              <a:schemeClr val="lt1"/>
+            </a:fontRef>
+          </p:style>
+          <p:txBody>
+            <a:bodyPr rtlCol="0" anchor="ctr"/>
+            <a:lstStyle/>
+            <a:p>
+              <a:pPr algn="ctr"/>
+              <a:endParaRPr kumimoji="1" lang="zh-CN" altLang="en-US">
+                <a:solidFill>
+                  <a:schemeClr val="tx1"/>
+                </a:solidFill>
+              </a:endParaRPr>
+            </a:p>
+          </p:txBody>
+        </p:sp>
+        <p:sp>
+          <p:nvSpPr>
+            <p:cNvPr id="108" name="矩形 107">
+              <a:extLst>
+                <a:ext uri="{FF2B5EF4-FFF2-40B4-BE49-F238E27FC236}">
+                  <a16:creationId xmlns:a16="http://schemas.microsoft.com/office/drawing/2014/main" id="{FC0069B6-B026-E840-85D3-36DC6E8B6C5C}"/>
+                </a:ext>
+              </a:extLst>
+            </p:cNvPr>
+            <p:cNvSpPr/>
+            <p:nvPr/>
+          </p:nvSpPr>
+          <p:spPr>
+            <a:xfrm>
+              <a:off x="7955077" y="4011387"/>
+              <a:ext cx="522514" cy="380011"/>
+            </a:xfrm>
+            <a:prstGeom prst="rect">
+              <a:avLst/>
+            </a:prstGeom>
+            <a:noFill/>
+            <a:ln>
+              <a:solidFill>
+                <a:schemeClr val="tx1"/>
+              </a:solidFill>
+            </a:ln>
+            <a:sp3d/>
+          </p:spPr>
+          <p:style>
+            <a:lnRef idx="2">
+              <a:schemeClr val="accent1">
+                <a:shade val="50000"/>
+              </a:schemeClr>
+            </a:lnRef>
+            <a:fillRef idx="1">
+              <a:schemeClr val="accent1"/>
+            </a:fillRef>
+            <a:effectRef idx="0">
+              <a:schemeClr val="accent1"/>
+            </a:effectRef>
+            <a:fontRef idx="minor">
+              <a:schemeClr val="lt1"/>
+            </a:fontRef>
+          </p:style>
+          <p:txBody>
+            <a:bodyPr rtlCol="0" anchor="ctr"/>
+            <a:lstStyle/>
+            <a:p>
+              <a:pPr algn="ctr"/>
+              <a:endParaRPr kumimoji="1" lang="zh-CN" altLang="en-US">
+                <a:solidFill>
+                  <a:schemeClr val="tx1"/>
+                </a:solidFill>
+              </a:endParaRPr>
+            </a:p>
+          </p:txBody>
+        </p:sp>
+        <p:sp>
+          <p:nvSpPr>
+            <p:cNvPr id="109" name="矩形 108">
+              <a:extLst>
+                <a:ext uri="{FF2B5EF4-FFF2-40B4-BE49-F238E27FC236}">
+                  <a16:creationId xmlns:a16="http://schemas.microsoft.com/office/drawing/2014/main" id="{E3F54717-1219-FA40-9574-5F4112814603}"/>
+                </a:ext>
+              </a:extLst>
+            </p:cNvPr>
+            <p:cNvSpPr/>
+            <p:nvPr/>
+          </p:nvSpPr>
+          <p:spPr>
+            <a:xfrm>
+              <a:off x="8477591" y="4011387"/>
+              <a:ext cx="522514" cy="380011"/>
+            </a:xfrm>
+            <a:prstGeom prst="rect">
+              <a:avLst/>
+            </a:prstGeom>
+            <a:noFill/>
+            <a:ln>
+              <a:solidFill>
+                <a:schemeClr val="tx1"/>
+              </a:solidFill>
+            </a:ln>
+            <a:sp3d/>
+          </p:spPr>
+          <p:style>
+            <a:lnRef idx="2">
+              <a:schemeClr val="accent1">
+                <a:shade val="50000"/>
+              </a:schemeClr>
+            </a:lnRef>
+            <a:fillRef idx="1">
+              <a:schemeClr val="accent1"/>
+            </a:fillRef>
+            <a:effectRef idx="0">
+              <a:schemeClr val="accent1"/>
+            </a:effectRef>
+            <a:fontRef idx="minor">
+              <a:schemeClr val="lt1"/>
+            </a:fontRef>
+          </p:style>
+          <p:txBody>
+            <a:bodyPr rtlCol="0" anchor="ctr"/>
+            <a:lstStyle/>
+            <a:p>
+              <a:pPr algn="ctr"/>
+              <a:endParaRPr kumimoji="1" lang="zh-CN" altLang="en-US">
+                <a:solidFill>
+                  <a:schemeClr val="tx1"/>
+                </a:solidFill>
+              </a:endParaRPr>
+            </a:p>
+          </p:txBody>
+        </p:sp>
+        <p:sp>
+          <p:nvSpPr>
+            <p:cNvPr id="110" name="矩形 109">
+              <a:extLst>
+                <a:ext uri="{FF2B5EF4-FFF2-40B4-BE49-F238E27FC236}">
+                  <a16:creationId xmlns:a16="http://schemas.microsoft.com/office/drawing/2014/main" id="{9BE8D8FD-3ABA-244C-9E05-B15D883F70AD}"/>
+                </a:ext>
+              </a:extLst>
+            </p:cNvPr>
+            <p:cNvSpPr/>
+            <p:nvPr/>
+          </p:nvSpPr>
+          <p:spPr>
+            <a:xfrm>
+              <a:off x="9000105" y="4011387"/>
+              <a:ext cx="522514" cy="380011"/>
+            </a:xfrm>
+            <a:prstGeom prst="rect">
+              <a:avLst/>
+            </a:prstGeom>
+            <a:noFill/>
+            <a:ln>
+              <a:solidFill>
+                <a:schemeClr val="tx1"/>
+              </a:solidFill>
+            </a:ln>
+            <a:sp3d/>
+          </p:spPr>
+          <p:style>
+            <a:lnRef idx="2">
+              <a:schemeClr val="accent1">
+                <a:shade val="50000"/>
+              </a:schemeClr>
+            </a:lnRef>
+            <a:fillRef idx="1">
+              <a:schemeClr val="accent1"/>
+            </a:fillRef>
+            <a:effectRef idx="0">
+              <a:schemeClr val="accent1"/>
+            </a:effectRef>
+            <a:fontRef idx="minor">
+              <a:schemeClr val="lt1"/>
+            </a:fontRef>
+          </p:style>
+          <p:txBody>
+            <a:bodyPr rtlCol="0" anchor="ctr"/>
+            <a:lstStyle/>
+            <a:p>
+              <a:pPr algn="ctr"/>
+              <a:endParaRPr kumimoji="1" lang="zh-CN" altLang="en-US">
+                <a:solidFill>
+                  <a:schemeClr val="tx1"/>
+                </a:solidFill>
+              </a:endParaRPr>
+            </a:p>
+          </p:txBody>
+        </p:sp>
+        <p:sp>
+          <p:nvSpPr>
+            <p:cNvPr id="111" name="矩形 110">
+              <a:extLst>
+                <a:ext uri="{FF2B5EF4-FFF2-40B4-BE49-F238E27FC236}">
+                  <a16:creationId xmlns:a16="http://schemas.microsoft.com/office/drawing/2014/main" id="{690C2825-1935-4449-B783-C2904BC9E4F0}"/>
+                </a:ext>
+              </a:extLst>
+            </p:cNvPr>
+            <p:cNvSpPr/>
+            <p:nvPr/>
+          </p:nvSpPr>
+          <p:spPr>
+            <a:xfrm>
+              <a:off x="9522619" y="4011386"/>
+              <a:ext cx="522514" cy="380011"/>
+            </a:xfrm>
+            <a:prstGeom prst="rect">
+              <a:avLst/>
+            </a:prstGeom>
+            <a:noFill/>
+            <a:ln>
+              <a:solidFill>
+                <a:schemeClr val="tx1"/>
+              </a:solidFill>
+            </a:ln>
+            <a:sp3d/>
+          </p:spPr>
+          <p:style>
+            <a:lnRef idx="2">
+              <a:schemeClr val="accent1">
+                <a:shade val="50000"/>
+              </a:schemeClr>
+            </a:lnRef>
+            <a:fillRef idx="1">
+              <a:schemeClr val="accent1"/>
+            </a:fillRef>
+            <a:effectRef idx="0">
+              <a:schemeClr val="accent1"/>
+            </a:effectRef>
+            <a:fontRef idx="minor">
+              <a:schemeClr val="lt1"/>
+            </a:fontRef>
+          </p:style>
+          <p:txBody>
+            <a:bodyPr rtlCol="0" anchor="ctr"/>
+            <a:lstStyle/>
+            <a:p>
+              <a:pPr algn="ctr"/>
+              <a:endParaRPr kumimoji="1" lang="zh-CN" altLang="en-US">
+                <a:solidFill>
+                  <a:schemeClr val="tx1"/>
+                </a:solidFill>
+              </a:endParaRPr>
+            </a:p>
+          </p:txBody>
+        </p:sp>
+        <p:sp>
+          <p:nvSpPr>
+            <p:cNvPr id="112" name="矩形 111">
+              <a:extLst>
+                <a:ext uri="{FF2B5EF4-FFF2-40B4-BE49-F238E27FC236}">
+                  <a16:creationId xmlns:a16="http://schemas.microsoft.com/office/drawing/2014/main" id="{EB4AAE6C-234D-DB40-9728-DD4A8EE72549}"/>
+                </a:ext>
+              </a:extLst>
+            </p:cNvPr>
+            <p:cNvSpPr/>
+            <p:nvPr/>
+          </p:nvSpPr>
+          <p:spPr>
+            <a:xfrm>
+              <a:off x="7955077" y="4391397"/>
+              <a:ext cx="522514" cy="380011"/>
+            </a:xfrm>
+            <a:prstGeom prst="rect">
+              <a:avLst/>
+            </a:prstGeom>
+            <a:noFill/>
+            <a:ln>
+              <a:solidFill>
+                <a:schemeClr val="tx1"/>
+              </a:solidFill>
+            </a:ln>
+            <a:sp3d/>
+          </p:spPr>
+          <p:style>
+            <a:lnRef idx="2">
+              <a:schemeClr val="accent1">
+                <a:shade val="50000"/>
+              </a:schemeClr>
+            </a:lnRef>
+            <a:fillRef idx="1">
+              <a:schemeClr val="accent1"/>
+            </a:fillRef>
+            <a:effectRef idx="0">
+              <a:schemeClr val="accent1"/>
+            </a:effectRef>
+            <a:fontRef idx="minor">
+              <a:schemeClr val="lt1"/>
+            </a:fontRef>
+          </p:style>
+          <p:txBody>
+            <a:bodyPr rtlCol="0" anchor="ctr"/>
+            <a:lstStyle/>
+            <a:p>
+              <a:pPr algn="ctr"/>
+              <a:endParaRPr kumimoji="1" lang="zh-CN" altLang="en-US">
+                <a:solidFill>
+                  <a:schemeClr val="tx1"/>
+                </a:solidFill>
+              </a:endParaRPr>
+            </a:p>
+          </p:txBody>
+        </p:sp>
+        <p:sp>
+          <p:nvSpPr>
+            <p:cNvPr id="113" name="矩形 112">
+              <a:extLst>
+                <a:ext uri="{FF2B5EF4-FFF2-40B4-BE49-F238E27FC236}">
+                  <a16:creationId xmlns:a16="http://schemas.microsoft.com/office/drawing/2014/main" id="{A088678C-1C40-A14A-9C43-A1708D621F63}"/>
+                </a:ext>
+              </a:extLst>
+            </p:cNvPr>
+            <p:cNvSpPr/>
+            <p:nvPr/>
+          </p:nvSpPr>
+          <p:spPr>
+            <a:xfrm>
+              <a:off x="8477591" y="4391397"/>
+              <a:ext cx="522514" cy="380011"/>
+            </a:xfrm>
+            <a:prstGeom prst="rect">
+              <a:avLst/>
+            </a:prstGeom>
+            <a:noFill/>
+            <a:ln>
+              <a:solidFill>
+                <a:schemeClr val="tx1"/>
+              </a:solidFill>
+            </a:ln>
+            <a:sp3d/>
+          </p:spPr>
+          <p:style>
+            <a:lnRef idx="2">
+              <a:schemeClr val="accent1">
+                <a:shade val="50000"/>
+              </a:schemeClr>
+            </a:lnRef>
+            <a:fillRef idx="1">
+              <a:schemeClr val="accent1"/>
+            </a:fillRef>
+            <a:effectRef idx="0">
+              <a:schemeClr val="accent1"/>
+            </a:effectRef>
+            <a:fontRef idx="minor">
+              <a:schemeClr val="lt1"/>
+            </a:fontRef>
+          </p:style>
+          <p:txBody>
+            <a:bodyPr rtlCol="0" anchor="ctr"/>
+            <a:lstStyle/>
+            <a:p>
+              <a:pPr algn="ctr"/>
+              <a:endParaRPr kumimoji="1" lang="zh-CN" altLang="en-US">
+                <a:solidFill>
+                  <a:schemeClr val="tx1"/>
+                </a:solidFill>
+              </a:endParaRPr>
+            </a:p>
+          </p:txBody>
+        </p:sp>
+        <p:sp>
+          <p:nvSpPr>
+            <p:cNvPr id="114" name="矩形 113">
+              <a:extLst>
+                <a:ext uri="{FF2B5EF4-FFF2-40B4-BE49-F238E27FC236}">
+                  <a16:creationId xmlns:a16="http://schemas.microsoft.com/office/drawing/2014/main" id="{CA4678D4-0526-8244-A242-3CA77BE6591A}"/>
+                </a:ext>
+              </a:extLst>
+            </p:cNvPr>
+            <p:cNvSpPr/>
+            <p:nvPr/>
+          </p:nvSpPr>
+          <p:spPr>
+            <a:xfrm>
+              <a:off x="9000105" y="4391397"/>
+              <a:ext cx="522514" cy="380011"/>
+            </a:xfrm>
+            <a:prstGeom prst="rect">
+              <a:avLst/>
+            </a:prstGeom>
+            <a:noFill/>
+            <a:ln>
+              <a:solidFill>
+                <a:schemeClr val="tx1"/>
+              </a:solidFill>
+            </a:ln>
+            <a:sp3d/>
+          </p:spPr>
+          <p:style>
+            <a:lnRef idx="2">
+              <a:schemeClr val="accent1">
+                <a:shade val="50000"/>
+              </a:schemeClr>
+            </a:lnRef>
+            <a:fillRef idx="1">
+              <a:schemeClr val="accent1"/>
+            </a:fillRef>
+            <a:effectRef idx="0">
+              <a:schemeClr val="accent1"/>
+            </a:effectRef>
+            <a:fontRef idx="minor">
+              <a:schemeClr val="lt1"/>
+            </a:fontRef>
+          </p:style>
+          <p:txBody>
+            <a:bodyPr rtlCol="0" anchor="ctr"/>
+            <a:lstStyle/>
+            <a:p>
+              <a:pPr algn="ctr"/>
+              <a:endParaRPr kumimoji="1" lang="zh-CN" altLang="en-US">
+                <a:solidFill>
+                  <a:schemeClr val="tx1"/>
+                </a:solidFill>
+              </a:endParaRPr>
+            </a:p>
+          </p:txBody>
+        </p:sp>
+        <p:sp>
+          <p:nvSpPr>
+            <p:cNvPr id="115" name="矩形 114">
+              <a:extLst>
+                <a:ext uri="{FF2B5EF4-FFF2-40B4-BE49-F238E27FC236}">
+                  <a16:creationId xmlns:a16="http://schemas.microsoft.com/office/drawing/2014/main" id="{6EBF8A39-833D-8348-B05E-F3CD38112A21}"/>
+                </a:ext>
+              </a:extLst>
+            </p:cNvPr>
+            <p:cNvSpPr/>
+            <p:nvPr/>
+          </p:nvSpPr>
+          <p:spPr>
+            <a:xfrm>
+              <a:off x="9522619" y="4391396"/>
+              <a:ext cx="522514" cy="380011"/>
+            </a:xfrm>
+            <a:prstGeom prst="rect">
+              <a:avLst/>
+            </a:prstGeom>
+            <a:noFill/>
+            <a:ln>
+              <a:solidFill>
+                <a:schemeClr val="tx1"/>
+              </a:solidFill>
+            </a:ln>
+            <a:sp3d/>
+          </p:spPr>
+          <p:style>
+            <a:lnRef idx="2">
+              <a:schemeClr val="accent1">
+                <a:shade val="50000"/>
+              </a:schemeClr>
+            </a:lnRef>
+            <a:fillRef idx="1">
+              <a:schemeClr val="accent1"/>
+            </a:fillRef>
+            <a:effectRef idx="0">
+              <a:schemeClr val="accent1"/>
+            </a:effectRef>
+            <a:fontRef idx="minor">
+              <a:schemeClr val="lt1"/>
+            </a:fontRef>
+          </p:style>
+          <p:txBody>
+            <a:bodyPr rtlCol="0" anchor="ctr"/>
+            <a:lstStyle/>
+            <a:p>
+              <a:pPr algn="ctr"/>
+              <a:endParaRPr kumimoji="1" lang="zh-CN" altLang="en-US">
+                <a:solidFill>
+                  <a:schemeClr val="tx1"/>
+                </a:solidFill>
+              </a:endParaRPr>
+            </a:p>
+          </p:txBody>
+        </p:sp>
+        <p:sp>
+          <p:nvSpPr>
+            <p:cNvPr id="116" name="矩形 115">
+              <a:extLst>
+                <a:ext uri="{FF2B5EF4-FFF2-40B4-BE49-F238E27FC236}">
+                  <a16:creationId xmlns:a16="http://schemas.microsoft.com/office/drawing/2014/main" id="{98632C0C-D988-DE43-92B9-4DBBB818EDB2}"/>
+                </a:ext>
+              </a:extLst>
+            </p:cNvPr>
+            <p:cNvSpPr/>
+            <p:nvPr/>
+          </p:nvSpPr>
+          <p:spPr>
+            <a:xfrm>
+              <a:off x="7955077" y="4771408"/>
+              <a:ext cx="522514" cy="380011"/>
+            </a:xfrm>
+            <a:prstGeom prst="rect">
+              <a:avLst/>
+            </a:prstGeom>
+            <a:noFill/>
+            <a:ln>
+              <a:solidFill>
+                <a:schemeClr val="tx1"/>
+              </a:solidFill>
+            </a:ln>
+            <a:sp3d/>
+          </p:spPr>
+          <p:style>
+            <a:lnRef idx="2">
+              <a:schemeClr val="accent1">
+                <a:shade val="50000"/>
+              </a:schemeClr>
+            </a:lnRef>
+            <a:fillRef idx="1">
+              <a:schemeClr val="accent1"/>
+            </a:fillRef>
+            <a:effectRef idx="0">
+              <a:schemeClr val="accent1"/>
+            </a:effectRef>
+            <a:fontRef idx="minor">
+              <a:schemeClr val="lt1"/>
+            </a:fontRef>
+          </p:style>
+          <p:txBody>
+            <a:bodyPr rtlCol="0" anchor="ctr"/>
+            <a:lstStyle/>
+            <a:p>
+              <a:pPr algn="ctr"/>
+              <a:endParaRPr kumimoji="1" lang="zh-CN" altLang="en-US">
+                <a:solidFill>
+                  <a:schemeClr val="tx1"/>
+                </a:solidFill>
+              </a:endParaRPr>
+            </a:p>
+          </p:txBody>
+        </p:sp>
+        <p:sp>
+          <p:nvSpPr>
+            <p:cNvPr id="117" name="矩形 116">
+              <a:extLst>
+                <a:ext uri="{FF2B5EF4-FFF2-40B4-BE49-F238E27FC236}">
+                  <a16:creationId xmlns:a16="http://schemas.microsoft.com/office/drawing/2014/main" id="{F05CE881-CD35-1C4A-82C5-3E783431AE89}"/>
+                </a:ext>
+              </a:extLst>
+            </p:cNvPr>
+            <p:cNvSpPr/>
+            <p:nvPr/>
+          </p:nvSpPr>
+          <p:spPr>
+            <a:xfrm>
+              <a:off x="8477591" y="4771408"/>
+              <a:ext cx="522514" cy="380011"/>
+            </a:xfrm>
+            <a:prstGeom prst="rect">
+              <a:avLst/>
+            </a:prstGeom>
+            <a:noFill/>
+            <a:ln>
+              <a:solidFill>
+                <a:schemeClr val="tx1"/>
+              </a:solidFill>
+            </a:ln>
+            <a:sp3d/>
+          </p:spPr>
+          <p:style>
+            <a:lnRef idx="2">
+              <a:schemeClr val="accent1">
+                <a:shade val="50000"/>
+              </a:schemeClr>
+            </a:lnRef>
+            <a:fillRef idx="1">
+              <a:schemeClr val="accent1"/>
+            </a:fillRef>
+            <a:effectRef idx="0">
+              <a:schemeClr val="accent1"/>
+            </a:effectRef>
+            <a:fontRef idx="minor">
+              <a:schemeClr val="lt1"/>
+            </a:fontRef>
+          </p:style>
+          <p:txBody>
+            <a:bodyPr rtlCol="0" anchor="ctr"/>
+            <a:lstStyle/>
+            <a:p>
+              <a:pPr algn="ctr"/>
+              <a:endParaRPr kumimoji="1" lang="zh-CN" altLang="en-US">
+                <a:solidFill>
+                  <a:schemeClr val="tx1"/>
+                </a:solidFill>
+              </a:endParaRPr>
+            </a:p>
+          </p:txBody>
+        </p:sp>
+        <p:sp>
+          <p:nvSpPr>
+            <p:cNvPr id="118" name="矩形 117">
+              <a:extLst>
+                <a:ext uri="{FF2B5EF4-FFF2-40B4-BE49-F238E27FC236}">
+                  <a16:creationId xmlns:a16="http://schemas.microsoft.com/office/drawing/2014/main" id="{4942E622-C139-E147-80E1-D22D75C642EC}"/>
+                </a:ext>
+              </a:extLst>
+            </p:cNvPr>
+            <p:cNvSpPr/>
+            <p:nvPr/>
+          </p:nvSpPr>
+          <p:spPr>
+            <a:xfrm>
+              <a:off x="9000105" y="4771408"/>
+              <a:ext cx="522514" cy="380011"/>
+            </a:xfrm>
+            <a:prstGeom prst="rect">
+              <a:avLst/>
+            </a:prstGeom>
+            <a:noFill/>
+            <a:ln>
+              <a:solidFill>
+                <a:schemeClr val="tx1"/>
+              </a:solidFill>
+            </a:ln>
+            <a:sp3d/>
+          </p:spPr>
+          <p:style>
+            <a:lnRef idx="2">
+              <a:schemeClr val="accent1">
+                <a:shade val="50000"/>
+              </a:schemeClr>
+            </a:lnRef>
+            <a:fillRef idx="1">
+              <a:schemeClr val="accent1"/>
+            </a:fillRef>
+            <a:effectRef idx="0">
+              <a:schemeClr val="accent1"/>
+            </a:effectRef>
+            <a:fontRef idx="minor">
+              <a:schemeClr val="lt1"/>
+            </a:fontRef>
+          </p:style>
+          <p:txBody>
+            <a:bodyPr rtlCol="0" anchor="ctr"/>
+            <a:lstStyle/>
+            <a:p>
+              <a:pPr algn="ctr"/>
+              <a:endParaRPr kumimoji="1" lang="zh-CN" altLang="en-US">
+                <a:solidFill>
+                  <a:schemeClr val="tx1"/>
+                </a:solidFill>
+              </a:endParaRPr>
+            </a:p>
+          </p:txBody>
+        </p:sp>
+        <p:sp>
+          <p:nvSpPr>
+            <p:cNvPr id="119" name="矩形 118">
+              <a:extLst>
+                <a:ext uri="{FF2B5EF4-FFF2-40B4-BE49-F238E27FC236}">
+                  <a16:creationId xmlns:a16="http://schemas.microsoft.com/office/drawing/2014/main" id="{6097865D-D39C-2248-9F68-0E9DCE6C5955}"/>
+                </a:ext>
+              </a:extLst>
+            </p:cNvPr>
+            <p:cNvSpPr/>
+            <p:nvPr/>
+          </p:nvSpPr>
+          <p:spPr>
+            <a:xfrm>
+              <a:off x="9522619" y="4771407"/>
+              <a:ext cx="522514" cy="380011"/>
+            </a:xfrm>
+            <a:prstGeom prst="rect">
+              <a:avLst/>
+            </a:prstGeom>
+            <a:noFill/>
+            <a:ln>
+              <a:solidFill>
+                <a:schemeClr val="tx1"/>
+              </a:solidFill>
+            </a:ln>
+            <a:sp3d/>
+          </p:spPr>
+          <p:style>
+            <a:lnRef idx="2">
+              <a:schemeClr val="accent1">
+                <a:shade val="50000"/>
+              </a:schemeClr>
+            </a:lnRef>
+            <a:fillRef idx="1">
+              <a:schemeClr val="accent1"/>
+            </a:fillRef>
+            <a:effectRef idx="0">
+              <a:schemeClr val="accent1"/>
+            </a:effectRef>
+            <a:fontRef idx="minor">
+              <a:schemeClr val="lt1"/>
+            </a:fontRef>
+          </p:style>
+          <p:txBody>
+            <a:bodyPr rtlCol="0" anchor="ctr"/>
+            <a:lstStyle/>
+            <a:p>
+              <a:pPr algn="ctr"/>
+              <a:endParaRPr kumimoji="1" lang="zh-CN" altLang="en-US">
+                <a:solidFill>
+                  <a:schemeClr val="tx1"/>
+                </a:solidFill>
+              </a:endParaRPr>
+            </a:p>
+          </p:txBody>
+        </p:sp>
+        <p:sp>
+          <p:nvSpPr>
+            <p:cNvPr id="120" name="矩形 119">
+              <a:extLst>
+                <a:ext uri="{FF2B5EF4-FFF2-40B4-BE49-F238E27FC236}">
+                  <a16:creationId xmlns:a16="http://schemas.microsoft.com/office/drawing/2014/main" id="{5EE7B05A-52EE-E345-9765-BDEBD8C7CCE9}"/>
+                </a:ext>
+              </a:extLst>
+            </p:cNvPr>
+            <p:cNvSpPr/>
+            <p:nvPr/>
+          </p:nvSpPr>
+          <p:spPr>
+            <a:xfrm>
+              <a:off x="7955077" y="5151418"/>
+              <a:ext cx="522514" cy="380011"/>
+            </a:xfrm>
+            <a:prstGeom prst="rect">
+              <a:avLst/>
+            </a:prstGeom>
+            <a:noFill/>
+            <a:ln>
+              <a:solidFill>
+                <a:schemeClr val="tx1"/>
+              </a:solidFill>
+            </a:ln>
+            <a:sp3d/>
+          </p:spPr>
+          <p:style>
+            <a:lnRef idx="2">
+              <a:schemeClr val="accent1">
+                <a:shade val="50000"/>
+              </a:schemeClr>
+            </a:lnRef>
+            <a:fillRef idx="1">
+              <a:schemeClr val="accent1"/>
+            </a:fillRef>
+            <a:effectRef idx="0">
+              <a:schemeClr val="accent1"/>
+            </a:effectRef>
+            <a:fontRef idx="minor">
+              <a:schemeClr val="lt1"/>
+            </a:fontRef>
+          </p:style>
+          <p:txBody>
+            <a:bodyPr rtlCol="0" anchor="ctr"/>
+            <a:lstStyle/>
+            <a:p>
+              <a:pPr algn="ctr"/>
+              <a:endParaRPr kumimoji="1" lang="zh-CN" altLang="en-US">
+                <a:solidFill>
+                  <a:schemeClr val="tx1"/>
+                </a:solidFill>
+              </a:endParaRPr>
+            </a:p>
+          </p:txBody>
+        </p:sp>
+        <p:sp>
+          <p:nvSpPr>
+            <p:cNvPr id="121" name="矩形 120">
+              <a:extLst>
+                <a:ext uri="{FF2B5EF4-FFF2-40B4-BE49-F238E27FC236}">
+                  <a16:creationId xmlns:a16="http://schemas.microsoft.com/office/drawing/2014/main" id="{8B4E6F9C-A44C-0E44-A998-9A4FA1EE3241}"/>
+                </a:ext>
+              </a:extLst>
+            </p:cNvPr>
+            <p:cNvSpPr/>
+            <p:nvPr/>
+          </p:nvSpPr>
+          <p:spPr>
+            <a:xfrm>
+              <a:off x="8477591" y="5151418"/>
+              <a:ext cx="522514" cy="380011"/>
+            </a:xfrm>
+            <a:prstGeom prst="rect">
+              <a:avLst/>
+            </a:prstGeom>
+            <a:noFill/>
+            <a:ln>
+              <a:solidFill>
+                <a:schemeClr val="tx1"/>
+              </a:solidFill>
+            </a:ln>
+            <a:sp3d/>
+          </p:spPr>
+          <p:style>
+            <a:lnRef idx="2">
+              <a:schemeClr val="accent1">
+                <a:shade val="50000"/>
+              </a:schemeClr>
+            </a:lnRef>
+            <a:fillRef idx="1">
+              <a:schemeClr val="accent1"/>
+            </a:fillRef>
+            <a:effectRef idx="0">
+              <a:schemeClr val="accent1"/>
+            </a:effectRef>
+            <a:fontRef idx="minor">
+              <a:schemeClr val="lt1"/>
+            </a:fontRef>
+          </p:style>
+          <p:txBody>
+            <a:bodyPr rtlCol="0" anchor="ctr"/>
+            <a:lstStyle/>
+            <a:p>
+              <a:pPr algn="ctr"/>
+              <a:endParaRPr kumimoji="1" lang="zh-CN" altLang="en-US">
+                <a:solidFill>
+                  <a:schemeClr val="tx1"/>
+                </a:solidFill>
+              </a:endParaRPr>
+            </a:p>
+          </p:txBody>
+        </p:sp>
+        <p:sp>
+          <p:nvSpPr>
+            <p:cNvPr id="122" name="矩形 121">
+              <a:extLst>
+                <a:ext uri="{FF2B5EF4-FFF2-40B4-BE49-F238E27FC236}">
+                  <a16:creationId xmlns:a16="http://schemas.microsoft.com/office/drawing/2014/main" id="{78E3D464-D66B-C14E-9EC4-9780D298B614}"/>
+                </a:ext>
+              </a:extLst>
+            </p:cNvPr>
+            <p:cNvSpPr/>
+            <p:nvPr/>
+          </p:nvSpPr>
+          <p:spPr>
+            <a:xfrm>
+              <a:off x="9000105" y="5151418"/>
+              <a:ext cx="522514" cy="380011"/>
+            </a:xfrm>
+            <a:prstGeom prst="rect">
+              <a:avLst/>
+            </a:prstGeom>
+            <a:noFill/>
+            <a:ln>
+              <a:solidFill>
+                <a:schemeClr val="tx1"/>
+              </a:solidFill>
+            </a:ln>
+            <a:sp3d/>
+          </p:spPr>
+          <p:style>
+            <a:lnRef idx="2">
+              <a:schemeClr val="accent1">
+                <a:shade val="50000"/>
+              </a:schemeClr>
+            </a:lnRef>
+            <a:fillRef idx="1">
+              <a:schemeClr val="accent1"/>
+            </a:fillRef>
+            <a:effectRef idx="0">
+              <a:schemeClr val="accent1"/>
+            </a:effectRef>
+            <a:fontRef idx="minor">
+              <a:schemeClr val="lt1"/>
+            </a:fontRef>
+          </p:style>
+          <p:txBody>
+            <a:bodyPr rtlCol="0" anchor="ctr"/>
+            <a:lstStyle/>
+            <a:p>
+              <a:pPr algn="ctr"/>
+              <a:endParaRPr kumimoji="1" lang="zh-CN" altLang="en-US">
+                <a:solidFill>
+                  <a:schemeClr val="tx1"/>
+                </a:solidFill>
+              </a:endParaRPr>
+            </a:p>
+          </p:txBody>
+        </p:sp>
+        <p:sp>
+          <p:nvSpPr>
+            <p:cNvPr id="123" name="矩形 122">
+              <a:extLst>
+                <a:ext uri="{FF2B5EF4-FFF2-40B4-BE49-F238E27FC236}">
+                  <a16:creationId xmlns:a16="http://schemas.microsoft.com/office/drawing/2014/main" id="{10E3CE6C-DC4E-5148-AA44-1FFAFDDA52F4}"/>
+                </a:ext>
+              </a:extLst>
+            </p:cNvPr>
+            <p:cNvSpPr/>
+            <p:nvPr/>
+          </p:nvSpPr>
+          <p:spPr>
+            <a:xfrm>
+              <a:off x="9522619" y="5151417"/>
+              <a:ext cx="522514" cy="380011"/>
+            </a:xfrm>
+            <a:prstGeom prst="rect">
+              <a:avLst/>
+            </a:prstGeom>
+            <a:noFill/>
+            <a:ln>
+              <a:solidFill>
+                <a:schemeClr val="tx1"/>
+              </a:solidFill>
+            </a:ln>
+            <a:sp3d/>
+          </p:spPr>
+          <p:style>
+            <a:lnRef idx="2">
+              <a:schemeClr val="accent1">
+                <a:shade val="50000"/>
+              </a:schemeClr>
+            </a:lnRef>
+            <a:fillRef idx="1">
+              <a:schemeClr val="accent1"/>
+            </a:fillRef>
+            <a:effectRef idx="0">
+              <a:schemeClr val="accent1"/>
+            </a:effectRef>
+            <a:fontRef idx="minor">
+              <a:schemeClr val="lt1"/>
+            </a:fontRef>
+          </p:style>
+          <p:txBody>
+            <a:bodyPr rtlCol="0" anchor="ctr"/>
+            <a:lstStyle/>
+            <a:p>
+              <a:pPr algn="ctr"/>
+              <a:endParaRPr kumimoji="1" lang="zh-CN" altLang="en-US">
+                <a:solidFill>
+                  <a:schemeClr val="tx1"/>
+                </a:solidFill>
+              </a:endParaRPr>
+            </a:p>
+          </p:txBody>
+        </p:sp>
+        <p:sp>
+          <p:nvSpPr>
+            <p:cNvPr id="124" name="矩形 123">
+              <a:extLst>
+                <a:ext uri="{FF2B5EF4-FFF2-40B4-BE49-F238E27FC236}">
+                  <a16:creationId xmlns:a16="http://schemas.microsoft.com/office/drawing/2014/main" id="{D562ABA1-DB33-3F42-B4B3-91C684B8694F}"/>
+                </a:ext>
+              </a:extLst>
+            </p:cNvPr>
+            <p:cNvSpPr/>
+            <p:nvPr/>
+          </p:nvSpPr>
+          <p:spPr>
+            <a:xfrm>
+              <a:off x="7955077" y="5531428"/>
+              <a:ext cx="522514" cy="380011"/>
+            </a:xfrm>
+            <a:prstGeom prst="rect">
+              <a:avLst/>
+            </a:prstGeom>
+            <a:noFill/>
+            <a:ln>
+              <a:solidFill>
+                <a:schemeClr val="tx1"/>
+              </a:solidFill>
+            </a:ln>
+            <a:sp3d/>
+          </p:spPr>
+          <p:style>
+            <a:lnRef idx="2">
+              <a:schemeClr val="accent1">
+                <a:shade val="50000"/>
+              </a:schemeClr>
+            </a:lnRef>
+            <a:fillRef idx="1">
+              <a:schemeClr val="accent1"/>
+            </a:fillRef>
+            <a:effectRef idx="0">
+              <a:schemeClr val="accent1"/>
+            </a:effectRef>
+            <a:fontRef idx="minor">
+              <a:schemeClr val="lt1"/>
+            </a:fontRef>
+          </p:style>
+          <p:txBody>
+            <a:bodyPr rtlCol="0" anchor="ctr"/>
+            <a:lstStyle/>
+            <a:p>
+              <a:pPr algn="ctr"/>
+              <a:endParaRPr kumimoji="1" lang="zh-CN" altLang="en-US">
+                <a:solidFill>
+                  <a:schemeClr val="tx1"/>
+                </a:solidFill>
+              </a:endParaRPr>
+            </a:p>
+          </p:txBody>
+        </p:sp>
+        <p:sp>
+          <p:nvSpPr>
+            <p:cNvPr id="125" name="矩形 124">
+              <a:extLst>
+                <a:ext uri="{FF2B5EF4-FFF2-40B4-BE49-F238E27FC236}">
+                  <a16:creationId xmlns:a16="http://schemas.microsoft.com/office/drawing/2014/main" id="{C238EC03-8D11-FB41-9F83-0131683D976D}"/>
+                </a:ext>
+              </a:extLst>
+            </p:cNvPr>
+            <p:cNvSpPr/>
+            <p:nvPr/>
+          </p:nvSpPr>
+          <p:spPr>
+            <a:xfrm>
+              <a:off x="8477591" y="5531428"/>
+              <a:ext cx="522514" cy="380011"/>
+            </a:xfrm>
+            <a:prstGeom prst="rect">
+              <a:avLst/>
+            </a:prstGeom>
+            <a:noFill/>
+            <a:ln>
+              <a:solidFill>
+                <a:schemeClr val="tx1"/>
+              </a:solidFill>
+            </a:ln>
+            <a:sp3d/>
+          </p:spPr>
+          <p:style>
+            <a:lnRef idx="2">
+              <a:schemeClr val="accent1">
+                <a:shade val="50000"/>
+              </a:schemeClr>
+            </a:lnRef>
+            <a:fillRef idx="1">
+              <a:schemeClr val="accent1"/>
+            </a:fillRef>
+            <a:effectRef idx="0">
+              <a:schemeClr val="accent1"/>
+            </a:effectRef>
+            <a:fontRef idx="minor">
+              <a:schemeClr val="lt1"/>
+            </a:fontRef>
+          </p:style>
+          <p:txBody>
+            <a:bodyPr rtlCol="0" anchor="ctr"/>
+            <a:lstStyle/>
+            <a:p>
+              <a:pPr algn="ctr"/>
+              <a:endParaRPr kumimoji="1" lang="zh-CN" altLang="en-US">
+                <a:solidFill>
+                  <a:schemeClr val="tx1"/>
+                </a:solidFill>
+              </a:endParaRPr>
+            </a:p>
+          </p:txBody>
+        </p:sp>
+        <p:sp>
+          <p:nvSpPr>
+            <p:cNvPr id="126" name="矩形 125">
+              <a:extLst>
+                <a:ext uri="{FF2B5EF4-FFF2-40B4-BE49-F238E27FC236}">
+                  <a16:creationId xmlns:a16="http://schemas.microsoft.com/office/drawing/2014/main" id="{E3D25032-D58F-994B-9A29-03C074F524C6}"/>
+                </a:ext>
+              </a:extLst>
+            </p:cNvPr>
+            <p:cNvSpPr/>
+            <p:nvPr/>
+          </p:nvSpPr>
+          <p:spPr>
+            <a:xfrm>
+              <a:off x="9000105" y="5531428"/>
+              <a:ext cx="522514" cy="380011"/>
+            </a:xfrm>
+            <a:prstGeom prst="rect">
+              <a:avLst/>
+            </a:prstGeom>
+            <a:noFill/>
+            <a:ln>
+              <a:solidFill>
+                <a:schemeClr val="tx1"/>
+              </a:solidFill>
+            </a:ln>
+            <a:sp3d/>
+          </p:spPr>
+          <p:style>
+            <a:lnRef idx="2">
+              <a:schemeClr val="accent1">
+                <a:shade val="50000"/>
+              </a:schemeClr>
+            </a:lnRef>
+            <a:fillRef idx="1">
+              <a:schemeClr val="accent1"/>
+            </a:fillRef>
+            <a:effectRef idx="0">
+              <a:schemeClr val="accent1"/>
+            </a:effectRef>
+            <a:fontRef idx="minor">
+              <a:schemeClr val="lt1"/>
+            </a:fontRef>
+          </p:style>
+          <p:txBody>
+            <a:bodyPr rtlCol="0" anchor="ctr"/>
+            <a:lstStyle/>
+            <a:p>
+              <a:pPr algn="ctr"/>
+              <a:endParaRPr kumimoji="1" lang="zh-CN" altLang="en-US">
+                <a:solidFill>
+                  <a:schemeClr val="tx1"/>
+                </a:solidFill>
+              </a:endParaRPr>
+            </a:p>
+          </p:txBody>
+        </p:sp>
+        <p:sp>
+          <p:nvSpPr>
+            <p:cNvPr id="127" name="矩形 126">
+              <a:extLst>
+                <a:ext uri="{FF2B5EF4-FFF2-40B4-BE49-F238E27FC236}">
+                  <a16:creationId xmlns:a16="http://schemas.microsoft.com/office/drawing/2014/main" id="{BE6AAC64-043E-EB46-AA15-B2F09E282F14}"/>
+                </a:ext>
+              </a:extLst>
+            </p:cNvPr>
+            <p:cNvSpPr/>
+            <p:nvPr/>
+          </p:nvSpPr>
+          <p:spPr>
+            <a:xfrm>
+              <a:off x="9522619" y="5531427"/>
+              <a:ext cx="522514" cy="380011"/>
+            </a:xfrm>
+            <a:prstGeom prst="rect">
+              <a:avLst/>
+            </a:prstGeom>
+            <a:noFill/>
+            <a:ln>
+              <a:solidFill>
+                <a:schemeClr val="tx1"/>
+              </a:solidFill>
+            </a:ln>
+            <a:sp3d/>
+          </p:spPr>
+          <p:style>
+            <a:lnRef idx="2">
+              <a:schemeClr val="accent1">
+                <a:shade val="50000"/>
+              </a:schemeClr>
+            </a:lnRef>
+            <a:fillRef idx="1">
+              <a:schemeClr val="accent1"/>
+            </a:fillRef>
+            <a:effectRef idx="0">
+              <a:schemeClr val="accent1"/>
+            </a:effectRef>
+            <a:fontRef idx="minor">
+              <a:schemeClr val="lt1"/>
+            </a:fontRef>
+          </p:style>
+          <p:txBody>
+            <a:bodyPr rtlCol="0" anchor="ctr"/>
+            <a:lstStyle/>
+            <a:p>
+              <a:pPr algn="ctr"/>
+              <a:endParaRPr kumimoji="1" lang="zh-CN" altLang="en-US">
+                <a:solidFill>
+                  <a:schemeClr val="tx1"/>
+                </a:solidFill>
+              </a:endParaRPr>
+            </a:p>
+          </p:txBody>
+        </p:sp>
+        <p:sp>
+          <p:nvSpPr>
+            <p:cNvPr id="128" name="矩形 127">
+              <a:extLst>
+                <a:ext uri="{FF2B5EF4-FFF2-40B4-BE49-F238E27FC236}">
+                  <a16:creationId xmlns:a16="http://schemas.microsoft.com/office/drawing/2014/main" id="{AD2A0625-BBF7-984C-B641-CA6C77A0C7B4}"/>
+                </a:ext>
+              </a:extLst>
+            </p:cNvPr>
+            <p:cNvSpPr/>
+            <p:nvPr/>
+          </p:nvSpPr>
+          <p:spPr>
+            <a:xfrm>
+              <a:off x="7955077" y="5911438"/>
+              <a:ext cx="522514" cy="380011"/>
+            </a:xfrm>
+            <a:prstGeom prst="rect">
+              <a:avLst/>
+            </a:prstGeom>
+            <a:noFill/>
+            <a:ln>
+              <a:solidFill>
+                <a:schemeClr val="tx1"/>
+              </a:solidFill>
+            </a:ln>
+            <a:sp3d/>
+          </p:spPr>
+          <p:style>
+            <a:lnRef idx="2">
+              <a:schemeClr val="accent1">
+                <a:shade val="50000"/>
+              </a:schemeClr>
+            </a:lnRef>
+            <a:fillRef idx="1">
+              <a:schemeClr val="accent1"/>
+            </a:fillRef>
+            <a:effectRef idx="0">
+              <a:schemeClr val="accent1"/>
+            </a:effectRef>
+            <a:fontRef idx="minor">
+              <a:schemeClr val="lt1"/>
+            </a:fontRef>
+          </p:style>
+          <p:txBody>
+            <a:bodyPr rtlCol="0" anchor="ctr"/>
+            <a:lstStyle/>
+            <a:p>
+              <a:pPr algn="ctr"/>
+              <a:endParaRPr kumimoji="1" lang="zh-CN" altLang="en-US">
+                <a:solidFill>
+                  <a:schemeClr val="tx1"/>
+                </a:solidFill>
+              </a:endParaRPr>
+            </a:p>
+          </p:txBody>
+        </p:sp>
+        <p:sp>
+          <p:nvSpPr>
+            <p:cNvPr id="129" name="矩形 128">
+              <a:extLst>
+                <a:ext uri="{FF2B5EF4-FFF2-40B4-BE49-F238E27FC236}">
+                  <a16:creationId xmlns:a16="http://schemas.microsoft.com/office/drawing/2014/main" id="{CFE76468-C51F-A043-B036-103F3687B5E3}"/>
+                </a:ext>
+              </a:extLst>
+            </p:cNvPr>
+            <p:cNvSpPr/>
+            <p:nvPr/>
+          </p:nvSpPr>
+          <p:spPr>
+            <a:xfrm>
+              <a:off x="8477591" y="5911438"/>
+              <a:ext cx="522514" cy="380011"/>
+            </a:xfrm>
+            <a:prstGeom prst="rect">
+              <a:avLst/>
+            </a:prstGeom>
+            <a:noFill/>
+            <a:ln>
+              <a:solidFill>
+                <a:schemeClr val="tx1"/>
+              </a:solidFill>
+            </a:ln>
+            <a:sp3d/>
+          </p:spPr>
+          <p:style>
+            <a:lnRef idx="2">
+              <a:schemeClr val="accent1">
+                <a:shade val="50000"/>
+              </a:schemeClr>
+            </a:lnRef>
+            <a:fillRef idx="1">
+              <a:schemeClr val="accent1"/>
+            </a:fillRef>
+            <a:effectRef idx="0">
+              <a:schemeClr val="accent1"/>
+            </a:effectRef>
+            <a:fontRef idx="minor">
+              <a:schemeClr val="lt1"/>
+            </a:fontRef>
+          </p:style>
+          <p:txBody>
+            <a:bodyPr rtlCol="0" anchor="ctr"/>
+            <a:lstStyle/>
+            <a:p>
+              <a:pPr algn="ctr"/>
+              <a:endParaRPr kumimoji="1" lang="zh-CN" altLang="en-US">
+                <a:solidFill>
+                  <a:schemeClr val="tx1"/>
+                </a:solidFill>
+              </a:endParaRPr>
+            </a:p>
+          </p:txBody>
+        </p:sp>
+        <p:sp>
+          <p:nvSpPr>
+            <p:cNvPr id="130" name="矩形 129">
+              <a:extLst>
+                <a:ext uri="{FF2B5EF4-FFF2-40B4-BE49-F238E27FC236}">
+                  <a16:creationId xmlns:a16="http://schemas.microsoft.com/office/drawing/2014/main" id="{8A70F0D1-A19D-004D-AE2C-7C7207D4981D}"/>
+                </a:ext>
+              </a:extLst>
+            </p:cNvPr>
+            <p:cNvSpPr/>
+            <p:nvPr/>
+          </p:nvSpPr>
+          <p:spPr>
+            <a:xfrm>
+              <a:off x="9000105" y="5911438"/>
+              <a:ext cx="522514" cy="380011"/>
+            </a:xfrm>
+            <a:prstGeom prst="rect">
+              <a:avLst/>
+            </a:prstGeom>
+            <a:noFill/>
+            <a:ln>
+              <a:solidFill>
+                <a:schemeClr val="tx1"/>
+              </a:solidFill>
+            </a:ln>
+            <a:sp3d/>
+          </p:spPr>
+          <p:style>
+            <a:lnRef idx="2">
+              <a:schemeClr val="accent1">
+                <a:shade val="50000"/>
+              </a:schemeClr>
+            </a:lnRef>
+            <a:fillRef idx="1">
+              <a:schemeClr val="accent1"/>
+            </a:fillRef>
+            <a:effectRef idx="0">
+              <a:schemeClr val="accent1"/>
+            </a:effectRef>
+            <a:fontRef idx="minor">
+              <a:schemeClr val="lt1"/>
+            </a:fontRef>
+          </p:style>
+          <p:txBody>
+            <a:bodyPr rtlCol="0" anchor="ctr"/>
+            <a:lstStyle/>
+            <a:p>
+              <a:pPr algn="ctr"/>
+              <a:endParaRPr kumimoji="1" lang="zh-CN" altLang="en-US">
+                <a:solidFill>
+                  <a:schemeClr val="tx1"/>
+                </a:solidFill>
+              </a:endParaRPr>
+            </a:p>
+          </p:txBody>
+        </p:sp>
+        <p:sp>
+          <p:nvSpPr>
+            <p:cNvPr id="131" name="矩形 130">
+              <a:extLst>
+                <a:ext uri="{FF2B5EF4-FFF2-40B4-BE49-F238E27FC236}">
+                  <a16:creationId xmlns:a16="http://schemas.microsoft.com/office/drawing/2014/main" id="{0E8F2D4F-5255-B045-846F-AD54B8487BB4}"/>
+                </a:ext>
+              </a:extLst>
+            </p:cNvPr>
+            <p:cNvSpPr/>
+            <p:nvPr/>
+          </p:nvSpPr>
+          <p:spPr>
+            <a:xfrm>
+              <a:off x="9522619" y="5911437"/>
+              <a:ext cx="522514" cy="380011"/>
+            </a:xfrm>
+            <a:prstGeom prst="rect">
+              <a:avLst/>
+            </a:prstGeom>
+            <a:noFill/>
+            <a:ln>
+              <a:solidFill>
+                <a:schemeClr val="tx1"/>
+              </a:solidFill>
+            </a:ln>
+            <a:sp3d/>
+          </p:spPr>
+          <p:style>
+            <a:lnRef idx="2">
+              <a:schemeClr val="accent1">
+                <a:shade val="50000"/>
+              </a:schemeClr>
+            </a:lnRef>
+            <a:fillRef idx="1">
+              <a:schemeClr val="accent1"/>
+            </a:fillRef>
+            <a:effectRef idx="0">
+              <a:schemeClr val="accent1"/>
+            </a:effectRef>
+            <a:fontRef idx="minor">
+              <a:schemeClr val="lt1"/>
+            </a:fontRef>
+          </p:style>
+          <p:txBody>
+            <a:bodyPr rtlCol="0" anchor="ctr"/>
+            <a:lstStyle/>
+            <a:p>
+              <a:pPr algn="ctr"/>
+              <a:endParaRPr kumimoji="1" lang="zh-CN" altLang="en-US">
+                <a:solidFill>
+                  <a:schemeClr val="tx1"/>
+                </a:solidFill>
+              </a:endParaRPr>
+            </a:p>
+          </p:txBody>
+        </p:sp>
+        <p:sp>
+          <p:nvSpPr>
+            <p:cNvPr id="132" name="矩形 131">
+              <a:extLst>
+                <a:ext uri="{FF2B5EF4-FFF2-40B4-BE49-F238E27FC236}">
+                  <a16:creationId xmlns:a16="http://schemas.microsoft.com/office/drawing/2014/main" id="{00F516F3-1A3C-3D46-BC41-51BC617AB20B}"/>
+                </a:ext>
+              </a:extLst>
+            </p:cNvPr>
+            <p:cNvSpPr/>
+            <p:nvPr/>
+          </p:nvSpPr>
+          <p:spPr>
+            <a:xfrm>
+              <a:off x="7955077" y="6291449"/>
+              <a:ext cx="522514" cy="380011"/>
+            </a:xfrm>
+            <a:prstGeom prst="rect">
+              <a:avLst/>
+            </a:prstGeom>
+            <a:noFill/>
+            <a:ln>
+              <a:solidFill>
+                <a:schemeClr val="tx1"/>
+              </a:solidFill>
+            </a:ln>
+            <a:sp3d/>
+          </p:spPr>
+          <p:style>
+            <a:lnRef idx="2">
+              <a:schemeClr val="accent1">
+                <a:shade val="50000"/>
+              </a:schemeClr>
+            </a:lnRef>
+            <a:fillRef idx="1">
+              <a:schemeClr val="accent1"/>
+            </a:fillRef>
+            <a:effectRef idx="0">
+              <a:schemeClr val="accent1"/>
+            </a:effectRef>
+            <a:fontRef idx="minor">
+              <a:schemeClr val="lt1"/>
+            </a:fontRef>
+          </p:style>
+          <p:txBody>
+            <a:bodyPr rtlCol="0" anchor="ctr"/>
+            <a:lstStyle/>
+            <a:p>
+              <a:pPr algn="ctr"/>
+              <a:endParaRPr kumimoji="1" lang="zh-CN" altLang="en-US">
+                <a:solidFill>
+                  <a:schemeClr val="tx1"/>
+                </a:solidFill>
+              </a:endParaRPr>
+            </a:p>
+          </p:txBody>
+        </p:sp>
+        <p:sp>
+          <p:nvSpPr>
+            <p:cNvPr id="133" name="矩形 132">
+              <a:extLst>
+                <a:ext uri="{FF2B5EF4-FFF2-40B4-BE49-F238E27FC236}">
+                  <a16:creationId xmlns:a16="http://schemas.microsoft.com/office/drawing/2014/main" id="{E4895804-4598-EC43-B6A1-97411B1C78B2}"/>
+                </a:ext>
+              </a:extLst>
+            </p:cNvPr>
+            <p:cNvSpPr/>
+            <p:nvPr/>
+          </p:nvSpPr>
+          <p:spPr>
+            <a:xfrm>
+              <a:off x="8477591" y="6291449"/>
+              <a:ext cx="522514" cy="380011"/>
+            </a:xfrm>
+            <a:prstGeom prst="rect">
+              <a:avLst/>
+            </a:prstGeom>
+            <a:noFill/>
+            <a:ln>
+              <a:solidFill>
+                <a:schemeClr val="tx1"/>
+              </a:solidFill>
+            </a:ln>
+            <a:sp3d/>
+          </p:spPr>
+          <p:style>
+            <a:lnRef idx="2">
+              <a:schemeClr val="accent1">
+                <a:shade val="50000"/>
+              </a:schemeClr>
+            </a:lnRef>
+            <a:fillRef idx="1">
+              <a:schemeClr val="accent1"/>
+            </a:fillRef>
+            <a:effectRef idx="0">
+              <a:schemeClr val="accent1"/>
+            </a:effectRef>
+            <a:fontRef idx="minor">
+              <a:schemeClr val="lt1"/>
+            </a:fontRef>
+          </p:style>
+          <p:txBody>
+            <a:bodyPr rtlCol="0" anchor="ctr"/>
+            <a:lstStyle/>
+            <a:p>
+              <a:pPr algn="ctr"/>
+              <a:endParaRPr kumimoji="1" lang="zh-CN" altLang="en-US">
+                <a:solidFill>
+                  <a:schemeClr val="tx1"/>
+                </a:solidFill>
+              </a:endParaRPr>
+            </a:p>
+          </p:txBody>
+        </p:sp>
+        <p:sp>
+          <p:nvSpPr>
+            <p:cNvPr id="134" name="矩形 133">
+              <a:extLst>
+                <a:ext uri="{FF2B5EF4-FFF2-40B4-BE49-F238E27FC236}">
+                  <a16:creationId xmlns:a16="http://schemas.microsoft.com/office/drawing/2014/main" id="{0CCA7602-76F3-984A-B5A7-9CFD50402331}"/>
+                </a:ext>
+              </a:extLst>
+            </p:cNvPr>
+            <p:cNvSpPr/>
+            <p:nvPr/>
+          </p:nvSpPr>
+          <p:spPr>
+            <a:xfrm>
+              <a:off x="9000105" y="6291449"/>
+              <a:ext cx="522514" cy="380011"/>
+            </a:xfrm>
+            <a:prstGeom prst="rect">
+              <a:avLst/>
+            </a:prstGeom>
+            <a:noFill/>
+            <a:ln>
+              <a:solidFill>
+                <a:schemeClr val="tx1"/>
+              </a:solidFill>
+            </a:ln>
+            <a:sp3d/>
+          </p:spPr>
+          <p:style>
+            <a:lnRef idx="2">
+              <a:schemeClr val="accent1">
+                <a:shade val="50000"/>
+              </a:schemeClr>
+            </a:lnRef>
+            <a:fillRef idx="1">
+              <a:schemeClr val="accent1"/>
+            </a:fillRef>
+            <a:effectRef idx="0">
+              <a:schemeClr val="accent1"/>
+            </a:effectRef>
+            <a:fontRef idx="minor">
+              <a:schemeClr val="lt1"/>
+            </a:fontRef>
+          </p:style>
+          <p:txBody>
+            <a:bodyPr rtlCol="0" anchor="ctr"/>
+            <a:lstStyle/>
+            <a:p>
+              <a:pPr algn="ctr"/>
+              <a:endParaRPr kumimoji="1" lang="zh-CN" altLang="en-US">
+                <a:solidFill>
+                  <a:schemeClr val="tx1"/>
+                </a:solidFill>
+              </a:endParaRPr>
+            </a:p>
+          </p:txBody>
+        </p:sp>
+        <p:sp>
+          <p:nvSpPr>
+            <p:cNvPr id="135" name="矩形 134">
+              <a:extLst>
+                <a:ext uri="{FF2B5EF4-FFF2-40B4-BE49-F238E27FC236}">
+                  <a16:creationId xmlns:a16="http://schemas.microsoft.com/office/drawing/2014/main" id="{F960A3FE-BEB3-9844-849E-11ECA9A4E4E0}"/>
+                </a:ext>
+              </a:extLst>
+            </p:cNvPr>
+            <p:cNvSpPr/>
+            <p:nvPr/>
+          </p:nvSpPr>
+          <p:spPr>
+            <a:xfrm>
+              <a:off x="9522619" y="6291448"/>
+              <a:ext cx="522514" cy="380011"/>
+            </a:xfrm>
+            <a:prstGeom prst="rect">
+              <a:avLst/>
+            </a:prstGeom>
+            <a:noFill/>
+            <a:ln>
+              <a:solidFill>
+                <a:schemeClr val="tx1"/>
+              </a:solidFill>
+            </a:ln>
+            <a:sp3d/>
+          </p:spPr>
+          <p:style>
+            <a:lnRef idx="2">
+              <a:schemeClr val="accent1">
+                <a:shade val="50000"/>
+              </a:schemeClr>
+            </a:lnRef>
+            <a:fillRef idx="1">
+              <a:schemeClr val="accent1"/>
+            </a:fillRef>
+            <a:effectRef idx="0">
+              <a:schemeClr val="accent1"/>
+            </a:effectRef>
+            <a:fontRef idx="minor">
+              <a:schemeClr val="lt1"/>
+            </a:fontRef>
+          </p:style>
+          <p:txBody>
+            <a:bodyPr rtlCol="0" anchor="ctr"/>
+            <a:lstStyle/>
+            <a:p>
+              <a:pPr algn="ctr"/>
+              <a:endParaRPr kumimoji="1" lang="zh-CN" altLang="en-US">
+                <a:solidFill>
+                  <a:schemeClr val="tx1"/>
+                </a:solidFill>
+              </a:endParaRPr>
+            </a:p>
+          </p:txBody>
+        </p:sp>
+        <p:sp>
+          <p:nvSpPr>
+            <p:cNvPr id="136" name="矩形 135">
+              <a:extLst>
+                <a:ext uri="{FF2B5EF4-FFF2-40B4-BE49-F238E27FC236}">
+                  <a16:creationId xmlns:a16="http://schemas.microsoft.com/office/drawing/2014/main" id="{896C72B9-8228-7E48-AC7B-A877D0FB3C3B}"/>
+                </a:ext>
+              </a:extLst>
+            </p:cNvPr>
+            <p:cNvSpPr/>
+            <p:nvPr/>
+          </p:nvSpPr>
+          <p:spPr>
+            <a:xfrm>
+              <a:off x="7955077" y="6671459"/>
+              <a:ext cx="522514" cy="380011"/>
+            </a:xfrm>
+            <a:prstGeom prst="rect">
+              <a:avLst/>
+            </a:prstGeom>
+            <a:noFill/>
+            <a:ln>
+              <a:solidFill>
+                <a:schemeClr val="tx1"/>
+              </a:solidFill>
+            </a:ln>
+            <a:sp3d/>
+          </p:spPr>
+          <p:style>
+            <a:lnRef idx="2">
+              <a:schemeClr val="accent1">
+                <a:shade val="50000"/>
+              </a:schemeClr>
+            </a:lnRef>
+            <a:fillRef idx="1">
+              <a:schemeClr val="accent1"/>
+            </a:fillRef>
+            <a:effectRef idx="0">
+              <a:schemeClr val="accent1"/>
+            </a:effectRef>
+            <a:fontRef idx="minor">
+              <a:schemeClr val="lt1"/>
+            </a:fontRef>
+          </p:style>
+          <p:txBody>
+            <a:bodyPr rtlCol="0" anchor="ctr"/>
+            <a:lstStyle/>
+            <a:p>
+              <a:pPr algn="ctr"/>
+              <a:endParaRPr kumimoji="1" lang="zh-CN" altLang="en-US">
+                <a:solidFill>
+                  <a:schemeClr val="tx1"/>
+                </a:solidFill>
+              </a:endParaRPr>
+            </a:p>
+          </p:txBody>
+        </p:sp>
+        <p:sp>
+          <p:nvSpPr>
+            <p:cNvPr id="137" name="矩形 136">
+              <a:extLst>
+                <a:ext uri="{FF2B5EF4-FFF2-40B4-BE49-F238E27FC236}">
+                  <a16:creationId xmlns:a16="http://schemas.microsoft.com/office/drawing/2014/main" id="{6F1638FC-4BE2-4C4E-A795-7500E1918125}"/>
+                </a:ext>
+              </a:extLst>
+            </p:cNvPr>
+            <p:cNvSpPr/>
+            <p:nvPr/>
+          </p:nvSpPr>
+          <p:spPr>
+            <a:xfrm>
+              <a:off x="8477591" y="6671459"/>
+              <a:ext cx="522514" cy="380011"/>
+            </a:xfrm>
+            <a:prstGeom prst="rect">
+              <a:avLst/>
+            </a:prstGeom>
+            <a:noFill/>
+            <a:ln>
+              <a:solidFill>
+                <a:schemeClr val="tx1"/>
+              </a:solidFill>
+            </a:ln>
+            <a:sp3d/>
+          </p:spPr>
+          <p:style>
+            <a:lnRef idx="2">
+              <a:schemeClr val="accent1">
+                <a:shade val="50000"/>
+              </a:schemeClr>
+            </a:lnRef>
+            <a:fillRef idx="1">
+              <a:schemeClr val="accent1"/>
+            </a:fillRef>
+            <a:effectRef idx="0">
+              <a:schemeClr val="accent1"/>
+            </a:effectRef>
+            <a:fontRef idx="minor">
+              <a:schemeClr val="lt1"/>
+            </a:fontRef>
+          </p:style>
+          <p:txBody>
+            <a:bodyPr rtlCol="0" anchor="ctr"/>
+            <a:lstStyle/>
+            <a:p>
+              <a:pPr algn="ctr"/>
+              <a:endParaRPr kumimoji="1" lang="zh-CN" altLang="en-US">
+                <a:solidFill>
+                  <a:schemeClr val="tx1"/>
+                </a:solidFill>
+              </a:endParaRPr>
+            </a:p>
+          </p:txBody>
+        </p:sp>
+        <p:sp>
+          <p:nvSpPr>
+            <p:cNvPr id="138" name="矩形 137">
+              <a:extLst>
+                <a:ext uri="{FF2B5EF4-FFF2-40B4-BE49-F238E27FC236}">
+                  <a16:creationId xmlns:a16="http://schemas.microsoft.com/office/drawing/2014/main" id="{B053713C-B6AC-9441-9851-70CD590BA8D7}"/>
+                </a:ext>
+              </a:extLst>
+            </p:cNvPr>
+            <p:cNvSpPr/>
+            <p:nvPr/>
+          </p:nvSpPr>
+          <p:spPr>
+            <a:xfrm>
+              <a:off x="9000105" y="6671459"/>
+              <a:ext cx="522514" cy="380011"/>
+            </a:xfrm>
+            <a:prstGeom prst="rect">
+              <a:avLst/>
+            </a:prstGeom>
+            <a:noFill/>
+            <a:ln>
+              <a:solidFill>
+                <a:schemeClr val="tx1"/>
+              </a:solidFill>
+            </a:ln>
+            <a:sp3d/>
+          </p:spPr>
+          <p:style>
+            <a:lnRef idx="2">
+              <a:schemeClr val="accent1">
+                <a:shade val="50000"/>
+              </a:schemeClr>
+            </a:lnRef>
+            <a:fillRef idx="1">
+              <a:schemeClr val="accent1"/>
+            </a:fillRef>
+            <a:effectRef idx="0">
+              <a:schemeClr val="accent1"/>
+            </a:effectRef>
+            <a:fontRef idx="minor">
+              <a:schemeClr val="lt1"/>
+            </a:fontRef>
+          </p:style>
+          <p:txBody>
+            <a:bodyPr rtlCol="0" anchor="ctr"/>
+            <a:lstStyle/>
+            <a:p>
+              <a:pPr algn="ctr"/>
+              <a:endParaRPr kumimoji="1" lang="zh-CN" altLang="en-US">
+                <a:solidFill>
+                  <a:schemeClr val="tx1"/>
+                </a:solidFill>
+              </a:endParaRPr>
+            </a:p>
+          </p:txBody>
+        </p:sp>
+        <p:sp>
+          <p:nvSpPr>
+            <p:cNvPr id="139" name="矩形 138">
+              <a:extLst>
+                <a:ext uri="{FF2B5EF4-FFF2-40B4-BE49-F238E27FC236}">
+                  <a16:creationId xmlns:a16="http://schemas.microsoft.com/office/drawing/2014/main" id="{ED5A037F-05C8-E14D-8567-2D4FFB509308}"/>
+                </a:ext>
+              </a:extLst>
+            </p:cNvPr>
+            <p:cNvSpPr/>
+            <p:nvPr/>
+          </p:nvSpPr>
+          <p:spPr>
+            <a:xfrm>
+              <a:off x="9522619" y="6671458"/>
+              <a:ext cx="522514" cy="380011"/>
+            </a:xfrm>
+            <a:prstGeom prst="rect">
+              <a:avLst/>
+            </a:prstGeom>
+            <a:noFill/>
+            <a:ln>
+              <a:solidFill>
+                <a:schemeClr val="tx1"/>
+              </a:solidFill>
+            </a:ln>
+            <a:sp3d/>
+          </p:spPr>
+          <p:style>
+            <a:lnRef idx="2">
+              <a:schemeClr val="accent1">
+                <a:shade val="50000"/>
+              </a:schemeClr>
+            </a:lnRef>
+            <a:fillRef idx="1">
+              <a:schemeClr val="accent1"/>
+            </a:fillRef>
+            <a:effectRef idx="0">
+              <a:schemeClr val="accent1"/>
+            </a:effectRef>
+            <a:fontRef idx="minor">
+              <a:schemeClr val="lt1"/>
+            </a:fontRef>
+          </p:style>
+          <p:txBody>
+            <a:bodyPr rtlCol="0" anchor="ctr"/>
+            <a:lstStyle/>
+            <a:p>
+              <a:pPr algn="ctr"/>
+              <a:endParaRPr kumimoji="1" lang="zh-CN" altLang="en-US">
+                <a:solidFill>
+                  <a:schemeClr val="tx1"/>
+                </a:solidFill>
+              </a:endParaRPr>
+            </a:p>
+          </p:txBody>
+        </p:sp>
+        <p:sp>
+          <p:nvSpPr>
+            <p:cNvPr id="140" name="矩形 139">
+              <a:extLst>
+                <a:ext uri="{FF2B5EF4-FFF2-40B4-BE49-F238E27FC236}">
+                  <a16:creationId xmlns:a16="http://schemas.microsoft.com/office/drawing/2014/main" id="{7AC3E64D-21B6-B747-B372-B5DA5D194D08}"/>
+                </a:ext>
+              </a:extLst>
+            </p:cNvPr>
+            <p:cNvSpPr/>
+            <p:nvPr/>
+          </p:nvSpPr>
+          <p:spPr>
+            <a:xfrm>
+              <a:off x="10045133" y="4011387"/>
+              <a:ext cx="522514" cy="380011"/>
+            </a:xfrm>
+            <a:prstGeom prst="rect">
+              <a:avLst/>
+            </a:prstGeom>
+            <a:noFill/>
+            <a:ln>
+              <a:solidFill>
+                <a:schemeClr val="tx1"/>
+              </a:solidFill>
+            </a:ln>
+            <a:sp3d/>
+          </p:spPr>
+          <p:style>
+            <a:lnRef idx="2">
+              <a:schemeClr val="accent1">
+                <a:shade val="50000"/>
+              </a:schemeClr>
+            </a:lnRef>
+            <a:fillRef idx="1">
+              <a:schemeClr val="accent1"/>
+            </a:fillRef>
+            <a:effectRef idx="0">
+              <a:schemeClr val="accent1"/>
+            </a:effectRef>
+            <a:fontRef idx="minor">
+              <a:schemeClr val="lt1"/>
+            </a:fontRef>
+          </p:style>
+          <p:txBody>
+            <a:bodyPr rtlCol="0" anchor="ctr"/>
+            <a:lstStyle/>
+            <a:p>
+              <a:pPr algn="ctr"/>
+              <a:endParaRPr kumimoji="1" lang="zh-CN" altLang="en-US">
+                <a:solidFill>
+                  <a:schemeClr val="tx1"/>
+                </a:solidFill>
+              </a:endParaRPr>
+            </a:p>
+          </p:txBody>
+        </p:sp>
+        <p:sp>
+          <p:nvSpPr>
+            <p:cNvPr id="141" name="矩形 140">
+              <a:extLst>
+                <a:ext uri="{FF2B5EF4-FFF2-40B4-BE49-F238E27FC236}">
+                  <a16:creationId xmlns:a16="http://schemas.microsoft.com/office/drawing/2014/main" id="{6D351C9B-F107-BF46-B989-491C86EED834}"/>
+                </a:ext>
+              </a:extLst>
+            </p:cNvPr>
+            <p:cNvSpPr/>
+            <p:nvPr/>
+          </p:nvSpPr>
+          <p:spPr>
+            <a:xfrm>
+              <a:off x="10567647" y="4011387"/>
+              <a:ext cx="522514" cy="380011"/>
+            </a:xfrm>
+            <a:prstGeom prst="rect">
+              <a:avLst/>
+            </a:prstGeom>
+            <a:noFill/>
+            <a:ln>
+              <a:solidFill>
+                <a:schemeClr val="tx1"/>
+              </a:solidFill>
+            </a:ln>
+            <a:sp3d/>
+          </p:spPr>
+          <p:style>
+            <a:lnRef idx="2">
+              <a:schemeClr val="accent1">
+                <a:shade val="50000"/>
+              </a:schemeClr>
+            </a:lnRef>
+            <a:fillRef idx="1">
+              <a:schemeClr val="accent1"/>
+            </a:fillRef>
+            <a:effectRef idx="0">
+              <a:schemeClr val="accent1"/>
+            </a:effectRef>
+            <a:fontRef idx="minor">
+              <a:schemeClr val="lt1"/>
+            </a:fontRef>
+          </p:style>
+          <p:txBody>
+            <a:bodyPr rtlCol="0" anchor="ctr"/>
+            <a:lstStyle/>
+            <a:p>
+              <a:pPr algn="ctr"/>
+              <a:endParaRPr kumimoji="1" lang="zh-CN" altLang="en-US">
+                <a:solidFill>
+                  <a:schemeClr val="tx1"/>
+                </a:solidFill>
+              </a:endParaRPr>
+            </a:p>
+          </p:txBody>
+        </p:sp>
+        <p:sp>
+          <p:nvSpPr>
+            <p:cNvPr id="142" name="矩形 141">
+              <a:extLst>
+                <a:ext uri="{FF2B5EF4-FFF2-40B4-BE49-F238E27FC236}">
+                  <a16:creationId xmlns:a16="http://schemas.microsoft.com/office/drawing/2014/main" id="{4949741D-EC57-BC42-AAF7-5C53443DC78E}"/>
+                </a:ext>
+              </a:extLst>
+            </p:cNvPr>
+            <p:cNvSpPr/>
+            <p:nvPr/>
+          </p:nvSpPr>
+          <p:spPr>
+            <a:xfrm>
+              <a:off x="11090161" y="4011387"/>
+              <a:ext cx="522514" cy="380011"/>
+            </a:xfrm>
+            <a:prstGeom prst="rect">
+              <a:avLst/>
+            </a:prstGeom>
+            <a:noFill/>
+            <a:ln>
+              <a:solidFill>
+                <a:schemeClr val="tx1"/>
+              </a:solidFill>
+            </a:ln>
+            <a:sp3d/>
+          </p:spPr>
+          <p:style>
+            <a:lnRef idx="2">
+              <a:schemeClr val="accent1">
+                <a:shade val="50000"/>
+              </a:schemeClr>
+            </a:lnRef>
+            <a:fillRef idx="1">
+              <a:schemeClr val="accent1"/>
+            </a:fillRef>
+            <a:effectRef idx="0">
+              <a:schemeClr val="accent1"/>
+            </a:effectRef>
+            <a:fontRef idx="minor">
+              <a:schemeClr val="lt1"/>
+            </a:fontRef>
+          </p:style>
+          <p:txBody>
+            <a:bodyPr rtlCol="0" anchor="ctr"/>
+            <a:lstStyle/>
+            <a:p>
+              <a:pPr algn="ctr"/>
+              <a:endParaRPr kumimoji="1" lang="zh-CN" altLang="en-US">
+                <a:solidFill>
+                  <a:schemeClr val="tx1"/>
+                </a:solidFill>
+              </a:endParaRPr>
+            </a:p>
+          </p:txBody>
+        </p:sp>
+        <p:sp>
+          <p:nvSpPr>
+            <p:cNvPr id="143" name="矩形 142">
+              <a:extLst>
+                <a:ext uri="{FF2B5EF4-FFF2-40B4-BE49-F238E27FC236}">
+                  <a16:creationId xmlns:a16="http://schemas.microsoft.com/office/drawing/2014/main" id="{EF6E0B18-D4A1-2342-AC6B-FC38FB5D28A8}"/>
+                </a:ext>
+              </a:extLst>
+            </p:cNvPr>
+            <p:cNvSpPr/>
+            <p:nvPr/>
+          </p:nvSpPr>
+          <p:spPr>
+            <a:xfrm>
+              <a:off x="11612675" y="4011386"/>
+              <a:ext cx="522514" cy="380011"/>
+            </a:xfrm>
+            <a:prstGeom prst="rect">
+              <a:avLst/>
+            </a:prstGeom>
+            <a:noFill/>
+            <a:ln>
+              <a:solidFill>
+                <a:schemeClr val="tx1"/>
+              </a:solidFill>
+            </a:ln>
+            <a:sp3d/>
+          </p:spPr>
+          <p:style>
+            <a:lnRef idx="2">
+              <a:schemeClr val="accent1">
+                <a:shade val="50000"/>
+              </a:schemeClr>
+            </a:lnRef>
+            <a:fillRef idx="1">
+              <a:schemeClr val="accent1"/>
+            </a:fillRef>
+            <a:effectRef idx="0">
+              <a:schemeClr val="accent1"/>
+            </a:effectRef>
+            <a:fontRef idx="minor">
+              <a:schemeClr val="lt1"/>
+            </a:fontRef>
+          </p:style>
+          <p:txBody>
+            <a:bodyPr rtlCol="0" anchor="ctr"/>
+            <a:lstStyle/>
+            <a:p>
+              <a:pPr algn="ctr"/>
+              <a:endParaRPr kumimoji="1" lang="zh-CN" altLang="en-US">
+                <a:solidFill>
+                  <a:schemeClr val="tx1"/>
+                </a:solidFill>
+              </a:endParaRPr>
+            </a:p>
+          </p:txBody>
+        </p:sp>
+        <p:sp>
+          <p:nvSpPr>
+            <p:cNvPr id="144" name="矩形 143">
+              <a:extLst>
+                <a:ext uri="{FF2B5EF4-FFF2-40B4-BE49-F238E27FC236}">
+                  <a16:creationId xmlns:a16="http://schemas.microsoft.com/office/drawing/2014/main" id="{D9B687F4-FCC8-CA40-B54C-E823EC335810}"/>
+                </a:ext>
+              </a:extLst>
+            </p:cNvPr>
+            <p:cNvSpPr/>
+            <p:nvPr/>
+          </p:nvSpPr>
+          <p:spPr>
+            <a:xfrm>
+              <a:off x="10045133" y="4391397"/>
+              <a:ext cx="522514" cy="380011"/>
+            </a:xfrm>
+            <a:prstGeom prst="rect">
+              <a:avLst/>
+            </a:prstGeom>
+            <a:noFill/>
+            <a:ln>
+              <a:solidFill>
+                <a:schemeClr val="tx1"/>
+              </a:solidFill>
+            </a:ln>
+            <a:sp3d/>
+          </p:spPr>
+          <p:style>
+            <a:lnRef idx="2">
+              <a:schemeClr val="accent1">
+                <a:shade val="50000"/>
+              </a:schemeClr>
+            </a:lnRef>
+            <a:fillRef idx="1">
+              <a:schemeClr val="accent1"/>
+            </a:fillRef>
+            <a:effectRef idx="0">
+              <a:schemeClr val="accent1"/>
+            </a:effectRef>
+            <a:fontRef idx="minor">
+              <a:schemeClr val="lt1"/>
+            </a:fontRef>
+          </p:style>
+          <p:txBody>
+            <a:bodyPr rtlCol="0" anchor="ctr"/>
+            <a:lstStyle/>
+            <a:p>
+              <a:pPr algn="ctr"/>
+              <a:endParaRPr kumimoji="1" lang="zh-CN" altLang="en-US">
+                <a:solidFill>
+                  <a:schemeClr val="tx1"/>
+                </a:solidFill>
+              </a:endParaRPr>
+            </a:p>
+          </p:txBody>
+        </p:sp>
+        <p:sp>
+          <p:nvSpPr>
+            <p:cNvPr id="145" name="矩形 144">
+              <a:extLst>
+                <a:ext uri="{FF2B5EF4-FFF2-40B4-BE49-F238E27FC236}">
+                  <a16:creationId xmlns:a16="http://schemas.microsoft.com/office/drawing/2014/main" id="{A6E33069-FA1E-0E4C-B94A-7B8DA353F940}"/>
+                </a:ext>
+              </a:extLst>
+            </p:cNvPr>
+            <p:cNvSpPr/>
+            <p:nvPr/>
+          </p:nvSpPr>
+          <p:spPr>
+            <a:xfrm>
+              <a:off x="10567647" y="4391397"/>
+              <a:ext cx="522514" cy="380011"/>
+            </a:xfrm>
+            <a:prstGeom prst="rect">
+              <a:avLst/>
+            </a:prstGeom>
+            <a:noFill/>
+            <a:ln>
+              <a:solidFill>
+                <a:schemeClr val="tx1"/>
+              </a:solidFill>
+            </a:ln>
+            <a:sp3d/>
+          </p:spPr>
+          <p:style>
+            <a:lnRef idx="2">
+              <a:schemeClr val="accent1">
+                <a:shade val="50000"/>
+              </a:schemeClr>
+            </a:lnRef>
+            <a:fillRef idx="1">
+              <a:schemeClr val="accent1"/>
+            </a:fillRef>
+            <a:effectRef idx="0">
+              <a:schemeClr val="accent1"/>
+            </a:effectRef>
+            <a:fontRef idx="minor">
+              <a:schemeClr val="lt1"/>
+            </a:fontRef>
+          </p:style>
+          <p:txBody>
+            <a:bodyPr rtlCol="0" anchor="ctr"/>
+            <a:lstStyle/>
+            <a:p>
+              <a:pPr algn="ctr"/>
+              <a:endParaRPr kumimoji="1" lang="zh-CN" altLang="en-US">
+                <a:solidFill>
+                  <a:schemeClr val="tx1"/>
+                </a:solidFill>
+              </a:endParaRPr>
+            </a:p>
+          </p:txBody>
+        </p:sp>
+        <p:sp>
+          <p:nvSpPr>
+            <p:cNvPr id="146" name="矩形 145">
+              <a:extLst>
+                <a:ext uri="{FF2B5EF4-FFF2-40B4-BE49-F238E27FC236}">
+                  <a16:creationId xmlns:a16="http://schemas.microsoft.com/office/drawing/2014/main" id="{6F4ECA46-EDA0-6748-A3CD-BC9F99CD20BC}"/>
+                </a:ext>
+              </a:extLst>
+            </p:cNvPr>
+            <p:cNvSpPr/>
+            <p:nvPr/>
+          </p:nvSpPr>
+          <p:spPr>
+            <a:xfrm>
+              <a:off x="11090161" y="4391397"/>
+              <a:ext cx="522514" cy="380011"/>
+            </a:xfrm>
+            <a:prstGeom prst="rect">
+              <a:avLst/>
+            </a:prstGeom>
+            <a:noFill/>
+            <a:ln>
+              <a:solidFill>
+                <a:schemeClr val="tx1"/>
+              </a:solidFill>
+            </a:ln>
+            <a:sp3d/>
+          </p:spPr>
+          <p:style>
+            <a:lnRef idx="2">
+              <a:schemeClr val="accent1">
+                <a:shade val="50000"/>
+              </a:schemeClr>
+            </a:lnRef>
+            <a:fillRef idx="1">
+              <a:schemeClr val="accent1"/>
+            </a:fillRef>
+            <a:effectRef idx="0">
+              <a:schemeClr val="accent1"/>
+            </a:effectRef>
+            <a:fontRef idx="minor">
+              <a:schemeClr val="lt1"/>
+            </a:fontRef>
+          </p:style>
+          <p:txBody>
+            <a:bodyPr rtlCol="0" anchor="ctr"/>
+            <a:lstStyle/>
+            <a:p>
+              <a:pPr algn="ctr"/>
+              <a:endParaRPr kumimoji="1" lang="zh-CN" altLang="en-US">
+                <a:solidFill>
+                  <a:schemeClr val="tx1"/>
+                </a:solidFill>
+              </a:endParaRPr>
+            </a:p>
+          </p:txBody>
+        </p:sp>
+        <p:sp>
+          <p:nvSpPr>
+            <p:cNvPr id="147" name="矩形 146">
+              <a:extLst>
+                <a:ext uri="{FF2B5EF4-FFF2-40B4-BE49-F238E27FC236}">
+                  <a16:creationId xmlns:a16="http://schemas.microsoft.com/office/drawing/2014/main" id="{DED536BC-4F46-374C-BF05-65FCCCF726AE}"/>
+                </a:ext>
+              </a:extLst>
+            </p:cNvPr>
+            <p:cNvSpPr/>
+            <p:nvPr/>
+          </p:nvSpPr>
+          <p:spPr>
+            <a:xfrm>
+              <a:off x="11612675" y="4391396"/>
+              <a:ext cx="522514" cy="380011"/>
+            </a:xfrm>
+            <a:prstGeom prst="rect">
+              <a:avLst/>
+            </a:prstGeom>
+            <a:noFill/>
+            <a:ln>
+              <a:solidFill>
+                <a:schemeClr val="tx1"/>
+              </a:solidFill>
+            </a:ln>
+            <a:sp3d/>
+          </p:spPr>
+          <p:style>
+            <a:lnRef idx="2">
+              <a:schemeClr val="accent1">
+                <a:shade val="50000"/>
+              </a:schemeClr>
+            </a:lnRef>
+            <a:fillRef idx="1">
+              <a:schemeClr val="accent1"/>
+            </a:fillRef>
+            <a:effectRef idx="0">
+              <a:schemeClr val="accent1"/>
+            </a:effectRef>
+            <a:fontRef idx="minor">
+              <a:schemeClr val="lt1"/>
+            </a:fontRef>
+          </p:style>
+          <p:txBody>
+            <a:bodyPr rtlCol="0" anchor="ctr"/>
+            <a:lstStyle/>
+            <a:p>
+              <a:pPr algn="ctr"/>
+              <a:endParaRPr kumimoji="1" lang="zh-CN" altLang="en-US">
+                <a:solidFill>
+                  <a:schemeClr val="tx1"/>
+                </a:solidFill>
+              </a:endParaRPr>
+            </a:p>
+          </p:txBody>
+        </p:sp>
+        <p:sp>
+          <p:nvSpPr>
+            <p:cNvPr id="148" name="矩形 147">
+              <a:extLst>
+                <a:ext uri="{FF2B5EF4-FFF2-40B4-BE49-F238E27FC236}">
+                  <a16:creationId xmlns:a16="http://schemas.microsoft.com/office/drawing/2014/main" id="{2B3E45D9-F41F-AF4B-8C53-07A120279C1E}"/>
+                </a:ext>
+              </a:extLst>
+            </p:cNvPr>
+            <p:cNvSpPr/>
+            <p:nvPr/>
+          </p:nvSpPr>
+          <p:spPr>
+            <a:xfrm>
+              <a:off x="10045133" y="4771408"/>
+              <a:ext cx="522514" cy="380011"/>
+            </a:xfrm>
+            <a:prstGeom prst="rect">
+              <a:avLst/>
+            </a:prstGeom>
+            <a:noFill/>
+            <a:ln>
+              <a:solidFill>
+                <a:schemeClr val="tx1"/>
+              </a:solidFill>
+            </a:ln>
+            <a:sp3d/>
+          </p:spPr>
+          <p:style>
+            <a:lnRef idx="2">
+              <a:schemeClr val="accent1">
+                <a:shade val="50000"/>
+              </a:schemeClr>
+            </a:lnRef>
+            <a:fillRef idx="1">
+              <a:schemeClr val="accent1"/>
+            </a:fillRef>
+            <a:effectRef idx="0">
+              <a:schemeClr val="accent1"/>
+            </a:effectRef>
+            <a:fontRef idx="minor">
+              <a:schemeClr val="lt1"/>
+            </a:fontRef>
+          </p:style>
+          <p:txBody>
+            <a:bodyPr rtlCol="0" anchor="ctr"/>
+            <a:lstStyle/>
+            <a:p>
+              <a:pPr algn="ctr"/>
+              <a:endParaRPr kumimoji="1" lang="zh-CN" altLang="en-US">
+                <a:solidFill>
+                  <a:schemeClr val="tx1"/>
+                </a:solidFill>
+              </a:endParaRPr>
+            </a:p>
+          </p:txBody>
+        </p:sp>
+        <p:sp>
+          <p:nvSpPr>
+            <p:cNvPr id="149" name="矩形 148">
+              <a:extLst>
+                <a:ext uri="{FF2B5EF4-FFF2-40B4-BE49-F238E27FC236}">
+                  <a16:creationId xmlns:a16="http://schemas.microsoft.com/office/drawing/2014/main" id="{70230BD3-AF8F-2849-8707-F0A7723B096C}"/>
+                </a:ext>
+              </a:extLst>
+            </p:cNvPr>
+            <p:cNvSpPr/>
+            <p:nvPr/>
+          </p:nvSpPr>
+          <p:spPr>
+            <a:xfrm>
+              <a:off x="10567647" y="4771408"/>
+              <a:ext cx="522514" cy="380011"/>
+            </a:xfrm>
+            <a:prstGeom prst="rect">
+              <a:avLst/>
+            </a:prstGeom>
+            <a:noFill/>
+            <a:ln>
+              <a:solidFill>
+                <a:schemeClr val="tx1"/>
+              </a:solidFill>
+            </a:ln>
+            <a:sp3d/>
+          </p:spPr>
+          <p:style>
+            <a:lnRef idx="2">
+              <a:schemeClr val="accent1">
+                <a:shade val="50000"/>
+              </a:schemeClr>
+            </a:lnRef>
+            <a:fillRef idx="1">
+              <a:schemeClr val="accent1"/>
+            </a:fillRef>
+            <a:effectRef idx="0">
+              <a:schemeClr val="accent1"/>
+            </a:effectRef>
+            <a:fontRef idx="minor">
+              <a:schemeClr val="lt1"/>
+            </a:fontRef>
+          </p:style>
+          <p:txBody>
+            <a:bodyPr rtlCol="0" anchor="ctr"/>
+            <a:lstStyle/>
+            <a:p>
+              <a:pPr algn="ctr"/>
+              <a:endParaRPr kumimoji="1" lang="zh-CN" altLang="en-US">
+                <a:solidFill>
+                  <a:schemeClr val="tx1"/>
+                </a:solidFill>
+              </a:endParaRPr>
+            </a:p>
+          </p:txBody>
+        </p:sp>
+        <p:sp>
+          <p:nvSpPr>
+            <p:cNvPr id="150" name="矩形 149">
+              <a:extLst>
+                <a:ext uri="{FF2B5EF4-FFF2-40B4-BE49-F238E27FC236}">
+                  <a16:creationId xmlns:a16="http://schemas.microsoft.com/office/drawing/2014/main" id="{3F0A8736-0FFD-E544-8DEE-07DC64CC4A21}"/>
+                </a:ext>
+              </a:extLst>
+            </p:cNvPr>
+            <p:cNvSpPr/>
+            <p:nvPr/>
+          </p:nvSpPr>
+          <p:spPr>
+            <a:xfrm>
+              <a:off x="11090161" y="4771408"/>
+              <a:ext cx="522514" cy="380011"/>
+            </a:xfrm>
+            <a:prstGeom prst="rect">
+              <a:avLst/>
+            </a:prstGeom>
+            <a:noFill/>
+            <a:ln>
+              <a:solidFill>
+                <a:schemeClr val="tx1"/>
+              </a:solidFill>
+            </a:ln>
+            <a:sp3d/>
+          </p:spPr>
+          <p:style>
+            <a:lnRef idx="2">
+              <a:schemeClr val="accent1">
+                <a:shade val="50000"/>
+              </a:schemeClr>
+            </a:lnRef>
+            <a:fillRef idx="1">
+              <a:schemeClr val="accent1"/>
+            </a:fillRef>
+            <a:effectRef idx="0">
+              <a:schemeClr val="accent1"/>
+            </a:effectRef>
+            <a:fontRef idx="minor">
+              <a:schemeClr val="lt1"/>
+            </a:fontRef>
+          </p:style>
+          <p:txBody>
+            <a:bodyPr rtlCol="0" anchor="ctr"/>
+            <a:lstStyle/>
+            <a:p>
+              <a:pPr algn="ctr"/>
+              <a:endParaRPr kumimoji="1" lang="zh-CN" altLang="en-US">
+                <a:solidFill>
+                  <a:schemeClr val="tx1"/>
+                </a:solidFill>
+              </a:endParaRPr>
+            </a:p>
+          </p:txBody>
+        </p:sp>
+        <p:sp>
+          <p:nvSpPr>
+            <p:cNvPr id="151" name="矩形 150">
+              <a:extLst>
+                <a:ext uri="{FF2B5EF4-FFF2-40B4-BE49-F238E27FC236}">
+                  <a16:creationId xmlns:a16="http://schemas.microsoft.com/office/drawing/2014/main" id="{5C662B37-3CD0-3D4C-9256-AFEC22D25A32}"/>
+                </a:ext>
+              </a:extLst>
+            </p:cNvPr>
+            <p:cNvSpPr/>
+            <p:nvPr/>
+          </p:nvSpPr>
+          <p:spPr>
+            <a:xfrm>
+              <a:off x="11612675" y="4771407"/>
+              <a:ext cx="522514" cy="380011"/>
+            </a:xfrm>
+            <a:prstGeom prst="rect">
+              <a:avLst/>
+            </a:prstGeom>
+            <a:noFill/>
+            <a:ln>
+              <a:solidFill>
+                <a:schemeClr val="tx1"/>
+              </a:solidFill>
+            </a:ln>
+            <a:sp3d/>
+          </p:spPr>
+          <p:style>
+            <a:lnRef idx="2">
+              <a:schemeClr val="accent1">
+                <a:shade val="50000"/>
+              </a:schemeClr>
+            </a:lnRef>
+            <a:fillRef idx="1">
+              <a:schemeClr val="accent1"/>
+            </a:fillRef>
+            <a:effectRef idx="0">
+              <a:schemeClr val="accent1"/>
+            </a:effectRef>
+            <a:fontRef idx="minor">
+              <a:schemeClr val="lt1"/>
+            </a:fontRef>
+          </p:style>
+          <p:txBody>
+            <a:bodyPr rtlCol="0" anchor="ctr"/>
+            <a:lstStyle/>
+            <a:p>
+              <a:pPr algn="ctr"/>
+              <a:endParaRPr kumimoji="1" lang="zh-CN" altLang="en-US">
+                <a:solidFill>
+                  <a:schemeClr val="tx1"/>
+                </a:solidFill>
+              </a:endParaRPr>
+            </a:p>
+          </p:txBody>
+        </p:sp>
+        <p:sp>
+          <p:nvSpPr>
+            <p:cNvPr id="152" name="矩形 151">
+              <a:extLst>
+                <a:ext uri="{FF2B5EF4-FFF2-40B4-BE49-F238E27FC236}">
+                  <a16:creationId xmlns:a16="http://schemas.microsoft.com/office/drawing/2014/main" id="{5AF88D1C-9013-A446-86E3-4002480BFC25}"/>
+                </a:ext>
+              </a:extLst>
+            </p:cNvPr>
+            <p:cNvSpPr/>
+            <p:nvPr/>
+          </p:nvSpPr>
+          <p:spPr>
+            <a:xfrm>
+              <a:off x="10045133" y="5151418"/>
+              <a:ext cx="522514" cy="380011"/>
+            </a:xfrm>
+            <a:prstGeom prst="rect">
+              <a:avLst/>
+            </a:prstGeom>
+            <a:noFill/>
+            <a:ln>
+              <a:solidFill>
+                <a:schemeClr val="tx1"/>
+              </a:solidFill>
+            </a:ln>
+            <a:sp3d/>
+          </p:spPr>
+          <p:style>
+            <a:lnRef idx="2">
+              <a:schemeClr val="accent1">
+                <a:shade val="50000"/>
+              </a:schemeClr>
+            </a:lnRef>
+            <a:fillRef idx="1">
+              <a:schemeClr val="accent1"/>
+            </a:fillRef>
+            <a:effectRef idx="0">
+              <a:schemeClr val="accent1"/>
+            </a:effectRef>
+            <a:fontRef idx="minor">
+              <a:schemeClr val="lt1"/>
+            </a:fontRef>
+          </p:style>
+          <p:txBody>
+            <a:bodyPr rtlCol="0" anchor="ctr"/>
+            <a:lstStyle/>
+            <a:p>
+              <a:pPr algn="ctr"/>
+              <a:endParaRPr kumimoji="1" lang="zh-CN" altLang="en-US">
+                <a:solidFill>
+                  <a:schemeClr val="tx1"/>
+                </a:solidFill>
+              </a:endParaRPr>
+            </a:p>
+          </p:txBody>
+        </p:sp>
+        <p:sp>
+          <p:nvSpPr>
+            <p:cNvPr id="153" name="矩形 152">
+              <a:extLst>
+                <a:ext uri="{FF2B5EF4-FFF2-40B4-BE49-F238E27FC236}">
+                  <a16:creationId xmlns:a16="http://schemas.microsoft.com/office/drawing/2014/main" id="{6D407446-7C7E-2A40-8F28-423D12760DF6}"/>
+                </a:ext>
+              </a:extLst>
+            </p:cNvPr>
+            <p:cNvSpPr/>
+            <p:nvPr/>
+          </p:nvSpPr>
+          <p:spPr>
+            <a:xfrm>
+              <a:off x="10567647" y="5151418"/>
+              <a:ext cx="522514" cy="380011"/>
+            </a:xfrm>
+            <a:prstGeom prst="rect">
+              <a:avLst/>
+            </a:prstGeom>
+            <a:noFill/>
+            <a:ln>
+              <a:solidFill>
+                <a:schemeClr val="tx1"/>
+              </a:solidFill>
+            </a:ln>
+            <a:sp3d/>
+          </p:spPr>
+          <p:style>
+            <a:lnRef idx="2">
+              <a:schemeClr val="accent1">
+                <a:shade val="50000"/>
+              </a:schemeClr>
+            </a:lnRef>
+            <a:fillRef idx="1">
+              <a:schemeClr val="accent1"/>
+            </a:fillRef>
+            <a:effectRef idx="0">
+              <a:schemeClr val="accent1"/>
+            </a:effectRef>
+            <a:fontRef idx="minor">
+              <a:schemeClr val="lt1"/>
+            </a:fontRef>
+          </p:style>
+          <p:txBody>
+            <a:bodyPr rtlCol="0" anchor="ctr"/>
+            <a:lstStyle/>
+            <a:p>
+              <a:pPr algn="ctr"/>
+              <a:endParaRPr kumimoji="1" lang="zh-CN" altLang="en-US">
+                <a:solidFill>
+                  <a:schemeClr val="tx1"/>
+                </a:solidFill>
+              </a:endParaRPr>
+            </a:p>
+          </p:txBody>
+        </p:sp>
+        <p:sp>
+          <p:nvSpPr>
+            <p:cNvPr id="154" name="矩形 153">
+              <a:extLst>
+                <a:ext uri="{FF2B5EF4-FFF2-40B4-BE49-F238E27FC236}">
+                  <a16:creationId xmlns:a16="http://schemas.microsoft.com/office/drawing/2014/main" id="{275BA727-804E-EE47-9003-26807F34A382}"/>
+                </a:ext>
+              </a:extLst>
+            </p:cNvPr>
+            <p:cNvSpPr/>
+            <p:nvPr/>
+          </p:nvSpPr>
+          <p:spPr>
+            <a:xfrm>
+              <a:off x="11090161" y="5151418"/>
+              <a:ext cx="522514" cy="380011"/>
+            </a:xfrm>
+            <a:prstGeom prst="rect">
+              <a:avLst/>
+            </a:prstGeom>
+            <a:noFill/>
+            <a:ln>
+              <a:solidFill>
+                <a:schemeClr val="tx1"/>
+              </a:solidFill>
+            </a:ln>
+            <a:sp3d/>
+          </p:spPr>
+          <p:style>
+            <a:lnRef idx="2">
+              <a:schemeClr val="accent1">
+                <a:shade val="50000"/>
+              </a:schemeClr>
+            </a:lnRef>
+            <a:fillRef idx="1">
+              <a:schemeClr val="accent1"/>
+            </a:fillRef>
+            <a:effectRef idx="0">
+              <a:schemeClr val="accent1"/>
+            </a:effectRef>
+            <a:fontRef idx="minor">
+              <a:schemeClr val="lt1"/>
+            </a:fontRef>
+          </p:style>
+          <p:txBody>
+            <a:bodyPr rtlCol="0" anchor="ctr"/>
+            <a:lstStyle/>
+            <a:p>
+              <a:pPr algn="ctr"/>
+              <a:endParaRPr kumimoji="1" lang="zh-CN" altLang="en-US">
+                <a:solidFill>
+                  <a:schemeClr val="tx1"/>
+                </a:solidFill>
+              </a:endParaRPr>
+            </a:p>
+          </p:txBody>
+        </p:sp>
+        <p:sp>
+          <p:nvSpPr>
+            <p:cNvPr id="155" name="矩形 154">
+              <a:extLst>
+                <a:ext uri="{FF2B5EF4-FFF2-40B4-BE49-F238E27FC236}">
+                  <a16:creationId xmlns:a16="http://schemas.microsoft.com/office/drawing/2014/main" id="{D57679D9-9AFE-7E45-AEF0-44B63235FABD}"/>
+                </a:ext>
+              </a:extLst>
+            </p:cNvPr>
+            <p:cNvSpPr/>
+            <p:nvPr/>
+          </p:nvSpPr>
+          <p:spPr>
+            <a:xfrm>
+              <a:off x="11612675" y="5151417"/>
+              <a:ext cx="522514" cy="380011"/>
+            </a:xfrm>
+            <a:prstGeom prst="rect">
+              <a:avLst/>
+            </a:prstGeom>
+            <a:noFill/>
+            <a:ln>
+              <a:solidFill>
+                <a:schemeClr val="tx1"/>
+              </a:solidFill>
+            </a:ln>
+            <a:sp3d/>
+          </p:spPr>
+          <p:style>
+            <a:lnRef idx="2">
+              <a:schemeClr val="accent1">
+                <a:shade val="50000"/>
+              </a:schemeClr>
+            </a:lnRef>
+            <a:fillRef idx="1">
+              <a:schemeClr val="accent1"/>
+            </a:fillRef>
+            <a:effectRef idx="0">
+              <a:schemeClr val="accent1"/>
+            </a:effectRef>
+            <a:fontRef idx="minor">
+              <a:schemeClr val="lt1"/>
+            </a:fontRef>
+          </p:style>
+          <p:txBody>
+            <a:bodyPr rtlCol="0" anchor="ctr"/>
+            <a:lstStyle/>
+            <a:p>
+              <a:pPr algn="ctr"/>
+              <a:endParaRPr kumimoji="1" lang="zh-CN" altLang="en-US">
+                <a:solidFill>
+                  <a:schemeClr val="tx1"/>
+                </a:solidFill>
+              </a:endParaRPr>
+            </a:p>
+          </p:txBody>
+        </p:sp>
+        <p:sp>
+          <p:nvSpPr>
+            <p:cNvPr id="156" name="矩形 155">
+              <a:extLst>
+                <a:ext uri="{FF2B5EF4-FFF2-40B4-BE49-F238E27FC236}">
+                  <a16:creationId xmlns:a16="http://schemas.microsoft.com/office/drawing/2014/main" id="{6630E4A1-586C-CA4C-BA8A-21EEFE1A0258}"/>
+                </a:ext>
+              </a:extLst>
+            </p:cNvPr>
+            <p:cNvSpPr/>
+            <p:nvPr/>
+          </p:nvSpPr>
+          <p:spPr>
+            <a:xfrm>
+              <a:off x="10045133" y="5531428"/>
+              <a:ext cx="522514" cy="380011"/>
+            </a:xfrm>
+            <a:prstGeom prst="rect">
+              <a:avLst/>
+            </a:prstGeom>
+            <a:noFill/>
+            <a:ln>
+              <a:solidFill>
+                <a:schemeClr val="tx1"/>
+              </a:solidFill>
+            </a:ln>
+            <a:sp3d/>
+          </p:spPr>
+          <p:style>
+            <a:lnRef idx="2">
+              <a:schemeClr val="accent1">
+                <a:shade val="50000"/>
+              </a:schemeClr>
+            </a:lnRef>
+            <a:fillRef idx="1">
+              <a:schemeClr val="accent1"/>
+            </a:fillRef>
+            <a:effectRef idx="0">
+              <a:schemeClr val="accent1"/>
+            </a:effectRef>
+            <a:fontRef idx="minor">
+              <a:schemeClr val="lt1"/>
+            </a:fontRef>
+          </p:style>
+          <p:txBody>
+            <a:bodyPr rtlCol="0" anchor="ctr"/>
+            <a:lstStyle/>
+            <a:p>
+              <a:pPr algn="ctr"/>
+              <a:endParaRPr kumimoji="1" lang="zh-CN" altLang="en-US">
+                <a:solidFill>
+                  <a:schemeClr val="tx1"/>
+                </a:solidFill>
+              </a:endParaRPr>
+            </a:p>
+          </p:txBody>
+        </p:sp>
+        <p:sp>
+          <p:nvSpPr>
+            <p:cNvPr id="157" name="矩形 156">
+              <a:extLst>
+                <a:ext uri="{FF2B5EF4-FFF2-40B4-BE49-F238E27FC236}">
+                  <a16:creationId xmlns:a16="http://schemas.microsoft.com/office/drawing/2014/main" id="{75476FA2-7924-B84F-BD1F-51F749F62805}"/>
+                </a:ext>
+              </a:extLst>
+            </p:cNvPr>
+            <p:cNvSpPr/>
+            <p:nvPr/>
+          </p:nvSpPr>
+          <p:spPr>
+            <a:xfrm>
+              <a:off x="10567647" y="5531428"/>
+              <a:ext cx="522514" cy="380011"/>
+            </a:xfrm>
+            <a:prstGeom prst="rect">
+              <a:avLst/>
+            </a:prstGeom>
+            <a:noFill/>
+            <a:ln>
+              <a:solidFill>
+                <a:schemeClr val="tx1"/>
+              </a:solidFill>
+            </a:ln>
+            <a:sp3d/>
+          </p:spPr>
+          <p:style>
+            <a:lnRef idx="2">
+              <a:schemeClr val="accent1">
+                <a:shade val="50000"/>
+              </a:schemeClr>
+            </a:lnRef>
+            <a:fillRef idx="1">
+              <a:schemeClr val="accent1"/>
+            </a:fillRef>
+            <a:effectRef idx="0">
+              <a:schemeClr val="accent1"/>
+            </a:effectRef>
+            <a:fontRef idx="minor">
+              <a:schemeClr val="lt1"/>
+            </a:fontRef>
+          </p:style>
+          <p:txBody>
+            <a:bodyPr rtlCol="0" anchor="ctr"/>
+            <a:lstStyle/>
+            <a:p>
+              <a:pPr algn="ctr"/>
+              <a:endParaRPr kumimoji="1" lang="zh-CN" altLang="en-US">
+                <a:solidFill>
+                  <a:schemeClr val="tx1"/>
+                </a:solidFill>
+              </a:endParaRPr>
+            </a:p>
+          </p:txBody>
+        </p:sp>
+        <p:sp>
+          <p:nvSpPr>
+            <p:cNvPr id="158" name="矩形 157">
+              <a:extLst>
+                <a:ext uri="{FF2B5EF4-FFF2-40B4-BE49-F238E27FC236}">
+                  <a16:creationId xmlns:a16="http://schemas.microsoft.com/office/drawing/2014/main" id="{251A9346-B21F-AD44-9CEB-DC2E722E8BEA}"/>
+                </a:ext>
+              </a:extLst>
+            </p:cNvPr>
+            <p:cNvSpPr/>
+            <p:nvPr/>
+          </p:nvSpPr>
+          <p:spPr>
+            <a:xfrm>
+              <a:off x="11090161" y="5531428"/>
+              <a:ext cx="522514" cy="380011"/>
+            </a:xfrm>
+            <a:prstGeom prst="rect">
+              <a:avLst/>
+            </a:prstGeom>
+            <a:noFill/>
+            <a:ln>
+              <a:solidFill>
+                <a:schemeClr val="tx1"/>
+              </a:solidFill>
+            </a:ln>
+            <a:sp3d/>
+          </p:spPr>
+          <p:style>
+            <a:lnRef idx="2">
+              <a:schemeClr val="accent1">
+                <a:shade val="50000"/>
+              </a:schemeClr>
+            </a:lnRef>
+            <a:fillRef idx="1">
+              <a:schemeClr val="accent1"/>
+            </a:fillRef>
+            <a:effectRef idx="0">
+              <a:schemeClr val="accent1"/>
+            </a:effectRef>
+            <a:fontRef idx="minor">
+              <a:schemeClr val="lt1"/>
+            </a:fontRef>
+          </p:style>
+          <p:txBody>
+            <a:bodyPr rtlCol="0" anchor="ctr"/>
+            <a:lstStyle/>
+            <a:p>
+              <a:pPr algn="ctr"/>
+              <a:endParaRPr kumimoji="1" lang="zh-CN" altLang="en-US">
+                <a:solidFill>
+                  <a:schemeClr val="tx1"/>
+                </a:solidFill>
+              </a:endParaRPr>
+            </a:p>
+          </p:txBody>
+        </p:sp>
+        <p:sp>
+          <p:nvSpPr>
+            <p:cNvPr id="159" name="矩形 158">
+              <a:extLst>
+                <a:ext uri="{FF2B5EF4-FFF2-40B4-BE49-F238E27FC236}">
+                  <a16:creationId xmlns:a16="http://schemas.microsoft.com/office/drawing/2014/main" id="{460BF9CF-D947-6048-A024-49C05592DDCE}"/>
+                </a:ext>
+              </a:extLst>
+            </p:cNvPr>
+            <p:cNvSpPr/>
+            <p:nvPr/>
+          </p:nvSpPr>
+          <p:spPr>
+            <a:xfrm>
+              <a:off x="11612675" y="5531427"/>
+              <a:ext cx="522514" cy="380011"/>
+            </a:xfrm>
+            <a:prstGeom prst="rect">
+              <a:avLst/>
+            </a:prstGeom>
+            <a:noFill/>
+            <a:ln>
+              <a:solidFill>
+                <a:schemeClr val="tx1"/>
+              </a:solidFill>
+            </a:ln>
+            <a:sp3d/>
+          </p:spPr>
+          <p:style>
+            <a:lnRef idx="2">
+              <a:schemeClr val="accent1">
+                <a:shade val="50000"/>
+              </a:schemeClr>
+            </a:lnRef>
+            <a:fillRef idx="1">
+              <a:schemeClr val="accent1"/>
+            </a:fillRef>
+            <a:effectRef idx="0">
+              <a:schemeClr val="accent1"/>
+            </a:effectRef>
+            <a:fontRef idx="minor">
+              <a:schemeClr val="lt1"/>
+            </a:fontRef>
+          </p:style>
+          <p:txBody>
+            <a:bodyPr rtlCol="0" anchor="ctr"/>
+            <a:lstStyle/>
+            <a:p>
+              <a:pPr algn="ctr"/>
+              <a:endParaRPr kumimoji="1" lang="zh-CN" altLang="en-US">
+                <a:solidFill>
+                  <a:schemeClr val="tx1"/>
+                </a:solidFill>
+              </a:endParaRPr>
+            </a:p>
+          </p:txBody>
+        </p:sp>
+        <p:sp>
+          <p:nvSpPr>
+            <p:cNvPr id="160" name="矩形 159">
+              <a:extLst>
+                <a:ext uri="{FF2B5EF4-FFF2-40B4-BE49-F238E27FC236}">
+                  <a16:creationId xmlns:a16="http://schemas.microsoft.com/office/drawing/2014/main" id="{961861A7-7D8B-9D4E-9A45-66ED314E8A0E}"/>
+                </a:ext>
+              </a:extLst>
+            </p:cNvPr>
+            <p:cNvSpPr/>
+            <p:nvPr/>
+          </p:nvSpPr>
+          <p:spPr>
+            <a:xfrm>
+              <a:off x="10045133" y="5911438"/>
+              <a:ext cx="522514" cy="380011"/>
+            </a:xfrm>
+            <a:prstGeom prst="rect">
+              <a:avLst/>
+            </a:prstGeom>
+            <a:noFill/>
+            <a:ln>
+              <a:solidFill>
+                <a:schemeClr val="tx1"/>
+              </a:solidFill>
+            </a:ln>
+            <a:sp3d/>
+          </p:spPr>
+          <p:style>
+            <a:lnRef idx="2">
+              <a:schemeClr val="accent1">
+                <a:shade val="50000"/>
+              </a:schemeClr>
+            </a:lnRef>
+            <a:fillRef idx="1">
+              <a:schemeClr val="accent1"/>
+            </a:fillRef>
+            <a:effectRef idx="0">
+              <a:schemeClr val="accent1"/>
+            </a:effectRef>
+            <a:fontRef idx="minor">
+              <a:schemeClr val="lt1"/>
+            </a:fontRef>
+          </p:style>
+          <p:txBody>
+            <a:bodyPr rtlCol="0" anchor="ctr"/>
+            <a:lstStyle/>
+            <a:p>
+              <a:pPr algn="ctr"/>
+              <a:endParaRPr kumimoji="1" lang="zh-CN" altLang="en-US">
+                <a:solidFill>
+                  <a:schemeClr val="tx1"/>
+                </a:solidFill>
+              </a:endParaRPr>
+            </a:p>
+          </p:txBody>
+        </p:sp>
+        <p:sp>
+          <p:nvSpPr>
+            <p:cNvPr id="161" name="矩形 160">
+              <a:extLst>
+                <a:ext uri="{FF2B5EF4-FFF2-40B4-BE49-F238E27FC236}">
+                  <a16:creationId xmlns:a16="http://schemas.microsoft.com/office/drawing/2014/main" id="{8F526CD9-B8E4-E843-B037-05FC00BB083E}"/>
+                </a:ext>
+              </a:extLst>
+            </p:cNvPr>
+            <p:cNvSpPr/>
+            <p:nvPr/>
+          </p:nvSpPr>
+          <p:spPr>
+            <a:xfrm>
+              <a:off x="10567647" y="5911438"/>
+              <a:ext cx="522514" cy="380011"/>
+            </a:xfrm>
+            <a:prstGeom prst="rect">
+              <a:avLst/>
+            </a:prstGeom>
+            <a:noFill/>
+            <a:ln>
+              <a:solidFill>
+                <a:schemeClr val="tx1"/>
+              </a:solidFill>
+            </a:ln>
+            <a:sp3d/>
+          </p:spPr>
+          <p:style>
+            <a:lnRef idx="2">
+              <a:schemeClr val="accent1">
+                <a:shade val="50000"/>
+              </a:schemeClr>
+            </a:lnRef>
+            <a:fillRef idx="1">
+              <a:schemeClr val="accent1"/>
+            </a:fillRef>
+            <a:effectRef idx="0">
+              <a:schemeClr val="accent1"/>
+            </a:effectRef>
+            <a:fontRef idx="minor">
+              <a:schemeClr val="lt1"/>
+            </a:fontRef>
+          </p:style>
+          <p:txBody>
+            <a:bodyPr rtlCol="0" anchor="ctr"/>
+            <a:lstStyle/>
+            <a:p>
+              <a:pPr algn="ctr"/>
+              <a:endParaRPr kumimoji="1" lang="zh-CN" altLang="en-US">
+                <a:solidFill>
+                  <a:schemeClr val="tx1"/>
+                </a:solidFill>
+              </a:endParaRPr>
+            </a:p>
+          </p:txBody>
+        </p:sp>
+        <p:sp>
+          <p:nvSpPr>
+            <p:cNvPr id="162" name="矩形 161">
+              <a:extLst>
+                <a:ext uri="{FF2B5EF4-FFF2-40B4-BE49-F238E27FC236}">
+                  <a16:creationId xmlns:a16="http://schemas.microsoft.com/office/drawing/2014/main" id="{4FBA9B31-B5E5-2C48-AB22-F47DE75D6478}"/>
+                </a:ext>
+              </a:extLst>
+            </p:cNvPr>
+            <p:cNvSpPr/>
+            <p:nvPr/>
+          </p:nvSpPr>
+          <p:spPr>
+            <a:xfrm>
+              <a:off x="11090161" y="5911438"/>
+              <a:ext cx="522514" cy="380011"/>
+            </a:xfrm>
+            <a:prstGeom prst="rect">
+              <a:avLst/>
+            </a:prstGeom>
+            <a:noFill/>
+            <a:ln>
+              <a:solidFill>
+                <a:schemeClr val="tx1"/>
+              </a:solidFill>
+            </a:ln>
+            <a:sp3d/>
+          </p:spPr>
+          <p:style>
+            <a:lnRef idx="2">
+              <a:schemeClr val="accent1">
+                <a:shade val="50000"/>
+              </a:schemeClr>
+            </a:lnRef>
+            <a:fillRef idx="1">
+              <a:schemeClr val="accent1"/>
+            </a:fillRef>
+            <a:effectRef idx="0">
+              <a:schemeClr val="accent1"/>
+            </a:effectRef>
+            <a:fontRef idx="minor">
+              <a:schemeClr val="lt1"/>
+            </a:fontRef>
+          </p:style>
+          <p:txBody>
+            <a:bodyPr rtlCol="0" anchor="ctr"/>
+            <a:lstStyle/>
+            <a:p>
+              <a:pPr algn="ctr"/>
+              <a:endParaRPr kumimoji="1" lang="zh-CN" altLang="en-US">
+                <a:solidFill>
+                  <a:schemeClr val="tx1"/>
+                </a:solidFill>
+              </a:endParaRPr>
+            </a:p>
+          </p:txBody>
+        </p:sp>
+        <p:sp>
+          <p:nvSpPr>
+            <p:cNvPr id="163" name="矩形 162">
+              <a:extLst>
+                <a:ext uri="{FF2B5EF4-FFF2-40B4-BE49-F238E27FC236}">
+                  <a16:creationId xmlns:a16="http://schemas.microsoft.com/office/drawing/2014/main" id="{408F597B-A712-3946-8849-C620702358F2}"/>
+                </a:ext>
+              </a:extLst>
+            </p:cNvPr>
+            <p:cNvSpPr/>
+            <p:nvPr/>
+          </p:nvSpPr>
+          <p:spPr>
+            <a:xfrm>
+              <a:off x="11612675" y="5911437"/>
+              <a:ext cx="522514" cy="380011"/>
+            </a:xfrm>
+            <a:prstGeom prst="rect">
+              <a:avLst/>
+            </a:prstGeom>
+            <a:noFill/>
+            <a:ln>
+              <a:solidFill>
+                <a:schemeClr val="tx1"/>
+              </a:solidFill>
+            </a:ln>
+            <a:sp3d/>
+          </p:spPr>
+          <p:style>
+            <a:lnRef idx="2">
+              <a:schemeClr val="accent1">
+                <a:shade val="50000"/>
+              </a:schemeClr>
+            </a:lnRef>
+            <a:fillRef idx="1">
+              <a:schemeClr val="accent1"/>
+            </a:fillRef>
+            <a:effectRef idx="0">
+              <a:schemeClr val="accent1"/>
+            </a:effectRef>
+            <a:fontRef idx="minor">
+              <a:schemeClr val="lt1"/>
+            </a:fontRef>
+          </p:style>
+          <p:txBody>
+            <a:bodyPr rtlCol="0" anchor="ctr"/>
+            <a:lstStyle/>
+            <a:p>
+              <a:pPr algn="ctr"/>
+              <a:endParaRPr kumimoji="1" lang="zh-CN" altLang="en-US">
+                <a:solidFill>
+                  <a:schemeClr val="tx1"/>
+                </a:solidFill>
+              </a:endParaRPr>
+            </a:p>
+          </p:txBody>
+        </p:sp>
+        <p:sp>
+          <p:nvSpPr>
+            <p:cNvPr id="164" name="矩形 163">
+              <a:extLst>
+                <a:ext uri="{FF2B5EF4-FFF2-40B4-BE49-F238E27FC236}">
+                  <a16:creationId xmlns:a16="http://schemas.microsoft.com/office/drawing/2014/main" id="{D2E20414-3575-7242-BC98-BF815D992C29}"/>
+                </a:ext>
+              </a:extLst>
+            </p:cNvPr>
+            <p:cNvSpPr/>
+            <p:nvPr/>
+          </p:nvSpPr>
+          <p:spPr>
+            <a:xfrm>
+              <a:off x="10045133" y="6291449"/>
+              <a:ext cx="522514" cy="380011"/>
+            </a:xfrm>
+            <a:prstGeom prst="rect">
+              <a:avLst/>
+            </a:prstGeom>
+            <a:noFill/>
+            <a:ln>
+              <a:solidFill>
+                <a:schemeClr val="tx1"/>
+              </a:solidFill>
+            </a:ln>
+            <a:sp3d/>
+          </p:spPr>
+          <p:style>
+            <a:lnRef idx="2">
+              <a:schemeClr val="accent1">
+                <a:shade val="50000"/>
+              </a:schemeClr>
+            </a:lnRef>
+            <a:fillRef idx="1">
+              <a:schemeClr val="accent1"/>
+            </a:fillRef>
+            <a:effectRef idx="0">
+              <a:schemeClr val="accent1"/>
+            </a:effectRef>
+            <a:fontRef idx="minor">
+              <a:schemeClr val="lt1"/>
+            </a:fontRef>
+          </p:style>
+          <p:txBody>
+            <a:bodyPr rtlCol="0" anchor="ctr"/>
+            <a:lstStyle/>
+            <a:p>
+              <a:pPr algn="ctr"/>
+              <a:endParaRPr kumimoji="1" lang="zh-CN" altLang="en-US">
+                <a:solidFill>
+                  <a:schemeClr val="tx1"/>
+                </a:solidFill>
+              </a:endParaRPr>
+            </a:p>
+          </p:txBody>
+        </p:sp>
+        <p:sp>
+          <p:nvSpPr>
+            <p:cNvPr id="165" name="矩形 164">
+              <a:extLst>
+                <a:ext uri="{FF2B5EF4-FFF2-40B4-BE49-F238E27FC236}">
+                  <a16:creationId xmlns:a16="http://schemas.microsoft.com/office/drawing/2014/main" id="{387C7C06-B9DD-494D-8F68-008AF07937CA}"/>
+                </a:ext>
+              </a:extLst>
+            </p:cNvPr>
+            <p:cNvSpPr/>
+            <p:nvPr/>
+          </p:nvSpPr>
+          <p:spPr>
+            <a:xfrm>
+              <a:off x="10567647" y="6291449"/>
+              <a:ext cx="522514" cy="380011"/>
+            </a:xfrm>
+            <a:prstGeom prst="rect">
+              <a:avLst/>
+            </a:prstGeom>
+            <a:noFill/>
+            <a:ln>
+              <a:solidFill>
+                <a:schemeClr val="tx1"/>
+              </a:solidFill>
+            </a:ln>
+            <a:sp3d/>
+          </p:spPr>
+          <p:style>
+            <a:lnRef idx="2">
+              <a:schemeClr val="accent1">
+                <a:shade val="50000"/>
+              </a:schemeClr>
+            </a:lnRef>
+            <a:fillRef idx="1">
+              <a:schemeClr val="accent1"/>
+            </a:fillRef>
+            <a:effectRef idx="0">
+              <a:schemeClr val="accent1"/>
+            </a:effectRef>
+            <a:fontRef idx="minor">
+              <a:schemeClr val="lt1"/>
+            </a:fontRef>
+          </p:style>
+          <p:txBody>
+            <a:bodyPr rtlCol="0" anchor="ctr"/>
+            <a:lstStyle/>
+            <a:p>
+              <a:pPr algn="ctr"/>
+              <a:endParaRPr kumimoji="1" lang="zh-CN" altLang="en-US">
+                <a:solidFill>
+                  <a:schemeClr val="tx1"/>
+                </a:solidFill>
+              </a:endParaRPr>
+            </a:p>
+          </p:txBody>
+        </p:sp>
+        <p:sp>
+          <p:nvSpPr>
+            <p:cNvPr id="166" name="矩形 165">
+              <a:extLst>
+                <a:ext uri="{FF2B5EF4-FFF2-40B4-BE49-F238E27FC236}">
+                  <a16:creationId xmlns:a16="http://schemas.microsoft.com/office/drawing/2014/main" id="{547BA7FE-5721-5646-9EC1-BFC2D5EE0A43}"/>
+                </a:ext>
+              </a:extLst>
+            </p:cNvPr>
+            <p:cNvSpPr/>
+            <p:nvPr/>
+          </p:nvSpPr>
+          <p:spPr>
+            <a:xfrm>
+              <a:off x="11090161" y="6291449"/>
+              <a:ext cx="522514" cy="380011"/>
+            </a:xfrm>
+            <a:prstGeom prst="rect">
+              <a:avLst/>
+            </a:prstGeom>
+            <a:noFill/>
+            <a:ln>
+              <a:solidFill>
+                <a:schemeClr val="tx1"/>
+              </a:solidFill>
+            </a:ln>
+            <a:sp3d/>
+          </p:spPr>
+          <p:style>
+            <a:lnRef idx="2">
+              <a:schemeClr val="accent1">
+                <a:shade val="50000"/>
+              </a:schemeClr>
+            </a:lnRef>
+            <a:fillRef idx="1">
+              <a:schemeClr val="accent1"/>
+            </a:fillRef>
+            <a:effectRef idx="0">
+              <a:schemeClr val="accent1"/>
+            </a:effectRef>
+            <a:fontRef idx="minor">
+              <a:schemeClr val="lt1"/>
+            </a:fontRef>
+          </p:style>
+          <p:txBody>
+            <a:bodyPr rtlCol="0" anchor="ctr"/>
+            <a:lstStyle/>
+            <a:p>
+              <a:pPr algn="ctr"/>
+              <a:endParaRPr kumimoji="1" lang="zh-CN" altLang="en-US">
+                <a:solidFill>
+                  <a:schemeClr val="tx1"/>
+                </a:solidFill>
+              </a:endParaRPr>
+            </a:p>
+          </p:txBody>
+        </p:sp>
+        <p:sp>
+          <p:nvSpPr>
+            <p:cNvPr id="167" name="矩形 166">
+              <a:extLst>
+                <a:ext uri="{FF2B5EF4-FFF2-40B4-BE49-F238E27FC236}">
+                  <a16:creationId xmlns:a16="http://schemas.microsoft.com/office/drawing/2014/main" id="{C52A9651-E67C-9941-A7D9-2059EAFB0278}"/>
+                </a:ext>
+              </a:extLst>
+            </p:cNvPr>
+            <p:cNvSpPr/>
+            <p:nvPr/>
+          </p:nvSpPr>
+          <p:spPr>
+            <a:xfrm>
+              <a:off x="11612675" y="6291448"/>
+              <a:ext cx="522514" cy="380011"/>
+            </a:xfrm>
+            <a:prstGeom prst="rect">
+              <a:avLst/>
+            </a:prstGeom>
+            <a:noFill/>
+            <a:ln>
+              <a:solidFill>
+                <a:schemeClr val="tx1"/>
+              </a:solidFill>
+            </a:ln>
+            <a:sp3d/>
+          </p:spPr>
+          <p:style>
+            <a:lnRef idx="2">
+              <a:schemeClr val="accent1">
+                <a:shade val="50000"/>
+              </a:schemeClr>
+            </a:lnRef>
+            <a:fillRef idx="1">
+              <a:schemeClr val="accent1"/>
+            </a:fillRef>
+            <a:effectRef idx="0">
+              <a:schemeClr val="accent1"/>
+            </a:effectRef>
+            <a:fontRef idx="minor">
+              <a:schemeClr val="lt1"/>
+            </a:fontRef>
+          </p:style>
+          <p:txBody>
+            <a:bodyPr rtlCol="0" anchor="ctr"/>
+            <a:lstStyle/>
+            <a:p>
+              <a:pPr algn="ctr"/>
+              <a:endParaRPr kumimoji="1" lang="zh-CN" altLang="en-US">
+                <a:solidFill>
+                  <a:schemeClr val="tx1"/>
+                </a:solidFill>
+              </a:endParaRPr>
+            </a:p>
+          </p:txBody>
+        </p:sp>
+        <p:sp>
+          <p:nvSpPr>
+            <p:cNvPr id="168" name="矩形 167">
+              <a:extLst>
+                <a:ext uri="{FF2B5EF4-FFF2-40B4-BE49-F238E27FC236}">
+                  <a16:creationId xmlns:a16="http://schemas.microsoft.com/office/drawing/2014/main" id="{C583F477-D31A-844E-9C30-FB2F3C3339B2}"/>
+                </a:ext>
+              </a:extLst>
+            </p:cNvPr>
+            <p:cNvSpPr/>
+            <p:nvPr/>
+          </p:nvSpPr>
+          <p:spPr>
+            <a:xfrm>
+              <a:off x="10045133" y="6671459"/>
+              <a:ext cx="522514" cy="380011"/>
+            </a:xfrm>
+            <a:prstGeom prst="rect">
+              <a:avLst/>
+            </a:prstGeom>
+            <a:noFill/>
+            <a:ln>
+              <a:solidFill>
+                <a:schemeClr val="tx1"/>
+              </a:solidFill>
+            </a:ln>
+            <a:sp3d/>
+          </p:spPr>
+          <p:style>
+            <a:lnRef idx="2">
+              <a:schemeClr val="accent1">
+                <a:shade val="50000"/>
+              </a:schemeClr>
+            </a:lnRef>
+            <a:fillRef idx="1">
+              <a:schemeClr val="accent1"/>
+            </a:fillRef>
+            <a:effectRef idx="0">
+              <a:schemeClr val="accent1"/>
+            </a:effectRef>
+            <a:fontRef idx="minor">
+              <a:schemeClr val="lt1"/>
+            </a:fontRef>
+          </p:style>
+          <p:txBody>
+            <a:bodyPr rtlCol="0" anchor="ctr"/>
+            <a:lstStyle/>
+            <a:p>
+              <a:pPr algn="ctr"/>
+              <a:endParaRPr kumimoji="1" lang="zh-CN" altLang="en-US">
+                <a:solidFill>
+                  <a:schemeClr val="tx1"/>
+                </a:solidFill>
+              </a:endParaRPr>
+            </a:p>
+          </p:txBody>
+        </p:sp>
+        <p:sp>
+          <p:nvSpPr>
+            <p:cNvPr id="169" name="矩形 168">
+              <a:extLst>
+                <a:ext uri="{FF2B5EF4-FFF2-40B4-BE49-F238E27FC236}">
+                  <a16:creationId xmlns:a16="http://schemas.microsoft.com/office/drawing/2014/main" id="{C3D8E0E3-4A67-9D43-B2BA-4936D5168E1C}"/>
+                </a:ext>
+              </a:extLst>
+            </p:cNvPr>
+            <p:cNvSpPr/>
+            <p:nvPr/>
+          </p:nvSpPr>
+          <p:spPr>
+            <a:xfrm>
+              <a:off x="10567647" y="6671459"/>
+              <a:ext cx="522514" cy="380011"/>
+            </a:xfrm>
+            <a:prstGeom prst="rect">
+              <a:avLst/>
+            </a:prstGeom>
+            <a:noFill/>
+            <a:ln>
+              <a:solidFill>
+                <a:schemeClr val="tx1"/>
+              </a:solidFill>
+            </a:ln>
+            <a:sp3d/>
+          </p:spPr>
+          <p:style>
+            <a:lnRef idx="2">
+              <a:schemeClr val="accent1">
+                <a:shade val="50000"/>
+              </a:schemeClr>
+            </a:lnRef>
+            <a:fillRef idx="1">
+              <a:schemeClr val="accent1"/>
+            </a:fillRef>
+            <a:effectRef idx="0">
+              <a:schemeClr val="accent1"/>
+            </a:effectRef>
+            <a:fontRef idx="minor">
+              <a:schemeClr val="lt1"/>
+            </a:fontRef>
+          </p:style>
+          <p:txBody>
+            <a:bodyPr rtlCol="0" anchor="ctr"/>
+            <a:lstStyle/>
+            <a:p>
+              <a:pPr algn="ctr"/>
+              <a:endParaRPr kumimoji="1" lang="zh-CN" altLang="en-US">
+                <a:solidFill>
+                  <a:schemeClr val="tx1"/>
+                </a:solidFill>
+              </a:endParaRPr>
+            </a:p>
+          </p:txBody>
+        </p:sp>
+        <p:sp>
+          <p:nvSpPr>
+            <p:cNvPr id="170" name="矩形 169">
+              <a:extLst>
+                <a:ext uri="{FF2B5EF4-FFF2-40B4-BE49-F238E27FC236}">
+                  <a16:creationId xmlns:a16="http://schemas.microsoft.com/office/drawing/2014/main" id="{003F1B21-F395-6B41-874F-E6708941679C}"/>
+                </a:ext>
+              </a:extLst>
+            </p:cNvPr>
+            <p:cNvSpPr/>
+            <p:nvPr/>
+          </p:nvSpPr>
+          <p:spPr>
+            <a:xfrm>
+              <a:off x="11090161" y="6671459"/>
+              <a:ext cx="522514" cy="380011"/>
+            </a:xfrm>
+            <a:prstGeom prst="rect">
+              <a:avLst/>
+            </a:prstGeom>
+            <a:noFill/>
+            <a:ln>
+              <a:solidFill>
+                <a:schemeClr val="tx1"/>
+              </a:solidFill>
+            </a:ln>
+            <a:sp3d/>
+          </p:spPr>
+          <p:style>
+            <a:lnRef idx="2">
+              <a:schemeClr val="accent1">
+                <a:shade val="50000"/>
+              </a:schemeClr>
+            </a:lnRef>
+            <a:fillRef idx="1">
+              <a:schemeClr val="accent1"/>
+            </a:fillRef>
+            <a:effectRef idx="0">
+              <a:schemeClr val="accent1"/>
+            </a:effectRef>
+            <a:fontRef idx="minor">
+              <a:schemeClr val="lt1"/>
+            </a:fontRef>
+          </p:style>
+          <p:txBody>
+            <a:bodyPr rtlCol="0" anchor="ctr"/>
+            <a:lstStyle/>
+            <a:p>
+              <a:pPr algn="ctr"/>
+              <a:endParaRPr kumimoji="1" lang="zh-CN" altLang="en-US">
+                <a:solidFill>
+                  <a:schemeClr val="tx1"/>
+                </a:solidFill>
+              </a:endParaRPr>
+            </a:p>
+          </p:txBody>
+        </p:sp>
+        <p:sp>
+          <p:nvSpPr>
+            <p:cNvPr id="171" name="矩形 170">
+              <a:extLst>
+                <a:ext uri="{FF2B5EF4-FFF2-40B4-BE49-F238E27FC236}">
+                  <a16:creationId xmlns:a16="http://schemas.microsoft.com/office/drawing/2014/main" id="{1664A6D5-B62C-FC45-A86B-B30FAC80512A}"/>
+                </a:ext>
+              </a:extLst>
+            </p:cNvPr>
+            <p:cNvSpPr/>
+            <p:nvPr/>
+          </p:nvSpPr>
+          <p:spPr>
+            <a:xfrm>
+              <a:off x="11612675" y="6671458"/>
+              <a:ext cx="522514" cy="380011"/>
+            </a:xfrm>
+            <a:prstGeom prst="rect">
+              <a:avLst/>
+            </a:prstGeom>
+            <a:noFill/>
+            <a:ln>
+              <a:solidFill>
+                <a:schemeClr val="tx1"/>
+              </a:solidFill>
+            </a:ln>
+            <a:sp3d/>
+          </p:spPr>
+          <p:style>
+            <a:lnRef idx="2">
+              <a:schemeClr val="accent1">
+                <a:shade val="50000"/>
+              </a:schemeClr>
+            </a:lnRef>
+            <a:fillRef idx="1">
+              <a:schemeClr val="accent1"/>
+            </a:fillRef>
+            <a:effectRef idx="0">
+              <a:schemeClr val="accent1"/>
+            </a:effectRef>
+            <a:fontRef idx="minor">
+              <a:schemeClr val="lt1"/>
+            </a:fontRef>
+          </p:style>
+          <p:txBody>
+            <a:bodyPr rtlCol="0" anchor="ctr"/>
+            <a:lstStyle/>
+            <a:p>
+              <a:pPr algn="ctr"/>
+              <a:endParaRPr kumimoji="1" lang="zh-CN" altLang="en-US">
+                <a:solidFill>
+                  <a:schemeClr val="tx1"/>
+                </a:solidFill>
+              </a:endParaRPr>
+            </a:p>
+          </p:txBody>
+        </p:sp>
+      </p:grpSp>
+      <p:grpSp>
+        <p:nvGrpSpPr>
+          <p:cNvPr id="172" name="组合 171">
+            <a:extLst>
+              <a:ext uri="{FF2B5EF4-FFF2-40B4-BE49-F238E27FC236}">
+                <a16:creationId xmlns:a16="http://schemas.microsoft.com/office/drawing/2014/main" id="{2AF451E6-BE4A-914B-98AC-E0531FA8AC4D}"/>
+              </a:ext>
+            </a:extLst>
+          </p:cNvPr>
+          <p:cNvGrpSpPr/>
+          <p:nvPr/>
+        </p:nvGrpSpPr>
+        <p:grpSpPr>
+          <a:xfrm>
+            <a:off x="4768774" y="2597772"/>
+            <a:ext cx="1166647" cy="1031668"/>
+            <a:chOff x="1730248" y="2055916"/>
+            <a:chExt cx="1166647" cy="1732313"/>
+          </a:xfrm>
+        </p:grpSpPr>
+        <p:sp>
+          <p:nvSpPr>
+            <p:cNvPr id="173" name="矩形 172">
+              <a:extLst>
+                <a:ext uri="{FF2B5EF4-FFF2-40B4-BE49-F238E27FC236}">
+                  <a16:creationId xmlns:a16="http://schemas.microsoft.com/office/drawing/2014/main" id="{AF550CF0-476E-0E47-9E54-0DEFC79B33B1}"/>
+                </a:ext>
+              </a:extLst>
+            </p:cNvPr>
+            <p:cNvSpPr/>
+            <p:nvPr/>
+          </p:nvSpPr>
+          <p:spPr>
+            <a:xfrm>
+              <a:off x="1730248" y="2349812"/>
+              <a:ext cx="1166647" cy="1438417"/>
+            </a:xfrm>
+            <a:prstGeom prst="rect">
+              <a:avLst/>
+            </a:prstGeom>
+            <a:noFill/>
+            <a:ln>
+              <a:solidFill>
+                <a:schemeClr val="tx1"/>
+              </a:solidFill>
+            </a:ln>
+          </p:spPr>
+          <p:style>
+            <a:lnRef idx="2">
+              <a:schemeClr val="accent1">
+                <a:shade val="50000"/>
+              </a:schemeClr>
+            </a:lnRef>
+            <a:fillRef idx="1">
+              <a:schemeClr val="accent1"/>
+            </a:fillRef>
+            <a:effectRef idx="0">
+              <a:schemeClr val="accent1"/>
+            </a:effectRef>
+            <a:fontRef idx="minor">
+              <a:schemeClr val="lt1"/>
+            </a:fontRef>
+          </p:style>
+          <p:txBody>
+            <a:bodyPr rtlCol="0" anchor="ctr"/>
+            <a:lstStyle/>
+            <a:p>
+              <a:pPr algn="ctr"/>
+              <a:endParaRPr kumimoji="1" lang="zh-CN" altLang="en-US" sz="900">
+                <a:solidFill>
+                  <a:schemeClr val="tx1"/>
+                </a:solidFill>
+              </a:endParaRPr>
+            </a:p>
+          </p:txBody>
+        </p:sp>
+        <p:sp>
+          <p:nvSpPr>
+            <p:cNvPr id="174" name="矩形 173">
+              <a:extLst>
+                <a:ext uri="{FF2B5EF4-FFF2-40B4-BE49-F238E27FC236}">
+                  <a16:creationId xmlns:a16="http://schemas.microsoft.com/office/drawing/2014/main" id="{5AD0FA60-AAB0-E040-8186-63BDE80CB102}"/>
+                </a:ext>
+              </a:extLst>
+            </p:cNvPr>
+            <p:cNvSpPr/>
+            <p:nvPr/>
+          </p:nvSpPr>
+          <p:spPr>
+            <a:xfrm>
+              <a:off x="1730248" y="2545410"/>
+              <a:ext cx="1166647" cy="336331"/>
+            </a:xfrm>
+            <a:prstGeom prst="rect">
+              <a:avLst/>
+            </a:prstGeom>
+            <a:noFill/>
+            <a:ln>
+              <a:solidFill>
+                <a:schemeClr val="tx1"/>
+              </a:solidFill>
+            </a:ln>
+          </p:spPr>
+          <p:style>
+            <a:lnRef idx="2">
+              <a:schemeClr val="accent1">
+                <a:shade val="50000"/>
+              </a:schemeClr>
+            </a:lnRef>
+            <a:fillRef idx="1">
+              <a:schemeClr val="accent1"/>
+            </a:fillRef>
+            <a:effectRef idx="0">
+              <a:schemeClr val="accent1"/>
+            </a:effectRef>
+            <a:fontRef idx="minor">
+              <a:schemeClr val="lt1"/>
+            </a:fontRef>
+          </p:style>
+          <p:txBody>
+            <a:bodyPr rtlCol="0" anchor="ctr"/>
+            <a:lstStyle/>
+            <a:p>
+              <a:pPr algn="ctr"/>
+              <a:r>
+                <a:rPr lang="en-US" altLang="zh-CN" sz="900">
+                  <a:solidFill>
+                    <a:schemeClr val="tx1"/>
+                  </a:solidFill>
+                </a:rPr>
+                <a:t>vm_start</a:t>
+              </a:r>
+            </a:p>
+          </p:txBody>
+        </p:sp>
+        <p:sp>
+          <p:nvSpPr>
+            <p:cNvPr id="175" name="同侧圆角矩形 174">
+              <a:extLst>
+                <a:ext uri="{FF2B5EF4-FFF2-40B4-BE49-F238E27FC236}">
+                  <a16:creationId xmlns:a16="http://schemas.microsoft.com/office/drawing/2014/main" id="{D920AA41-8ABE-734F-B9D3-C0B31C94D050}"/>
+                </a:ext>
+              </a:extLst>
+            </p:cNvPr>
+            <p:cNvSpPr/>
+            <p:nvPr/>
+          </p:nvSpPr>
+          <p:spPr>
+            <a:xfrm>
+              <a:off x="1730248" y="2055916"/>
+              <a:ext cx="1166647" cy="293897"/>
+            </a:xfrm>
+            <a:prstGeom prst="round2SameRect">
+              <a:avLst/>
+            </a:prstGeom>
+            <a:noFill/>
+            <a:ln>
+              <a:solidFill>
+                <a:schemeClr val="tx1"/>
+              </a:solidFill>
+            </a:ln>
+          </p:spPr>
+          <p:style>
+            <a:lnRef idx="2">
+              <a:schemeClr val="accent1">
+                <a:shade val="50000"/>
+              </a:schemeClr>
+            </a:lnRef>
+            <a:fillRef idx="1">
+              <a:schemeClr val="accent1"/>
+            </a:fillRef>
+            <a:effectRef idx="0">
+              <a:schemeClr val="accent1"/>
+            </a:effectRef>
+            <a:fontRef idx="minor">
+              <a:schemeClr val="lt1"/>
+            </a:fontRef>
+          </p:style>
+          <p:txBody>
+            <a:bodyPr rot="0" spcFirstLastPara="0" vertOverflow="overflow" horzOverflow="overflow" vert="horz" wrap="square" lIns="91440" tIns="45720" rIns="91440" bIns="45720" numCol="1" spcCol="0" rtlCol="0" fromWordArt="0" anchor="ctr" anchorCtr="0" forceAA="0" compatLnSpc="1">
+              <a:prstTxWarp prst="textNoShape">
+                <a:avLst/>
+              </a:prstTxWarp>
+              <a:noAutofit/>
+            </a:bodyPr>
+            <a:lstStyle/>
+            <a:p>
+              <a:pPr algn="ctr"/>
+              <a:r>
+                <a:rPr lang="en-US" altLang="zh-CN" sz="900">
+                  <a:solidFill>
+                    <a:schemeClr val="tx1"/>
+                  </a:solidFill>
+                </a:rPr>
+                <a:t>vma_struct</a:t>
+              </a:r>
+            </a:p>
+          </p:txBody>
+        </p:sp>
+        <p:sp>
+          <p:nvSpPr>
+            <p:cNvPr id="176" name="矩形 175">
+              <a:extLst>
+                <a:ext uri="{FF2B5EF4-FFF2-40B4-BE49-F238E27FC236}">
+                  <a16:creationId xmlns:a16="http://schemas.microsoft.com/office/drawing/2014/main" id="{33908B4D-620F-834A-8530-37E61DCEBC0F}"/>
+                </a:ext>
+              </a:extLst>
+            </p:cNvPr>
+            <p:cNvSpPr/>
+            <p:nvPr/>
+          </p:nvSpPr>
+          <p:spPr>
+            <a:xfrm>
+              <a:off x="1730248" y="2981262"/>
+              <a:ext cx="1166647" cy="336331"/>
+            </a:xfrm>
+            <a:prstGeom prst="rect">
+              <a:avLst/>
+            </a:prstGeom>
+            <a:noFill/>
+            <a:ln>
+              <a:solidFill>
+                <a:schemeClr val="tx1"/>
+              </a:solidFill>
+            </a:ln>
+          </p:spPr>
+          <p:style>
+            <a:lnRef idx="2">
+              <a:schemeClr val="accent1">
+                <a:shade val="50000"/>
+              </a:schemeClr>
+            </a:lnRef>
+            <a:fillRef idx="1">
+              <a:schemeClr val="accent1"/>
+            </a:fillRef>
+            <a:effectRef idx="0">
+              <a:schemeClr val="accent1"/>
+            </a:effectRef>
+            <a:fontRef idx="minor">
+              <a:schemeClr val="lt1"/>
+            </a:fontRef>
+          </p:style>
+          <p:txBody>
+            <a:bodyPr rtlCol="0" anchor="ctr"/>
+            <a:lstStyle/>
+            <a:p>
+              <a:pPr algn="ctr"/>
+              <a:r>
+                <a:rPr lang="en-US" altLang="zh-CN" sz="900">
+                  <a:solidFill>
+                    <a:schemeClr val="tx1"/>
+                  </a:solidFill>
+                </a:rPr>
+                <a:t>vm_end</a:t>
+              </a:r>
+            </a:p>
+          </p:txBody>
+        </p:sp>
+        <p:sp>
+          <p:nvSpPr>
+            <p:cNvPr id="177" name="矩形 176">
+              <a:extLst>
+                <a:ext uri="{FF2B5EF4-FFF2-40B4-BE49-F238E27FC236}">
+                  <a16:creationId xmlns:a16="http://schemas.microsoft.com/office/drawing/2014/main" id="{578BB511-08E7-4F4B-9FAC-1DBE59403A90}"/>
+                </a:ext>
+              </a:extLst>
+            </p:cNvPr>
+            <p:cNvSpPr/>
+            <p:nvPr/>
+          </p:nvSpPr>
+          <p:spPr>
+            <a:xfrm>
+              <a:off x="1730248" y="3384745"/>
+              <a:ext cx="1166647" cy="336331"/>
+            </a:xfrm>
+            <a:prstGeom prst="rect">
+              <a:avLst/>
+            </a:prstGeom>
+            <a:noFill/>
+            <a:ln>
+              <a:solidFill>
+                <a:schemeClr val="tx1"/>
+              </a:solidFill>
+            </a:ln>
+          </p:spPr>
+          <p:style>
+            <a:lnRef idx="2">
+              <a:schemeClr val="accent1">
+                <a:shade val="50000"/>
+              </a:schemeClr>
+            </a:lnRef>
+            <a:fillRef idx="1">
+              <a:schemeClr val="accent1"/>
+            </a:fillRef>
+            <a:effectRef idx="0">
+              <a:schemeClr val="accent1"/>
+            </a:effectRef>
+            <a:fontRef idx="minor">
+              <a:schemeClr val="lt1"/>
+            </a:fontRef>
+          </p:style>
+          <p:txBody>
+            <a:bodyPr rtlCol="0" anchor="ctr"/>
+            <a:lstStyle/>
+            <a:p>
+              <a:pPr algn="ctr"/>
+              <a:r>
+                <a:rPr lang="en-US" altLang="zh-CN" sz="900">
+                  <a:solidFill>
+                    <a:schemeClr val="tx1"/>
+                  </a:solidFill>
+                </a:rPr>
+                <a:t>flags</a:t>
+              </a:r>
+            </a:p>
+          </p:txBody>
+        </p:sp>
+      </p:grpSp>
+      <p:grpSp>
+        <p:nvGrpSpPr>
+          <p:cNvPr id="178" name="组合 177">
+            <a:extLst>
+              <a:ext uri="{FF2B5EF4-FFF2-40B4-BE49-F238E27FC236}">
+                <a16:creationId xmlns:a16="http://schemas.microsoft.com/office/drawing/2014/main" id="{7408CB4D-DD1C-DC4B-BEC6-6E82150D6A57}"/>
+              </a:ext>
+            </a:extLst>
+          </p:cNvPr>
+          <p:cNvGrpSpPr/>
+          <p:nvPr/>
+        </p:nvGrpSpPr>
+        <p:grpSpPr>
+          <a:xfrm>
+            <a:off x="4768090" y="3804468"/>
+            <a:ext cx="1166647" cy="1031668"/>
+            <a:chOff x="1730248" y="2055916"/>
+            <a:chExt cx="1166647" cy="1732313"/>
+          </a:xfrm>
+        </p:grpSpPr>
+        <p:sp>
+          <p:nvSpPr>
+            <p:cNvPr id="179" name="矩形 178">
+              <a:extLst>
+                <a:ext uri="{FF2B5EF4-FFF2-40B4-BE49-F238E27FC236}">
+                  <a16:creationId xmlns:a16="http://schemas.microsoft.com/office/drawing/2014/main" id="{271EF76D-3491-A24C-9CFF-5107AAE32BA8}"/>
+                </a:ext>
+              </a:extLst>
+            </p:cNvPr>
+            <p:cNvSpPr/>
+            <p:nvPr/>
+          </p:nvSpPr>
+          <p:spPr>
+            <a:xfrm>
+              <a:off x="1730248" y="2349812"/>
+              <a:ext cx="1166647" cy="1438417"/>
+            </a:xfrm>
+            <a:prstGeom prst="rect">
+              <a:avLst/>
+            </a:prstGeom>
+            <a:noFill/>
+            <a:ln>
+              <a:solidFill>
+                <a:schemeClr val="tx1"/>
+              </a:solidFill>
+            </a:ln>
+          </p:spPr>
+          <p:style>
+            <a:lnRef idx="2">
+              <a:schemeClr val="accent1">
+                <a:shade val="50000"/>
+              </a:schemeClr>
+            </a:lnRef>
+            <a:fillRef idx="1">
+              <a:schemeClr val="accent1"/>
+            </a:fillRef>
+            <a:effectRef idx="0">
+              <a:schemeClr val="accent1"/>
+            </a:effectRef>
+            <a:fontRef idx="minor">
+              <a:schemeClr val="lt1"/>
+            </a:fontRef>
+          </p:style>
+          <p:txBody>
+            <a:bodyPr rtlCol="0" anchor="ctr"/>
+            <a:lstStyle/>
+            <a:p>
+              <a:pPr algn="ctr"/>
+              <a:endParaRPr kumimoji="1" lang="zh-CN" altLang="en-US" sz="900">
+                <a:solidFill>
+                  <a:schemeClr val="tx1"/>
+                </a:solidFill>
+              </a:endParaRPr>
+            </a:p>
+          </p:txBody>
+        </p:sp>
+        <p:sp>
+          <p:nvSpPr>
+            <p:cNvPr id="180" name="矩形 179">
+              <a:extLst>
+                <a:ext uri="{FF2B5EF4-FFF2-40B4-BE49-F238E27FC236}">
+                  <a16:creationId xmlns:a16="http://schemas.microsoft.com/office/drawing/2014/main" id="{48222FD5-D083-7049-ADF3-777F62F77C7F}"/>
+                </a:ext>
+              </a:extLst>
+            </p:cNvPr>
+            <p:cNvSpPr/>
+            <p:nvPr/>
+          </p:nvSpPr>
+          <p:spPr>
+            <a:xfrm>
+              <a:off x="1730248" y="2545410"/>
+              <a:ext cx="1166647" cy="336331"/>
+            </a:xfrm>
+            <a:prstGeom prst="rect">
+              <a:avLst/>
+            </a:prstGeom>
+            <a:noFill/>
+            <a:ln>
+              <a:solidFill>
+                <a:schemeClr val="tx1"/>
+              </a:solidFill>
+            </a:ln>
+          </p:spPr>
+          <p:style>
+            <a:lnRef idx="2">
+              <a:schemeClr val="accent1">
+                <a:shade val="50000"/>
+              </a:schemeClr>
+            </a:lnRef>
+            <a:fillRef idx="1">
+              <a:schemeClr val="accent1"/>
+            </a:fillRef>
+            <a:effectRef idx="0">
+              <a:schemeClr val="accent1"/>
+            </a:effectRef>
+            <a:fontRef idx="minor">
+              <a:schemeClr val="lt1"/>
+            </a:fontRef>
+          </p:style>
+          <p:txBody>
+            <a:bodyPr rtlCol="0" anchor="ctr"/>
+            <a:lstStyle/>
+            <a:p>
+              <a:pPr algn="ctr"/>
+              <a:r>
+                <a:rPr lang="en-US" altLang="zh-CN" sz="900">
+                  <a:solidFill>
+                    <a:schemeClr val="tx1"/>
+                  </a:solidFill>
+                </a:rPr>
+                <a:t>vm_start</a:t>
+              </a:r>
+            </a:p>
+          </p:txBody>
+        </p:sp>
+        <p:sp>
+          <p:nvSpPr>
+            <p:cNvPr id="181" name="同侧圆角矩形 180">
+              <a:extLst>
+                <a:ext uri="{FF2B5EF4-FFF2-40B4-BE49-F238E27FC236}">
+                  <a16:creationId xmlns:a16="http://schemas.microsoft.com/office/drawing/2014/main" id="{FB5BFF83-3BE3-B341-9C0F-8B5B0CE329EC}"/>
+                </a:ext>
+              </a:extLst>
+            </p:cNvPr>
+            <p:cNvSpPr/>
+            <p:nvPr/>
+          </p:nvSpPr>
+          <p:spPr>
+            <a:xfrm>
+              <a:off x="1730248" y="2055916"/>
+              <a:ext cx="1166647" cy="293897"/>
+            </a:xfrm>
+            <a:prstGeom prst="round2SameRect">
+              <a:avLst/>
+            </a:prstGeom>
+            <a:noFill/>
+            <a:ln>
+              <a:solidFill>
+                <a:schemeClr val="tx1"/>
+              </a:solidFill>
+            </a:ln>
+          </p:spPr>
+          <p:style>
+            <a:lnRef idx="2">
+              <a:schemeClr val="accent1">
+                <a:shade val="50000"/>
+              </a:schemeClr>
+            </a:lnRef>
+            <a:fillRef idx="1">
+              <a:schemeClr val="accent1"/>
+            </a:fillRef>
+            <a:effectRef idx="0">
+              <a:schemeClr val="accent1"/>
+            </a:effectRef>
+            <a:fontRef idx="minor">
+              <a:schemeClr val="lt1"/>
+            </a:fontRef>
+          </p:style>
+          <p:txBody>
+            <a:bodyPr rot="0" spcFirstLastPara="0" vertOverflow="overflow" horzOverflow="overflow" vert="horz" wrap="square" lIns="91440" tIns="45720" rIns="91440" bIns="45720" numCol="1" spcCol="0" rtlCol="0" fromWordArt="0" anchor="ctr" anchorCtr="0" forceAA="0" compatLnSpc="1">
+              <a:prstTxWarp prst="textNoShape">
+                <a:avLst/>
+              </a:prstTxWarp>
+              <a:noAutofit/>
+            </a:bodyPr>
+            <a:lstStyle/>
+            <a:p>
+              <a:pPr algn="ctr"/>
+              <a:r>
+                <a:rPr lang="en-US" altLang="zh-CN" sz="900">
+                  <a:solidFill>
+                    <a:schemeClr val="tx1"/>
+                  </a:solidFill>
+                </a:rPr>
+                <a:t>vma_struct</a:t>
+              </a:r>
+            </a:p>
+          </p:txBody>
+        </p:sp>
+        <p:sp>
+          <p:nvSpPr>
+            <p:cNvPr id="182" name="矩形 181">
+              <a:extLst>
+                <a:ext uri="{FF2B5EF4-FFF2-40B4-BE49-F238E27FC236}">
+                  <a16:creationId xmlns:a16="http://schemas.microsoft.com/office/drawing/2014/main" id="{1F9064D9-9BC1-9448-8D68-6E832F8FB48A}"/>
+                </a:ext>
+              </a:extLst>
+            </p:cNvPr>
+            <p:cNvSpPr/>
+            <p:nvPr/>
+          </p:nvSpPr>
+          <p:spPr>
+            <a:xfrm>
+              <a:off x="1730248" y="2981262"/>
+              <a:ext cx="1166647" cy="336331"/>
+            </a:xfrm>
+            <a:prstGeom prst="rect">
+              <a:avLst/>
+            </a:prstGeom>
+            <a:noFill/>
+            <a:ln>
+              <a:solidFill>
+                <a:schemeClr val="tx1"/>
+              </a:solidFill>
+            </a:ln>
+          </p:spPr>
+          <p:style>
+            <a:lnRef idx="2">
+              <a:schemeClr val="accent1">
+                <a:shade val="50000"/>
+              </a:schemeClr>
+            </a:lnRef>
+            <a:fillRef idx="1">
+              <a:schemeClr val="accent1"/>
+            </a:fillRef>
+            <a:effectRef idx="0">
+              <a:schemeClr val="accent1"/>
+            </a:effectRef>
+            <a:fontRef idx="minor">
+              <a:schemeClr val="lt1"/>
+            </a:fontRef>
+          </p:style>
+          <p:txBody>
+            <a:bodyPr rtlCol="0" anchor="ctr"/>
+            <a:lstStyle/>
+            <a:p>
+              <a:pPr algn="ctr"/>
+              <a:r>
+                <a:rPr lang="en-US" altLang="zh-CN" sz="900">
+                  <a:solidFill>
+                    <a:schemeClr val="tx1"/>
+                  </a:solidFill>
+                </a:rPr>
+                <a:t>vm_end</a:t>
+              </a:r>
+            </a:p>
+          </p:txBody>
+        </p:sp>
+        <p:sp>
+          <p:nvSpPr>
+            <p:cNvPr id="183" name="矩形 182">
+              <a:extLst>
+                <a:ext uri="{FF2B5EF4-FFF2-40B4-BE49-F238E27FC236}">
+                  <a16:creationId xmlns:a16="http://schemas.microsoft.com/office/drawing/2014/main" id="{7BA4375F-D65B-D84C-B709-0179C63459B8}"/>
+                </a:ext>
+              </a:extLst>
+            </p:cNvPr>
+            <p:cNvSpPr/>
+            <p:nvPr/>
+          </p:nvSpPr>
+          <p:spPr>
+            <a:xfrm>
+              <a:off x="1730248" y="3384745"/>
+              <a:ext cx="1166647" cy="336331"/>
+            </a:xfrm>
+            <a:prstGeom prst="rect">
+              <a:avLst/>
+            </a:prstGeom>
+            <a:noFill/>
+            <a:ln>
+              <a:solidFill>
+                <a:schemeClr val="tx1"/>
+              </a:solidFill>
+            </a:ln>
+          </p:spPr>
+          <p:style>
+            <a:lnRef idx="2">
+              <a:schemeClr val="accent1">
+                <a:shade val="50000"/>
+              </a:schemeClr>
+            </a:lnRef>
+            <a:fillRef idx="1">
+              <a:schemeClr val="accent1"/>
+            </a:fillRef>
+            <a:effectRef idx="0">
+              <a:schemeClr val="accent1"/>
+            </a:effectRef>
+            <a:fontRef idx="minor">
+              <a:schemeClr val="lt1"/>
+            </a:fontRef>
+          </p:style>
+          <p:txBody>
+            <a:bodyPr rtlCol="0" anchor="ctr"/>
+            <a:lstStyle/>
+            <a:p>
+              <a:pPr algn="ctr"/>
+              <a:r>
+                <a:rPr lang="en-US" altLang="zh-CN" sz="900">
+                  <a:solidFill>
+                    <a:schemeClr val="tx1"/>
+                  </a:solidFill>
+                </a:rPr>
+                <a:t>flags</a:t>
+              </a:r>
+            </a:p>
+          </p:txBody>
+        </p:sp>
+      </p:grpSp>
+      <p:grpSp>
+        <p:nvGrpSpPr>
+          <p:cNvPr id="184" name="组合 183">
+            <a:extLst>
+              <a:ext uri="{FF2B5EF4-FFF2-40B4-BE49-F238E27FC236}">
+                <a16:creationId xmlns:a16="http://schemas.microsoft.com/office/drawing/2014/main" id="{300E4183-569C-AA4D-9296-B2921F0F6F54}"/>
+              </a:ext>
+            </a:extLst>
+          </p:cNvPr>
+          <p:cNvGrpSpPr/>
+          <p:nvPr/>
+        </p:nvGrpSpPr>
+        <p:grpSpPr>
+          <a:xfrm>
+            <a:off x="4768090" y="5016837"/>
+            <a:ext cx="1166647" cy="1031668"/>
+            <a:chOff x="1730248" y="2055916"/>
+            <a:chExt cx="1166647" cy="1732313"/>
+          </a:xfrm>
+        </p:grpSpPr>
+        <p:sp>
+          <p:nvSpPr>
+            <p:cNvPr id="185" name="矩形 184">
+              <a:extLst>
+                <a:ext uri="{FF2B5EF4-FFF2-40B4-BE49-F238E27FC236}">
+                  <a16:creationId xmlns:a16="http://schemas.microsoft.com/office/drawing/2014/main" id="{C0EFF14C-F782-8046-8F97-6971A179F964}"/>
+                </a:ext>
+              </a:extLst>
+            </p:cNvPr>
+            <p:cNvSpPr/>
+            <p:nvPr/>
+          </p:nvSpPr>
+          <p:spPr>
+            <a:xfrm>
+              <a:off x="1730248" y="2349812"/>
+              <a:ext cx="1166647" cy="1438417"/>
+            </a:xfrm>
+            <a:prstGeom prst="rect">
+              <a:avLst/>
+            </a:prstGeom>
+            <a:noFill/>
+            <a:ln>
+              <a:solidFill>
+                <a:schemeClr val="tx1"/>
+              </a:solidFill>
+            </a:ln>
+          </p:spPr>
+          <p:style>
+            <a:lnRef idx="2">
+              <a:schemeClr val="accent1">
+                <a:shade val="50000"/>
+              </a:schemeClr>
+            </a:lnRef>
+            <a:fillRef idx="1">
+              <a:schemeClr val="accent1"/>
+            </a:fillRef>
+            <a:effectRef idx="0">
+              <a:schemeClr val="accent1"/>
+            </a:effectRef>
+            <a:fontRef idx="minor">
+              <a:schemeClr val="lt1"/>
+            </a:fontRef>
+          </p:style>
+          <p:txBody>
+            <a:bodyPr rtlCol="0" anchor="ctr"/>
+            <a:lstStyle/>
+            <a:p>
+              <a:pPr algn="ctr"/>
+              <a:endParaRPr kumimoji="1" lang="zh-CN" altLang="en-US" sz="900">
+                <a:solidFill>
+                  <a:schemeClr val="tx1"/>
+                </a:solidFill>
+              </a:endParaRPr>
+            </a:p>
+          </p:txBody>
+        </p:sp>
+        <p:sp>
+          <p:nvSpPr>
+            <p:cNvPr id="186" name="矩形 185">
+              <a:extLst>
+                <a:ext uri="{FF2B5EF4-FFF2-40B4-BE49-F238E27FC236}">
+                  <a16:creationId xmlns:a16="http://schemas.microsoft.com/office/drawing/2014/main" id="{59A3582F-2879-1144-9A91-B51C7B187991}"/>
+                </a:ext>
+              </a:extLst>
+            </p:cNvPr>
+            <p:cNvSpPr/>
+            <p:nvPr/>
+          </p:nvSpPr>
+          <p:spPr>
+            <a:xfrm>
+              <a:off x="1730248" y="2545410"/>
+              <a:ext cx="1166647" cy="336331"/>
+            </a:xfrm>
+            <a:prstGeom prst="rect">
+              <a:avLst/>
+            </a:prstGeom>
+            <a:noFill/>
+            <a:ln>
+              <a:solidFill>
+                <a:schemeClr val="tx1"/>
+              </a:solidFill>
+            </a:ln>
+          </p:spPr>
+          <p:style>
+            <a:lnRef idx="2">
+              <a:schemeClr val="accent1">
+                <a:shade val="50000"/>
+              </a:schemeClr>
+            </a:lnRef>
+            <a:fillRef idx="1">
+              <a:schemeClr val="accent1"/>
+            </a:fillRef>
+            <a:effectRef idx="0">
+              <a:schemeClr val="accent1"/>
+            </a:effectRef>
+            <a:fontRef idx="minor">
+              <a:schemeClr val="lt1"/>
+            </a:fontRef>
+          </p:style>
+          <p:txBody>
+            <a:bodyPr rtlCol="0" anchor="ctr"/>
+            <a:lstStyle/>
+            <a:p>
+              <a:pPr algn="ctr"/>
+              <a:r>
+                <a:rPr lang="en-US" altLang="zh-CN" sz="900">
+                  <a:solidFill>
+                    <a:schemeClr val="tx1"/>
+                  </a:solidFill>
+                </a:rPr>
+                <a:t>vm_start</a:t>
+              </a:r>
+            </a:p>
+          </p:txBody>
+        </p:sp>
+        <p:sp>
+          <p:nvSpPr>
+            <p:cNvPr id="187" name="同侧圆角矩形 186">
+              <a:extLst>
+                <a:ext uri="{FF2B5EF4-FFF2-40B4-BE49-F238E27FC236}">
+                  <a16:creationId xmlns:a16="http://schemas.microsoft.com/office/drawing/2014/main" id="{2251D3D4-C384-5943-8367-EF4AF1F925FF}"/>
+                </a:ext>
+              </a:extLst>
+            </p:cNvPr>
+            <p:cNvSpPr/>
+            <p:nvPr/>
+          </p:nvSpPr>
+          <p:spPr>
+            <a:xfrm>
+              <a:off x="1730248" y="2055916"/>
+              <a:ext cx="1166647" cy="293897"/>
+            </a:xfrm>
+            <a:prstGeom prst="round2SameRect">
+              <a:avLst/>
+            </a:prstGeom>
+            <a:noFill/>
+            <a:ln>
+              <a:solidFill>
+                <a:schemeClr val="tx1"/>
+              </a:solidFill>
+            </a:ln>
+          </p:spPr>
+          <p:style>
+            <a:lnRef idx="2">
+              <a:schemeClr val="accent1">
+                <a:shade val="50000"/>
+              </a:schemeClr>
+            </a:lnRef>
+            <a:fillRef idx="1">
+              <a:schemeClr val="accent1"/>
+            </a:fillRef>
+            <a:effectRef idx="0">
+              <a:schemeClr val="accent1"/>
+            </a:effectRef>
+            <a:fontRef idx="minor">
+              <a:schemeClr val="lt1"/>
+            </a:fontRef>
+          </p:style>
+          <p:txBody>
+            <a:bodyPr rot="0" spcFirstLastPara="0" vertOverflow="overflow" horzOverflow="overflow" vert="horz" wrap="square" lIns="91440" tIns="45720" rIns="91440" bIns="45720" numCol="1" spcCol="0" rtlCol="0" fromWordArt="0" anchor="ctr" anchorCtr="0" forceAA="0" compatLnSpc="1">
+              <a:prstTxWarp prst="textNoShape">
+                <a:avLst/>
+              </a:prstTxWarp>
+              <a:noAutofit/>
+            </a:bodyPr>
+            <a:lstStyle/>
+            <a:p>
+              <a:pPr algn="ctr"/>
+              <a:r>
+                <a:rPr lang="en-US" altLang="zh-CN" sz="900">
+                  <a:solidFill>
+                    <a:schemeClr val="tx1"/>
+                  </a:solidFill>
+                </a:rPr>
+                <a:t>vma_struct</a:t>
+              </a:r>
+            </a:p>
+          </p:txBody>
+        </p:sp>
+        <p:sp>
+          <p:nvSpPr>
+            <p:cNvPr id="188" name="矩形 187">
+              <a:extLst>
+                <a:ext uri="{FF2B5EF4-FFF2-40B4-BE49-F238E27FC236}">
+                  <a16:creationId xmlns:a16="http://schemas.microsoft.com/office/drawing/2014/main" id="{956A7CF0-D81E-8C4D-841B-C6AFDC28177A}"/>
+                </a:ext>
+              </a:extLst>
+            </p:cNvPr>
+            <p:cNvSpPr/>
+            <p:nvPr/>
+          </p:nvSpPr>
+          <p:spPr>
+            <a:xfrm>
+              <a:off x="1730248" y="2981262"/>
+              <a:ext cx="1166647" cy="336331"/>
+            </a:xfrm>
+            <a:prstGeom prst="rect">
+              <a:avLst/>
+            </a:prstGeom>
+            <a:noFill/>
+            <a:ln>
+              <a:solidFill>
+                <a:schemeClr val="tx1"/>
+              </a:solidFill>
+            </a:ln>
+          </p:spPr>
+          <p:style>
+            <a:lnRef idx="2">
+              <a:schemeClr val="accent1">
+                <a:shade val="50000"/>
+              </a:schemeClr>
+            </a:lnRef>
+            <a:fillRef idx="1">
+              <a:schemeClr val="accent1"/>
+            </a:fillRef>
+            <a:effectRef idx="0">
+              <a:schemeClr val="accent1"/>
+            </a:effectRef>
+            <a:fontRef idx="minor">
+              <a:schemeClr val="lt1"/>
+            </a:fontRef>
+          </p:style>
+          <p:txBody>
+            <a:bodyPr rtlCol="0" anchor="ctr"/>
+            <a:lstStyle/>
+            <a:p>
+              <a:pPr algn="ctr"/>
+              <a:r>
+                <a:rPr lang="en-US" altLang="zh-CN" sz="900">
+                  <a:solidFill>
+                    <a:schemeClr val="tx1"/>
+                  </a:solidFill>
+                </a:rPr>
+                <a:t>vm_end</a:t>
+              </a:r>
+            </a:p>
+          </p:txBody>
+        </p:sp>
+        <p:sp>
+          <p:nvSpPr>
+            <p:cNvPr id="189" name="矩形 188">
+              <a:extLst>
+                <a:ext uri="{FF2B5EF4-FFF2-40B4-BE49-F238E27FC236}">
+                  <a16:creationId xmlns:a16="http://schemas.microsoft.com/office/drawing/2014/main" id="{7ABFD2AC-EB17-3B41-BB50-EA5A39878B66}"/>
+                </a:ext>
+              </a:extLst>
+            </p:cNvPr>
+            <p:cNvSpPr/>
+            <p:nvPr/>
+          </p:nvSpPr>
+          <p:spPr>
+            <a:xfrm>
+              <a:off x="1730248" y="3384745"/>
+              <a:ext cx="1166647" cy="336331"/>
+            </a:xfrm>
+            <a:prstGeom prst="rect">
+              <a:avLst/>
+            </a:prstGeom>
+            <a:noFill/>
+            <a:ln>
+              <a:solidFill>
+                <a:schemeClr val="tx1"/>
+              </a:solidFill>
+            </a:ln>
+          </p:spPr>
+          <p:style>
+            <a:lnRef idx="2">
+              <a:schemeClr val="accent1">
+                <a:shade val="50000"/>
+              </a:schemeClr>
+            </a:lnRef>
+            <a:fillRef idx="1">
+              <a:schemeClr val="accent1"/>
+            </a:fillRef>
+            <a:effectRef idx="0">
+              <a:schemeClr val="accent1"/>
+            </a:effectRef>
+            <a:fontRef idx="minor">
+              <a:schemeClr val="lt1"/>
+            </a:fontRef>
+          </p:style>
+          <p:txBody>
+            <a:bodyPr rtlCol="0" anchor="ctr"/>
+            <a:lstStyle/>
+            <a:p>
+              <a:pPr algn="ctr"/>
+              <a:r>
+                <a:rPr lang="en-US" altLang="zh-CN" sz="900">
+                  <a:solidFill>
+                    <a:schemeClr val="tx1"/>
+                  </a:solidFill>
+                </a:rPr>
+                <a:t>flags</a:t>
+              </a:r>
+            </a:p>
+          </p:txBody>
+        </p:sp>
+      </p:grpSp>
+      <p:grpSp>
+        <p:nvGrpSpPr>
+          <p:cNvPr id="190" name="组合 189">
+            <a:extLst>
+              <a:ext uri="{FF2B5EF4-FFF2-40B4-BE49-F238E27FC236}">
+                <a16:creationId xmlns:a16="http://schemas.microsoft.com/office/drawing/2014/main" id="{457F59E7-D300-7E45-A380-38D28330860C}"/>
+              </a:ext>
+            </a:extLst>
+          </p:cNvPr>
+          <p:cNvGrpSpPr/>
+          <p:nvPr/>
+        </p:nvGrpSpPr>
+        <p:grpSpPr>
+          <a:xfrm>
+            <a:off x="4768090" y="738119"/>
+            <a:ext cx="1166647" cy="1297712"/>
+            <a:chOff x="1730248" y="2055916"/>
+            <a:chExt cx="1166647" cy="1433575"/>
+          </a:xfrm>
+        </p:grpSpPr>
+        <p:sp>
+          <p:nvSpPr>
+            <p:cNvPr id="191" name="矩形 190">
+              <a:extLst>
+                <a:ext uri="{FF2B5EF4-FFF2-40B4-BE49-F238E27FC236}">
+                  <a16:creationId xmlns:a16="http://schemas.microsoft.com/office/drawing/2014/main" id="{54188122-CAF0-954A-A926-6B43695E808B}"/>
+                </a:ext>
+              </a:extLst>
+            </p:cNvPr>
+            <p:cNvSpPr/>
+            <p:nvPr/>
+          </p:nvSpPr>
+          <p:spPr>
+            <a:xfrm>
+              <a:off x="1730248" y="2349812"/>
+              <a:ext cx="1166647" cy="1139679"/>
+            </a:xfrm>
+            <a:prstGeom prst="rect">
+              <a:avLst/>
+            </a:prstGeom>
+            <a:noFill/>
+            <a:ln>
+              <a:solidFill>
+                <a:schemeClr val="tx1"/>
+              </a:solidFill>
+            </a:ln>
+          </p:spPr>
+          <p:style>
+            <a:lnRef idx="2">
+              <a:schemeClr val="accent1">
+                <a:shade val="50000"/>
+              </a:schemeClr>
+            </a:lnRef>
+            <a:fillRef idx="1">
+              <a:schemeClr val="accent1"/>
+            </a:fillRef>
+            <a:effectRef idx="0">
+              <a:schemeClr val="accent1"/>
+            </a:effectRef>
+            <a:fontRef idx="minor">
+              <a:schemeClr val="lt1"/>
+            </a:fontRef>
+          </p:style>
+          <p:txBody>
+            <a:bodyPr rtlCol="0" anchor="ctr"/>
+            <a:lstStyle/>
+            <a:p>
+              <a:pPr algn="ctr"/>
+              <a:endParaRPr kumimoji="1" lang="zh-CN" altLang="en-US" sz="900">
+                <a:solidFill>
+                  <a:schemeClr val="tx1"/>
+                </a:solidFill>
+              </a:endParaRPr>
+            </a:p>
+          </p:txBody>
+        </p:sp>
+        <p:sp>
+          <p:nvSpPr>
+            <p:cNvPr id="192" name="矩形 191">
+              <a:extLst>
+                <a:ext uri="{FF2B5EF4-FFF2-40B4-BE49-F238E27FC236}">
+                  <a16:creationId xmlns:a16="http://schemas.microsoft.com/office/drawing/2014/main" id="{F82FE7AE-B6FB-DE42-B751-B76A55E356D2}"/>
+                </a:ext>
+              </a:extLst>
+            </p:cNvPr>
+            <p:cNvSpPr/>
+            <p:nvPr/>
+          </p:nvSpPr>
+          <p:spPr>
+            <a:xfrm>
+              <a:off x="1730248" y="2425157"/>
+              <a:ext cx="1166647" cy="234070"/>
+            </a:xfrm>
+            <a:prstGeom prst="rect">
+              <a:avLst/>
+            </a:prstGeom>
+            <a:noFill/>
+            <a:ln>
+              <a:solidFill>
+                <a:schemeClr val="tx1"/>
+              </a:solidFill>
+            </a:ln>
+          </p:spPr>
+          <p:style>
+            <a:lnRef idx="2">
+              <a:schemeClr val="accent1">
+                <a:shade val="50000"/>
+              </a:schemeClr>
+            </a:lnRef>
+            <a:fillRef idx="1">
+              <a:schemeClr val="accent1"/>
+            </a:fillRef>
+            <a:effectRef idx="0">
+              <a:schemeClr val="accent1"/>
+            </a:effectRef>
+            <a:fontRef idx="minor">
+              <a:schemeClr val="lt1"/>
+            </a:fontRef>
+          </p:style>
+          <p:txBody>
+            <a:bodyPr rtlCol="0" anchor="ctr"/>
+            <a:lstStyle/>
+            <a:p>
+              <a:pPr algn="ctr"/>
+              <a:r>
+                <a:rPr lang="en-US" altLang="zh-CN" sz="900">
+                  <a:solidFill>
+                    <a:schemeClr val="tx1"/>
+                  </a:solidFill>
+                </a:rPr>
+                <a:t>mmap_list</a:t>
+              </a:r>
+            </a:p>
+          </p:txBody>
+        </p:sp>
+        <p:sp>
+          <p:nvSpPr>
+            <p:cNvPr id="193" name="同侧圆角矩形 192">
+              <a:extLst>
+                <a:ext uri="{FF2B5EF4-FFF2-40B4-BE49-F238E27FC236}">
+                  <a16:creationId xmlns:a16="http://schemas.microsoft.com/office/drawing/2014/main" id="{A1B8C5D9-FBA2-7B43-996A-0672322B2EE1}"/>
+                </a:ext>
+              </a:extLst>
+            </p:cNvPr>
+            <p:cNvSpPr/>
+            <p:nvPr/>
+          </p:nvSpPr>
+          <p:spPr>
+            <a:xfrm>
+              <a:off x="1730248" y="2055916"/>
+              <a:ext cx="1166647" cy="293897"/>
+            </a:xfrm>
+            <a:prstGeom prst="round2SameRect">
+              <a:avLst/>
+            </a:prstGeom>
+            <a:noFill/>
+            <a:ln>
+              <a:solidFill>
+                <a:schemeClr val="tx1"/>
+              </a:solidFill>
+            </a:ln>
+          </p:spPr>
+          <p:style>
+            <a:lnRef idx="2">
+              <a:schemeClr val="accent1">
+                <a:shade val="50000"/>
+              </a:schemeClr>
+            </a:lnRef>
+            <a:fillRef idx="1">
+              <a:schemeClr val="accent1"/>
+            </a:fillRef>
+            <a:effectRef idx="0">
+              <a:schemeClr val="accent1"/>
+            </a:effectRef>
+            <a:fontRef idx="minor">
+              <a:schemeClr val="lt1"/>
+            </a:fontRef>
+          </p:style>
+          <p:txBody>
+            <a:bodyPr rot="0" spcFirstLastPara="0" vertOverflow="overflow" horzOverflow="overflow" vert="horz" wrap="square" lIns="91440" tIns="45720" rIns="91440" bIns="45720" numCol="1" spcCol="0" rtlCol="0" fromWordArt="0" anchor="ctr" anchorCtr="0" forceAA="0" compatLnSpc="1">
+              <a:prstTxWarp prst="textNoShape">
+                <a:avLst/>
+              </a:prstTxWarp>
+              <a:noAutofit/>
+            </a:bodyPr>
+            <a:lstStyle/>
+            <a:p>
+              <a:pPr algn="ctr"/>
+              <a:r>
+                <a:rPr lang="en-US" altLang="zh-CN" sz="900">
+                  <a:solidFill>
+                    <a:schemeClr val="tx1"/>
+                  </a:solidFill>
+                </a:rPr>
+                <a:t>mm_struct</a:t>
+              </a:r>
+            </a:p>
+          </p:txBody>
+        </p:sp>
+        <p:sp>
+          <p:nvSpPr>
+            <p:cNvPr id="194" name="矩形 193">
+              <a:extLst>
+                <a:ext uri="{FF2B5EF4-FFF2-40B4-BE49-F238E27FC236}">
+                  <a16:creationId xmlns:a16="http://schemas.microsoft.com/office/drawing/2014/main" id="{A4F46F03-A890-7742-B44D-9EE85FF736BC}"/>
+                </a:ext>
+              </a:extLst>
+            </p:cNvPr>
+            <p:cNvSpPr/>
+            <p:nvPr/>
+          </p:nvSpPr>
+          <p:spPr>
+            <a:xfrm>
+              <a:off x="1730248" y="2704679"/>
+              <a:ext cx="1166647" cy="192080"/>
+            </a:xfrm>
+            <a:prstGeom prst="rect">
+              <a:avLst/>
+            </a:prstGeom>
+            <a:noFill/>
+            <a:ln>
+              <a:solidFill>
+                <a:schemeClr val="tx1"/>
+              </a:solidFill>
+            </a:ln>
+          </p:spPr>
+          <p:style>
+            <a:lnRef idx="2">
+              <a:schemeClr val="accent1">
+                <a:shade val="50000"/>
+              </a:schemeClr>
+            </a:lnRef>
+            <a:fillRef idx="1">
+              <a:schemeClr val="accent1"/>
+            </a:fillRef>
+            <a:effectRef idx="0">
+              <a:schemeClr val="accent1"/>
+            </a:effectRef>
+            <a:fontRef idx="minor">
+              <a:schemeClr val="lt1"/>
+            </a:fontRef>
+          </p:style>
+          <p:txBody>
+            <a:bodyPr rtlCol="0" anchor="ctr"/>
+            <a:lstStyle/>
+            <a:p>
+              <a:pPr algn="ctr"/>
+              <a:r>
+                <a:rPr lang="en-US" altLang="zh-CN" sz="900">
+                  <a:solidFill>
+                    <a:schemeClr val="tx1"/>
+                  </a:solidFill>
+                </a:rPr>
+                <a:t>pgdir</a:t>
+              </a:r>
+            </a:p>
+          </p:txBody>
+        </p:sp>
+      </p:grpSp>
+      <p:sp>
+        <p:nvSpPr>
+          <p:cNvPr id="195" name="矩形 194">
+            <a:extLst>
+              <a:ext uri="{FF2B5EF4-FFF2-40B4-BE49-F238E27FC236}">
+                <a16:creationId xmlns:a16="http://schemas.microsoft.com/office/drawing/2014/main" id="{323BBE79-2644-7A4D-83AE-D26C01CB070F}"/>
+              </a:ext>
+            </a:extLst>
+          </p:cNvPr>
+          <p:cNvSpPr/>
+          <p:nvPr/>
+        </p:nvSpPr>
+        <p:spPr>
+          <a:xfrm>
+            <a:off x="4768090" y="1527746"/>
+            <a:ext cx="1166647" cy="238238"/>
+          </a:xfrm>
+          <a:prstGeom prst="rect">
+            <a:avLst/>
+          </a:prstGeom>
+          <a:noFill/>
+          <a:ln>
+            <a:solidFill>
+              <a:schemeClr val="tx1"/>
+            </a:solidFill>
+          </a:ln>
+        </p:spPr>
+        <p:style>
+          <a:lnRef idx="2">
+            <a:schemeClr val="accent1">
+              <a:shade val="50000"/>
+            </a:schemeClr>
+          </a:lnRef>
+          <a:fillRef idx="1">
+            <a:schemeClr val="accent1"/>
+          </a:fillRef>
+          <a:effectRef idx="0">
+            <a:schemeClr val="accent1"/>
+          </a:effectRef>
+          <a:fontRef idx="minor">
+            <a:schemeClr val="lt1"/>
+          </a:fontRef>
+        </p:style>
+        <p:txBody>
+          <a:bodyPr rtlCol="0" anchor="ctr"/>
+          <a:lstStyle/>
+          <a:p>
+            <a:pPr algn="ctr"/>
+            <a:r>
+              <a:rPr lang="en-US" altLang="zh-CN" sz="900">
+                <a:solidFill>
+                  <a:schemeClr val="tx1"/>
+                </a:solidFill>
+              </a:rPr>
+              <a:t>sm_priv</a:t>
+            </a:r>
+          </a:p>
+        </p:txBody>
+      </p:sp>
+      <p:cxnSp>
+        <p:nvCxnSpPr>
+          <p:cNvPr id="196" name="曲线连接符 195">
+            <a:extLst>
+              <a:ext uri="{FF2B5EF4-FFF2-40B4-BE49-F238E27FC236}">
+                <a16:creationId xmlns:a16="http://schemas.microsoft.com/office/drawing/2014/main" id="{392126AB-DBA3-B545-9C7C-6183EC9422E9}"/>
+              </a:ext>
+            </a:extLst>
+          </p:cNvPr>
+          <p:cNvCxnSpPr>
+            <a:stCxn id="192" idx="1"/>
+            <a:endCxn id="175" idx="2"/>
+          </p:cNvCxnSpPr>
+          <p:nvPr/>
+        </p:nvCxnSpPr>
+        <p:spPr>
+          <a:xfrm rot="10800000" flipH="1" flipV="1">
+            <a:off x="4768090" y="1178310"/>
+            <a:ext cx="684" cy="1506976"/>
+          </a:xfrm>
+          <a:prstGeom prst="curvedConnector3">
+            <a:avLst>
+              <a:gd name="adj1" fmla="val -33421053"/>
+            </a:avLst>
+          </a:prstGeom>
+          <a:ln>
+            <a:headEnd type="triangle"/>
+            <a:tailEnd type="triangle"/>
+          </a:ln>
+        </p:spPr>
+        <p:style>
+          <a:lnRef idx="1">
+            <a:schemeClr val="accent1"/>
+          </a:lnRef>
+          <a:fillRef idx="0">
+            <a:schemeClr val="accent1"/>
+          </a:fillRef>
+          <a:effectRef idx="0">
+            <a:schemeClr val="accent1"/>
+          </a:effectRef>
+          <a:fontRef idx="minor">
+            <a:schemeClr val="tx1"/>
+          </a:fontRef>
+        </p:style>
+      </p:cxnSp>
+      <p:cxnSp>
+        <p:nvCxnSpPr>
+          <p:cNvPr id="197" name="曲线连接符 196">
+            <a:extLst>
+              <a:ext uri="{FF2B5EF4-FFF2-40B4-BE49-F238E27FC236}">
+                <a16:creationId xmlns:a16="http://schemas.microsoft.com/office/drawing/2014/main" id="{C32D4FDF-B438-7F4B-B974-2AEB36101DB3}"/>
+              </a:ext>
+            </a:extLst>
+          </p:cNvPr>
+          <p:cNvCxnSpPr>
+            <a:cxnSpLocks/>
+            <a:stCxn id="175" idx="2"/>
+            <a:endCxn id="181" idx="2"/>
+          </p:cNvCxnSpPr>
+          <p:nvPr/>
+        </p:nvCxnSpPr>
+        <p:spPr>
+          <a:xfrm rot="10800000" flipV="1">
+            <a:off x="4768090" y="2685286"/>
+            <a:ext cx="684" cy="1206696"/>
+          </a:xfrm>
+          <a:prstGeom prst="curvedConnector3">
+            <a:avLst>
+              <a:gd name="adj1" fmla="val 33521053"/>
+            </a:avLst>
+          </a:prstGeom>
+          <a:ln>
+            <a:headEnd type="triangle"/>
+            <a:tailEnd type="triangle"/>
+          </a:ln>
+        </p:spPr>
+        <p:style>
+          <a:lnRef idx="1">
+            <a:schemeClr val="accent1"/>
+          </a:lnRef>
+          <a:fillRef idx="0">
+            <a:schemeClr val="accent1"/>
+          </a:fillRef>
+          <a:effectRef idx="0">
+            <a:schemeClr val="accent1"/>
+          </a:effectRef>
+          <a:fontRef idx="minor">
+            <a:schemeClr val="tx1"/>
+          </a:fontRef>
+        </p:style>
+      </p:cxnSp>
+      <p:cxnSp>
+        <p:nvCxnSpPr>
+          <p:cNvPr id="198" name="曲线连接符 197">
+            <a:extLst>
+              <a:ext uri="{FF2B5EF4-FFF2-40B4-BE49-F238E27FC236}">
+                <a16:creationId xmlns:a16="http://schemas.microsoft.com/office/drawing/2014/main" id="{8F7153E9-B360-3640-AF36-4D9ACBEE05F8}"/>
+              </a:ext>
+            </a:extLst>
+          </p:cNvPr>
+          <p:cNvCxnSpPr>
+            <a:cxnSpLocks/>
+            <a:stCxn id="181" idx="2"/>
+            <a:endCxn id="187" idx="2"/>
+          </p:cNvCxnSpPr>
+          <p:nvPr/>
+        </p:nvCxnSpPr>
+        <p:spPr>
+          <a:xfrm rot="10800000" flipV="1">
+            <a:off x="4768090" y="3891981"/>
+            <a:ext cx="12700" cy="1212369"/>
+          </a:xfrm>
+          <a:prstGeom prst="curvedConnector3">
+            <a:avLst>
+              <a:gd name="adj1" fmla="val 1800000"/>
+            </a:avLst>
+          </a:prstGeom>
+          <a:ln>
+            <a:headEnd type="triangle"/>
+            <a:tailEnd type="triangle"/>
+          </a:ln>
+        </p:spPr>
+        <p:style>
+          <a:lnRef idx="1">
+            <a:schemeClr val="accent1"/>
+          </a:lnRef>
+          <a:fillRef idx="0">
+            <a:schemeClr val="accent1"/>
+          </a:fillRef>
+          <a:effectRef idx="0">
+            <a:schemeClr val="accent1"/>
+          </a:effectRef>
+          <a:fontRef idx="minor">
+            <a:schemeClr val="tx1"/>
+          </a:fontRef>
+        </p:style>
+      </p:cxnSp>
+      <p:cxnSp>
+        <p:nvCxnSpPr>
+          <p:cNvPr id="199" name="直线箭头连接符 198">
+            <a:extLst>
+              <a:ext uri="{FF2B5EF4-FFF2-40B4-BE49-F238E27FC236}">
+                <a16:creationId xmlns:a16="http://schemas.microsoft.com/office/drawing/2014/main" id="{142A2E7F-C2FF-8E4A-847C-B3561604600A}"/>
+              </a:ext>
+            </a:extLst>
+          </p:cNvPr>
+          <p:cNvCxnSpPr>
+            <a:stCxn id="174" idx="3"/>
+          </p:cNvCxnSpPr>
+          <p:nvPr/>
+        </p:nvCxnSpPr>
+        <p:spPr>
+          <a:xfrm flipV="1">
+            <a:off x="5935421" y="2131598"/>
+            <a:ext cx="1575254" cy="857839"/>
+          </a:xfrm>
+          <a:prstGeom prst="straightConnector1">
+            <a:avLst/>
+          </a:prstGeom>
+          <a:ln>
+            <a:prstDash val="dash"/>
+            <a:tailEnd type="triangle"/>
+          </a:ln>
+        </p:spPr>
+        <p:style>
+          <a:lnRef idx="1">
+            <a:schemeClr val="accent1"/>
+          </a:lnRef>
+          <a:fillRef idx="0">
+            <a:schemeClr val="accent1"/>
+          </a:fillRef>
+          <a:effectRef idx="0">
+            <a:schemeClr val="accent1"/>
+          </a:effectRef>
+          <a:fontRef idx="minor">
+            <a:schemeClr val="tx1"/>
+          </a:fontRef>
+        </p:style>
+      </p:cxnSp>
+      <p:cxnSp>
+        <p:nvCxnSpPr>
+          <p:cNvPr id="200" name="直线箭头连接符 199">
+            <a:extLst>
+              <a:ext uri="{FF2B5EF4-FFF2-40B4-BE49-F238E27FC236}">
+                <a16:creationId xmlns:a16="http://schemas.microsoft.com/office/drawing/2014/main" id="{E9AFF025-882F-694D-8BBC-08D506509974}"/>
+              </a:ext>
+            </a:extLst>
+          </p:cNvPr>
+          <p:cNvCxnSpPr>
+            <a:cxnSpLocks/>
+            <a:stCxn id="176" idx="3"/>
+          </p:cNvCxnSpPr>
+          <p:nvPr/>
+        </p:nvCxnSpPr>
+        <p:spPr>
+          <a:xfrm flipV="1">
+            <a:off x="5935421" y="3246845"/>
+            <a:ext cx="1575254" cy="2161"/>
+          </a:xfrm>
+          <a:prstGeom prst="straightConnector1">
+            <a:avLst/>
+          </a:prstGeom>
+          <a:ln>
+            <a:prstDash val="dash"/>
+            <a:tailEnd type="triangle"/>
+          </a:ln>
+        </p:spPr>
+        <p:style>
+          <a:lnRef idx="1">
+            <a:schemeClr val="accent1"/>
+          </a:lnRef>
+          <a:fillRef idx="0">
+            <a:schemeClr val="accent1"/>
+          </a:fillRef>
+          <a:effectRef idx="0">
+            <a:schemeClr val="accent1"/>
+          </a:effectRef>
+          <a:fontRef idx="minor">
+            <a:schemeClr val="tx1"/>
+          </a:fontRef>
+        </p:style>
+      </p:cxnSp>
+      <p:cxnSp>
+        <p:nvCxnSpPr>
+          <p:cNvPr id="201" name="直线箭头连接符 200">
+            <a:extLst>
+              <a:ext uri="{FF2B5EF4-FFF2-40B4-BE49-F238E27FC236}">
+                <a16:creationId xmlns:a16="http://schemas.microsoft.com/office/drawing/2014/main" id="{D8610538-C2F8-6E42-AFFA-08E03A535B50}"/>
+              </a:ext>
+            </a:extLst>
+          </p:cNvPr>
+          <p:cNvCxnSpPr>
+            <a:cxnSpLocks/>
+            <a:stCxn id="180" idx="3"/>
+          </p:cNvCxnSpPr>
+          <p:nvPr/>
+        </p:nvCxnSpPr>
+        <p:spPr>
+          <a:xfrm flipV="1">
+            <a:off x="5934737" y="3246845"/>
+            <a:ext cx="1575938" cy="949288"/>
+          </a:xfrm>
+          <a:prstGeom prst="straightConnector1">
+            <a:avLst/>
+          </a:prstGeom>
+          <a:ln>
+            <a:prstDash val="dash"/>
+            <a:tailEnd type="triangle"/>
+          </a:ln>
+        </p:spPr>
+        <p:style>
+          <a:lnRef idx="1">
+            <a:schemeClr val="accent1"/>
+          </a:lnRef>
+          <a:fillRef idx="0">
+            <a:schemeClr val="accent1"/>
+          </a:fillRef>
+          <a:effectRef idx="0">
+            <a:schemeClr val="accent1"/>
+          </a:effectRef>
+          <a:fontRef idx="minor">
+            <a:schemeClr val="tx1"/>
+          </a:fontRef>
+        </p:style>
+      </p:cxnSp>
+      <p:cxnSp>
+        <p:nvCxnSpPr>
+          <p:cNvPr id="202" name="直线箭头连接符 201">
+            <a:extLst>
+              <a:ext uri="{FF2B5EF4-FFF2-40B4-BE49-F238E27FC236}">
+                <a16:creationId xmlns:a16="http://schemas.microsoft.com/office/drawing/2014/main" id="{0190353A-6FF5-B241-87F2-F29CD7638311}"/>
+              </a:ext>
+            </a:extLst>
+          </p:cNvPr>
+          <p:cNvCxnSpPr>
+            <a:cxnSpLocks/>
+            <a:stCxn id="182" idx="3"/>
+          </p:cNvCxnSpPr>
+          <p:nvPr/>
+        </p:nvCxnSpPr>
+        <p:spPr>
+          <a:xfrm>
+            <a:off x="5934737" y="4455702"/>
+            <a:ext cx="1575938" cy="281032"/>
+          </a:xfrm>
+          <a:prstGeom prst="straightConnector1">
+            <a:avLst/>
+          </a:prstGeom>
+          <a:ln>
+            <a:prstDash val="dash"/>
+            <a:tailEnd type="triangle"/>
+          </a:ln>
+        </p:spPr>
+        <p:style>
+          <a:lnRef idx="1">
+            <a:schemeClr val="accent1"/>
+          </a:lnRef>
+          <a:fillRef idx="0">
+            <a:schemeClr val="accent1"/>
+          </a:fillRef>
+          <a:effectRef idx="0">
+            <a:schemeClr val="accent1"/>
+          </a:effectRef>
+          <a:fontRef idx="minor">
+            <a:schemeClr val="tx1"/>
+          </a:fontRef>
+        </p:style>
+      </p:cxnSp>
+      <p:cxnSp>
+        <p:nvCxnSpPr>
+          <p:cNvPr id="203" name="直线箭头连接符 202">
+            <a:extLst>
+              <a:ext uri="{FF2B5EF4-FFF2-40B4-BE49-F238E27FC236}">
+                <a16:creationId xmlns:a16="http://schemas.microsoft.com/office/drawing/2014/main" id="{18EB2FAB-7165-B44E-9F3D-05567FF2A9F9}"/>
+              </a:ext>
+            </a:extLst>
+          </p:cNvPr>
+          <p:cNvCxnSpPr>
+            <a:cxnSpLocks/>
+            <a:stCxn id="186" idx="3"/>
+          </p:cNvCxnSpPr>
+          <p:nvPr/>
+        </p:nvCxnSpPr>
+        <p:spPr>
+          <a:xfrm flipV="1">
+            <a:off x="5934737" y="4736734"/>
+            <a:ext cx="1575938" cy="671768"/>
+          </a:xfrm>
+          <a:prstGeom prst="straightConnector1">
+            <a:avLst/>
+          </a:prstGeom>
+          <a:ln>
+            <a:prstDash val="dash"/>
+            <a:tailEnd type="triangle"/>
+          </a:ln>
+        </p:spPr>
+        <p:style>
+          <a:lnRef idx="1">
+            <a:schemeClr val="accent1"/>
+          </a:lnRef>
+          <a:fillRef idx="0">
+            <a:schemeClr val="accent1"/>
+          </a:fillRef>
+          <a:effectRef idx="0">
+            <a:schemeClr val="accent1"/>
+          </a:effectRef>
+          <a:fontRef idx="minor">
+            <a:schemeClr val="tx1"/>
+          </a:fontRef>
+        </p:style>
+      </p:cxnSp>
+      <p:cxnSp>
+        <p:nvCxnSpPr>
+          <p:cNvPr id="204" name="直线箭头连接符 203">
+            <a:extLst>
+              <a:ext uri="{FF2B5EF4-FFF2-40B4-BE49-F238E27FC236}">
+                <a16:creationId xmlns:a16="http://schemas.microsoft.com/office/drawing/2014/main" id="{C09E6F4E-11A3-2241-95AC-1E4499F460BF}"/>
+              </a:ext>
+            </a:extLst>
+          </p:cNvPr>
+          <p:cNvCxnSpPr>
+            <a:cxnSpLocks/>
+            <a:stCxn id="188" idx="3"/>
+          </p:cNvCxnSpPr>
+          <p:nvPr/>
+        </p:nvCxnSpPr>
+        <p:spPr>
+          <a:xfrm>
+            <a:off x="5934737" y="5668071"/>
+            <a:ext cx="1575938" cy="927131"/>
+          </a:xfrm>
+          <a:prstGeom prst="straightConnector1">
+            <a:avLst/>
+          </a:prstGeom>
+          <a:ln>
+            <a:prstDash val="dash"/>
+            <a:tailEnd type="triangle"/>
+          </a:ln>
+        </p:spPr>
+        <p:style>
+          <a:lnRef idx="1">
+            <a:schemeClr val="accent1"/>
+          </a:lnRef>
+          <a:fillRef idx="0">
+            <a:schemeClr val="accent1"/>
+          </a:fillRef>
+          <a:effectRef idx="0">
+            <a:schemeClr val="accent1"/>
+          </a:effectRef>
+          <a:fontRef idx="minor">
+            <a:schemeClr val="tx1"/>
+          </a:fontRef>
+        </p:style>
+      </p:cxnSp>
+    </p:spTree>
+    <p:extLst>
+      <p:ext uri="{BB962C8B-B14F-4D97-AF65-F5344CB8AC3E}">
+        <p14:creationId xmlns:p14="http://schemas.microsoft.com/office/powerpoint/2010/main" val="3412301176"/>
+      </p:ext>
+    </p:extLst>
+  </p:cSld>
+  <p:clrMapOvr>
+    <a:masterClrMapping/>
+  </p:clrMapOvr>
+</p:sld>
+</file>
+
 <file path=ppt/theme/theme1.xml><?xml version="1.0" encoding="utf-8"?>
 <a:theme xmlns:a="http://schemas.openxmlformats.org/drawingml/2006/main" name="Office 主题​​">
   <a:themeElements>
